--- a/Model_Development.pptx
+++ b/Model_Development.pptx
@@ -11,33 +11,43 @@
     <p:sldId id="281" r:id="rId5"/>
     <p:sldId id="283" r:id="rId6"/>
     <p:sldId id="282" r:id="rId7"/>
-    <p:sldId id="284" r:id="rId8"/>
-    <p:sldId id="285" r:id="rId9"/>
-    <p:sldId id="276" r:id="rId10"/>
-    <p:sldId id="286" r:id="rId11"/>
-    <p:sldId id="287" r:id="rId12"/>
-    <p:sldId id="288" r:id="rId13"/>
-    <p:sldId id="289" r:id="rId14"/>
-    <p:sldId id="290" r:id="rId15"/>
-    <p:sldId id="291" r:id="rId16"/>
-    <p:sldId id="292" r:id="rId17"/>
-    <p:sldId id="293" r:id="rId18"/>
-    <p:sldId id="294" r:id="rId19"/>
-    <p:sldId id="295" r:id="rId20"/>
+    <p:sldId id="285" r:id="rId8"/>
+    <p:sldId id="276" r:id="rId9"/>
+    <p:sldId id="300" r:id="rId10"/>
+    <p:sldId id="284" r:id="rId11"/>
+    <p:sldId id="311" r:id="rId12"/>
+    <p:sldId id="286" r:id="rId13"/>
+    <p:sldId id="287" r:id="rId14"/>
+    <p:sldId id="288" r:id="rId15"/>
+    <p:sldId id="289" r:id="rId16"/>
+    <p:sldId id="312" r:id="rId17"/>
+    <p:sldId id="290" r:id="rId18"/>
+    <p:sldId id="291" r:id="rId19"/>
+    <p:sldId id="292" r:id="rId20"/>
     <p:sldId id="296" r:id="rId21"/>
-    <p:sldId id="297" r:id="rId22"/>
-    <p:sldId id="298" r:id="rId23"/>
-    <p:sldId id="299" r:id="rId24"/>
-    <p:sldId id="300" r:id="rId25"/>
-    <p:sldId id="301" r:id="rId26"/>
-    <p:sldId id="302" r:id="rId27"/>
-    <p:sldId id="303" r:id="rId28"/>
-    <p:sldId id="304" r:id="rId29"/>
-    <p:sldId id="305" r:id="rId30"/>
-    <p:sldId id="306" r:id="rId31"/>
-    <p:sldId id="307" r:id="rId32"/>
-    <p:sldId id="308" r:id="rId33"/>
-    <p:sldId id="309" r:id="rId34"/>
+    <p:sldId id="310" r:id="rId22"/>
+    <p:sldId id="293" r:id="rId23"/>
+    <p:sldId id="319" r:id="rId24"/>
+    <p:sldId id="320" r:id="rId25"/>
+    <p:sldId id="294" r:id="rId26"/>
+    <p:sldId id="295" r:id="rId27"/>
+    <p:sldId id="297" r:id="rId28"/>
+    <p:sldId id="298" r:id="rId29"/>
+    <p:sldId id="299" r:id="rId30"/>
+    <p:sldId id="302" r:id="rId31"/>
+    <p:sldId id="303" r:id="rId32"/>
+    <p:sldId id="304" r:id="rId33"/>
+    <p:sldId id="305" r:id="rId34"/>
+    <p:sldId id="306" r:id="rId35"/>
+    <p:sldId id="307" r:id="rId36"/>
+    <p:sldId id="308" r:id="rId37"/>
+    <p:sldId id="309" r:id="rId38"/>
+    <p:sldId id="313" r:id="rId39"/>
+    <p:sldId id="314" r:id="rId40"/>
+    <p:sldId id="315" r:id="rId41"/>
+    <p:sldId id="316" r:id="rId42"/>
+    <p:sldId id="317" r:id="rId43"/>
+    <p:sldId id="318" r:id="rId44"/>
   </p:sldIdLst>
   <p:sldSz cx="12192000" cy="6858000"/>
   <p:notesSz cx="6858000" cy="9144000"/>
@@ -2343,7 +2353,7 @@
           <a:p>
             <a:fld id="{DD33691C-5F19-41E5-B321-0F7EE4E2A2F5}" type="datetimeFigureOut">
               <a:rPr lang="en-SG" smtClean="0"/>
-              <a:t>14/11/2022</a:t>
+              <a:t>27 Nov 2022</a:t>
             </a:fld>
             <a:endParaRPr lang="en-SG"/>
           </a:p>
@@ -2543,7 +2553,7 @@
           <a:p>
             <a:fld id="{DD33691C-5F19-41E5-B321-0F7EE4E2A2F5}" type="datetimeFigureOut">
               <a:rPr lang="en-SG" smtClean="0"/>
-              <a:t>14/11/2022</a:t>
+              <a:t>27 Nov 2022</a:t>
             </a:fld>
             <a:endParaRPr lang="en-SG"/>
           </a:p>
@@ -2753,7 +2763,7 @@
           <a:p>
             <a:fld id="{DD33691C-5F19-41E5-B321-0F7EE4E2A2F5}" type="datetimeFigureOut">
               <a:rPr lang="en-SG" smtClean="0"/>
-              <a:t>14/11/2022</a:t>
+              <a:t>27 Nov 2022</a:t>
             </a:fld>
             <a:endParaRPr lang="en-SG"/>
           </a:p>
@@ -2953,7 +2963,7 @@
           <a:p>
             <a:fld id="{DD33691C-5F19-41E5-B321-0F7EE4E2A2F5}" type="datetimeFigureOut">
               <a:rPr lang="en-SG" smtClean="0"/>
-              <a:t>14/11/2022</a:t>
+              <a:t>27 Nov 2022</a:t>
             </a:fld>
             <a:endParaRPr lang="en-SG"/>
           </a:p>
@@ -3229,7 +3239,7 @@
           <a:p>
             <a:fld id="{DD33691C-5F19-41E5-B321-0F7EE4E2A2F5}" type="datetimeFigureOut">
               <a:rPr lang="en-SG" smtClean="0"/>
-              <a:t>14/11/2022</a:t>
+              <a:t>27 Nov 2022</a:t>
             </a:fld>
             <a:endParaRPr lang="en-SG"/>
           </a:p>
@@ -3497,7 +3507,7 @@
           <a:p>
             <a:fld id="{DD33691C-5F19-41E5-B321-0F7EE4E2A2F5}" type="datetimeFigureOut">
               <a:rPr lang="en-SG" smtClean="0"/>
-              <a:t>14/11/2022</a:t>
+              <a:t>27 Nov 2022</a:t>
             </a:fld>
             <a:endParaRPr lang="en-SG"/>
           </a:p>
@@ -3912,7 +3922,7 @@
           <a:p>
             <a:fld id="{DD33691C-5F19-41E5-B321-0F7EE4E2A2F5}" type="datetimeFigureOut">
               <a:rPr lang="en-SG" smtClean="0"/>
-              <a:t>14/11/2022</a:t>
+              <a:t>27 Nov 2022</a:t>
             </a:fld>
             <a:endParaRPr lang="en-SG"/>
           </a:p>
@@ -4054,7 +4064,7 @@
           <a:p>
             <a:fld id="{DD33691C-5F19-41E5-B321-0F7EE4E2A2F5}" type="datetimeFigureOut">
               <a:rPr lang="en-SG" smtClean="0"/>
-              <a:t>14/11/2022</a:t>
+              <a:t>27 Nov 2022</a:t>
             </a:fld>
             <a:endParaRPr lang="en-SG"/>
           </a:p>
@@ -4167,7 +4177,7 @@
           <a:p>
             <a:fld id="{DD33691C-5F19-41E5-B321-0F7EE4E2A2F5}" type="datetimeFigureOut">
               <a:rPr lang="en-SG" smtClean="0"/>
-              <a:t>14/11/2022</a:t>
+              <a:t>27 Nov 2022</a:t>
             </a:fld>
             <a:endParaRPr lang="en-SG"/>
           </a:p>
@@ -4480,7 +4490,7 @@
           <a:p>
             <a:fld id="{DD33691C-5F19-41E5-B321-0F7EE4E2A2F5}" type="datetimeFigureOut">
               <a:rPr lang="en-SG" smtClean="0"/>
-              <a:t>14/11/2022</a:t>
+              <a:t>27 Nov 2022</a:t>
             </a:fld>
             <a:endParaRPr lang="en-SG"/>
           </a:p>
@@ -4769,7 +4779,7 @@
           <a:p>
             <a:fld id="{DD33691C-5F19-41E5-B321-0F7EE4E2A2F5}" type="datetimeFigureOut">
               <a:rPr lang="en-SG" smtClean="0"/>
-              <a:t>14/11/2022</a:t>
+              <a:t>27 Nov 2022</a:t>
             </a:fld>
             <a:endParaRPr lang="en-SG"/>
           </a:p>
@@ -5012,7 +5022,7 @@
           <a:p>
             <a:fld id="{DD33691C-5F19-41E5-B321-0F7EE4E2A2F5}" type="datetimeFigureOut">
               <a:rPr lang="en-SG" smtClean="0"/>
-              <a:t>14/11/2022</a:t>
+              <a:t>27 Nov 2022</a:t>
             </a:fld>
             <a:endParaRPr lang="en-SG"/>
           </a:p>
@@ -5484,6 +5494,19 @@
               <a:t>Model Development</a:t>
             </a:r>
           </a:p>
+          <a:p>
+            <a:r>
+              <a:rPr lang="en-SG" i="0">
+                <a:solidFill>
+                  <a:srgbClr val="05192D"/>
+                </a:solidFill>
+                <a:effectLst/>
+                <a:latin typeface="Studio-Feixen-Sans"/>
+              </a:rPr>
+              <a:t>Machine Learning Fundamentals in Python</a:t>
+            </a:r>
+            <a:endParaRPr lang="en-SG"/>
+          </a:p>
         </p:txBody>
       </p:sp>
     </p:spTree>
@@ -5521,7 +5544,378 @@
           <p:cNvPr id="6" name="Group 5">
             <a:extLst>
               <a:ext uri="{FF2B5EF4-FFF2-40B4-BE49-F238E27FC236}">
-                <a16:creationId xmlns:a16="http://schemas.microsoft.com/office/drawing/2014/main" id="{25C3D26A-2770-738F-0D04-5B5747269B34}"/>
+                <a16:creationId xmlns:a16="http://schemas.microsoft.com/office/drawing/2014/main" id="{48D56A53-D758-31B7-26A8-C0ADB96183A2}"/>
+              </a:ext>
+            </a:extLst>
+          </p:cNvPr>
+          <p:cNvGrpSpPr/>
+          <p:nvPr/>
+        </p:nvGrpSpPr>
+        <p:grpSpPr>
+          <a:xfrm>
+            <a:off x="3169443" y="1205755"/>
+            <a:ext cx="5853113" cy="4446490"/>
+            <a:chOff x="2528887" y="719138"/>
+            <a:chExt cx="5853113" cy="4446490"/>
+          </a:xfrm>
+        </p:grpSpPr>
+        <p:pic>
+          <p:nvPicPr>
+            <p:cNvPr id="3" name="Picture 2">
+              <a:extLst>
+                <a:ext uri="{FF2B5EF4-FFF2-40B4-BE49-F238E27FC236}">
+                  <a16:creationId xmlns:a16="http://schemas.microsoft.com/office/drawing/2014/main" id="{2CA616B3-79AF-04A9-12B3-EC8CB676CD9E}"/>
+                </a:ext>
+              </a:extLst>
+            </p:cNvPr>
+            <p:cNvPicPr>
+              <a:picLocks noChangeAspect="1"/>
+            </p:cNvPicPr>
+            <p:nvPr/>
+          </p:nvPicPr>
+          <p:blipFill>
+            <a:blip r:embed="rId2"/>
+            <a:stretch>
+              <a:fillRect/>
+            </a:stretch>
+          </p:blipFill>
+          <p:spPr>
+            <a:xfrm>
+              <a:off x="2528887" y="719138"/>
+              <a:ext cx="5853113" cy="4446490"/>
+            </a:xfrm>
+            <a:prstGeom prst="rect">
+              <a:avLst/>
+            </a:prstGeom>
+          </p:spPr>
+        </p:pic>
+        <p:sp>
+          <p:nvSpPr>
+            <p:cNvPr id="4" name="TextBox 3">
+              <a:extLst>
+                <a:ext uri="{FF2B5EF4-FFF2-40B4-BE49-F238E27FC236}">
+                  <a16:creationId xmlns:a16="http://schemas.microsoft.com/office/drawing/2014/main" id="{667CFAE9-22D6-75FF-8A95-BBA734490118}"/>
+                </a:ext>
+              </a:extLst>
+            </p:cNvPr>
+            <p:cNvSpPr txBox="1"/>
+            <p:nvPr/>
+          </p:nvSpPr>
+          <p:spPr>
+            <a:xfrm>
+              <a:off x="2884715" y="2484653"/>
+              <a:ext cx="4728028" cy="1446550"/>
+            </a:xfrm>
+            <a:prstGeom prst="rect">
+              <a:avLst/>
+            </a:prstGeom>
+            <a:solidFill>
+              <a:schemeClr val="bg1">
+                <a:lumMod val="95000"/>
+              </a:schemeClr>
+            </a:solidFill>
+          </p:spPr>
+          <p:txBody>
+            <a:bodyPr wrap="square">
+              <a:spAutoFit/>
+            </a:bodyPr>
+            <a:lstStyle/>
+            <a:p>
+              <a:r>
+                <a:rPr lang="en-SG" sz="1100">
+                  <a:latin typeface="Consolas" panose="020B0609020204030204" pitchFamily="49" charset="0"/>
+                </a:rPr>
+                <a:t>from sklearn.linear_model import LogisticRegression</a:t>
+              </a:r>
+            </a:p>
+            <a:p>
+              <a:endParaRPr lang="en-SG" sz="1100">
+                <a:latin typeface="Consolas" panose="020B0609020204030204" pitchFamily="49" charset="0"/>
+              </a:endParaRPr>
+            </a:p>
+            <a:p>
+              <a:r>
+                <a:rPr lang="en-SG" sz="1100">
+                  <a:latin typeface="Consolas" panose="020B0609020204030204" pitchFamily="49" charset="0"/>
+                </a:rPr>
+                <a:t>model = LogisticRegression(random_state=1)</a:t>
+              </a:r>
+            </a:p>
+            <a:p>
+              <a:r>
+                <a:rPr lang="en-SG" sz="1100">
+                  <a:latin typeface="Consolas" panose="020B0609020204030204" pitchFamily="49" charset="0"/>
+                </a:rPr>
+                <a:t>model.fit(X_train, y_train)</a:t>
+              </a:r>
+            </a:p>
+            <a:p>
+              <a:endParaRPr lang="en-SG" sz="1100">
+                <a:latin typeface="Consolas" panose="020B0609020204030204" pitchFamily="49" charset="0"/>
+              </a:endParaRPr>
+            </a:p>
+            <a:p>
+              <a:r>
+                <a:rPr lang="en-SG" sz="1100">
+                  <a:latin typeface="Consolas" panose="020B0609020204030204" pitchFamily="49" charset="0"/>
+                </a:rPr>
+                <a:t>y_pred = model.</a:t>
+              </a:r>
+              <a:r>
+                <a:rPr lang="en-SG" sz="1100">
+                  <a:solidFill>
+                    <a:srgbClr val="FF0000"/>
+                  </a:solidFill>
+                  <a:latin typeface="Consolas" panose="020B0609020204030204" pitchFamily="49" charset="0"/>
+                </a:rPr>
+                <a:t>predict</a:t>
+              </a:r>
+              <a:r>
+                <a:rPr lang="en-SG" sz="1100">
+                  <a:latin typeface="Consolas" panose="020B0609020204030204" pitchFamily="49" charset="0"/>
+                </a:rPr>
+                <a:t>(</a:t>
+              </a:r>
+              <a:r>
+                <a:rPr lang="en-SG" sz="1100">
+                  <a:solidFill>
+                    <a:srgbClr val="FF0000"/>
+                  </a:solidFill>
+                  <a:latin typeface="Consolas" panose="020B0609020204030204" pitchFamily="49" charset="0"/>
+                </a:rPr>
+                <a:t>X_test</a:t>
+              </a:r>
+              <a:r>
+                <a:rPr lang="en-SG" sz="1100">
+                  <a:latin typeface="Consolas" panose="020B0609020204030204" pitchFamily="49" charset="0"/>
+                </a:rPr>
+                <a:t>)</a:t>
+              </a:r>
+            </a:p>
+            <a:p>
+              <a:r>
+                <a:rPr lang="en-SG" sz="1100">
+                  <a:latin typeface="Consolas" panose="020B0609020204030204" pitchFamily="49" charset="0"/>
+                </a:rPr>
+                <a:t>score = model.</a:t>
+              </a:r>
+              <a:r>
+                <a:rPr lang="en-SG" sz="1100">
+                  <a:solidFill>
+                    <a:srgbClr val="FF0000"/>
+                  </a:solidFill>
+                  <a:latin typeface="Consolas" panose="020B0609020204030204" pitchFamily="49" charset="0"/>
+                </a:rPr>
+                <a:t>score</a:t>
+              </a:r>
+              <a:r>
+                <a:rPr lang="en-SG" sz="1100">
+                  <a:latin typeface="Consolas" panose="020B0609020204030204" pitchFamily="49" charset="0"/>
+                </a:rPr>
+                <a:t>(X_test, y_test)</a:t>
+              </a:r>
+            </a:p>
+            <a:p>
+              <a:r>
+                <a:rPr lang="en-SG" sz="1100">
+                  <a:latin typeface="Consolas" panose="020B0609020204030204" pitchFamily="49" charset="0"/>
+                </a:rPr>
+                <a:t>print(score)</a:t>
+              </a:r>
+            </a:p>
+          </p:txBody>
+        </p:sp>
+      </p:grpSp>
+    </p:spTree>
+    <p:extLst>
+      <p:ext uri="{BB962C8B-B14F-4D97-AF65-F5344CB8AC3E}">
+        <p14:creationId xmlns:p14="http://schemas.microsoft.com/office/powerpoint/2010/main" val="4141808757"/>
+      </p:ext>
+    </p:extLst>
+  </p:cSld>
+  <p:clrMapOvr>
+    <a:masterClrMapping/>
+  </p:clrMapOvr>
+</p:sld>
+</file>
+
+<file path=ppt/slides/slide11.xml><?xml version="1.0" encoding="utf-8"?>
+<p:sld xmlns:a="http://schemas.openxmlformats.org/drawingml/2006/main" xmlns:r="http://schemas.openxmlformats.org/officeDocument/2006/relationships" xmlns:p="http://schemas.openxmlformats.org/presentationml/2006/main">
+  <p:cSld>
+    <p:spTree>
+      <p:nvGrpSpPr>
+        <p:cNvPr id="1" name=""/>
+        <p:cNvGrpSpPr/>
+        <p:nvPr/>
+      </p:nvGrpSpPr>
+      <p:grpSpPr>
+        <a:xfrm>
+          <a:off x="0" y="0"/>
+          <a:ext cx="0" cy="0"/>
+          <a:chOff x="0" y="0"/>
+          <a:chExt cx="0" cy="0"/>
+        </a:xfrm>
+      </p:grpSpPr>
+      <p:grpSp>
+        <p:nvGrpSpPr>
+          <p:cNvPr id="8" name="Group 7">
+            <a:extLst>
+              <a:ext uri="{FF2B5EF4-FFF2-40B4-BE49-F238E27FC236}">
+                <a16:creationId xmlns:a16="http://schemas.microsoft.com/office/drawing/2014/main" id="{98DA5DD6-B58C-B15C-777B-5762AE023789}"/>
+              </a:ext>
+            </a:extLst>
+          </p:cNvPr>
+          <p:cNvGrpSpPr/>
+          <p:nvPr/>
+        </p:nvGrpSpPr>
+        <p:grpSpPr>
+          <a:xfrm>
+            <a:off x="2945279" y="1640067"/>
+            <a:ext cx="6301442" cy="3577866"/>
+            <a:chOff x="3342620" y="1865671"/>
+            <a:chExt cx="6301442" cy="3577866"/>
+          </a:xfrm>
+        </p:grpSpPr>
+        <p:pic>
+          <p:nvPicPr>
+            <p:cNvPr id="5" name="Picture 4">
+              <a:extLst>
+                <a:ext uri="{FF2B5EF4-FFF2-40B4-BE49-F238E27FC236}">
+                  <a16:creationId xmlns:a16="http://schemas.microsoft.com/office/drawing/2014/main" id="{C0515CCD-D982-81DE-05F8-D7679A5B04AA}"/>
+                </a:ext>
+              </a:extLst>
+            </p:cNvPr>
+            <p:cNvPicPr>
+              <a:picLocks noChangeAspect="1"/>
+            </p:cNvPicPr>
+            <p:nvPr/>
+          </p:nvPicPr>
+          <p:blipFill>
+            <a:blip r:embed="rId2"/>
+            <a:stretch>
+              <a:fillRect/>
+            </a:stretch>
+          </p:blipFill>
+          <p:spPr>
+            <a:xfrm>
+              <a:off x="3342620" y="1865671"/>
+              <a:ext cx="6301442" cy="3577866"/>
+            </a:xfrm>
+            <a:prstGeom prst="rect">
+              <a:avLst/>
+            </a:prstGeom>
+          </p:spPr>
+        </p:pic>
+        <p:sp>
+          <p:nvSpPr>
+            <p:cNvPr id="6" name="TextBox 5">
+              <a:extLst>
+                <a:ext uri="{FF2B5EF4-FFF2-40B4-BE49-F238E27FC236}">
+                  <a16:creationId xmlns:a16="http://schemas.microsoft.com/office/drawing/2014/main" id="{F0D2F763-764C-8B35-B3D8-A9E2D58BBF33}"/>
+                </a:ext>
+              </a:extLst>
+            </p:cNvPr>
+            <p:cNvSpPr txBox="1"/>
+            <p:nvPr/>
+          </p:nvSpPr>
+          <p:spPr>
+            <a:xfrm>
+              <a:off x="3705869" y="3545729"/>
+              <a:ext cx="4623638" cy="600164"/>
+            </a:xfrm>
+            <a:prstGeom prst="rect">
+              <a:avLst/>
+            </a:prstGeom>
+            <a:solidFill>
+              <a:schemeClr val="bg1">
+                <a:lumMod val="95000"/>
+              </a:schemeClr>
+            </a:solidFill>
+          </p:spPr>
+          <p:txBody>
+            <a:bodyPr wrap="square">
+              <a:spAutoFit/>
+            </a:bodyPr>
+            <a:lstStyle>
+              <a:defPPr>
+                <a:defRPr lang="en-US"/>
+              </a:defPPr>
+              <a:lvl1pPr>
+                <a:defRPr sz="1200" b="0" i="0">
+                  <a:solidFill>
+                    <a:srgbClr val="05192D"/>
+                  </a:solidFill>
+                  <a:effectLst/>
+                  <a:latin typeface="Consolas" panose="020B0609020204030204" pitchFamily="49" charset="0"/>
+                </a:defRPr>
+              </a:lvl1pPr>
+            </a:lstStyle>
+            <a:p>
+              <a:r>
+                <a:rPr lang="en-SG" sz="1100"/>
+                <a:t>from sklearn.linear_model import LogisticRegression</a:t>
+              </a:r>
+            </a:p>
+            <a:p>
+              <a:endParaRPr lang="en-SG" sz="1100"/>
+            </a:p>
+            <a:p>
+              <a:r>
+                <a:rPr lang="en-SG" sz="1100"/>
+                <a:t>print(mod.</a:t>
+              </a:r>
+              <a:r>
+                <a:rPr lang="en-SG" sz="1100">
+                  <a:solidFill>
+                    <a:srgbClr val="FF0000"/>
+                  </a:solidFill>
+                </a:rPr>
+                <a:t>predict(new_data)</a:t>
+              </a:r>
+              <a:r>
+                <a:rPr lang="en-SG" sz="1100"/>
+                <a:t>)</a:t>
+              </a:r>
+            </a:p>
+          </p:txBody>
+        </p:sp>
+      </p:grpSp>
+    </p:spTree>
+    <p:extLst>
+      <p:ext uri="{BB962C8B-B14F-4D97-AF65-F5344CB8AC3E}">
+        <p14:creationId xmlns:p14="http://schemas.microsoft.com/office/powerpoint/2010/main" val="4093561559"/>
+      </p:ext>
+    </p:extLst>
+  </p:cSld>
+  <p:clrMapOvr>
+    <a:masterClrMapping/>
+  </p:clrMapOvr>
+</p:sld>
+</file>
+
+<file path=ppt/slides/slide12.xml><?xml version="1.0" encoding="utf-8"?>
+<p:sld xmlns:a="http://schemas.openxmlformats.org/drawingml/2006/main" xmlns:r="http://schemas.openxmlformats.org/officeDocument/2006/relationships" xmlns:p="http://schemas.openxmlformats.org/presentationml/2006/main">
+  <p:cSld>
+    <p:spTree>
+      <p:nvGrpSpPr>
+        <p:cNvPr id="1" name=""/>
+        <p:cNvGrpSpPr/>
+        <p:nvPr/>
+      </p:nvGrpSpPr>
+      <p:grpSpPr>
+        <a:xfrm>
+          <a:off x="0" y="0"/>
+          <a:ext cx="0" cy="0"/>
+          <a:chOff x="0" y="0"/>
+          <a:chExt cx="0" cy="0"/>
+        </a:xfrm>
+      </p:grpSpPr>
+      <p:grpSp>
+        <p:nvGrpSpPr>
+          <p:cNvPr id="4" name="Group 3">
+            <a:extLst>
+              <a:ext uri="{FF2B5EF4-FFF2-40B4-BE49-F238E27FC236}">
+                <a16:creationId xmlns:a16="http://schemas.microsoft.com/office/drawing/2014/main" id="{5E230683-B91E-2E0B-EEAF-8DF709BB65DA}"/>
               </a:ext>
             </a:extLst>
           </p:cNvPr>
@@ -5532,7 +5926,7 @@
           <a:xfrm>
             <a:off x="3218996" y="1512337"/>
             <a:ext cx="5754007" cy="3833326"/>
-            <a:chOff x="2686050" y="1157288"/>
+            <a:chOff x="3218996" y="1512337"/>
             <a:chExt cx="5754007" cy="3833326"/>
           </a:xfrm>
         </p:grpSpPr>
@@ -5558,7 +5952,7 @@
           </p:blipFill>
           <p:spPr>
             <a:xfrm>
-              <a:off x="2686050" y="1157288"/>
+              <a:off x="3218996" y="1512337"/>
               <a:ext cx="5754007" cy="3833326"/>
             </a:xfrm>
             <a:prstGeom prst="rect">
@@ -5580,7 +5974,7 @@
           </p:nvSpPr>
           <p:spPr>
             <a:xfrm>
-              <a:off x="2997200" y="1730157"/>
+              <a:off x="3530146" y="2085206"/>
               <a:ext cx="5014686" cy="430887"/>
             </a:xfrm>
             <a:prstGeom prst="rect">
@@ -5614,6 +6008,58 @@
             </a:p>
           </p:txBody>
         </p:sp>
+        <p:sp>
+          <p:nvSpPr>
+            <p:cNvPr id="2" name="Rectangle 1">
+              <a:extLst>
+                <a:ext uri="{FF2B5EF4-FFF2-40B4-BE49-F238E27FC236}">
+                  <a16:creationId xmlns:a16="http://schemas.microsoft.com/office/drawing/2014/main" id="{A33706E4-20EA-B401-EE9D-6CFB818FAEA6}"/>
+                </a:ext>
+              </a:extLst>
+            </p:cNvPr>
+            <p:cNvSpPr/>
+            <p:nvPr/>
+          </p:nvSpPr>
+          <p:spPr>
+            <a:xfrm>
+              <a:off x="3347884" y="3480619"/>
+              <a:ext cx="5479026" cy="575187"/>
+            </a:xfrm>
+            <a:prstGeom prst="rect">
+              <a:avLst/>
+            </a:prstGeom>
+            <a:noFill/>
+            <a:ln>
+              <a:solidFill>
+                <a:srgbClr val="FF0000"/>
+              </a:solidFill>
+            </a:ln>
+          </p:spPr>
+          <p:style>
+            <a:lnRef idx="2">
+              <a:schemeClr val="accent1">
+                <a:shade val="50000"/>
+              </a:schemeClr>
+            </a:lnRef>
+            <a:fillRef idx="1">
+              <a:schemeClr val="accent1"/>
+            </a:fillRef>
+            <a:effectRef idx="0">
+              <a:schemeClr val="accent1"/>
+            </a:effectRef>
+            <a:fontRef idx="minor">
+              <a:schemeClr val="lt1"/>
+            </a:fontRef>
+          </p:style>
+          <p:txBody>
+            <a:bodyPr rtlCol="0" anchor="ctr"/>
+            <a:lstStyle/>
+            <a:p>
+              <a:pPr algn="ctr"/>
+              <a:endParaRPr lang="en-SG"/>
+            </a:p>
+          </p:txBody>
+        </p:sp>
       </p:grpSp>
     </p:spTree>
     <p:extLst>
@@ -5628,7 +6074,7 @@
 </p:sld>
 </file>
 
-<file path=ppt/slides/slide11.xml><?xml version="1.0" encoding="utf-8"?>
+<file path=ppt/slides/slide13.xml><?xml version="1.0" encoding="utf-8"?>
 <p:sld xmlns:a="http://schemas.openxmlformats.org/drawingml/2006/main" xmlns:r="http://schemas.openxmlformats.org/officeDocument/2006/relationships" xmlns:p="http://schemas.openxmlformats.org/presentationml/2006/main">
   <p:cSld>
     <p:spTree>
@@ -5814,7 +6260,7 @@
 </p:sld>
 </file>
 
-<file path=ppt/slides/slide12.xml><?xml version="1.0" encoding="utf-8"?>
+<file path=ppt/slides/slide14.xml><?xml version="1.0" encoding="utf-8"?>
 <p:sld xmlns:a="http://schemas.openxmlformats.org/drawingml/2006/main" xmlns:r="http://schemas.openxmlformats.org/officeDocument/2006/relationships" xmlns:p="http://schemas.openxmlformats.org/presentationml/2006/main">
   <p:cSld>
     <p:spTree>
@@ -5988,7 +6434,7 @@
 </p:sld>
 </file>
 
-<file path=ppt/slides/slide13.xml><?xml version="1.0" encoding="utf-8"?>
+<file path=ppt/slides/slide15.xml><?xml version="1.0" encoding="utf-8"?>
 <p:sld xmlns:a="http://schemas.openxmlformats.org/drawingml/2006/main" xmlns:r="http://schemas.openxmlformats.org/officeDocument/2006/relationships" xmlns:p="http://schemas.openxmlformats.org/presentationml/2006/main">
   <p:cSld>
     <p:spTree>
@@ -6273,7 +6719,7 @@
 </p:sld>
 </file>
 
-<file path=ppt/slides/slide14.xml><?xml version="1.0" encoding="utf-8"?>
+<file path=ppt/slides/slide16.xml><?xml version="1.0" encoding="utf-8"?>
 <p:sld xmlns:a="http://schemas.openxmlformats.org/drawingml/2006/main" xmlns:r="http://schemas.openxmlformats.org/officeDocument/2006/relationships" xmlns:p="http://schemas.openxmlformats.org/presentationml/2006/main">
   <p:cSld>
     <p:spTree>
@@ -6292,10 +6738,244 @@
       </p:grpSpPr>
       <p:grpSp>
         <p:nvGrpSpPr>
-          <p:cNvPr id="5" name="Group 4">
+          <p:cNvPr id="8" name="Group 7">
             <a:extLst>
               <a:ext uri="{FF2B5EF4-FFF2-40B4-BE49-F238E27FC236}">
-                <a16:creationId xmlns:a16="http://schemas.microsoft.com/office/drawing/2014/main" id="{AC57DD46-581E-A8FE-C67B-EEB3419218AD}"/>
+                <a16:creationId xmlns:a16="http://schemas.microsoft.com/office/drawing/2014/main" id="{94E5B8CC-68DC-A0DD-48D8-D4A864D883AD}"/>
+              </a:ext>
+            </a:extLst>
+          </p:cNvPr>
+          <p:cNvGrpSpPr/>
+          <p:nvPr/>
+        </p:nvGrpSpPr>
+        <p:grpSpPr>
+          <a:xfrm>
+            <a:off x="3356794" y="716278"/>
+            <a:ext cx="5478411" cy="5425443"/>
+            <a:chOff x="2647950" y="14287"/>
+            <a:chExt cx="5478411" cy="5425443"/>
+          </a:xfrm>
+        </p:grpSpPr>
+        <p:pic>
+          <p:nvPicPr>
+            <p:cNvPr id="5" name="Picture 4">
+              <a:extLst>
+                <a:ext uri="{FF2B5EF4-FFF2-40B4-BE49-F238E27FC236}">
+                  <a16:creationId xmlns:a16="http://schemas.microsoft.com/office/drawing/2014/main" id="{F99342AF-76EA-DAA4-E7C3-277BCC0A3DAE}"/>
+                </a:ext>
+              </a:extLst>
+            </p:cNvPr>
+            <p:cNvPicPr>
+              <a:picLocks noChangeAspect="1"/>
+            </p:cNvPicPr>
+            <p:nvPr/>
+          </p:nvPicPr>
+          <p:blipFill>
+            <a:blip r:embed="rId2"/>
+            <a:stretch>
+              <a:fillRect/>
+            </a:stretch>
+          </p:blipFill>
+          <p:spPr>
+            <a:xfrm>
+              <a:off x="2647950" y="14287"/>
+              <a:ext cx="5478411" cy="5425443"/>
+            </a:xfrm>
+            <a:prstGeom prst="rect">
+              <a:avLst/>
+            </a:prstGeom>
+          </p:spPr>
+        </p:pic>
+        <p:sp>
+          <p:nvSpPr>
+            <p:cNvPr id="6" name="TextBox 5">
+              <a:extLst>
+                <a:ext uri="{FF2B5EF4-FFF2-40B4-BE49-F238E27FC236}">
+                  <a16:creationId xmlns:a16="http://schemas.microsoft.com/office/drawing/2014/main" id="{5D912D78-0B1B-8FA9-78B5-6FDB97E50EA0}"/>
+                </a:ext>
+              </a:extLst>
+            </p:cNvPr>
+            <p:cNvSpPr txBox="1"/>
+            <p:nvPr/>
+          </p:nvSpPr>
+          <p:spPr>
+            <a:xfrm>
+              <a:off x="2790778" y="1908659"/>
+              <a:ext cx="5195475" cy="1785104"/>
+            </a:xfrm>
+            <a:prstGeom prst="rect">
+              <a:avLst/>
+            </a:prstGeom>
+            <a:solidFill>
+              <a:schemeClr val="bg1">
+                <a:lumMod val="95000"/>
+              </a:schemeClr>
+            </a:solidFill>
+          </p:spPr>
+          <p:txBody>
+            <a:bodyPr wrap="square">
+              <a:spAutoFit/>
+            </a:bodyPr>
+            <a:lstStyle>
+              <a:defPPr>
+                <a:defRPr lang="en-US"/>
+              </a:defPPr>
+              <a:lvl1pPr>
+                <a:defRPr sz="1200" b="0" i="0">
+                  <a:solidFill>
+                    <a:srgbClr val="05192D"/>
+                  </a:solidFill>
+                  <a:effectLst/>
+                  <a:latin typeface="Consolas" panose="020B0609020204030204" pitchFamily="49" charset="0"/>
+                </a:defRPr>
+              </a:lvl1pPr>
+            </a:lstStyle>
+            <a:p>
+              <a:r>
+                <a:rPr lang="en-SG" sz="1100"/>
+                <a:t>from sklearn.ensemble import RandomForestClassifier</a:t>
+              </a:r>
+            </a:p>
+            <a:p>
+              <a:endParaRPr lang="en-SG" sz="1100"/>
+            </a:p>
+            <a:p>
+              <a:r>
+                <a:rPr lang="en-SG" sz="1100"/>
+                <a:t>model = RandomForestClassifier(random_state=42)</a:t>
+              </a:r>
+            </a:p>
+            <a:p>
+              <a:r>
+                <a:rPr lang="en-SG" sz="1100"/>
+                <a:t>model.fit(X_train, y_train)</a:t>
+              </a:r>
+            </a:p>
+            <a:p>
+              <a:endParaRPr lang="en-SG" sz="1100"/>
+            </a:p>
+            <a:p>
+              <a:r>
+                <a:rPr lang="en-SG" sz="1100"/>
+                <a:t>importances = </a:t>
+              </a:r>
+              <a:r>
+                <a:rPr lang="en-SG" sz="1100">
+                  <a:solidFill>
+                    <a:srgbClr val="FF0000"/>
+                  </a:solidFill>
+                </a:rPr>
+                <a:t>model.feature_importances_</a:t>
+              </a:r>
+            </a:p>
+            <a:p>
+              <a:endParaRPr lang="en-SG" sz="1100"/>
+            </a:p>
+            <a:p>
+              <a:r>
+                <a:rPr lang="en-SG" sz="1100"/>
+                <a:t>feature_importances  = pd.Series(</a:t>
+              </a:r>
+              <a:r>
+                <a:rPr lang="en-SG" sz="1100">
+                  <a:solidFill>
+                    <a:srgbClr val="FF0000"/>
+                  </a:solidFill>
+                </a:rPr>
+                <a:t>importances</a:t>
+              </a:r>
+              <a:r>
+                <a:rPr lang="en-SG" sz="1100"/>
+                <a:t>, wine_feat.columns)</a:t>
+              </a:r>
+            </a:p>
+            <a:p>
+              <a:endParaRPr lang="en-SG" sz="1100"/>
+            </a:p>
+            <a:p>
+              <a:r>
+                <a:rPr lang="en-SG" sz="1100"/>
+                <a:t>print(feature_importances)</a:t>
+              </a:r>
+            </a:p>
+          </p:txBody>
+        </p:sp>
+      </p:grpSp>
+      <p:sp>
+        <p:nvSpPr>
+          <p:cNvPr id="9" name="TextBox 8">
+            <a:extLst>
+              <a:ext uri="{FF2B5EF4-FFF2-40B4-BE49-F238E27FC236}">
+                <a16:creationId xmlns:a16="http://schemas.microsoft.com/office/drawing/2014/main" id="{EFD3D94F-4C1A-85F7-809F-A023A2FE6F0F}"/>
+              </a:ext>
+            </a:extLst>
+          </p:cNvPr>
+          <p:cNvSpPr txBox="1"/>
+          <p:nvPr/>
+        </p:nvSpPr>
+        <p:spPr>
+          <a:xfrm>
+            <a:off x="9383486" y="82715"/>
+            <a:ext cx="2722563" cy="369332"/>
+          </a:xfrm>
+          <a:prstGeom prst="rect">
+            <a:avLst/>
+          </a:prstGeom>
+          <a:solidFill>
+            <a:schemeClr val="accent2"/>
+          </a:solidFill>
+        </p:spPr>
+        <p:txBody>
+          <a:bodyPr wrap="square" rtlCol="0">
+            <a:spAutoFit/>
+          </a:bodyPr>
+          <a:lstStyle/>
+          <a:p>
+            <a:pPr algn="ctr"/>
+            <a:r>
+              <a:rPr lang="en-GB"/>
+              <a:t>HARD</a:t>
+            </a:r>
+            <a:endParaRPr lang="en-SG"/>
+          </a:p>
+        </p:txBody>
+      </p:sp>
+    </p:spTree>
+    <p:extLst>
+      <p:ext uri="{BB962C8B-B14F-4D97-AF65-F5344CB8AC3E}">
+        <p14:creationId xmlns:p14="http://schemas.microsoft.com/office/powerpoint/2010/main" val="1975166312"/>
+      </p:ext>
+    </p:extLst>
+  </p:cSld>
+  <p:clrMapOvr>
+    <a:masterClrMapping/>
+  </p:clrMapOvr>
+</p:sld>
+</file>
+
+<file path=ppt/slides/slide17.xml><?xml version="1.0" encoding="utf-8"?>
+<p:sld xmlns:a="http://schemas.openxmlformats.org/drawingml/2006/main" xmlns:r="http://schemas.openxmlformats.org/officeDocument/2006/relationships" xmlns:p="http://schemas.openxmlformats.org/presentationml/2006/main">
+  <p:cSld>
+    <p:spTree>
+      <p:nvGrpSpPr>
+        <p:cNvPr id="1" name=""/>
+        <p:cNvGrpSpPr/>
+        <p:nvPr/>
+      </p:nvGrpSpPr>
+      <p:grpSpPr>
+        <a:xfrm>
+          <a:off x="0" y="0"/>
+          <a:ext cx="0" cy="0"/>
+          <a:chOff x="0" y="0"/>
+          <a:chExt cx="0" cy="0"/>
+        </a:xfrm>
+      </p:grpSpPr>
+      <p:grpSp>
+        <p:nvGrpSpPr>
+          <p:cNvPr id="6" name="Group 5">
+            <a:extLst>
+              <a:ext uri="{FF2B5EF4-FFF2-40B4-BE49-F238E27FC236}">
+                <a16:creationId xmlns:a16="http://schemas.microsoft.com/office/drawing/2014/main" id="{7F136541-A549-F35E-1A84-7E932A441291}"/>
               </a:ext>
             </a:extLst>
           </p:cNvPr>
@@ -6306,7 +6986,7 @@
           <a:xfrm>
             <a:off x="3214347" y="1703069"/>
             <a:ext cx="5763306" cy="3451861"/>
-            <a:chOff x="2792867" y="954540"/>
+            <a:chOff x="3214347" y="1703069"/>
             <a:chExt cx="5763306" cy="3451861"/>
           </a:xfrm>
         </p:grpSpPr>
@@ -6332,7 +7012,7 @@
           </p:blipFill>
           <p:spPr>
             <a:xfrm>
-              <a:off x="2792867" y="954540"/>
+              <a:off x="3214347" y="1703069"/>
               <a:ext cx="5763306" cy="3451861"/>
             </a:xfrm>
             <a:prstGeom prst="rect">
@@ -6354,7 +7034,7 @@
           </p:nvSpPr>
           <p:spPr>
             <a:xfrm>
-              <a:off x="3133954" y="1396895"/>
+              <a:off x="3555434" y="2145424"/>
               <a:ext cx="5081132" cy="461665"/>
             </a:xfrm>
             <a:prstGeom prst="rect">
@@ -6394,6 +7074,58 @@
             </a:p>
           </p:txBody>
         </p:sp>
+        <p:sp>
+          <p:nvSpPr>
+            <p:cNvPr id="2" name="Rectangle 1">
+              <a:extLst>
+                <a:ext uri="{FF2B5EF4-FFF2-40B4-BE49-F238E27FC236}">
+                  <a16:creationId xmlns:a16="http://schemas.microsoft.com/office/drawing/2014/main" id="{199E28BB-1C05-0284-C9FB-8E7CC503CA5E}"/>
+                </a:ext>
+              </a:extLst>
+            </p:cNvPr>
+            <p:cNvSpPr/>
+            <p:nvPr/>
+          </p:nvSpPr>
+          <p:spPr>
+            <a:xfrm>
+              <a:off x="3356487" y="3392128"/>
+              <a:ext cx="5479026" cy="530943"/>
+            </a:xfrm>
+            <a:prstGeom prst="rect">
+              <a:avLst/>
+            </a:prstGeom>
+            <a:noFill/>
+            <a:ln>
+              <a:solidFill>
+                <a:srgbClr val="FF0000"/>
+              </a:solidFill>
+            </a:ln>
+          </p:spPr>
+          <p:style>
+            <a:lnRef idx="2">
+              <a:schemeClr val="accent1">
+                <a:shade val="50000"/>
+              </a:schemeClr>
+            </a:lnRef>
+            <a:fillRef idx="1">
+              <a:schemeClr val="accent1"/>
+            </a:fillRef>
+            <a:effectRef idx="0">
+              <a:schemeClr val="accent1"/>
+            </a:effectRef>
+            <a:fontRef idx="minor">
+              <a:schemeClr val="lt1"/>
+            </a:fontRef>
+          </p:style>
+          <p:txBody>
+            <a:bodyPr rtlCol="0" anchor="ctr"/>
+            <a:lstStyle/>
+            <a:p>
+              <a:pPr algn="ctr"/>
+              <a:endParaRPr lang="en-SG"/>
+            </a:p>
+          </p:txBody>
+        </p:sp>
       </p:grpSp>
     </p:spTree>
     <p:extLst>
@@ -6408,7 +7140,7 @@
 </p:sld>
 </file>
 
-<file path=ppt/slides/slide15.xml><?xml version="1.0" encoding="utf-8"?>
+<file path=ppt/slides/slide18.xml><?xml version="1.0" encoding="utf-8"?>
 <p:sld xmlns:a="http://schemas.openxmlformats.org/drawingml/2006/main" xmlns:r="http://schemas.openxmlformats.org/officeDocument/2006/relationships" xmlns:p="http://schemas.openxmlformats.org/presentationml/2006/main">
   <p:cSld>
     <p:spTree>
@@ -6427,10 +7159,10 @@
       </p:grpSpPr>
       <p:grpSp>
         <p:nvGrpSpPr>
-          <p:cNvPr id="8" name="Group 7">
+          <p:cNvPr id="4" name="Group 3">
             <a:extLst>
               <a:ext uri="{FF2B5EF4-FFF2-40B4-BE49-F238E27FC236}">
-                <a16:creationId xmlns:a16="http://schemas.microsoft.com/office/drawing/2014/main" id="{CB752066-CC18-FC17-4026-38C19B415CAB}"/>
+                <a16:creationId xmlns:a16="http://schemas.microsoft.com/office/drawing/2014/main" id="{30C1FD2E-A2F8-904D-7F87-387F701B630B}"/>
               </a:ext>
             </a:extLst>
           </p:cNvPr>
@@ -6533,6 +7265,58 @@
             </a:p>
           </p:txBody>
         </p:sp>
+        <p:sp>
+          <p:nvSpPr>
+            <p:cNvPr id="2" name="Rectangle 1">
+              <a:extLst>
+                <a:ext uri="{FF2B5EF4-FFF2-40B4-BE49-F238E27FC236}">
+                  <a16:creationId xmlns:a16="http://schemas.microsoft.com/office/drawing/2014/main" id="{4C97334B-1BD7-5F8B-8D55-BED2E9B7861B}"/>
+                </a:ext>
+              </a:extLst>
+            </p:cNvPr>
+            <p:cNvSpPr/>
+            <p:nvPr/>
+          </p:nvSpPr>
+          <p:spPr>
+            <a:xfrm>
+              <a:off x="3502743" y="5700252"/>
+              <a:ext cx="5080818" cy="508818"/>
+            </a:xfrm>
+            <a:prstGeom prst="rect">
+              <a:avLst/>
+            </a:prstGeom>
+            <a:noFill/>
+            <a:ln>
+              <a:solidFill>
+                <a:srgbClr val="FF0000"/>
+              </a:solidFill>
+            </a:ln>
+          </p:spPr>
+          <p:style>
+            <a:lnRef idx="2">
+              <a:schemeClr val="accent1">
+                <a:shade val="50000"/>
+              </a:schemeClr>
+            </a:lnRef>
+            <a:fillRef idx="1">
+              <a:schemeClr val="accent1"/>
+            </a:fillRef>
+            <a:effectRef idx="0">
+              <a:schemeClr val="accent1"/>
+            </a:effectRef>
+            <a:fontRef idx="minor">
+              <a:schemeClr val="lt1"/>
+            </a:fontRef>
+          </p:style>
+          <p:txBody>
+            <a:bodyPr rtlCol="0" anchor="ctr"/>
+            <a:lstStyle/>
+            <a:p>
+              <a:pPr algn="ctr"/>
+              <a:endParaRPr lang="en-SG"/>
+            </a:p>
+          </p:txBody>
+        </p:sp>
       </p:grpSp>
     </p:spTree>
     <p:extLst>
@@ -6547,7 +7331,7 @@
 </p:sld>
 </file>
 
-<file path=ppt/slides/slide16.xml><?xml version="1.0" encoding="utf-8"?>
+<file path=ppt/slides/slide19.xml><?xml version="1.0" encoding="utf-8"?>
 <p:sld xmlns:a="http://schemas.openxmlformats.org/drawingml/2006/main" xmlns:r="http://schemas.openxmlformats.org/officeDocument/2006/relationships" xmlns:p="http://schemas.openxmlformats.org/presentationml/2006/main">
   <p:cSld>
     <p:spTree>
@@ -6737,666 +7521,6 @@
     <p:extLst>
       <p:ext uri="{BB962C8B-B14F-4D97-AF65-F5344CB8AC3E}">
         <p14:creationId xmlns:p14="http://schemas.microsoft.com/office/powerpoint/2010/main" val="3927937441"/>
-      </p:ext>
-    </p:extLst>
-  </p:cSld>
-  <p:clrMapOvr>
-    <a:masterClrMapping/>
-  </p:clrMapOvr>
-</p:sld>
-</file>
-
-<file path=ppt/slides/slide17.xml><?xml version="1.0" encoding="utf-8"?>
-<p:sld xmlns:a="http://schemas.openxmlformats.org/drawingml/2006/main" xmlns:r="http://schemas.openxmlformats.org/officeDocument/2006/relationships" xmlns:p="http://schemas.openxmlformats.org/presentationml/2006/main">
-  <p:cSld>
-    <p:spTree>
-      <p:nvGrpSpPr>
-        <p:cNvPr id="1" name=""/>
-        <p:cNvGrpSpPr/>
-        <p:nvPr/>
-      </p:nvGrpSpPr>
-      <p:grpSpPr>
-        <a:xfrm>
-          <a:off x="0" y="0"/>
-          <a:ext cx="0" cy="0"/>
-          <a:chOff x="0" y="0"/>
-          <a:chExt cx="0" cy="0"/>
-        </a:xfrm>
-      </p:grpSpPr>
-      <p:grpSp>
-        <p:nvGrpSpPr>
-          <p:cNvPr id="6" name="Group 5">
-            <a:extLst>
-              <a:ext uri="{FF2B5EF4-FFF2-40B4-BE49-F238E27FC236}">
-                <a16:creationId xmlns:a16="http://schemas.microsoft.com/office/drawing/2014/main" id="{58C9BFF2-CF04-39C2-1717-F575767FEA3D}"/>
-              </a:ext>
-            </a:extLst>
-          </p:cNvPr>
-          <p:cNvGrpSpPr/>
-          <p:nvPr/>
-        </p:nvGrpSpPr>
-        <p:grpSpPr>
-          <a:xfrm>
-            <a:off x="3112746" y="954995"/>
-            <a:ext cx="5966507" cy="4948010"/>
-            <a:chOff x="2967038" y="335191"/>
-            <a:chExt cx="5966507" cy="4948010"/>
-          </a:xfrm>
-        </p:grpSpPr>
-        <p:pic>
-          <p:nvPicPr>
-            <p:cNvPr id="3" name="Picture 2">
-              <a:extLst>
-                <a:ext uri="{FF2B5EF4-FFF2-40B4-BE49-F238E27FC236}">
-                  <a16:creationId xmlns:a16="http://schemas.microsoft.com/office/drawing/2014/main" id="{ECE01F00-0666-D21A-799F-04327DC80555}"/>
-                </a:ext>
-              </a:extLst>
-            </p:cNvPr>
-            <p:cNvPicPr>
-              <a:picLocks noChangeAspect="1"/>
-            </p:cNvPicPr>
-            <p:nvPr/>
-          </p:nvPicPr>
-          <p:blipFill>
-            <a:blip r:embed="rId2"/>
-            <a:stretch>
-              <a:fillRect/>
-            </a:stretch>
-          </p:blipFill>
-          <p:spPr>
-            <a:xfrm>
-              <a:off x="2967038" y="335191"/>
-              <a:ext cx="5803507" cy="4948010"/>
-            </a:xfrm>
-            <a:prstGeom prst="rect">
-              <a:avLst/>
-            </a:prstGeom>
-          </p:spPr>
-        </p:pic>
-        <p:sp>
-          <p:nvSpPr>
-            <p:cNvPr id="4" name="TextBox 3">
-              <a:extLst>
-                <a:ext uri="{FF2B5EF4-FFF2-40B4-BE49-F238E27FC236}">
-                  <a16:creationId xmlns:a16="http://schemas.microsoft.com/office/drawing/2014/main" id="{26A052BD-BC60-9DC0-26E7-0935792D2E23}"/>
-                </a:ext>
-              </a:extLst>
-            </p:cNvPr>
-            <p:cNvSpPr txBox="1"/>
-            <p:nvPr/>
-          </p:nvSpPr>
-          <p:spPr>
-            <a:xfrm>
-              <a:off x="3359391" y="2276299"/>
-              <a:ext cx="5574154" cy="1785104"/>
-            </a:xfrm>
-            <a:prstGeom prst="rect">
-              <a:avLst/>
-            </a:prstGeom>
-            <a:solidFill>
-              <a:schemeClr val="bg1">
-                <a:lumMod val="95000"/>
-              </a:schemeClr>
-            </a:solidFill>
-          </p:spPr>
-          <p:txBody>
-            <a:bodyPr wrap="square">
-              <a:spAutoFit/>
-            </a:bodyPr>
-            <a:lstStyle>
-              <a:defPPr>
-                <a:defRPr lang="en-US"/>
-              </a:defPPr>
-              <a:lvl1pPr>
-                <a:defRPr sz="1200" b="0" i="0">
-                  <a:solidFill>
-                    <a:srgbClr val="05192D"/>
-                  </a:solidFill>
-                  <a:effectLst/>
-                  <a:latin typeface="Consolas" panose="020B0609020204030204" pitchFamily="49" charset="0"/>
-                </a:defRPr>
-              </a:lvl1pPr>
-            </a:lstStyle>
-            <a:p>
-              <a:r>
-                <a:rPr lang="en-SG" sz="1100"/>
-                <a:t>import numpy as np</a:t>
-              </a:r>
-            </a:p>
-            <a:p>
-              <a:r>
-                <a:rPr lang="en-SG" sz="1100"/>
-                <a:t>from sklearn.metrics import mean_squared_error, r2_score</a:t>
-              </a:r>
-            </a:p>
-            <a:p>
-              <a:r>
-                <a:rPr lang="en-SG" sz="1100"/>
-                <a:t>from sklearn.linear_model import </a:t>
-              </a:r>
-              <a:r>
-                <a:rPr lang="en-SG" sz="1100">
-                  <a:solidFill>
-                    <a:srgbClr val="FF0000"/>
-                  </a:solidFill>
-                </a:rPr>
-                <a:t>Lasso</a:t>
-              </a:r>
-            </a:p>
-            <a:p>
-              <a:endParaRPr lang="en-SG" sz="1100"/>
-            </a:p>
-            <a:p>
-              <a:r>
-                <a:rPr lang="en-SG" sz="1100"/>
-                <a:t>lasso_model = </a:t>
-              </a:r>
-              <a:r>
-                <a:rPr lang="en-SG" sz="1100">
-                  <a:solidFill>
-                    <a:srgbClr val="FF0000"/>
-                  </a:solidFill>
-                </a:rPr>
-                <a:t>Lasso</a:t>
-              </a:r>
-              <a:r>
-                <a:rPr lang="en-SG" sz="1100"/>
-                <a:t>(</a:t>
-              </a:r>
-              <a:r>
-                <a:rPr lang="en-SG" sz="1100">
-                  <a:solidFill>
-                    <a:srgbClr val="FF0000"/>
-                  </a:solidFill>
-                </a:rPr>
-                <a:t>alpha=0.01</a:t>
-              </a:r>
-              <a:r>
-                <a:rPr lang="en-SG" sz="1100"/>
-                <a:t>)</a:t>
-              </a:r>
-            </a:p>
-            <a:p>
-              <a:endParaRPr lang="en-SG" sz="1100"/>
-            </a:p>
-            <a:p>
-              <a:r>
-                <a:rPr lang="en-SG" sz="1100"/>
-                <a:t>lasso_model.fit(X_train, y_train)</a:t>
-              </a:r>
-            </a:p>
-            <a:p>
-              <a:endParaRPr lang="en-SG" sz="1100"/>
-            </a:p>
-            <a:p>
-              <a:r>
-                <a:rPr lang="en-SG" sz="1100"/>
-                <a:t>lasso_predictions = lasso_model.predict(X_test)</a:t>
-              </a:r>
-            </a:p>
-            <a:p>
-              <a:r>
-                <a:rPr lang="en-SG" sz="1100"/>
-                <a:t>print("RMSE: ", np.sqrt(mean_squared_error(y_test,lasso_predictions)))</a:t>
-              </a:r>
-            </a:p>
-          </p:txBody>
-        </p:sp>
-      </p:grpSp>
-    </p:spTree>
-    <p:extLst>
-      <p:ext uri="{BB962C8B-B14F-4D97-AF65-F5344CB8AC3E}">
-        <p14:creationId xmlns:p14="http://schemas.microsoft.com/office/powerpoint/2010/main" val="3388327383"/>
-      </p:ext>
-    </p:extLst>
-  </p:cSld>
-  <p:clrMapOvr>
-    <a:masterClrMapping/>
-  </p:clrMapOvr>
-</p:sld>
-</file>
-
-<file path=ppt/slides/slide18.xml><?xml version="1.0" encoding="utf-8"?>
-<p:sld xmlns:a="http://schemas.openxmlformats.org/drawingml/2006/main" xmlns:r="http://schemas.openxmlformats.org/officeDocument/2006/relationships" xmlns:p="http://schemas.openxmlformats.org/presentationml/2006/main">
-  <p:cSld>
-    <p:spTree>
-      <p:nvGrpSpPr>
-        <p:cNvPr id="1" name=""/>
-        <p:cNvGrpSpPr/>
-        <p:nvPr/>
-      </p:nvGrpSpPr>
-      <p:grpSpPr>
-        <a:xfrm>
-          <a:off x="0" y="0"/>
-          <a:ext cx="0" cy="0"/>
-          <a:chOff x="0" y="0"/>
-          <a:chExt cx="0" cy="0"/>
-        </a:xfrm>
-      </p:grpSpPr>
-      <p:grpSp>
-        <p:nvGrpSpPr>
-          <p:cNvPr id="5" name="Group 4">
-            <a:extLst>
-              <a:ext uri="{FF2B5EF4-FFF2-40B4-BE49-F238E27FC236}">
-                <a16:creationId xmlns:a16="http://schemas.microsoft.com/office/drawing/2014/main" id="{60C34770-7B2B-C31B-17AA-36DF0E59CB0B}"/>
-              </a:ext>
-            </a:extLst>
-          </p:cNvPr>
-          <p:cNvGrpSpPr/>
-          <p:nvPr/>
-        </p:nvGrpSpPr>
-        <p:grpSpPr>
-          <a:xfrm>
-            <a:off x="3150961" y="690809"/>
-            <a:ext cx="5890078" cy="5476382"/>
-            <a:chOff x="3181350" y="246743"/>
-            <a:chExt cx="5890078" cy="5476382"/>
-          </a:xfrm>
-        </p:grpSpPr>
-        <p:pic>
-          <p:nvPicPr>
-            <p:cNvPr id="3" name="Picture 2">
-              <a:extLst>
-                <a:ext uri="{FF2B5EF4-FFF2-40B4-BE49-F238E27FC236}">
-                  <a16:creationId xmlns:a16="http://schemas.microsoft.com/office/drawing/2014/main" id="{4BDD3AFF-009D-A5A2-E6D4-35DC021364D0}"/>
-                </a:ext>
-              </a:extLst>
-            </p:cNvPr>
-            <p:cNvPicPr>
-              <a:picLocks noChangeAspect="1"/>
-            </p:cNvPicPr>
-            <p:nvPr/>
-          </p:nvPicPr>
-          <p:blipFill>
-            <a:blip r:embed="rId2"/>
-            <a:stretch>
-              <a:fillRect/>
-            </a:stretch>
-          </p:blipFill>
-          <p:spPr>
-            <a:xfrm>
-              <a:off x="3181350" y="246743"/>
-              <a:ext cx="5454650" cy="5476382"/>
-            </a:xfrm>
-            <a:prstGeom prst="rect">
-              <a:avLst/>
-            </a:prstGeom>
-          </p:spPr>
-        </p:pic>
-        <p:sp>
-          <p:nvSpPr>
-            <p:cNvPr id="4" name="TextBox 3">
-              <a:extLst>
-                <a:ext uri="{FF2B5EF4-FFF2-40B4-BE49-F238E27FC236}">
-                  <a16:creationId xmlns:a16="http://schemas.microsoft.com/office/drawing/2014/main" id="{7F803B94-1E43-7C32-660B-D59B3D6DBFCB}"/>
-                </a:ext>
-              </a:extLst>
-            </p:cNvPr>
-            <p:cNvSpPr txBox="1"/>
-            <p:nvPr/>
-          </p:nvSpPr>
-          <p:spPr>
-            <a:xfrm>
-              <a:off x="3497274" y="2937869"/>
-              <a:ext cx="5574154" cy="938719"/>
-            </a:xfrm>
-            <a:prstGeom prst="rect">
-              <a:avLst/>
-            </a:prstGeom>
-            <a:solidFill>
-              <a:schemeClr val="bg1">
-                <a:lumMod val="95000"/>
-              </a:schemeClr>
-            </a:solidFill>
-          </p:spPr>
-          <p:txBody>
-            <a:bodyPr wrap="square">
-              <a:spAutoFit/>
-            </a:bodyPr>
-            <a:lstStyle>
-              <a:defPPr>
-                <a:defRPr lang="en-US"/>
-              </a:defPPr>
-              <a:lvl1pPr>
-                <a:defRPr sz="1200" b="0" i="0">
-                  <a:solidFill>
-                    <a:srgbClr val="05192D"/>
-                  </a:solidFill>
-                  <a:effectLst/>
-                  <a:latin typeface="Consolas" panose="020B0609020204030204" pitchFamily="49" charset="0"/>
-                </a:defRPr>
-              </a:lvl1pPr>
-            </a:lstStyle>
-            <a:p>
-              <a:r>
-                <a:rPr lang="en-SG" sz="1100"/>
-                <a:t>from sklearn.preprocessing import StandardScaler</a:t>
-              </a:r>
-            </a:p>
-            <a:p>
-              <a:endParaRPr lang="en-SG" sz="1100"/>
-            </a:p>
-            <a:p>
-              <a:r>
-                <a:rPr lang="en-SG" sz="1100"/>
-                <a:t>scaler = </a:t>
-              </a:r>
-              <a:r>
-                <a:rPr lang="en-SG" sz="1100">
-                  <a:solidFill>
-                    <a:srgbClr val="FF0000"/>
-                  </a:solidFill>
-                </a:rPr>
-                <a:t>StandardScaler</a:t>
-              </a:r>
-              <a:r>
-                <a:rPr lang="en-SG" sz="1100"/>
-                <a:t>()</a:t>
-              </a:r>
-            </a:p>
-            <a:p>
-              <a:r>
-                <a:rPr lang="en-SG" sz="1100"/>
-                <a:t>df_scaled = pd.DataFrame(</a:t>
-              </a:r>
-              <a:r>
-                <a:rPr lang="en-SG" sz="1100">
-                  <a:solidFill>
-                    <a:srgbClr val="FF0000"/>
-                  </a:solidFill>
-                </a:rPr>
-                <a:t>scaler.fit_transform</a:t>
-              </a:r>
-              <a:r>
-                <a:rPr lang="en-SG" sz="1100"/>
-                <a:t>(df), columns=df.columns)</a:t>
-              </a:r>
-            </a:p>
-            <a:p>
-              <a:r>
-                <a:rPr lang="en-SG" sz="1100"/>
-                <a:t>print(df_scaled.head())</a:t>
-              </a:r>
-            </a:p>
-          </p:txBody>
-        </p:sp>
-      </p:grpSp>
-      <p:sp>
-        <p:nvSpPr>
-          <p:cNvPr id="6" name="TextBox 5">
-            <a:extLst>
-              <a:ext uri="{FF2B5EF4-FFF2-40B4-BE49-F238E27FC236}">
-                <a16:creationId xmlns:a16="http://schemas.microsoft.com/office/drawing/2014/main" id="{7FB6E11E-F41C-D537-81A6-80BC87CAFB14}"/>
-              </a:ext>
-            </a:extLst>
-          </p:cNvPr>
-          <p:cNvSpPr txBox="1"/>
-          <p:nvPr/>
-        </p:nvSpPr>
-        <p:spPr>
-          <a:xfrm>
-            <a:off x="9383486" y="82715"/>
-            <a:ext cx="2722563" cy="369332"/>
-          </a:xfrm>
-          <a:prstGeom prst="rect">
-            <a:avLst/>
-          </a:prstGeom>
-          <a:solidFill>
-            <a:schemeClr val="accent2"/>
-          </a:solidFill>
-        </p:spPr>
-        <p:txBody>
-          <a:bodyPr wrap="square" rtlCol="0">
-            <a:spAutoFit/>
-          </a:bodyPr>
-          <a:lstStyle/>
-          <a:p>
-            <a:pPr algn="ctr"/>
-            <a:r>
-              <a:rPr lang="en-GB"/>
-              <a:t>HARD</a:t>
-            </a:r>
-            <a:endParaRPr lang="en-SG"/>
-          </a:p>
-        </p:txBody>
-      </p:sp>
-    </p:spTree>
-    <p:extLst>
-      <p:ext uri="{BB962C8B-B14F-4D97-AF65-F5344CB8AC3E}">
-        <p14:creationId xmlns:p14="http://schemas.microsoft.com/office/powerpoint/2010/main" val="213598984"/>
-      </p:ext>
-    </p:extLst>
-  </p:cSld>
-  <p:clrMapOvr>
-    <a:masterClrMapping/>
-  </p:clrMapOvr>
-</p:sld>
-</file>
-
-<file path=ppt/slides/slide19.xml><?xml version="1.0" encoding="utf-8"?>
-<p:sld xmlns:a="http://schemas.openxmlformats.org/drawingml/2006/main" xmlns:r="http://schemas.openxmlformats.org/officeDocument/2006/relationships" xmlns:p="http://schemas.openxmlformats.org/presentationml/2006/main">
-  <p:cSld>
-    <p:spTree>
-      <p:nvGrpSpPr>
-        <p:cNvPr id="1" name=""/>
-        <p:cNvGrpSpPr/>
-        <p:nvPr/>
-      </p:nvGrpSpPr>
-      <p:grpSpPr>
-        <a:xfrm>
-          <a:off x="0" y="0"/>
-          <a:ext cx="0" cy="0"/>
-          <a:chOff x="0" y="0"/>
-          <a:chExt cx="0" cy="0"/>
-        </a:xfrm>
-      </p:grpSpPr>
-      <p:grpSp>
-        <p:nvGrpSpPr>
-          <p:cNvPr id="5" name="Group 4">
-            <a:extLst>
-              <a:ext uri="{FF2B5EF4-FFF2-40B4-BE49-F238E27FC236}">
-                <a16:creationId xmlns:a16="http://schemas.microsoft.com/office/drawing/2014/main" id="{77EFDAD3-C2A2-27E4-B6B5-4A13C8F05C39}"/>
-              </a:ext>
-            </a:extLst>
-          </p:cNvPr>
-          <p:cNvGrpSpPr/>
-          <p:nvPr/>
-        </p:nvGrpSpPr>
-        <p:grpSpPr>
-          <a:xfrm>
-            <a:off x="3392296" y="685800"/>
-            <a:ext cx="5407407" cy="5486400"/>
-            <a:chOff x="2796199" y="268514"/>
-            <a:chExt cx="5407407" cy="5486400"/>
-          </a:xfrm>
-        </p:grpSpPr>
-        <p:pic>
-          <p:nvPicPr>
-            <p:cNvPr id="3" name="Picture 2">
-              <a:extLst>
-                <a:ext uri="{FF2B5EF4-FFF2-40B4-BE49-F238E27FC236}">
-                  <a16:creationId xmlns:a16="http://schemas.microsoft.com/office/drawing/2014/main" id="{5D07C505-CA0A-B5B4-A050-5F9B1F0DD7F5}"/>
-                </a:ext>
-              </a:extLst>
-            </p:cNvPr>
-            <p:cNvPicPr>
-              <a:picLocks noChangeAspect="1"/>
-            </p:cNvPicPr>
-            <p:nvPr/>
-          </p:nvPicPr>
-          <p:blipFill>
-            <a:blip r:embed="rId2"/>
-            <a:stretch>
-              <a:fillRect/>
-            </a:stretch>
-          </p:blipFill>
-          <p:spPr>
-            <a:xfrm>
-              <a:off x="2796199" y="268514"/>
-              <a:ext cx="5407407" cy="5486400"/>
-            </a:xfrm>
-            <a:prstGeom prst="rect">
-              <a:avLst/>
-            </a:prstGeom>
-          </p:spPr>
-        </p:pic>
-        <p:sp>
-          <p:nvSpPr>
-            <p:cNvPr id="4" name="TextBox 3">
-              <a:extLst>
-                <a:ext uri="{FF2B5EF4-FFF2-40B4-BE49-F238E27FC236}">
-                  <a16:creationId xmlns:a16="http://schemas.microsoft.com/office/drawing/2014/main" id="{DCBD1B6F-D414-751F-E364-ABE1AA44C67D}"/>
-                </a:ext>
-              </a:extLst>
-            </p:cNvPr>
-            <p:cNvSpPr txBox="1"/>
-            <p:nvPr/>
-          </p:nvSpPr>
-          <p:spPr>
-            <a:xfrm>
-              <a:off x="3133406" y="2974154"/>
-              <a:ext cx="4602708" cy="938719"/>
-            </a:xfrm>
-            <a:prstGeom prst="rect">
-              <a:avLst/>
-            </a:prstGeom>
-            <a:solidFill>
-              <a:schemeClr val="bg1">
-                <a:lumMod val="95000"/>
-              </a:schemeClr>
-            </a:solidFill>
-          </p:spPr>
-          <p:txBody>
-            <a:bodyPr wrap="square">
-              <a:spAutoFit/>
-            </a:bodyPr>
-            <a:lstStyle>
-              <a:defPPr>
-                <a:defRPr lang="en-US"/>
-              </a:defPPr>
-              <a:lvl1pPr>
-                <a:defRPr sz="1200" b="0" i="0">
-                  <a:solidFill>
-                    <a:srgbClr val="05192D"/>
-                  </a:solidFill>
-                  <a:effectLst/>
-                  <a:latin typeface="Consolas" panose="020B0609020204030204" pitchFamily="49" charset="0"/>
-                </a:defRPr>
-              </a:lvl1pPr>
-            </a:lstStyle>
-            <a:p>
-              <a:r>
-                <a:rPr lang="en-SG" sz="1100"/>
-                <a:t>from sklearn.preprocessing import </a:t>
-              </a:r>
-              <a:r>
-                <a:rPr lang="en-SG" sz="1100">
-                  <a:solidFill>
-                    <a:srgbClr val="FF0000"/>
-                  </a:solidFill>
-                </a:rPr>
-                <a:t>LabelEncoder</a:t>
-              </a:r>
-            </a:p>
-            <a:p>
-              <a:endParaRPr lang="en-SG" sz="1100"/>
-            </a:p>
-            <a:p>
-              <a:r>
-                <a:rPr lang="en-SG" sz="1100"/>
-                <a:t>le = </a:t>
-              </a:r>
-              <a:r>
-                <a:rPr lang="en-SG" sz="1100">
-                  <a:solidFill>
-                    <a:srgbClr val="FF0000"/>
-                  </a:solidFill>
-                </a:rPr>
-                <a:t>LabelEncoder()</a:t>
-              </a:r>
-            </a:p>
-            <a:p>
-              <a:r>
-                <a:rPr lang="en-SG" sz="1100"/>
-                <a:t>housing['Borough'] = le.</a:t>
-              </a:r>
-              <a:r>
-                <a:rPr lang="en-SG" sz="1100">
-                  <a:solidFill>
-                    <a:srgbClr val="FF0000"/>
-                  </a:solidFill>
-                </a:rPr>
-                <a:t>fit_transform</a:t>
-              </a:r>
-              <a:r>
-                <a:rPr lang="en-SG" sz="1100"/>
-                <a:t>(housing[</a:t>
-              </a:r>
-              <a:r>
-                <a:rPr lang="en-SG" sz="1100">
-                  <a:solidFill>
-                    <a:srgbClr val="FF0000"/>
-                  </a:solidFill>
-                </a:rPr>
-                <a:t>'Borough'</a:t>
-              </a:r>
-              <a:r>
-                <a:rPr lang="en-SG" sz="1100"/>
-                <a:t>])</a:t>
-              </a:r>
-            </a:p>
-            <a:p>
-              <a:r>
-                <a:rPr lang="en-SG" sz="1100"/>
-                <a:t>print(housing)</a:t>
-              </a:r>
-            </a:p>
-          </p:txBody>
-        </p:sp>
-      </p:grpSp>
-      <p:sp>
-        <p:nvSpPr>
-          <p:cNvPr id="6" name="TextBox 5">
-            <a:extLst>
-              <a:ext uri="{FF2B5EF4-FFF2-40B4-BE49-F238E27FC236}">
-                <a16:creationId xmlns:a16="http://schemas.microsoft.com/office/drawing/2014/main" id="{FB777688-1599-4765-BDE0-49809642EDB4}"/>
-              </a:ext>
-            </a:extLst>
-          </p:cNvPr>
-          <p:cNvSpPr txBox="1"/>
-          <p:nvPr/>
-        </p:nvSpPr>
-        <p:spPr>
-          <a:xfrm>
-            <a:off x="9383486" y="82715"/>
-            <a:ext cx="2722563" cy="369332"/>
-          </a:xfrm>
-          <a:prstGeom prst="rect">
-            <a:avLst/>
-          </a:prstGeom>
-          <a:solidFill>
-            <a:schemeClr val="accent2"/>
-          </a:solidFill>
-        </p:spPr>
-        <p:txBody>
-          <a:bodyPr wrap="square" rtlCol="0">
-            <a:spAutoFit/>
-          </a:bodyPr>
-          <a:lstStyle/>
-          <a:p>
-            <a:pPr algn="ctr"/>
-            <a:r>
-              <a:rPr lang="en-GB"/>
-              <a:t>HARD</a:t>
-            </a:r>
-            <a:endParaRPr lang="en-SG"/>
-          </a:p>
-        </p:txBody>
-      </p:sp>
-    </p:spTree>
-    <p:extLst>
-      <p:ext uri="{BB962C8B-B14F-4D97-AF65-F5344CB8AC3E}">
-        <p14:creationId xmlns:p14="http://schemas.microsoft.com/office/powerpoint/2010/main" val="2069008575"/>
       </p:ext>
     </p:extLst>
   </p:cSld>
@@ -7918,6 +8042,1322 @@
       </p:grpSpPr>
       <p:grpSp>
         <p:nvGrpSpPr>
+          <p:cNvPr id="8" name="Group 7">
+            <a:extLst>
+              <a:ext uri="{FF2B5EF4-FFF2-40B4-BE49-F238E27FC236}">
+                <a16:creationId xmlns:a16="http://schemas.microsoft.com/office/drawing/2014/main" id="{7A75729F-F768-D201-9083-4EBBBFFFB0A4}"/>
+              </a:ext>
+            </a:extLst>
+          </p:cNvPr>
+          <p:cNvGrpSpPr/>
+          <p:nvPr/>
+        </p:nvGrpSpPr>
+        <p:grpSpPr>
+          <a:xfrm>
+            <a:off x="3553526" y="1102826"/>
+            <a:ext cx="5084948" cy="4652348"/>
+            <a:chOff x="2949369" y="546458"/>
+            <a:chExt cx="5084948" cy="4652348"/>
+          </a:xfrm>
+        </p:grpSpPr>
+        <p:pic>
+          <p:nvPicPr>
+            <p:cNvPr id="5" name="Picture 4">
+              <a:extLst>
+                <a:ext uri="{FF2B5EF4-FFF2-40B4-BE49-F238E27FC236}">
+                  <a16:creationId xmlns:a16="http://schemas.microsoft.com/office/drawing/2014/main" id="{FE3A8087-E0E5-C48F-D831-7122344D9624}"/>
+                </a:ext>
+              </a:extLst>
+            </p:cNvPr>
+            <p:cNvPicPr>
+              <a:picLocks noChangeAspect="1"/>
+            </p:cNvPicPr>
+            <p:nvPr/>
+          </p:nvPicPr>
+          <p:blipFill>
+            <a:blip r:embed="rId2"/>
+            <a:stretch>
+              <a:fillRect/>
+            </a:stretch>
+          </p:blipFill>
+          <p:spPr>
+            <a:xfrm>
+              <a:off x="2949369" y="546458"/>
+              <a:ext cx="5084948" cy="4652348"/>
+            </a:xfrm>
+            <a:prstGeom prst="rect">
+              <a:avLst/>
+            </a:prstGeom>
+          </p:spPr>
+        </p:pic>
+        <p:sp>
+          <p:nvSpPr>
+            <p:cNvPr id="6" name="TextBox 5">
+              <a:extLst>
+                <a:ext uri="{FF2B5EF4-FFF2-40B4-BE49-F238E27FC236}">
+                  <a16:creationId xmlns:a16="http://schemas.microsoft.com/office/drawing/2014/main" id="{1BEF3C4D-0725-5DA5-92DE-770585D54A74}"/>
+                </a:ext>
+              </a:extLst>
+            </p:cNvPr>
+            <p:cNvSpPr txBox="1"/>
+            <p:nvPr/>
+          </p:nvSpPr>
+          <p:spPr>
+            <a:xfrm>
+              <a:off x="3189176" y="2446975"/>
+              <a:ext cx="4623638" cy="1446550"/>
+            </a:xfrm>
+            <a:prstGeom prst="rect">
+              <a:avLst/>
+            </a:prstGeom>
+            <a:solidFill>
+              <a:schemeClr val="bg1">
+                <a:lumMod val="95000"/>
+              </a:schemeClr>
+            </a:solidFill>
+          </p:spPr>
+          <p:txBody>
+            <a:bodyPr wrap="square">
+              <a:spAutoFit/>
+            </a:bodyPr>
+            <a:lstStyle>
+              <a:defPPr>
+                <a:defRPr lang="en-US"/>
+              </a:defPPr>
+              <a:lvl1pPr>
+                <a:defRPr sz="1200" b="0" i="0">
+                  <a:solidFill>
+                    <a:srgbClr val="05192D"/>
+                  </a:solidFill>
+                  <a:effectLst/>
+                  <a:latin typeface="Consolas" panose="020B0609020204030204" pitchFamily="49" charset="0"/>
+                </a:defRPr>
+              </a:lvl1pPr>
+            </a:lstStyle>
+            <a:p>
+              <a:r>
+                <a:rPr lang="en-SG" sz="1100"/>
+                <a:t>from sklearn.linear_model import </a:t>
+              </a:r>
+              <a:r>
+                <a:rPr lang="en-SG" sz="1100">
+                  <a:solidFill>
+                    <a:srgbClr val="FF0000"/>
+                  </a:solidFill>
+                </a:rPr>
+                <a:t>LinearRegression</a:t>
+              </a:r>
+            </a:p>
+            <a:p>
+              <a:endParaRPr lang="en-SG" sz="1100"/>
+            </a:p>
+            <a:p>
+              <a:r>
+                <a:rPr lang="en-SG" sz="1100"/>
+                <a:t>model = </a:t>
+              </a:r>
+              <a:r>
+                <a:rPr lang="en-SG" sz="1100">
+                  <a:solidFill>
+                    <a:srgbClr val="FF0000"/>
+                  </a:solidFill>
+                </a:rPr>
+                <a:t>LinearRegression()</a:t>
+              </a:r>
+            </a:p>
+            <a:p>
+              <a:endParaRPr lang="en-SG" sz="1100"/>
+            </a:p>
+            <a:p>
+              <a:r>
+                <a:rPr lang="en-SG" sz="1100"/>
+                <a:t>model.fit(X,y)</a:t>
+              </a:r>
+            </a:p>
+            <a:p>
+              <a:endParaRPr lang="en-SG" sz="1100"/>
+            </a:p>
+            <a:p>
+              <a:r>
+                <a:rPr lang="en-SG" sz="1100"/>
+                <a:t>print("Regression coefficients: {}".format(</a:t>
+              </a:r>
+              <a:r>
+                <a:rPr lang="en-SG" sz="1100">
+                  <a:solidFill>
+                    <a:srgbClr val="FF0000"/>
+                  </a:solidFill>
+                </a:rPr>
+                <a:t>model.coef_</a:t>
+              </a:r>
+              <a:r>
+                <a:rPr lang="en-SG" sz="1100"/>
+                <a:t>))</a:t>
+              </a:r>
+            </a:p>
+            <a:p>
+              <a:r>
+                <a:rPr lang="en-SG" sz="1100"/>
+                <a:t>print("Regression intercept: {}".format(</a:t>
+              </a:r>
+              <a:r>
+                <a:rPr lang="en-SG" sz="1100">
+                  <a:solidFill>
+                    <a:srgbClr val="FF0000"/>
+                  </a:solidFill>
+                </a:rPr>
+                <a:t>model.intercept_</a:t>
+              </a:r>
+              <a:r>
+                <a:rPr lang="en-SG" sz="1100"/>
+                <a:t>))</a:t>
+              </a:r>
+            </a:p>
+          </p:txBody>
+        </p:sp>
+      </p:grpSp>
+      <p:sp>
+        <p:nvSpPr>
+          <p:cNvPr id="9" name="TextBox 8">
+            <a:extLst>
+              <a:ext uri="{FF2B5EF4-FFF2-40B4-BE49-F238E27FC236}">
+                <a16:creationId xmlns:a16="http://schemas.microsoft.com/office/drawing/2014/main" id="{7C5B725F-2453-C10C-6D52-83D2987521BF}"/>
+              </a:ext>
+            </a:extLst>
+          </p:cNvPr>
+          <p:cNvSpPr txBox="1"/>
+          <p:nvPr/>
+        </p:nvSpPr>
+        <p:spPr>
+          <a:xfrm>
+            <a:off x="9383486" y="82715"/>
+            <a:ext cx="2722563" cy="369332"/>
+          </a:xfrm>
+          <a:prstGeom prst="rect">
+            <a:avLst/>
+          </a:prstGeom>
+          <a:solidFill>
+            <a:schemeClr val="accent2"/>
+          </a:solidFill>
+        </p:spPr>
+        <p:txBody>
+          <a:bodyPr wrap="square" rtlCol="0">
+            <a:spAutoFit/>
+          </a:bodyPr>
+          <a:lstStyle/>
+          <a:p>
+            <a:pPr algn="ctr"/>
+            <a:r>
+              <a:rPr lang="en-GB"/>
+              <a:t>HARD</a:t>
+            </a:r>
+            <a:endParaRPr lang="en-SG"/>
+          </a:p>
+        </p:txBody>
+      </p:sp>
+    </p:spTree>
+    <p:extLst>
+      <p:ext uri="{BB962C8B-B14F-4D97-AF65-F5344CB8AC3E}">
+        <p14:creationId xmlns:p14="http://schemas.microsoft.com/office/powerpoint/2010/main" val="3708192071"/>
+      </p:ext>
+    </p:extLst>
+  </p:cSld>
+  <p:clrMapOvr>
+    <a:masterClrMapping/>
+  </p:clrMapOvr>
+</p:sld>
+</file>
+
+<file path=ppt/slides/slide22.xml><?xml version="1.0" encoding="utf-8"?>
+<p:sld xmlns:a="http://schemas.openxmlformats.org/drawingml/2006/main" xmlns:r="http://schemas.openxmlformats.org/officeDocument/2006/relationships" xmlns:p="http://schemas.openxmlformats.org/presentationml/2006/main">
+  <p:cSld>
+    <p:spTree>
+      <p:nvGrpSpPr>
+        <p:cNvPr id="1" name=""/>
+        <p:cNvGrpSpPr/>
+        <p:nvPr/>
+      </p:nvGrpSpPr>
+      <p:grpSpPr>
+        <a:xfrm>
+          <a:off x="0" y="0"/>
+          <a:ext cx="0" cy="0"/>
+          <a:chOff x="0" y="0"/>
+          <a:chExt cx="0" cy="0"/>
+        </a:xfrm>
+      </p:grpSpPr>
+      <p:grpSp>
+        <p:nvGrpSpPr>
+          <p:cNvPr id="6" name="Group 5">
+            <a:extLst>
+              <a:ext uri="{FF2B5EF4-FFF2-40B4-BE49-F238E27FC236}">
+                <a16:creationId xmlns:a16="http://schemas.microsoft.com/office/drawing/2014/main" id="{58C9BFF2-CF04-39C2-1717-F575767FEA3D}"/>
+              </a:ext>
+            </a:extLst>
+          </p:cNvPr>
+          <p:cNvGrpSpPr/>
+          <p:nvPr/>
+        </p:nvGrpSpPr>
+        <p:grpSpPr>
+          <a:xfrm>
+            <a:off x="3112746" y="954995"/>
+            <a:ext cx="5966507" cy="4948010"/>
+            <a:chOff x="2967038" y="335191"/>
+            <a:chExt cx="5966507" cy="4948010"/>
+          </a:xfrm>
+        </p:grpSpPr>
+        <p:pic>
+          <p:nvPicPr>
+            <p:cNvPr id="3" name="Picture 2">
+              <a:extLst>
+                <a:ext uri="{FF2B5EF4-FFF2-40B4-BE49-F238E27FC236}">
+                  <a16:creationId xmlns:a16="http://schemas.microsoft.com/office/drawing/2014/main" id="{ECE01F00-0666-D21A-799F-04327DC80555}"/>
+                </a:ext>
+              </a:extLst>
+            </p:cNvPr>
+            <p:cNvPicPr>
+              <a:picLocks noChangeAspect="1"/>
+            </p:cNvPicPr>
+            <p:nvPr/>
+          </p:nvPicPr>
+          <p:blipFill>
+            <a:blip r:embed="rId2"/>
+            <a:stretch>
+              <a:fillRect/>
+            </a:stretch>
+          </p:blipFill>
+          <p:spPr>
+            <a:xfrm>
+              <a:off x="2967038" y="335191"/>
+              <a:ext cx="5803507" cy="4948010"/>
+            </a:xfrm>
+            <a:prstGeom prst="rect">
+              <a:avLst/>
+            </a:prstGeom>
+          </p:spPr>
+        </p:pic>
+        <p:sp>
+          <p:nvSpPr>
+            <p:cNvPr id="4" name="TextBox 3">
+              <a:extLst>
+                <a:ext uri="{FF2B5EF4-FFF2-40B4-BE49-F238E27FC236}">
+                  <a16:creationId xmlns:a16="http://schemas.microsoft.com/office/drawing/2014/main" id="{26A052BD-BC60-9DC0-26E7-0935792D2E23}"/>
+                </a:ext>
+              </a:extLst>
+            </p:cNvPr>
+            <p:cNvSpPr txBox="1"/>
+            <p:nvPr/>
+          </p:nvSpPr>
+          <p:spPr>
+            <a:xfrm>
+              <a:off x="3359391" y="2276299"/>
+              <a:ext cx="5574154" cy="1785104"/>
+            </a:xfrm>
+            <a:prstGeom prst="rect">
+              <a:avLst/>
+            </a:prstGeom>
+            <a:solidFill>
+              <a:schemeClr val="bg1">
+                <a:lumMod val="95000"/>
+              </a:schemeClr>
+            </a:solidFill>
+          </p:spPr>
+          <p:txBody>
+            <a:bodyPr wrap="square">
+              <a:spAutoFit/>
+            </a:bodyPr>
+            <a:lstStyle>
+              <a:defPPr>
+                <a:defRPr lang="en-US"/>
+              </a:defPPr>
+              <a:lvl1pPr>
+                <a:defRPr sz="1200" b="0" i="0">
+                  <a:solidFill>
+                    <a:srgbClr val="05192D"/>
+                  </a:solidFill>
+                  <a:effectLst/>
+                  <a:latin typeface="Consolas" panose="020B0609020204030204" pitchFamily="49" charset="0"/>
+                </a:defRPr>
+              </a:lvl1pPr>
+            </a:lstStyle>
+            <a:p>
+              <a:r>
+                <a:rPr lang="en-SG" sz="1100"/>
+                <a:t>import numpy as np</a:t>
+              </a:r>
+            </a:p>
+            <a:p>
+              <a:r>
+                <a:rPr lang="en-SG" sz="1100"/>
+                <a:t>from sklearn.metrics import mean_squared_error, r2_score</a:t>
+              </a:r>
+            </a:p>
+            <a:p>
+              <a:r>
+                <a:rPr lang="en-SG" sz="1100"/>
+                <a:t>from sklearn.linear_model import </a:t>
+              </a:r>
+              <a:r>
+                <a:rPr lang="en-SG" sz="1100">
+                  <a:solidFill>
+                    <a:srgbClr val="FF0000"/>
+                  </a:solidFill>
+                </a:rPr>
+                <a:t>Lasso</a:t>
+              </a:r>
+            </a:p>
+            <a:p>
+              <a:endParaRPr lang="en-SG" sz="1100"/>
+            </a:p>
+            <a:p>
+              <a:r>
+                <a:rPr lang="en-SG" sz="1100"/>
+                <a:t>lasso_model = </a:t>
+              </a:r>
+              <a:r>
+                <a:rPr lang="en-SG" sz="1100">
+                  <a:solidFill>
+                    <a:srgbClr val="FF0000"/>
+                  </a:solidFill>
+                </a:rPr>
+                <a:t>Lasso</a:t>
+              </a:r>
+              <a:r>
+                <a:rPr lang="en-SG" sz="1100"/>
+                <a:t>(</a:t>
+              </a:r>
+              <a:r>
+                <a:rPr lang="en-SG" sz="1100">
+                  <a:solidFill>
+                    <a:srgbClr val="FF0000"/>
+                  </a:solidFill>
+                </a:rPr>
+                <a:t>alpha=0.01</a:t>
+              </a:r>
+              <a:r>
+                <a:rPr lang="en-SG" sz="1100"/>
+                <a:t>)</a:t>
+              </a:r>
+            </a:p>
+            <a:p>
+              <a:endParaRPr lang="en-SG" sz="1100"/>
+            </a:p>
+            <a:p>
+              <a:r>
+                <a:rPr lang="en-SG" sz="1100"/>
+                <a:t>lasso_model.fit(X_train, y_train)</a:t>
+              </a:r>
+            </a:p>
+            <a:p>
+              <a:endParaRPr lang="en-SG" sz="1100"/>
+            </a:p>
+            <a:p>
+              <a:r>
+                <a:rPr lang="en-SG" sz="1100"/>
+                <a:t>lasso_predictions = lasso_model.predict(X_test)</a:t>
+              </a:r>
+            </a:p>
+            <a:p>
+              <a:r>
+                <a:rPr lang="en-SG" sz="1100"/>
+                <a:t>print("RMSE: ", np.sqrt(mean_squared_error(y_test,lasso_predictions)))</a:t>
+              </a:r>
+            </a:p>
+          </p:txBody>
+        </p:sp>
+      </p:grpSp>
+    </p:spTree>
+    <p:extLst>
+      <p:ext uri="{BB962C8B-B14F-4D97-AF65-F5344CB8AC3E}">
+        <p14:creationId xmlns:p14="http://schemas.microsoft.com/office/powerpoint/2010/main" val="3388327383"/>
+      </p:ext>
+    </p:extLst>
+  </p:cSld>
+  <p:clrMapOvr>
+    <a:masterClrMapping/>
+  </p:clrMapOvr>
+</p:sld>
+</file>
+
+<file path=ppt/slides/slide23.xml><?xml version="1.0" encoding="utf-8"?>
+<p:sld xmlns:a="http://schemas.openxmlformats.org/drawingml/2006/main" xmlns:r="http://schemas.openxmlformats.org/officeDocument/2006/relationships" xmlns:p="http://schemas.openxmlformats.org/presentationml/2006/main">
+  <p:cSld>
+    <p:spTree>
+      <p:nvGrpSpPr>
+        <p:cNvPr id="1" name=""/>
+        <p:cNvGrpSpPr/>
+        <p:nvPr/>
+      </p:nvGrpSpPr>
+      <p:grpSpPr>
+        <a:xfrm>
+          <a:off x="0" y="0"/>
+          <a:ext cx="0" cy="0"/>
+          <a:chOff x="0" y="0"/>
+          <a:chExt cx="0" cy="0"/>
+        </a:xfrm>
+      </p:grpSpPr>
+      <p:grpSp>
+        <p:nvGrpSpPr>
+          <p:cNvPr id="8" name="Group 7">
+            <a:extLst>
+              <a:ext uri="{FF2B5EF4-FFF2-40B4-BE49-F238E27FC236}">
+                <a16:creationId xmlns:a16="http://schemas.microsoft.com/office/drawing/2014/main" id="{C5D24D15-FA1B-3C91-5DE6-176B2ECDC3C6}"/>
+              </a:ext>
+            </a:extLst>
+          </p:cNvPr>
+          <p:cNvGrpSpPr/>
+          <p:nvPr/>
+        </p:nvGrpSpPr>
+        <p:grpSpPr>
+          <a:xfrm>
+            <a:off x="3338896" y="1509731"/>
+            <a:ext cx="5514207" cy="3838538"/>
+            <a:chOff x="2538412" y="952500"/>
+            <a:chExt cx="5514207" cy="3838538"/>
+          </a:xfrm>
+        </p:grpSpPr>
+        <p:pic>
+          <p:nvPicPr>
+            <p:cNvPr id="5" name="Picture 4">
+              <a:extLst>
+                <a:ext uri="{FF2B5EF4-FFF2-40B4-BE49-F238E27FC236}">
+                  <a16:creationId xmlns:a16="http://schemas.microsoft.com/office/drawing/2014/main" id="{90D692C4-A45D-4122-25DB-C6B039326B81}"/>
+                </a:ext>
+              </a:extLst>
+            </p:cNvPr>
+            <p:cNvPicPr>
+              <a:picLocks noChangeAspect="1"/>
+            </p:cNvPicPr>
+            <p:nvPr/>
+          </p:nvPicPr>
+          <p:blipFill>
+            <a:blip r:embed="rId2"/>
+            <a:stretch>
+              <a:fillRect/>
+            </a:stretch>
+          </p:blipFill>
+          <p:spPr>
+            <a:xfrm>
+              <a:off x="2538412" y="952500"/>
+              <a:ext cx="5514207" cy="3838538"/>
+            </a:xfrm>
+            <a:prstGeom prst="rect">
+              <a:avLst/>
+            </a:prstGeom>
+          </p:spPr>
+        </p:pic>
+        <p:sp>
+          <p:nvSpPr>
+            <p:cNvPr id="6" name="TextBox 5">
+              <a:extLst>
+                <a:ext uri="{FF2B5EF4-FFF2-40B4-BE49-F238E27FC236}">
+                  <a16:creationId xmlns:a16="http://schemas.microsoft.com/office/drawing/2014/main" id="{34C7FCB3-721F-7787-DA70-98C53395D586}"/>
+                </a:ext>
+              </a:extLst>
+            </p:cNvPr>
+            <p:cNvSpPr txBox="1"/>
+            <p:nvPr/>
+          </p:nvSpPr>
+          <p:spPr>
+            <a:xfrm>
+              <a:off x="2872586" y="2395354"/>
+              <a:ext cx="4623638" cy="1277273"/>
+            </a:xfrm>
+            <a:prstGeom prst="rect">
+              <a:avLst/>
+            </a:prstGeom>
+            <a:solidFill>
+              <a:schemeClr val="bg1">
+                <a:lumMod val="95000"/>
+              </a:schemeClr>
+            </a:solidFill>
+          </p:spPr>
+          <p:txBody>
+            <a:bodyPr wrap="square">
+              <a:spAutoFit/>
+            </a:bodyPr>
+            <a:lstStyle>
+              <a:defPPr>
+                <a:defRPr lang="en-US"/>
+              </a:defPPr>
+              <a:lvl1pPr>
+                <a:defRPr sz="1200" b="0" i="0">
+                  <a:solidFill>
+                    <a:srgbClr val="05192D"/>
+                  </a:solidFill>
+                  <a:effectLst/>
+                  <a:latin typeface="Consolas" panose="020B0609020204030204" pitchFamily="49" charset="0"/>
+                </a:defRPr>
+              </a:lvl1pPr>
+            </a:lstStyle>
+            <a:p>
+              <a:r>
+                <a:rPr lang="en-SG" sz="1100"/>
+                <a:t>from sklearn import metrics</a:t>
+              </a:r>
+            </a:p>
+            <a:p>
+              <a:endParaRPr lang="en-SG" sz="1100"/>
+            </a:p>
+            <a:p>
+              <a:r>
+                <a:rPr lang="en-SG" sz="1100"/>
+                <a:t>mse1=metrics.</a:t>
+              </a:r>
+              <a:r>
+                <a:rPr lang="en-SG" sz="1100">
+                  <a:solidFill>
+                    <a:srgbClr val="FF0000"/>
+                  </a:solidFill>
+                </a:rPr>
+                <a:t>mean_squared_error</a:t>
+              </a:r>
+              <a:r>
+                <a:rPr lang="en-SG" sz="1100"/>
+                <a:t>(actual, pred_1)</a:t>
+              </a:r>
+            </a:p>
+            <a:p>
+              <a:r>
+                <a:rPr lang="en-SG" sz="1100"/>
+                <a:t>mse2=metrics.</a:t>
+              </a:r>
+              <a:r>
+                <a:rPr lang="en-SG" sz="1100">
+                  <a:solidFill>
+                    <a:srgbClr val="FF0000"/>
+                  </a:solidFill>
+                </a:rPr>
+                <a:t>mean_squared_error</a:t>
+              </a:r>
+              <a:r>
+                <a:rPr lang="en-SG" sz="1100"/>
+                <a:t>(actual, pred_2)</a:t>
+              </a:r>
+            </a:p>
+            <a:p>
+              <a:endParaRPr lang="en-SG" sz="1100"/>
+            </a:p>
+            <a:p>
+              <a:r>
+                <a:rPr lang="en-SG" sz="1100"/>
+                <a:t>print("MSE for model 1 is", str(mse1.round(2)), </a:t>
+              </a:r>
+            </a:p>
+            <a:p>
+              <a:r>
+                <a:rPr lang="en-SG" sz="1100"/>
+                <a:t>      "and for model 2 is", str(mse2.round(2)))</a:t>
+              </a:r>
+            </a:p>
+          </p:txBody>
+        </p:sp>
+      </p:grpSp>
+    </p:spTree>
+    <p:extLst>
+      <p:ext uri="{BB962C8B-B14F-4D97-AF65-F5344CB8AC3E}">
+        <p14:creationId xmlns:p14="http://schemas.microsoft.com/office/powerpoint/2010/main" val="3539704017"/>
+      </p:ext>
+    </p:extLst>
+  </p:cSld>
+  <p:clrMapOvr>
+    <a:masterClrMapping/>
+  </p:clrMapOvr>
+</p:sld>
+</file>
+
+<file path=ppt/slides/slide24.xml><?xml version="1.0" encoding="utf-8"?>
+<p:sld xmlns:a="http://schemas.openxmlformats.org/drawingml/2006/main" xmlns:r="http://schemas.openxmlformats.org/officeDocument/2006/relationships" xmlns:p="http://schemas.openxmlformats.org/presentationml/2006/main">
+  <p:cSld>
+    <p:spTree>
+      <p:nvGrpSpPr>
+        <p:cNvPr id="1" name=""/>
+        <p:cNvGrpSpPr/>
+        <p:nvPr/>
+      </p:nvGrpSpPr>
+      <p:grpSpPr>
+        <a:xfrm>
+          <a:off x="0" y="0"/>
+          <a:ext cx="0" cy="0"/>
+          <a:chOff x="0" y="0"/>
+          <a:chExt cx="0" cy="0"/>
+        </a:xfrm>
+      </p:grpSpPr>
+      <p:grpSp>
+        <p:nvGrpSpPr>
+          <p:cNvPr id="11" name="Group 10">
+            <a:extLst>
+              <a:ext uri="{FF2B5EF4-FFF2-40B4-BE49-F238E27FC236}">
+                <a16:creationId xmlns:a16="http://schemas.microsoft.com/office/drawing/2014/main" id="{5CD8DA39-C216-9C24-6A79-303B17A85534}"/>
+              </a:ext>
+            </a:extLst>
+          </p:cNvPr>
+          <p:cNvGrpSpPr/>
+          <p:nvPr/>
+        </p:nvGrpSpPr>
+        <p:grpSpPr>
+          <a:xfrm>
+            <a:off x="3201684" y="325456"/>
+            <a:ext cx="5788632" cy="6207087"/>
+            <a:chOff x="2898169" y="0"/>
+            <a:chExt cx="5788632" cy="6207087"/>
+          </a:xfrm>
+        </p:grpSpPr>
+        <p:pic>
+          <p:nvPicPr>
+            <p:cNvPr id="5" name="Picture 4">
+              <a:extLst>
+                <a:ext uri="{FF2B5EF4-FFF2-40B4-BE49-F238E27FC236}">
+                  <a16:creationId xmlns:a16="http://schemas.microsoft.com/office/drawing/2014/main" id="{78C29558-2E9F-B930-1B48-305E90BB84AE}"/>
+                </a:ext>
+              </a:extLst>
+            </p:cNvPr>
+            <p:cNvPicPr>
+              <a:picLocks noChangeAspect="1"/>
+            </p:cNvPicPr>
+            <p:nvPr/>
+          </p:nvPicPr>
+          <p:blipFill>
+            <a:blip r:embed="rId2"/>
+            <a:stretch>
+              <a:fillRect/>
+            </a:stretch>
+          </p:blipFill>
+          <p:spPr>
+            <a:xfrm>
+              <a:off x="2898169" y="0"/>
+              <a:ext cx="5788632" cy="6207087"/>
+            </a:xfrm>
+            <a:prstGeom prst="rect">
+              <a:avLst/>
+            </a:prstGeom>
+          </p:spPr>
+        </p:pic>
+        <p:sp>
+          <p:nvSpPr>
+            <p:cNvPr id="6" name="TextBox 5">
+              <a:extLst>
+                <a:ext uri="{FF2B5EF4-FFF2-40B4-BE49-F238E27FC236}">
+                  <a16:creationId xmlns:a16="http://schemas.microsoft.com/office/drawing/2014/main" id="{F7697264-9F40-2EFD-5C52-2AD6F3DB9B24}"/>
+                </a:ext>
+              </a:extLst>
+            </p:cNvPr>
+            <p:cNvSpPr txBox="1"/>
+            <p:nvPr/>
+          </p:nvSpPr>
+          <p:spPr>
+            <a:xfrm>
+              <a:off x="2982509" y="3162536"/>
+              <a:ext cx="5608430" cy="1107996"/>
+            </a:xfrm>
+            <a:prstGeom prst="rect">
+              <a:avLst/>
+            </a:prstGeom>
+            <a:solidFill>
+              <a:schemeClr val="bg1">
+                <a:lumMod val="95000"/>
+              </a:schemeClr>
+            </a:solidFill>
+          </p:spPr>
+          <p:txBody>
+            <a:bodyPr wrap="square">
+              <a:spAutoFit/>
+            </a:bodyPr>
+            <a:lstStyle>
+              <a:defPPr>
+                <a:defRPr lang="en-US"/>
+              </a:defPPr>
+              <a:lvl1pPr>
+                <a:defRPr sz="1200" b="0" i="0">
+                  <a:solidFill>
+                    <a:srgbClr val="05192D"/>
+                  </a:solidFill>
+                  <a:effectLst/>
+                  <a:latin typeface="Consolas" panose="020B0609020204030204" pitchFamily="49" charset="0"/>
+                </a:defRPr>
+              </a:lvl1pPr>
+            </a:lstStyle>
+            <a:p>
+              <a:r>
+                <a:rPr lang="en-SG" sz="1100"/>
+                <a:t>from sklearn.preprocessing import </a:t>
+              </a:r>
+              <a:r>
+                <a:rPr lang="en-SG" sz="1100">
+                  <a:solidFill>
+                    <a:srgbClr val="FF0000"/>
+                  </a:solidFill>
+                </a:rPr>
+                <a:t>MinMaxScaler</a:t>
+              </a:r>
+            </a:p>
+            <a:p>
+              <a:endParaRPr lang="en-SG" sz="1100"/>
+            </a:p>
+            <a:p>
+              <a:r>
+                <a:rPr lang="en-SG" sz="1100"/>
+                <a:t>min_max = </a:t>
+              </a:r>
+              <a:r>
+                <a:rPr lang="en-SG" sz="1100">
+                  <a:solidFill>
+                    <a:srgbClr val="FF0000"/>
+                  </a:solidFill>
+                </a:rPr>
+                <a:t>MinMaxScaler()</a:t>
+              </a:r>
+            </a:p>
+            <a:p>
+              <a:r>
+                <a:rPr lang="en-SG" sz="1100"/>
+                <a:t>df_scaled = pd.DataFrame(</a:t>
+              </a:r>
+              <a:r>
+                <a:rPr lang="en-SG" sz="1100">
+                  <a:solidFill>
+                    <a:srgbClr val="FF0000"/>
+                  </a:solidFill>
+                </a:rPr>
+                <a:t>min_max.fit_transform</a:t>
+              </a:r>
+              <a:r>
+                <a:rPr lang="en-SG" sz="1100"/>
+                <a:t>(df), columns=df.columns)</a:t>
+              </a:r>
+            </a:p>
+            <a:p>
+              <a:endParaRPr lang="en-SG" sz="1100"/>
+            </a:p>
+            <a:p>
+              <a:r>
+                <a:rPr lang="en-SG" sz="1100"/>
+                <a:t>print(df_scaled.head())</a:t>
+              </a:r>
+            </a:p>
+          </p:txBody>
+        </p:sp>
+      </p:grpSp>
+      <p:sp>
+        <p:nvSpPr>
+          <p:cNvPr id="12" name="TextBox 11">
+            <a:extLst>
+              <a:ext uri="{FF2B5EF4-FFF2-40B4-BE49-F238E27FC236}">
+                <a16:creationId xmlns:a16="http://schemas.microsoft.com/office/drawing/2014/main" id="{4FD2CE8A-9D24-E012-51BC-44755B809FA3}"/>
+              </a:ext>
+            </a:extLst>
+          </p:cNvPr>
+          <p:cNvSpPr txBox="1"/>
+          <p:nvPr/>
+        </p:nvSpPr>
+        <p:spPr>
+          <a:xfrm>
+            <a:off x="9383486" y="82715"/>
+            <a:ext cx="2722563" cy="369332"/>
+          </a:xfrm>
+          <a:prstGeom prst="rect">
+            <a:avLst/>
+          </a:prstGeom>
+          <a:solidFill>
+            <a:schemeClr val="accent2"/>
+          </a:solidFill>
+        </p:spPr>
+        <p:txBody>
+          <a:bodyPr wrap="square" rtlCol="0">
+            <a:spAutoFit/>
+          </a:bodyPr>
+          <a:lstStyle/>
+          <a:p>
+            <a:pPr algn="ctr"/>
+            <a:r>
+              <a:rPr lang="en-GB"/>
+              <a:t>HARD</a:t>
+            </a:r>
+            <a:endParaRPr lang="en-SG"/>
+          </a:p>
+        </p:txBody>
+      </p:sp>
+    </p:spTree>
+    <p:extLst>
+      <p:ext uri="{BB962C8B-B14F-4D97-AF65-F5344CB8AC3E}">
+        <p14:creationId xmlns:p14="http://schemas.microsoft.com/office/powerpoint/2010/main" val="4093680637"/>
+      </p:ext>
+    </p:extLst>
+  </p:cSld>
+  <p:clrMapOvr>
+    <a:masterClrMapping/>
+  </p:clrMapOvr>
+</p:sld>
+</file>
+
+<file path=ppt/slides/slide25.xml><?xml version="1.0" encoding="utf-8"?>
+<p:sld xmlns:a="http://schemas.openxmlformats.org/drawingml/2006/main" xmlns:r="http://schemas.openxmlformats.org/officeDocument/2006/relationships" xmlns:p="http://schemas.openxmlformats.org/presentationml/2006/main">
+  <p:cSld>
+    <p:spTree>
+      <p:nvGrpSpPr>
+        <p:cNvPr id="1" name=""/>
+        <p:cNvGrpSpPr/>
+        <p:nvPr/>
+      </p:nvGrpSpPr>
+      <p:grpSpPr>
+        <a:xfrm>
+          <a:off x="0" y="0"/>
+          <a:ext cx="0" cy="0"/>
+          <a:chOff x="0" y="0"/>
+          <a:chExt cx="0" cy="0"/>
+        </a:xfrm>
+      </p:grpSpPr>
+      <p:grpSp>
+        <p:nvGrpSpPr>
+          <p:cNvPr id="5" name="Group 4">
+            <a:extLst>
+              <a:ext uri="{FF2B5EF4-FFF2-40B4-BE49-F238E27FC236}">
+                <a16:creationId xmlns:a16="http://schemas.microsoft.com/office/drawing/2014/main" id="{60C34770-7B2B-C31B-17AA-36DF0E59CB0B}"/>
+              </a:ext>
+            </a:extLst>
+          </p:cNvPr>
+          <p:cNvGrpSpPr/>
+          <p:nvPr/>
+        </p:nvGrpSpPr>
+        <p:grpSpPr>
+          <a:xfrm>
+            <a:off x="3150961" y="690809"/>
+            <a:ext cx="5890078" cy="5476382"/>
+            <a:chOff x="3181350" y="246743"/>
+            <a:chExt cx="5890078" cy="5476382"/>
+          </a:xfrm>
+        </p:grpSpPr>
+        <p:pic>
+          <p:nvPicPr>
+            <p:cNvPr id="3" name="Picture 2">
+              <a:extLst>
+                <a:ext uri="{FF2B5EF4-FFF2-40B4-BE49-F238E27FC236}">
+                  <a16:creationId xmlns:a16="http://schemas.microsoft.com/office/drawing/2014/main" id="{4BDD3AFF-009D-A5A2-E6D4-35DC021364D0}"/>
+                </a:ext>
+              </a:extLst>
+            </p:cNvPr>
+            <p:cNvPicPr>
+              <a:picLocks noChangeAspect="1"/>
+            </p:cNvPicPr>
+            <p:nvPr/>
+          </p:nvPicPr>
+          <p:blipFill>
+            <a:blip r:embed="rId2"/>
+            <a:stretch>
+              <a:fillRect/>
+            </a:stretch>
+          </p:blipFill>
+          <p:spPr>
+            <a:xfrm>
+              <a:off x="3181350" y="246743"/>
+              <a:ext cx="5454650" cy="5476382"/>
+            </a:xfrm>
+            <a:prstGeom prst="rect">
+              <a:avLst/>
+            </a:prstGeom>
+          </p:spPr>
+        </p:pic>
+        <p:sp>
+          <p:nvSpPr>
+            <p:cNvPr id="4" name="TextBox 3">
+              <a:extLst>
+                <a:ext uri="{FF2B5EF4-FFF2-40B4-BE49-F238E27FC236}">
+                  <a16:creationId xmlns:a16="http://schemas.microsoft.com/office/drawing/2014/main" id="{7F803B94-1E43-7C32-660B-D59B3D6DBFCB}"/>
+                </a:ext>
+              </a:extLst>
+            </p:cNvPr>
+            <p:cNvSpPr txBox="1"/>
+            <p:nvPr/>
+          </p:nvSpPr>
+          <p:spPr>
+            <a:xfrm>
+              <a:off x="3497274" y="2937869"/>
+              <a:ext cx="5574154" cy="938719"/>
+            </a:xfrm>
+            <a:prstGeom prst="rect">
+              <a:avLst/>
+            </a:prstGeom>
+            <a:solidFill>
+              <a:schemeClr val="bg1">
+                <a:lumMod val="95000"/>
+              </a:schemeClr>
+            </a:solidFill>
+          </p:spPr>
+          <p:txBody>
+            <a:bodyPr wrap="square">
+              <a:spAutoFit/>
+            </a:bodyPr>
+            <a:lstStyle>
+              <a:defPPr>
+                <a:defRPr lang="en-US"/>
+              </a:defPPr>
+              <a:lvl1pPr>
+                <a:defRPr sz="1200" b="0" i="0">
+                  <a:solidFill>
+                    <a:srgbClr val="05192D"/>
+                  </a:solidFill>
+                  <a:effectLst/>
+                  <a:latin typeface="Consolas" panose="020B0609020204030204" pitchFamily="49" charset="0"/>
+                </a:defRPr>
+              </a:lvl1pPr>
+            </a:lstStyle>
+            <a:p>
+              <a:r>
+                <a:rPr lang="en-SG" sz="1100"/>
+                <a:t>from sklearn.preprocessing import StandardScaler</a:t>
+              </a:r>
+            </a:p>
+            <a:p>
+              <a:endParaRPr lang="en-SG" sz="1100"/>
+            </a:p>
+            <a:p>
+              <a:r>
+                <a:rPr lang="en-SG" sz="1100"/>
+                <a:t>scaler = </a:t>
+              </a:r>
+              <a:r>
+                <a:rPr lang="en-SG" sz="1100">
+                  <a:solidFill>
+                    <a:srgbClr val="FF0000"/>
+                  </a:solidFill>
+                </a:rPr>
+                <a:t>StandardScaler</a:t>
+              </a:r>
+              <a:r>
+                <a:rPr lang="en-SG" sz="1100"/>
+                <a:t>()</a:t>
+              </a:r>
+            </a:p>
+            <a:p>
+              <a:r>
+                <a:rPr lang="en-SG" sz="1100"/>
+                <a:t>df_scaled = pd.DataFrame(</a:t>
+              </a:r>
+              <a:r>
+                <a:rPr lang="en-SG" sz="1100">
+                  <a:solidFill>
+                    <a:srgbClr val="FF0000"/>
+                  </a:solidFill>
+                </a:rPr>
+                <a:t>scaler.fit_transform</a:t>
+              </a:r>
+              <a:r>
+                <a:rPr lang="en-SG" sz="1100"/>
+                <a:t>(df), columns=df.columns)</a:t>
+              </a:r>
+            </a:p>
+            <a:p>
+              <a:r>
+                <a:rPr lang="en-SG" sz="1100"/>
+                <a:t>print(df_scaled.head())</a:t>
+              </a:r>
+            </a:p>
+          </p:txBody>
+        </p:sp>
+      </p:grpSp>
+      <p:sp>
+        <p:nvSpPr>
+          <p:cNvPr id="6" name="TextBox 5">
+            <a:extLst>
+              <a:ext uri="{FF2B5EF4-FFF2-40B4-BE49-F238E27FC236}">
+                <a16:creationId xmlns:a16="http://schemas.microsoft.com/office/drawing/2014/main" id="{7FB6E11E-F41C-D537-81A6-80BC87CAFB14}"/>
+              </a:ext>
+            </a:extLst>
+          </p:cNvPr>
+          <p:cNvSpPr txBox="1"/>
+          <p:nvPr/>
+        </p:nvSpPr>
+        <p:spPr>
+          <a:xfrm>
+            <a:off x="9383486" y="82715"/>
+            <a:ext cx="2722563" cy="369332"/>
+          </a:xfrm>
+          <a:prstGeom prst="rect">
+            <a:avLst/>
+          </a:prstGeom>
+          <a:solidFill>
+            <a:schemeClr val="accent2"/>
+          </a:solidFill>
+        </p:spPr>
+        <p:txBody>
+          <a:bodyPr wrap="square" rtlCol="0">
+            <a:spAutoFit/>
+          </a:bodyPr>
+          <a:lstStyle/>
+          <a:p>
+            <a:pPr algn="ctr"/>
+            <a:r>
+              <a:rPr lang="en-GB"/>
+              <a:t>HARD</a:t>
+            </a:r>
+            <a:endParaRPr lang="en-SG"/>
+          </a:p>
+        </p:txBody>
+      </p:sp>
+    </p:spTree>
+    <p:extLst>
+      <p:ext uri="{BB962C8B-B14F-4D97-AF65-F5344CB8AC3E}">
+        <p14:creationId xmlns:p14="http://schemas.microsoft.com/office/powerpoint/2010/main" val="213598984"/>
+      </p:ext>
+    </p:extLst>
+  </p:cSld>
+  <p:clrMapOvr>
+    <a:masterClrMapping/>
+  </p:clrMapOvr>
+</p:sld>
+</file>
+
+<file path=ppt/slides/slide26.xml><?xml version="1.0" encoding="utf-8"?>
+<p:sld xmlns:a="http://schemas.openxmlformats.org/drawingml/2006/main" xmlns:r="http://schemas.openxmlformats.org/officeDocument/2006/relationships" xmlns:p="http://schemas.openxmlformats.org/presentationml/2006/main">
+  <p:cSld>
+    <p:spTree>
+      <p:nvGrpSpPr>
+        <p:cNvPr id="1" name=""/>
+        <p:cNvGrpSpPr/>
+        <p:nvPr/>
+      </p:nvGrpSpPr>
+      <p:grpSpPr>
+        <a:xfrm>
+          <a:off x="0" y="0"/>
+          <a:ext cx="0" cy="0"/>
+          <a:chOff x="0" y="0"/>
+          <a:chExt cx="0" cy="0"/>
+        </a:xfrm>
+      </p:grpSpPr>
+      <p:grpSp>
+        <p:nvGrpSpPr>
+          <p:cNvPr id="5" name="Group 4">
+            <a:extLst>
+              <a:ext uri="{FF2B5EF4-FFF2-40B4-BE49-F238E27FC236}">
+                <a16:creationId xmlns:a16="http://schemas.microsoft.com/office/drawing/2014/main" id="{77EFDAD3-C2A2-27E4-B6B5-4A13C8F05C39}"/>
+              </a:ext>
+            </a:extLst>
+          </p:cNvPr>
+          <p:cNvGrpSpPr/>
+          <p:nvPr/>
+        </p:nvGrpSpPr>
+        <p:grpSpPr>
+          <a:xfrm>
+            <a:off x="3392296" y="685800"/>
+            <a:ext cx="5407407" cy="5486400"/>
+            <a:chOff x="2796199" y="268514"/>
+            <a:chExt cx="5407407" cy="5486400"/>
+          </a:xfrm>
+        </p:grpSpPr>
+        <p:pic>
+          <p:nvPicPr>
+            <p:cNvPr id="3" name="Picture 2">
+              <a:extLst>
+                <a:ext uri="{FF2B5EF4-FFF2-40B4-BE49-F238E27FC236}">
+                  <a16:creationId xmlns:a16="http://schemas.microsoft.com/office/drawing/2014/main" id="{5D07C505-CA0A-B5B4-A050-5F9B1F0DD7F5}"/>
+                </a:ext>
+              </a:extLst>
+            </p:cNvPr>
+            <p:cNvPicPr>
+              <a:picLocks noChangeAspect="1"/>
+            </p:cNvPicPr>
+            <p:nvPr/>
+          </p:nvPicPr>
+          <p:blipFill>
+            <a:blip r:embed="rId2"/>
+            <a:stretch>
+              <a:fillRect/>
+            </a:stretch>
+          </p:blipFill>
+          <p:spPr>
+            <a:xfrm>
+              <a:off x="2796199" y="268514"/>
+              <a:ext cx="5407407" cy="5486400"/>
+            </a:xfrm>
+            <a:prstGeom prst="rect">
+              <a:avLst/>
+            </a:prstGeom>
+          </p:spPr>
+        </p:pic>
+        <p:sp>
+          <p:nvSpPr>
+            <p:cNvPr id="4" name="TextBox 3">
+              <a:extLst>
+                <a:ext uri="{FF2B5EF4-FFF2-40B4-BE49-F238E27FC236}">
+                  <a16:creationId xmlns:a16="http://schemas.microsoft.com/office/drawing/2014/main" id="{DCBD1B6F-D414-751F-E364-ABE1AA44C67D}"/>
+                </a:ext>
+              </a:extLst>
+            </p:cNvPr>
+            <p:cNvSpPr txBox="1"/>
+            <p:nvPr/>
+          </p:nvSpPr>
+          <p:spPr>
+            <a:xfrm>
+              <a:off x="3133406" y="2974154"/>
+              <a:ext cx="4602708" cy="938719"/>
+            </a:xfrm>
+            <a:prstGeom prst="rect">
+              <a:avLst/>
+            </a:prstGeom>
+            <a:solidFill>
+              <a:schemeClr val="bg1">
+                <a:lumMod val="95000"/>
+              </a:schemeClr>
+            </a:solidFill>
+          </p:spPr>
+          <p:txBody>
+            <a:bodyPr wrap="square">
+              <a:spAutoFit/>
+            </a:bodyPr>
+            <a:lstStyle>
+              <a:defPPr>
+                <a:defRPr lang="en-US"/>
+              </a:defPPr>
+              <a:lvl1pPr>
+                <a:defRPr sz="1200" b="0" i="0">
+                  <a:solidFill>
+                    <a:srgbClr val="05192D"/>
+                  </a:solidFill>
+                  <a:effectLst/>
+                  <a:latin typeface="Consolas" panose="020B0609020204030204" pitchFamily="49" charset="0"/>
+                </a:defRPr>
+              </a:lvl1pPr>
+            </a:lstStyle>
+            <a:p>
+              <a:r>
+                <a:rPr lang="en-SG" sz="1100"/>
+                <a:t>from sklearn.preprocessing import </a:t>
+              </a:r>
+              <a:r>
+                <a:rPr lang="en-SG" sz="1100">
+                  <a:solidFill>
+                    <a:srgbClr val="FF0000"/>
+                  </a:solidFill>
+                </a:rPr>
+                <a:t>LabelEncoder</a:t>
+              </a:r>
+            </a:p>
+            <a:p>
+              <a:endParaRPr lang="en-SG" sz="1100"/>
+            </a:p>
+            <a:p>
+              <a:r>
+                <a:rPr lang="en-SG" sz="1100"/>
+                <a:t>le = </a:t>
+              </a:r>
+              <a:r>
+                <a:rPr lang="en-SG" sz="1100">
+                  <a:solidFill>
+                    <a:srgbClr val="FF0000"/>
+                  </a:solidFill>
+                </a:rPr>
+                <a:t>LabelEncoder()</a:t>
+              </a:r>
+            </a:p>
+            <a:p>
+              <a:r>
+                <a:rPr lang="en-SG" sz="1100"/>
+                <a:t>housing['Borough'] = le.</a:t>
+              </a:r>
+              <a:r>
+                <a:rPr lang="en-SG" sz="1100">
+                  <a:solidFill>
+                    <a:srgbClr val="FF0000"/>
+                  </a:solidFill>
+                </a:rPr>
+                <a:t>fit_transform</a:t>
+              </a:r>
+              <a:r>
+                <a:rPr lang="en-SG" sz="1100"/>
+                <a:t>(housing[</a:t>
+              </a:r>
+              <a:r>
+                <a:rPr lang="en-SG" sz="1100">
+                  <a:solidFill>
+                    <a:srgbClr val="FF0000"/>
+                  </a:solidFill>
+                </a:rPr>
+                <a:t>'Borough'</a:t>
+              </a:r>
+              <a:r>
+                <a:rPr lang="en-SG" sz="1100"/>
+                <a:t>])</a:t>
+              </a:r>
+            </a:p>
+            <a:p>
+              <a:r>
+                <a:rPr lang="en-SG" sz="1100"/>
+                <a:t>print(housing)</a:t>
+              </a:r>
+            </a:p>
+          </p:txBody>
+        </p:sp>
+      </p:grpSp>
+      <p:sp>
+        <p:nvSpPr>
+          <p:cNvPr id="6" name="TextBox 5">
+            <a:extLst>
+              <a:ext uri="{FF2B5EF4-FFF2-40B4-BE49-F238E27FC236}">
+                <a16:creationId xmlns:a16="http://schemas.microsoft.com/office/drawing/2014/main" id="{FB777688-1599-4765-BDE0-49809642EDB4}"/>
+              </a:ext>
+            </a:extLst>
+          </p:cNvPr>
+          <p:cNvSpPr txBox="1"/>
+          <p:nvPr/>
+        </p:nvSpPr>
+        <p:spPr>
+          <a:xfrm>
+            <a:off x="9383486" y="82715"/>
+            <a:ext cx="2722563" cy="369332"/>
+          </a:xfrm>
+          <a:prstGeom prst="rect">
+            <a:avLst/>
+          </a:prstGeom>
+          <a:solidFill>
+            <a:schemeClr val="accent2"/>
+          </a:solidFill>
+        </p:spPr>
+        <p:txBody>
+          <a:bodyPr wrap="square" rtlCol="0">
+            <a:spAutoFit/>
+          </a:bodyPr>
+          <a:lstStyle/>
+          <a:p>
+            <a:pPr algn="ctr"/>
+            <a:r>
+              <a:rPr lang="en-GB"/>
+              <a:t>HARD</a:t>
+            </a:r>
+            <a:endParaRPr lang="en-SG"/>
+          </a:p>
+        </p:txBody>
+      </p:sp>
+    </p:spTree>
+    <p:extLst>
+      <p:ext uri="{BB962C8B-B14F-4D97-AF65-F5344CB8AC3E}">
+        <p14:creationId xmlns:p14="http://schemas.microsoft.com/office/powerpoint/2010/main" val="2069008575"/>
+      </p:ext>
+    </p:extLst>
+  </p:cSld>
+  <p:clrMapOvr>
+    <a:masterClrMapping/>
+  </p:clrMapOvr>
+</p:sld>
+</file>
+
+<file path=ppt/slides/slide27.xml><?xml version="1.0" encoding="utf-8"?>
+<p:sld xmlns:a="http://schemas.openxmlformats.org/drawingml/2006/main" xmlns:r="http://schemas.openxmlformats.org/officeDocument/2006/relationships" xmlns:p="http://schemas.openxmlformats.org/presentationml/2006/main">
+  <p:cSld>
+    <p:spTree>
+      <p:nvGrpSpPr>
+        <p:cNvPr id="1" name=""/>
+        <p:cNvGrpSpPr/>
+        <p:nvPr/>
+      </p:nvGrpSpPr>
+      <p:grpSpPr>
+        <a:xfrm>
+          <a:off x="0" y="0"/>
+          <a:ext cx="0" cy="0"/>
+          <a:chOff x="0" y="0"/>
+          <a:chExt cx="0" cy="0"/>
+        </a:xfrm>
+      </p:grpSpPr>
+      <p:grpSp>
+        <p:nvGrpSpPr>
           <p:cNvPr id="5" name="Group 4">
             <a:extLst>
               <a:ext uri="{FF2B5EF4-FFF2-40B4-BE49-F238E27FC236}">
@@ -8178,7 +9618,7 @@
 </p:sld>
 </file>
 
-<file path=ppt/slides/slide22.xml><?xml version="1.0" encoding="utf-8"?>
+<file path=ppt/slides/slide28.xml><?xml version="1.0" encoding="utf-8"?>
 <p:sld xmlns:a="http://schemas.openxmlformats.org/drawingml/2006/main" xmlns:r="http://schemas.openxmlformats.org/officeDocument/2006/relationships" xmlns:p="http://schemas.openxmlformats.org/presentationml/2006/main">
   <p:cSld>
     <p:spTree>
@@ -8404,7 +9844,7 @@
 </p:sld>
 </file>
 
-<file path=ppt/slides/slide23.xml><?xml version="1.0" encoding="utf-8"?>
+<file path=ppt/slides/slide29.xml><?xml version="1.0" encoding="utf-8"?>
 <p:sld xmlns:a="http://schemas.openxmlformats.org/drawingml/2006/main" xmlns:r="http://schemas.openxmlformats.org/officeDocument/2006/relationships" xmlns:p="http://schemas.openxmlformats.org/presentationml/2006/main">
   <p:cSld>
     <p:spTree>
@@ -8606,346 +10046,6 @@
 </p:sld>
 </file>
 
-<file path=ppt/slides/slide24.xml><?xml version="1.0" encoding="utf-8"?>
-<p:sld xmlns:a="http://schemas.openxmlformats.org/drawingml/2006/main" xmlns:r="http://schemas.openxmlformats.org/officeDocument/2006/relationships" xmlns:p="http://schemas.openxmlformats.org/presentationml/2006/main">
-  <p:cSld>
-    <p:spTree>
-      <p:nvGrpSpPr>
-        <p:cNvPr id="1" name=""/>
-        <p:cNvGrpSpPr/>
-        <p:nvPr/>
-      </p:nvGrpSpPr>
-      <p:grpSpPr>
-        <a:xfrm>
-          <a:off x="0" y="0"/>
-          <a:ext cx="0" cy="0"/>
-          <a:chOff x="0" y="0"/>
-          <a:chExt cx="0" cy="0"/>
-        </a:xfrm>
-      </p:grpSpPr>
-      <p:grpSp>
-        <p:nvGrpSpPr>
-          <p:cNvPr id="6" name="Group 5">
-            <a:extLst>
-              <a:ext uri="{FF2B5EF4-FFF2-40B4-BE49-F238E27FC236}">
-                <a16:creationId xmlns:a16="http://schemas.microsoft.com/office/drawing/2014/main" id="{E77E1A4D-9545-F7F2-C498-4D5250A19F40}"/>
-              </a:ext>
-            </a:extLst>
-          </p:cNvPr>
-          <p:cNvGrpSpPr/>
-          <p:nvPr/>
-        </p:nvGrpSpPr>
-        <p:grpSpPr>
-          <a:xfrm>
-            <a:off x="3276940" y="934151"/>
-            <a:ext cx="5638120" cy="4989697"/>
-            <a:chOff x="2700338" y="423862"/>
-            <a:chExt cx="5638120" cy="4989697"/>
-          </a:xfrm>
-        </p:grpSpPr>
-        <p:pic>
-          <p:nvPicPr>
-            <p:cNvPr id="3" name="Picture 2">
-              <a:extLst>
-                <a:ext uri="{FF2B5EF4-FFF2-40B4-BE49-F238E27FC236}">
-                  <a16:creationId xmlns:a16="http://schemas.microsoft.com/office/drawing/2014/main" id="{8D2C86CD-9040-189C-6C46-B40B48614C24}"/>
-                </a:ext>
-              </a:extLst>
-            </p:cNvPr>
-            <p:cNvPicPr>
-              <a:picLocks noChangeAspect="1"/>
-            </p:cNvPicPr>
-            <p:nvPr/>
-          </p:nvPicPr>
-          <p:blipFill>
-            <a:blip r:embed="rId2"/>
-            <a:stretch>
-              <a:fillRect/>
-            </a:stretch>
-          </p:blipFill>
-          <p:spPr>
-            <a:xfrm>
-              <a:off x="2700338" y="423862"/>
-              <a:ext cx="5638120" cy="4989697"/>
-            </a:xfrm>
-            <a:prstGeom prst="rect">
-              <a:avLst/>
-            </a:prstGeom>
-          </p:spPr>
-        </p:pic>
-        <p:sp>
-          <p:nvSpPr>
-            <p:cNvPr id="4" name="TextBox 3">
-              <a:extLst>
-                <a:ext uri="{FF2B5EF4-FFF2-40B4-BE49-F238E27FC236}">
-                  <a16:creationId xmlns:a16="http://schemas.microsoft.com/office/drawing/2014/main" id="{DD3D472A-CD8A-0EFD-7261-C1A469E39D8B}"/>
-                </a:ext>
-              </a:extLst>
-            </p:cNvPr>
-            <p:cNvSpPr txBox="1"/>
-            <p:nvPr/>
-          </p:nvSpPr>
-          <p:spPr>
-            <a:xfrm>
-              <a:off x="3010879" y="2212486"/>
-              <a:ext cx="5284037" cy="1954381"/>
-            </a:xfrm>
-            <a:prstGeom prst="rect">
-              <a:avLst/>
-            </a:prstGeom>
-            <a:solidFill>
-              <a:schemeClr val="bg1">
-                <a:lumMod val="95000"/>
-              </a:schemeClr>
-            </a:solidFill>
-          </p:spPr>
-          <p:txBody>
-            <a:bodyPr wrap="square">
-              <a:spAutoFit/>
-            </a:bodyPr>
-            <a:lstStyle>
-              <a:defPPr>
-                <a:defRPr lang="en-US"/>
-              </a:defPPr>
-              <a:lvl1pPr>
-                <a:defRPr sz="1200" b="0" i="0">
-                  <a:solidFill>
-                    <a:srgbClr val="05192D"/>
-                  </a:solidFill>
-                  <a:effectLst/>
-                  <a:latin typeface="Consolas" panose="020B0609020204030204" pitchFamily="49" charset="0"/>
-                </a:defRPr>
-              </a:lvl1pPr>
-            </a:lstStyle>
-            <a:p>
-              <a:r>
-                <a:rPr lang="en-SG" sz="1100"/>
-                <a:t>from sklearn.model_selection import train_test_split</a:t>
-              </a:r>
-            </a:p>
-            <a:p>
-              <a:r>
-                <a:rPr lang="en-SG" sz="1100"/>
-                <a:t>from sklearn import metrics</a:t>
-              </a:r>
-            </a:p>
-            <a:p>
-              <a:endParaRPr lang="en-SG" sz="1100"/>
-            </a:p>
-            <a:p>
-              <a:r>
-                <a:rPr lang="en-SG" sz="1100"/>
-                <a:t>X_train,X_test,y_train,y_test=train_test_split(X,y,test_size=0.25, random_state=42)</a:t>
-              </a:r>
-            </a:p>
-            <a:p>
-              <a:r>
-                <a:rPr lang="en-SG" sz="1100"/>
-                <a:t>clf.fit(X_train,y_train)</a:t>
-              </a:r>
-            </a:p>
-            <a:p>
-              <a:endParaRPr lang="en-SG" sz="1100"/>
-            </a:p>
-            <a:p>
-              <a:r>
-                <a:rPr lang="en-SG" sz="1100"/>
-                <a:t>y_pred=clf.predict(X_test)</a:t>
-              </a:r>
-            </a:p>
-            <a:p>
-              <a:endParaRPr lang="en-SG" sz="1100"/>
-            </a:p>
-            <a:p>
-              <a:r>
-                <a:rPr lang="en-SG" sz="1100"/>
-                <a:t>score = metrics.</a:t>
-              </a:r>
-              <a:r>
-                <a:rPr lang="en-SG" sz="1100">
-                  <a:solidFill>
-                    <a:srgbClr val="FF0000"/>
-                  </a:solidFill>
-                </a:rPr>
-                <a:t>accuracy_score</a:t>
-              </a:r>
-              <a:r>
-                <a:rPr lang="en-SG" sz="1100"/>
-                <a:t>(y_test, y_pred)</a:t>
-              </a:r>
-            </a:p>
-            <a:p>
-              <a:r>
-                <a:rPr lang="en-SG" sz="1100"/>
-                <a:t>print(score)</a:t>
-              </a:r>
-            </a:p>
-          </p:txBody>
-        </p:sp>
-      </p:grpSp>
-    </p:spTree>
-    <p:extLst>
-      <p:ext uri="{BB962C8B-B14F-4D97-AF65-F5344CB8AC3E}">
-        <p14:creationId xmlns:p14="http://schemas.microsoft.com/office/powerpoint/2010/main" val="1487227427"/>
-      </p:ext>
-    </p:extLst>
-  </p:cSld>
-  <p:clrMapOvr>
-    <a:masterClrMapping/>
-  </p:clrMapOvr>
-</p:sld>
-</file>
-
-<file path=ppt/slides/slide25.xml><?xml version="1.0" encoding="utf-8"?>
-<p:sld xmlns:a="http://schemas.openxmlformats.org/drawingml/2006/main" xmlns:r="http://schemas.openxmlformats.org/officeDocument/2006/relationships" xmlns:p="http://schemas.openxmlformats.org/presentationml/2006/main">
-  <p:cSld>
-    <p:spTree>
-      <p:nvGrpSpPr>
-        <p:cNvPr id="1" name=""/>
-        <p:cNvGrpSpPr/>
-        <p:nvPr/>
-      </p:nvGrpSpPr>
-      <p:grpSpPr>
-        <a:xfrm>
-          <a:off x="0" y="0"/>
-          <a:ext cx="0" cy="0"/>
-          <a:chOff x="0" y="0"/>
-          <a:chExt cx="0" cy="0"/>
-        </a:xfrm>
-      </p:grpSpPr>
-    </p:spTree>
-    <p:extLst>
-      <p:ext uri="{BB962C8B-B14F-4D97-AF65-F5344CB8AC3E}">
-        <p14:creationId xmlns:p14="http://schemas.microsoft.com/office/powerpoint/2010/main" val="272498265"/>
-      </p:ext>
-    </p:extLst>
-  </p:cSld>
-  <p:clrMapOvr>
-    <a:masterClrMapping/>
-  </p:clrMapOvr>
-</p:sld>
-</file>
-
-<file path=ppt/slides/slide26.xml><?xml version="1.0" encoding="utf-8"?>
-<p:sld xmlns:a="http://schemas.openxmlformats.org/drawingml/2006/main" xmlns:r="http://schemas.openxmlformats.org/officeDocument/2006/relationships" xmlns:p="http://schemas.openxmlformats.org/presentationml/2006/main">
-  <p:cSld>
-    <p:spTree>
-      <p:nvGrpSpPr>
-        <p:cNvPr id="1" name=""/>
-        <p:cNvGrpSpPr/>
-        <p:nvPr/>
-      </p:nvGrpSpPr>
-      <p:grpSpPr>
-        <a:xfrm>
-          <a:off x="0" y="0"/>
-          <a:ext cx="0" cy="0"/>
-          <a:chOff x="0" y="0"/>
-          <a:chExt cx="0" cy="0"/>
-        </a:xfrm>
-      </p:grpSpPr>
-    </p:spTree>
-    <p:extLst>
-      <p:ext uri="{BB962C8B-B14F-4D97-AF65-F5344CB8AC3E}">
-        <p14:creationId xmlns:p14="http://schemas.microsoft.com/office/powerpoint/2010/main" val="2564582548"/>
-      </p:ext>
-    </p:extLst>
-  </p:cSld>
-  <p:clrMapOvr>
-    <a:masterClrMapping/>
-  </p:clrMapOvr>
-</p:sld>
-</file>
-
-<file path=ppt/slides/slide27.xml><?xml version="1.0" encoding="utf-8"?>
-<p:sld xmlns:a="http://schemas.openxmlformats.org/drawingml/2006/main" xmlns:r="http://schemas.openxmlformats.org/officeDocument/2006/relationships" xmlns:p="http://schemas.openxmlformats.org/presentationml/2006/main">
-  <p:cSld>
-    <p:spTree>
-      <p:nvGrpSpPr>
-        <p:cNvPr id="1" name=""/>
-        <p:cNvGrpSpPr/>
-        <p:nvPr/>
-      </p:nvGrpSpPr>
-      <p:grpSpPr>
-        <a:xfrm>
-          <a:off x="0" y="0"/>
-          <a:ext cx="0" cy="0"/>
-          <a:chOff x="0" y="0"/>
-          <a:chExt cx="0" cy="0"/>
-        </a:xfrm>
-      </p:grpSpPr>
-    </p:spTree>
-    <p:extLst>
-      <p:ext uri="{BB962C8B-B14F-4D97-AF65-F5344CB8AC3E}">
-        <p14:creationId xmlns:p14="http://schemas.microsoft.com/office/powerpoint/2010/main" val="3549276073"/>
-      </p:ext>
-    </p:extLst>
-  </p:cSld>
-  <p:clrMapOvr>
-    <a:masterClrMapping/>
-  </p:clrMapOvr>
-</p:sld>
-</file>
-
-<file path=ppt/slides/slide28.xml><?xml version="1.0" encoding="utf-8"?>
-<p:sld xmlns:a="http://schemas.openxmlformats.org/drawingml/2006/main" xmlns:r="http://schemas.openxmlformats.org/officeDocument/2006/relationships" xmlns:p="http://schemas.openxmlformats.org/presentationml/2006/main">
-  <p:cSld>
-    <p:spTree>
-      <p:nvGrpSpPr>
-        <p:cNvPr id="1" name=""/>
-        <p:cNvGrpSpPr/>
-        <p:nvPr/>
-      </p:nvGrpSpPr>
-      <p:grpSpPr>
-        <a:xfrm>
-          <a:off x="0" y="0"/>
-          <a:ext cx="0" cy="0"/>
-          <a:chOff x="0" y="0"/>
-          <a:chExt cx="0" cy="0"/>
-        </a:xfrm>
-      </p:grpSpPr>
-    </p:spTree>
-    <p:extLst>
-      <p:ext uri="{BB962C8B-B14F-4D97-AF65-F5344CB8AC3E}">
-        <p14:creationId xmlns:p14="http://schemas.microsoft.com/office/powerpoint/2010/main" val="2243362268"/>
-      </p:ext>
-    </p:extLst>
-  </p:cSld>
-  <p:clrMapOvr>
-    <a:masterClrMapping/>
-  </p:clrMapOvr>
-</p:sld>
-</file>
-
-<file path=ppt/slides/slide29.xml><?xml version="1.0" encoding="utf-8"?>
-<p:sld xmlns:a="http://schemas.openxmlformats.org/drawingml/2006/main" xmlns:r="http://schemas.openxmlformats.org/officeDocument/2006/relationships" xmlns:p="http://schemas.openxmlformats.org/presentationml/2006/main">
-  <p:cSld>
-    <p:spTree>
-      <p:nvGrpSpPr>
-        <p:cNvPr id="1" name=""/>
-        <p:cNvGrpSpPr/>
-        <p:nvPr/>
-      </p:nvGrpSpPr>
-      <p:grpSpPr>
-        <a:xfrm>
-          <a:off x="0" y="0"/>
-          <a:ext cx="0" cy="0"/>
-          <a:chOff x="0" y="0"/>
-          <a:chExt cx="0" cy="0"/>
-        </a:xfrm>
-      </p:grpSpPr>
-    </p:spTree>
-    <p:extLst>
-      <p:ext uri="{BB962C8B-B14F-4D97-AF65-F5344CB8AC3E}">
-        <p14:creationId xmlns:p14="http://schemas.microsoft.com/office/powerpoint/2010/main" val="1805032231"/>
-      </p:ext>
-    </p:extLst>
-  </p:cSld>
-  <p:clrMapOvr>
-    <a:masterClrMapping/>
-  </p:clrMapOvr>
-</p:sld>
-</file>
-
 <file path=ppt/slides/slide3.xml><?xml version="1.0" encoding="utf-8"?>
 <p:sld xmlns:a="http://schemas.openxmlformats.org/drawingml/2006/main" xmlns:r="http://schemas.openxmlformats.org/officeDocument/2006/relationships" xmlns:p="http://schemas.openxmlformats.org/presentationml/2006/main">
   <p:cSld>
@@ -9188,10 +10288,203 @@
           <a:chExt cx="0" cy="0"/>
         </a:xfrm>
       </p:grpSpPr>
+      <p:grpSp>
+        <p:nvGrpSpPr>
+          <p:cNvPr id="6" name="Group 5">
+            <a:extLst>
+              <a:ext uri="{FF2B5EF4-FFF2-40B4-BE49-F238E27FC236}">
+                <a16:creationId xmlns:a16="http://schemas.microsoft.com/office/drawing/2014/main" id="{9E9B4CDB-B8FF-68E0-1E0D-6CBA5C28DCC3}"/>
+              </a:ext>
+            </a:extLst>
+          </p:cNvPr>
+          <p:cNvGrpSpPr/>
+          <p:nvPr/>
+        </p:nvGrpSpPr>
+        <p:grpSpPr>
+          <a:xfrm>
+            <a:off x="3139102" y="828692"/>
+            <a:ext cx="5913796" cy="5200615"/>
+            <a:chOff x="2581275" y="338136"/>
+            <a:chExt cx="5913796" cy="5200615"/>
+          </a:xfrm>
+        </p:grpSpPr>
+        <p:pic>
+          <p:nvPicPr>
+            <p:cNvPr id="3" name="Picture 2">
+              <a:extLst>
+                <a:ext uri="{FF2B5EF4-FFF2-40B4-BE49-F238E27FC236}">
+                  <a16:creationId xmlns:a16="http://schemas.microsoft.com/office/drawing/2014/main" id="{95CBF8BC-99C8-4DBA-2AE7-E1C50D9BD523}"/>
+                </a:ext>
+              </a:extLst>
+            </p:cNvPr>
+            <p:cNvPicPr>
+              <a:picLocks noChangeAspect="1"/>
+            </p:cNvPicPr>
+            <p:nvPr/>
+          </p:nvPicPr>
+          <p:blipFill>
+            <a:blip r:embed="rId2"/>
+            <a:stretch>
+              <a:fillRect/>
+            </a:stretch>
+          </p:blipFill>
+          <p:spPr>
+            <a:xfrm>
+              <a:off x="2581275" y="338136"/>
+              <a:ext cx="5913796" cy="5200615"/>
+            </a:xfrm>
+            <a:prstGeom prst="rect">
+              <a:avLst/>
+            </a:prstGeom>
+          </p:spPr>
+        </p:pic>
+        <p:sp>
+          <p:nvSpPr>
+            <p:cNvPr id="2" name="TextBox 1">
+              <a:extLst>
+                <a:ext uri="{FF2B5EF4-FFF2-40B4-BE49-F238E27FC236}">
+                  <a16:creationId xmlns:a16="http://schemas.microsoft.com/office/drawing/2014/main" id="{743A5012-5C14-70F1-1B9A-ED99D099CA63}"/>
+                </a:ext>
+              </a:extLst>
+            </p:cNvPr>
+            <p:cNvSpPr txBox="1"/>
+            <p:nvPr/>
+          </p:nvSpPr>
+          <p:spPr>
+            <a:xfrm>
+              <a:off x="2902081" y="1724304"/>
+              <a:ext cx="4623638" cy="1954381"/>
+            </a:xfrm>
+            <a:prstGeom prst="rect">
+              <a:avLst/>
+            </a:prstGeom>
+            <a:solidFill>
+              <a:schemeClr val="bg1">
+                <a:lumMod val="95000"/>
+              </a:schemeClr>
+            </a:solidFill>
+          </p:spPr>
+          <p:txBody>
+            <a:bodyPr wrap="square">
+              <a:spAutoFit/>
+            </a:bodyPr>
+            <a:lstStyle>
+              <a:defPPr>
+                <a:defRPr lang="en-US"/>
+              </a:defPPr>
+              <a:lvl1pPr>
+                <a:defRPr sz="1200" b="0" i="0">
+                  <a:solidFill>
+                    <a:srgbClr val="05192D"/>
+                  </a:solidFill>
+                  <a:effectLst/>
+                  <a:latin typeface="Consolas" panose="020B0609020204030204" pitchFamily="49" charset="0"/>
+                </a:defRPr>
+              </a:lvl1pPr>
+            </a:lstStyle>
+            <a:p>
+              <a:r>
+                <a:rPr lang="en-SG" sz="1100"/>
+                <a:t>import statsmodels.api as sm</a:t>
+              </a:r>
+            </a:p>
+            <a:p>
+              <a:r>
+                <a:rPr lang="en-SG" sz="1100"/>
+                <a:t>from statsmodels.formula.api import glm</a:t>
+              </a:r>
+            </a:p>
+            <a:p>
+              <a:endParaRPr lang="en-SG" sz="1100"/>
+            </a:p>
+            <a:p>
+              <a:r>
+                <a:rPr lang="en-SG" sz="1100"/>
+                <a:t>model = glm(</a:t>
+              </a:r>
+            </a:p>
+            <a:p>
+              <a:r>
+                <a:rPr lang="en-SG" sz="1100"/>
+                <a:t>	'goal ~ player', </a:t>
+              </a:r>
+            </a:p>
+            <a:p>
+              <a:r>
+                <a:rPr lang="en-SG" sz="1100"/>
+                <a:t>	data = score,</a:t>
+              </a:r>
+            </a:p>
+            <a:p>
+              <a:r>
+                <a:rPr lang="en-SG" sz="1100"/>
+                <a:t>	family = sm.families.Poisson()</a:t>
+              </a:r>
+            </a:p>
+            <a:p>
+              <a:r>
+                <a:rPr lang="en-SG" sz="1100"/>
+                <a:t>).fit()</a:t>
+              </a:r>
+            </a:p>
+            <a:p>
+              <a:endParaRPr lang="en-SG" sz="1100"/>
+            </a:p>
+            <a:p>
+              <a:r>
+                <a:rPr lang="en-SG" sz="1100"/>
+                <a:t>predictions = </a:t>
+              </a:r>
+              <a:r>
+                <a:rPr lang="en-SG" sz="1100">
+                  <a:solidFill>
+                    <a:srgbClr val="FF0000"/>
+                  </a:solidFill>
+                </a:rPr>
+                <a:t>model</a:t>
+              </a:r>
+              <a:r>
+                <a:rPr lang="en-SG" sz="1100"/>
+                <a:t>.</a:t>
+              </a:r>
+              <a:r>
+                <a:rPr lang="en-SG" sz="1100">
+                  <a:solidFill>
+                    <a:srgbClr val="FF0000"/>
+                  </a:solidFill>
+                </a:rPr>
+                <a:t>predict</a:t>
+              </a:r>
+              <a:r>
+                <a:rPr lang="en-SG" sz="1100"/>
+                <a:t>(</a:t>
+              </a:r>
+              <a:r>
+                <a:rPr lang="en-SG" sz="1100">
+                  <a:solidFill>
+                    <a:srgbClr val="FF0000"/>
+                  </a:solidFill>
+                </a:rPr>
+                <a:t>test</a:t>
+              </a:r>
+              <a:r>
+                <a:rPr lang="en-SG" sz="1100"/>
+                <a:t>)</a:t>
+              </a:r>
+            </a:p>
+            <a:p>
+              <a:r>
+                <a:rPr lang="en-SG" sz="1100"/>
+                <a:t>print(predictions)</a:t>
+              </a:r>
+            </a:p>
+          </p:txBody>
+        </p:sp>
+      </p:grpSp>
     </p:spTree>
     <p:extLst>
       <p:ext uri="{BB962C8B-B14F-4D97-AF65-F5344CB8AC3E}">
-        <p14:creationId xmlns:p14="http://schemas.microsoft.com/office/powerpoint/2010/main" val="2339608835"/>
+        <p14:creationId xmlns:p14="http://schemas.microsoft.com/office/powerpoint/2010/main" val="2564582548"/>
       </p:ext>
     </p:extLst>
   </p:cSld>
@@ -9218,10 +10511,199 @@
           <a:chExt cx="0" cy="0"/>
         </a:xfrm>
       </p:grpSpPr>
+      <p:grpSp>
+        <p:nvGrpSpPr>
+          <p:cNvPr id="6" name="Group 5">
+            <a:extLst>
+              <a:ext uri="{FF2B5EF4-FFF2-40B4-BE49-F238E27FC236}">
+                <a16:creationId xmlns:a16="http://schemas.microsoft.com/office/drawing/2014/main" id="{DBB7327B-20AD-71D3-E435-E39DE36A7D1D}"/>
+              </a:ext>
+            </a:extLst>
+          </p:cNvPr>
+          <p:cNvGrpSpPr/>
+          <p:nvPr/>
+        </p:nvGrpSpPr>
+        <p:grpSpPr>
+          <a:xfrm>
+            <a:off x="3277291" y="1446445"/>
+            <a:ext cx="5637417" cy="3965109"/>
+            <a:chOff x="2547938" y="933451"/>
+            <a:chExt cx="5637417" cy="3965109"/>
+          </a:xfrm>
+        </p:grpSpPr>
+        <p:pic>
+          <p:nvPicPr>
+            <p:cNvPr id="3" name="Picture 2">
+              <a:extLst>
+                <a:ext uri="{FF2B5EF4-FFF2-40B4-BE49-F238E27FC236}">
+                  <a16:creationId xmlns:a16="http://schemas.microsoft.com/office/drawing/2014/main" id="{05A71DC3-EC50-0D3D-8D7D-391B4B810619}"/>
+                </a:ext>
+              </a:extLst>
+            </p:cNvPr>
+            <p:cNvPicPr>
+              <a:picLocks noChangeAspect="1"/>
+            </p:cNvPicPr>
+            <p:nvPr/>
+          </p:nvPicPr>
+          <p:blipFill>
+            <a:blip r:embed="rId2"/>
+            <a:stretch>
+              <a:fillRect/>
+            </a:stretch>
+          </p:blipFill>
+          <p:spPr>
+            <a:xfrm>
+              <a:off x="2547938" y="933451"/>
+              <a:ext cx="5637417" cy="3965109"/>
+            </a:xfrm>
+            <a:prstGeom prst="rect">
+              <a:avLst/>
+            </a:prstGeom>
+          </p:spPr>
+        </p:pic>
+        <p:sp>
+          <p:nvSpPr>
+            <p:cNvPr id="4" name="TextBox 3">
+              <a:extLst>
+                <a:ext uri="{FF2B5EF4-FFF2-40B4-BE49-F238E27FC236}">
+                  <a16:creationId xmlns:a16="http://schemas.microsoft.com/office/drawing/2014/main" id="{B5E6FD06-6DB7-4FC3-DDE9-7A5878C2B0DD}"/>
+                </a:ext>
+              </a:extLst>
+            </p:cNvPr>
+            <p:cNvSpPr txBox="1"/>
+            <p:nvPr/>
+          </p:nvSpPr>
+          <p:spPr>
+            <a:xfrm>
+              <a:off x="2843089" y="2439600"/>
+              <a:ext cx="4623638" cy="1277273"/>
+            </a:xfrm>
+            <a:prstGeom prst="rect">
+              <a:avLst/>
+            </a:prstGeom>
+            <a:solidFill>
+              <a:schemeClr val="bg1">
+                <a:lumMod val="95000"/>
+              </a:schemeClr>
+            </a:solidFill>
+          </p:spPr>
+          <p:txBody>
+            <a:bodyPr wrap="square">
+              <a:spAutoFit/>
+            </a:bodyPr>
+            <a:lstStyle>
+              <a:defPPr>
+                <a:defRPr lang="en-US"/>
+              </a:defPPr>
+              <a:lvl1pPr>
+                <a:defRPr sz="1200" b="0" i="0">
+                  <a:solidFill>
+                    <a:srgbClr val="05192D"/>
+                  </a:solidFill>
+                  <a:effectLst/>
+                  <a:latin typeface="Consolas" panose="020B0609020204030204" pitchFamily="49" charset="0"/>
+                </a:defRPr>
+              </a:lvl1pPr>
+            </a:lstStyle>
+            <a:p>
+              <a:r>
+                <a:rPr lang="en-SG" sz="1100"/>
+                <a:t>from sklearn.decomposition import </a:t>
+              </a:r>
+              <a:r>
+                <a:rPr lang="en-SG" sz="1100">
+                  <a:solidFill>
+                    <a:srgbClr val="FF0000"/>
+                  </a:solidFill>
+                </a:rPr>
+                <a:t>PCA</a:t>
+              </a:r>
+            </a:p>
+            <a:p>
+              <a:endParaRPr lang="en-SG" sz="1100"/>
+            </a:p>
+            <a:p>
+              <a:r>
+                <a:rPr lang="en-SG" sz="1100"/>
+                <a:t>pca = </a:t>
+              </a:r>
+              <a:r>
+                <a:rPr lang="en-SG" sz="1100">
+                  <a:solidFill>
+                    <a:srgbClr val="FF0000"/>
+                  </a:solidFill>
+                </a:rPr>
+                <a:t>PCA</a:t>
+              </a:r>
+              <a:r>
+                <a:rPr lang="en-SG" sz="1100"/>
+                <a:t>(n_components= </a:t>
+              </a:r>
+              <a:r>
+                <a:rPr lang="en-SG" sz="1100">
+                  <a:solidFill>
+                    <a:srgbClr val="FF0000"/>
+                  </a:solidFill>
+                </a:rPr>
+                <a:t>2</a:t>
+              </a:r>
+              <a:r>
+                <a:rPr lang="en-SG" sz="1100"/>
+                <a:t>)</a:t>
+              </a:r>
+            </a:p>
+            <a:p>
+              <a:r>
+                <a:rPr lang="en-SG" sz="1100"/>
+                <a:t>pca.</a:t>
+              </a:r>
+              <a:r>
+                <a:rPr lang="en-SG" sz="1100">
+                  <a:solidFill>
+                    <a:srgbClr val="FF0000"/>
+                  </a:solidFill>
+                </a:rPr>
+                <a:t>fit</a:t>
+              </a:r>
+              <a:r>
+                <a:rPr lang="en-SG" sz="1100"/>
+                <a:t>(</a:t>
+              </a:r>
+              <a:r>
+                <a:rPr lang="en-SG" sz="1100">
+                  <a:solidFill>
+                    <a:srgbClr val="FF0000"/>
+                  </a:solidFill>
+                </a:rPr>
+                <a:t>scaled_samples</a:t>
+              </a:r>
+              <a:r>
+                <a:rPr lang="en-SG" sz="1100"/>
+                <a:t>)</a:t>
+              </a:r>
+            </a:p>
+            <a:p>
+              <a:endParaRPr lang="en-SG" sz="1100"/>
+            </a:p>
+            <a:p>
+              <a:r>
+                <a:rPr lang="en-SG" sz="1100"/>
+                <a:t>pca_features = pca.transform(scaled_samples)</a:t>
+              </a:r>
+            </a:p>
+            <a:p>
+              <a:r>
+                <a:rPr lang="en-SG" sz="1100"/>
+                <a:t>print(pca_features.shape)</a:t>
+              </a:r>
+            </a:p>
+          </p:txBody>
+        </p:sp>
+      </p:grpSp>
     </p:spTree>
     <p:extLst>
       <p:ext uri="{BB962C8B-B14F-4D97-AF65-F5344CB8AC3E}">
-        <p14:creationId xmlns:p14="http://schemas.microsoft.com/office/powerpoint/2010/main" val="2629016149"/>
+        <p14:creationId xmlns:p14="http://schemas.microsoft.com/office/powerpoint/2010/main" val="3549276073"/>
       </p:ext>
     </p:extLst>
   </p:cSld>
@@ -9248,10 +10730,247 @@
           <a:chExt cx="0" cy="0"/>
         </a:xfrm>
       </p:grpSpPr>
+      <p:grpSp>
+        <p:nvGrpSpPr>
+          <p:cNvPr id="6" name="Group 5">
+            <a:extLst>
+              <a:ext uri="{FF2B5EF4-FFF2-40B4-BE49-F238E27FC236}">
+                <a16:creationId xmlns:a16="http://schemas.microsoft.com/office/drawing/2014/main" id="{3C0CE8EE-C7F6-3E54-3F60-38765DA09B9E}"/>
+              </a:ext>
+            </a:extLst>
+          </p:cNvPr>
+          <p:cNvGrpSpPr/>
+          <p:nvPr/>
+        </p:nvGrpSpPr>
+        <p:grpSpPr>
+          <a:xfrm>
+            <a:off x="3395278" y="1011038"/>
+            <a:ext cx="5401444" cy="4835924"/>
+            <a:chOff x="2547937" y="252412"/>
+            <a:chExt cx="5401444" cy="4835924"/>
+          </a:xfrm>
+        </p:grpSpPr>
+        <p:pic>
+          <p:nvPicPr>
+            <p:cNvPr id="3" name="Picture 2">
+              <a:extLst>
+                <a:ext uri="{FF2B5EF4-FFF2-40B4-BE49-F238E27FC236}">
+                  <a16:creationId xmlns:a16="http://schemas.microsoft.com/office/drawing/2014/main" id="{D7CC27B6-2B07-8940-4F23-8BF4FD0F1719}"/>
+                </a:ext>
+              </a:extLst>
+            </p:cNvPr>
+            <p:cNvPicPr>
+              <a:picLocks noChangeAspect="1"/>
+            </p:cNvPicPr>
+            <p:nvPr/>
+          </p:nvPicPr>
+          <p:blipFill>
+            <a:blip r:embed="rId2"/>
+            <a:stretch>
+              <a:fillRect/>
+            </a:stretch>
+          </p:blipFill>
+          <p:spPr>
+            <a:xfrm>
+              <a:off x="2547937" y="252412"/>
+              <a:ext cx="5401444" cy="4835924"/>
+            </a:xfrm>
+            <a:prstGeom prst="rect">
+              <a:avLst/>
+            </a:prstGeom>
+          </p:spPr>
+        </p:pic>
+        <p:sp>
+          <p:nvSpPr>
+            <p:cNvPr id="4" name="TextBox 3">
+              <a:extLst>
+                <a:ext uri="{FF2B5EF4-FFF2-40B4-BE49-F238E27FC236}">
+                  <a16:creationId xmlns:a16="http://schemas.microsoft.com/office/drawing/2014/main" id="{224523CD-4D16-E2FA-AA37-84CDBDE8ABB2}"/>
+                </a:ext>
+              </a:extLst>
+            </p:cNvPr>
+            <p:cNvSpPr txBox="1"/>
+            <p:nvPr/>
+          </p:nvSpPr>
+          <p:spPr>
+            <a:xfrm>
+              <a:off x="2828341" y="1503077"/>
+              <a:ext cx="4623638" cy="2462213"/>
+            </a:xfrm>
+            <a:prstGeom prst="rect">
+              <a:avLst/>
+            </a:prstGeom>
+            <a:solidFill>
+              <a:schemeClr val="bg1">
+                <a:lumMod val="95000"/>
+              </a:schemeClr>
+            </a:solidFill>
+          </p:spPr>
+          <p:txBody>
+            <a:bodyPr wrap="square">
+              <a:spAutoFit/>
+            </a:bodyPr>
+            <a:lstStyle>
+              <a:defPPr>
+                <a:defRPr lang="en-US"/>
+              </a:defPPr>
+              <a:lvl1pPr>
+                <a:defRPr sz="1200" b="0" i="0">
+                  <a:solidFill>
+                    <a:srgbClr val="05192D"/>
+                  </a:solidFill>
+                  <a:effectLst/>
+                  <a:latin typeface="Consolas" panose="020B0609020204030204" pitchFamily="49" charset="0"/>
+                </a:defRPr>
+              </a:lvl1pPr>
+            </a:lstStyle>
+            <a:p>
+              <a:r>
+                <a:rPr lang="en-SG" sz="1100"/>
+                <a:t>from sklearn.</a:t>
+              </a:r>
+              <a:r>
+                <a:rPr lang="en-SG" sz="1100">
+                  <a:solidFill>
+                    <a:srgbClr val="FF0000"/>
+                  </a:solidFill>
+                </a:rPr>
+                <a:t>tree</a:t>
+              </a:r>
+              <a:r>
+                <a:rPr lang="en-SG" sz="1100"/>
+                <a:t> import DecisionTreeClassifier</a:t>
+              </a:r>
+            </a:p>
+            <a:p>
+              <a:r>
+                <a:rPr lang="en-SG" sz="1100"/>
+                <a:t>from sklearn.</a:t>
+              </a:r>
+              <a:r>
+                <a:rPr lang="en-SG" sz="1100">
+                  <a:solidFill>
+                    <a:srgbClr val="FF0000"/>
+                  </a:solidFill>
+                </a:rPr>
+                <a:t>ensemble</a:t>
+              </a:r>
+              <a:r>
+                <a:rPr lang="en-SG" sz="1100"/>
+                <a:t> import BaggingClassifier</a:t>
+              </a:r>
+            </a:p>
+            <a:p>
+              <a:r>
+                <a:rPr lang="en-SG" sz="1100"/>
+                <a:t>from sklearn.metrics import accuracy_score</a:t>
+              </a:r>
+            </a:p>
+            <a:p>
+              <a:endParaRPr lang="en-SG" sz="1100"/>
+            </a:p>
+            <a:p>
+              <a:r>
+                <a:rPr lang="en-SG" sz="1100"/>
+                <a:t>dt = DecisionTreeClassifier(random_state=1)</a:t>
+              </a:r>
+            </a:p>
+            <a:p>
+              <a:r>
+                <a:rPr lang="en-SG" sz="1100"/>
+                <a:t>bc = BaggingClassifier(base_estimator=</a:t>
+              </a:r>
+              <a:r>
+                <a:rPr lang="en-SG" sz="1100">
+                  <a:solidFill>
+                    <a:srgbClr val="FF0000"/>
+                  </a:solidFill>
+                </a:rPr>
+                <a:t>dt</a:t>
+              </a:r>
+              <a:r>
+                <a:rPr lang="en-SG" sz="1100"/>
+                <a:t>, </a:t>
+              </a:r>
+            </a:p>
+            <a:p>
+              <a:r>
+                <a:rPr lang="en-SG" sz="1100"/>
+                <a:t>                       n_estimators=</a:t>
+              </a:r>
+              <a:r>
+                <a:rPr lang="en-SG" sz="1100">
+                  <a:solidFill>
+                    <a:srgbClr val="FF0000"/>
+                  </a:solidFill>
+                </a:rPr>
+                <a:t>10</a:t>
+              </a:r>
+              <a:r>
+                <a:rPr lang="en-SG" sz="1100"/>
+                <a:t>,</a:t>
+              </a:r>
+            </a:p>
+            <a:p>
+              <a:r>
+                <a:rPr lang="en-SG" sz="1100"/>
+                <a:t>                       random_state=1)</a:t>
+              </a:r>
+            </a:p>
+            <a:p>
+              <a:endParaRPr lang="en-SG" sz="1100"/>
+            </a:p>
+            <a:p>
+              <a:r>
+                <a:rPr lang="en-SG" sz="1100">
+                  <a:solidFill>
+                    <a:srgbClr val="FF0000"/>
+                  </a:solidFill>
+                </a:rPr>
+                <a:t>bc</a:t>
+              </a:r>
+              <a:r>
+                <a:rPr lang="en-SG" sz="1100"/>
+                <a:t>.fit(X_train, y_train)</a:t>
+              </a:r>
+            </a:p>
+            <a:p>
+              <a:endParaRPr lang="en-SG" sz="1100"/>
+            </a:p>
+            <a:p>
+              <a:r>
+                <a:rPr lang="en-SG" sz="1100"/>
+                <a:t>y_pred = </a:t>
+              </a:r>
+              <a:r>
+                <a:rPr lang="en-SG" sz="1100">
+                  <a:solidFill>
+                    <a:srgbClr val="FF0000"/>
+                  </a:solidFill>
+                </a:rPr>
+                <a:t>bc</a:t>
+              </a:r>
+              <a:r>
+                <a:rPr lang="en-SG" sz="1100"/>
+                <a:t>.predict(X_test)</a:t>
+              </a:r>
+            </a:p>
+            <a:p>
+              <a:endParaRPr lang="en-SG" sz="1100"/>
+            </a:p>
+            <a:p>
+              <a:r>
+                <a:rPr lang="en-SG" sz="1100"/>
+                <a:t>print(accuracy_score(y_test, y_pred))</a:t>
+              </a:r>
+            </a:p>
+          </p:txBody>
+        </p:sp>
+      </p:grpSp>
     </p:spTree>
     <p:extLst>
       <p:ext uri="{BB962C8B-B14F-4D97-AF65-F5344CB8AC3E}">
-        <p14:creationId xmlns:p14="http://schemas.microsoft.com/office/powerpoint/2010/main" val="528629584"/>
+        <p14:creationId xmlns:p14="http://schemas.microsoft.com/office/powerpoint/2010/main" val="2243362268"/>
       </p:ext>
     </p:extLst>
   </p:cSld>
@@ -9278,10 +10997,1075 @@
           <a:chExt cx="0" cy="0"/>
         </a:xfrm>
       </p:grpSpPr>
+      <p:grpSp>
+        <p:nvGrpSpPr>
+          <p:cNvPr id="7" name="Group 6">
+            <a:extLst>
+              <a:ext uri="{FF2B5EF4-FFF2-40B4-BE49-F238E27FC236}">
+                <a16:creationId xmlns:a16="http://schemas.microsoft.com/office/drawing/2014/main" id="{FA322521-4FB5-1441-02CD-8CAF69A0F6B0}"/>
+              </a:ext>
+            </a:extLst>
+          </p:cNvPr>
+          <p:cNvGrpSpPr/>
+          <p:nvPr/>
+        </p:nvGrpSpPr>
+        <p:grpSpPr>
+          <a:xfrm>
+            <a:off x="2997071" y="829228"/>
+            <a:ext cx="6197857" cy="5199544"/>
+            <a:chOff x="2547937" y="452438"/>
+            <a:chExt cx="6197857" cy="5199544"/>
+          </a:xfrm>
+        </p:grpSpPr>
+        <p:pic>
+          <p:nvPicPr>
+            <p:cNvPr id="3" name="Picture 2">
+              <a:extLst>
+                <a:ext uri="{FF2B5EF4-FFF2-40B4-BE49-F238E27FC236}">
+                  <a16:creationId xmlns:a16="http://schemas.microsoft.com/office/drawing/2014/main" id="{BD8D2299-9657-D8F6-0649-D6D7131A068E}"/>
+                </a:ext>
+              </a:extLst>
+            </p:cNvPr>
+            <p:cNvPicPr>
+              <a:picLocks noChangeAspect="1"/>
+            </p:cNvPicPr>
+            <p:nvPr/>
+          </p:nvPicPr>
+          <p:blipFill>
+            <a:blip r:embed="rId2"/>
+            <a:stretch>
+              <a:fillRect/>
+            </a:stretch>
+          </p:blipFill>
+          <p:spPr>
+            <a:xfrm>
+              <a:off x="2547937" y="452438"/>
+              <a:ext cx="6197857" cy="5199544"/>
+            </a:xfrm>
+            <a:prstGeom prst="rect">
+              <a:avLst/>
+            </a:prstGeom>
+          </p:spPr>
+        </p:pic>
+        <p:sp>
+          <p:nvSpPr>
+            <p:cNvPr id="4" name="TextBox 3">
+              <a:extLst>
+                <a:ext uri="{FF2B5EF4-FFF2-40B4-BE49-F238E27FC236}">
+                  <a16:creationId xmlns:a16="http://schemas.microsoft.com/office/drawing/2014/main" id="{66A7B7E6-DAB0-A7D0-B20E-968C04EAF12B}"/>
+                </a:ext>
+              </a:extLst>
+            </p:cNvPr>
+            <p:cNvSpPr txBox="1"/>
+            <p:nvPr/>
+          </p:nvSpPr>
+          <p:spPr>
+            <a:xfrm>
+              <a:off x="2857837" y="2315553"/>
+              <a:ext cx="4623638" cy="2123658"/>
+            </a:xfrm>
+            <a:prstGeom prst="rect">
+              <a:avLst/>
+            </a:prstGeom>
+            <a:solidFill>
+              <a:schemeClr val="bg1">
+                <a:lumMod val="95000"/>
+              </a:schemeClr>
+            </a:solidFill>
+          </p:spPr>
+          <p:txBody>
+            <a:bodyPr wrap="square">
+              <a:spAutoFit/>
+            </a:bodyPr>
+            <a:lstStyle>
+              <a:defPPr>
+                <a:defRPr lang="en-US"/>
+              </a:defPPr>
+              <a:lvl1pPr>
+                <a:defRPr sz="1200" b="0" i="0">
+                  <a:solidFill>
+                    <a:srgbClr val="05192D"/>
+                  </a:solidFill>
+                  <a:effectLst/>
+                  <a:latin typeface="Consolas" panose="020B0609020204030204" pitchFamily="49" charset="0"/>
+                </a:defRPr>
+              </a:lvl1pPr>
+            </a:lstStyle>
+            <a:p>
+              <a:r>
+                <a:rPr lang="en-SG" sz="1100"/>
+                <a:t>from sklearn import metrics</a:t>
+              </a:r>
+            </a:p>
+            <a:p>
+              <a:endParaRPr lang="en-SG" sz="1100"/>
+            </a:p>
+            <a:p>
+              <a:r>
+                <a:rPr lang="en-SG" sz="1100"/>
+                <a:t>model = DecisionTreeClassifier(max_depth=4, random_state=42)</a:t>
+              </a:r>
+            </a:p>
+            <a:p>
+              <a:endParaRPr lang="en-SG" sz="1100"/>
+            </a:p>
+            <a:p>
+              <a:r>
+                <a:rPr lang="en-SG" sz="1100"/>
+                <a:t>model.fit(X_train, y_train)</a:t>
+              </a:r>
+            </a:p>
+            <a:p>
+              <a:endParaRPr lang="en-SG" sz="1100"/>
+            </a:p>
+            <a:p>
+              <a:r>
+                <a:rPr lang="en-SG" sz="1100"/>
+                <a:t>y_pred = model.predict(X_test)</a:t>
+              </a:r>
+            </a:p>
+            <a:p>
+              <a:endParaRPr lang="en-SG" sz="1100"/>
+            </a:p>
+            <a:p>
+              <a:r>
+                <a:rPr lang="en-SG" sz="1100"/>
+                <a:t>roc_auc = metrics.</a:t>
+              </a:r>
+              <a:r>
+                <a:rPr lang="en-SG" sz="1100">
+                  <a:solidFill>
+                    <a:srgbClr val="FF0000"/>
+                  </a:solidFill>
+                </a:rPr>
+                <a:t>roc_auc_score(y_test, y_pred)</a:t>
+              </a:r>
+            </a:p>
+            <a:p>
+              <a:endParaRPr lang="en-SG" sz="1100"/>
+            </a:p>
+            <a:p>
+              <a:r>
+                <a:rPr lang="en-SG" sz="1100"/>
+                <a:t>print(roc_auc)</a:t>
+              </a:r>
+            </a:p>
+          </p:txBody>
+        </p:sp>
+      </p:grpSp>
+      <p:sp>
+        <p:nvSpPr>
+          <p:cNvPr id="6" name="TextBox 5">
+            <a:extLst>
+              <a:ext uri="{FF2B5EF4-FFF2-40B4-BE49-F238E27FC236}">
+                <a16:creationId xmlns:a16="http://schemas.microsoft.com/office/drawing/2014/main" id="{E0C5ADAF-7BE7-B8F5-6474-686A1BAF5892}"/>
+              </a:ext>
+            </a:extLst>
+          </p:cNvPr>
+          <p:cNvSpPr txBox="1"/>
+          <p:nvPr/>
+        </p:nvSpPr>
+        <p:spPr>
+          <a:xfrm>
+            <a:off x="9383486" y="82715"/>
+            <a:ext cx="2722563" cy="369332"/>
+          </a:xfrm>
+          <a:prstGeom prst="rect">
+            <a:avLst/>
+          </a:prstGeom>
+          <a:solidFill>
+            <a:schemeClr val="accent2"/>
+          </a:solidFill>
+        </p:spPr>
+        <p:txBody>
+          <a:bodyPr wrap="square" rtlCol="0">
+            <a:spAutoFit/>
+          </a:bodyPr>
+          <a:lstStyle/>
+          <a:p>
+            <a:pPr algn="ctr"/>
+            <a:r>
+              <a:rPr lang="en-GB"/>
+              <a:t>HARD</a:t>
+            </a:r>
+            <a:endParaRPr lang="en-SG"/>
+          </a:p>
+        </p:txBody>
+      </p:sp>
+    </p:spTree>
+    <p:extLst>
+      <p:ext uri="{BB962C8B-B14F-4D97-AF65-F5344CB8AC3E}">
+        <p14:creationId xmlns:p14="http://schemas.microsoft.com/office/powerpoint/2010/main" val="1805032231"/>
+      </p:ext>
+    </p:extLst>
+  </p:cSld>
+  <p:clrMapOvr>
+    <a:masterClrMapping/>
+  </p:clrMapOvr>
+</p:sld>
+</file>
+
+<file path=ppt/slides/slide34.xml><?xml version="1.0" encoding="utf-8"?>
+<p:sld xmlns:a="http://schemas.openxmlformats.org/drawingml/2006/main" xmlns:r="http://schemas.openxmlformats.org/officeDocument/2006/relationships" xmlns:p="http://schemas.openxmlformats.org/presentationml/2006/main">
+  <p:cSld>
+    <p:spTree>
+      <p:nvGrpSpPr>
+        <p:cNvPr id="1" name=""/>
+        <p:cNvGrpSpPr/>
+        <p:nvPr/>
+      </p:nvGrpSpPr>
+      <p:grpSpPr>
+        <a:xfrm>
+          <a:off x="0" y="0"/>
+          <a:ext cx="0" cy="0"/>
+          <a:chOff x="0" y="0"/>
+          <a:chExt cx="0" cy="0"/>
+        </a:xfrm>
+      </p:grpSpPr>
+      <p:grpSp>
+        <p:nvGrpSpPr>
+          <p:cNvPr id="6" name="Group 5">
+            <a:extLst>
+              <a:ext uri="{FF2B5EF4-FFF2-40B4-BE49-F238E27FC236}">
+                <a16:creationId xmlns:a16="http://schemas.microsoft.com/office/drawing/2014/main" id="{0D82E291-5B31-7AC1-5A80-E5D7EE71DC77}"/>
+              </a:ext>
+            </a:extLst>
+          </p:cNvPr>
+          <p:cNvGrpSpPr/>
+          <p:nvPr/>
+        </p:nvGrpSpPr>
+        <p:grpSpPr>
+          <a:xfrm>
+            <a:off x="3535477" y="288469"/>
+            <a:ext cx="5121045" cy="6281061"/>
+            <a:chOff x="3300284" y="0"/>
+            <a:chExt cx="5121045" cy="6281061"/>
+          </a:xfrm>
+        </p:grpSpPr>
+        <p:pic>
+          <p:nvPicPr>
+            <p:cNvPr id="3" name="Picture 2">
+              <a:extLst>
+                <a:ext uri="{FF2B5EF4-FFF2-40B4-BE49-F238E27FC236}">
+                  <a16:creationId xmlns:a16="http://schemas.microsoft.com/office/drawing/2014/main" id="{693845A3-E434-FECD-4E6D-89F43C0F7DD5}"/>
+                </a:ext>
+              </a:extLst>
+            </p:cNvPr>
+            <p:cNvPicPr>
+              <a:picLocks noChangeAspect="1"/>
+            </p:cNvPicPr>
+            <p:nvPr/>
+          </p:nvPicPr>
+          <p:blipFill>
+            <a:blip r:embed="rId2"/>
+            <a:stretch>
+              <a:fillRect/>
+            </a:stretch>
+          </p:blipFill>
+          <p:spPr>
+            <a:xfrm>
+              <a:off x="3300284" y="0"/>
+              <a:ext cx="5121045" cy="6281061"/>
+            </a:xfrm>
+            <a:prstGeom prst="rect">
+              <a:avLst/>
+            </a:prstGeom>
+          </p:spPr>
+        </p:pic>
+        <p:sp>
+          <p:nvSpPr>
+            <p:cNvPr id="4" name="TextBox 3">
+              <a:extLst>
+                <a:ext uri="{FF2B5EF4-FFF2-40B4-BE49-F238E27FC236}">
+                  <a16:creationId xmlns:a16="http://schemas.microsoft.com/office/drawing/2014/main" id="{2F9A21D6-BDE9-27D4-CE28-E3818115640D}"/>
+                </a:ext>
+              </a:extLst>
+            </p:cNvPr>
+            <p:cNvSpPr txBox="1"/>
+            <p:nvPr/>
+          </p:nvSpPr>
+          <p:spPr>
+            <a:xfrm>
+              <a:off x="3556361" y="3421626"/>
+              <a:ext cx="4623638" cy="1277273"/>
+            </a:xfrm>
+            <a:prstGeom prst="rect">
+              <a:avLst/>
+            </a:prstGeom>
+            <a:solidFill>
+              <a:schemeClr val="bg1">
+                <a:lumMod val="95000"/>
+              </a:schemeClr>
+            </a:solidFill>
+          </p:spPr>
+          <p:txBody>
+            <a:bodyPr wrap="square">
+              <a:spAutoFit/>
+            </a:bodyPr>
+            <a:lstStyle>
+              <a:defPPr>
+                <a:defRPr lang="en-US"/>
+              </a:defPPr>
+              <a:lvl1pPr>
+                <a:defRPr sz="1200" b="0" i="0">
+                  <a:solidFill>
+                    <a:srgbClr val="05192D"/>
+                  </a:solidFill>
+                  <a:effectLst/>
+                  <a:latin typeface="Consolas" panose="020B0609020204030204" pitchFamily="49" charset="0"/>
+                </a:defRPr>
+              </a:lvl1pPr>
+            </a:lstStyle>
+            <a:p>
+              <a:r>
+                <a:rPr lang="en-SG" sz="1100"/>
+                <a:t>from sklearn.</a:t>
+              </a:r>
+              <a:r>
+                <a:rPr lang="en-SG" sz="1100">
+                  <a:solidFill>
+                    <a:srgbClr val="FF0000"/>
+                  </a:solidFill>
+                </a:rPr>
+                <a:t>cluster</a:t>
+              </a:r>
+              <a:r>
+                <a:rPr lang="en-SG" sz="1100"/>
+                <a:t> import KMeans</a:t>
+              </a:r>
+            </a:p>
+            <a:p>
+              <a:endParaRPr lang="en-SG" sz="1100"/>
+            </a:p>
+            <a:p>
+              <a:r>
+                <a:rPr lang="en-SG" sz="1100"/>
+                <a:t>kmeans = KMeans(</a:t>
+              </a:r>
+              <a:r>
+                <a:rPr lang="en-SG" sz="1100">
+                  <a:solidFill>
+                    <a:srgbClr val="FF0000"/>
+                  </a:solidFill>
+                </a:rPr>
+                <a:t>n_clusters=5</a:t>
+              </a:r>
+              <a:r>
+                <a:rPr lang="en-SG" sz="1100"/>
+                <a:t>, random_state=42)</a:t>
+              </a:r>
+            </a:p>
+            <a:p>
+              <a:r>
+                <a:rPr lang="en-SG" sz="1100"/>
+                <a:t>kmeans.fit(X)</a:t>
+              </a:r>
+            </a:p>
+            <a:p>
+              <a:r>
+                <a:rPr lang="en-SG" sz="1100"/>
+                <a:t>centers = kmeans.cluster_centers_</a:t>
+              </a:r>
+            </a:p>
+            <a:p>
+              <a:endParaRPr lang="en-SG" sz="1100"/>
+            </a:p>
+            <a:p>
+              <a:r>
+                <a:rPr lang="en-SG" sz="1100"/>
+                <a:t>print(centers)</a:t>
+              </a:r>
+            </a:p>
+          </p:txBody>
+        </p:sp>
+      </p:grpSp>
+    </p:spTree>
+    <p:extLst>
+      <p:ext uri="{BB962C8B-B14F-4D97-AF65-F5344CB8AC3E}">
+        <p14:creationId xmlns:p14="http://schemas.microsoft.com/office/powerpoint/2010/main" val="2339608835"/>
+      </p:ext>
+    </p:extLst>
+  </p:cSld>
+  <p:clrMapOvr>
+    <a:masterClrMapping/>
+  </p:clrMapOvr>
+</p:sld>
+</file>
+
+<file path=ppt/slides/slide35.xml><?xml version="1.0" encoding="utf-8"?>
+<p:sld xmlns:a="http://schemas.openxmlformats.org/drawingml/2006/main" xmlns:r="http://schemas.openxmlformats.org/officeDocument/2006/relationships" xmlns:p="http://schemas.openxmlformats.org/presentationml/2006/main">
+  <p:cSld>
+    <p:spTree>
+      <p:nvGrpSpPr>
+        <p:cNvPr id="1" name=""/>
+        <p:cNvGrpSpPr/>
+        <p:nvPr/>
+      </p:nvGrpSpPr>
+      <p:grpSpPr>
+        <a:xfrm>
+          <a:off x="0" y="0"/>
+          <a:ext cx="0" cy="0"/>
+          <a:chOff x="0" y="0"/>
+          <a:chExt cx="0" cy="0"/>
+        </a:xfrm>
+      </p:grpSpPr>
+      <p:grpSp>
+        <p:nvGrpSpPr>
+          <p:cNvPr id="6" name="Group 5">
+            <a:extLst>
+              <a:ext uri="{FF2B5EF4-FFF2-40B4-BE49-F238E27FC236}">
+                <a16:creationId xmlns:a16="http://schemas.microsoft.com/office/drawing/2014/main" id="{0024E6D2-1893-9964-32AB-3A3A02861BAD}"/>
+              </a:ext>
+            </a:extLst>
+          </p:cNvPr>
+          <p:cNvGrpSpPr/>
+          <p:nvPr/>
+        </p:nvGrpSpPr>
+        <p:grpSpPr>
+          <a:xfrm>
+            <a:off x="3025493" y="896962"/>
+            <a:ext cx="6141014" cy="5064076"/>
+            <a:chOff x="2538413" y="495300"/>
+            <a:chExt cx="6141014" cy="5064076"/>
+          </a:xfrm>
+        </p:grpSpPr>
+        <p:pic>
+          <p:nvPicPr>
+            <p:cNvPr id="3" name="Picture 2">
+              <a:extLst>
+                <a:ext uri="{FF2B5EF4-FFF2-40B4-BE49-F238E27FC236}">
+                  <a16:creationId xmlns:a16="http://schemas.microsoft.com/office/drawing/2014/main" id="{694695A8-3C99-60F7-F9F0-4FC3DA411869}"/>
+                </a:ext>
+              </a:extLst>
+            </p:cNvPr>
+            <p:cNvPicPr>
+              <a:picLocks noChangeAspect="1"/>
+            </p:cNvPicPr>
+            <p:nvPr/>
+          </p:nvPicPr>
+          <p:blipFill>
+            <a:blip r:embed="rId2"/>
+            <a:stretch>
+              <a:fillRect/>
+            </a:stretch>
+          </p:blipFill>
+          <p:spPr>
+            <a:xfrm>
+              <a:off x="2538413" y="495300"/>
+              <a:ext cx="6141014" cy="5064076"/>
+            </a:xfrm>
+            <a:prstGeom prst="rect">
+              <a:avLst/>
+            </a:prstGeom>
+          </p:spPr>
+        </p:pic>
+        <p:sp>
+          <p:nvSpPr>
+            <p:cNvPr id="4" name="TextBox 3">
+              <a:extLst>
+                <a:ext uri="{FF2B5EF4-FFF2-40B4-BE49-F238E27FC236}">
+                  <a16:creationId xmlns:a16="http://schemas.microsoft.com/office/drawing/2014/main" id="{E43B37BC-E9A3-727D-E0AF-0394489F71E0}"/>
+                </a:ext>
+              </a:extLst>
+            </p:cNvPr>
+            <p:cNvSpPr txBox="1"/>
+            <p:nvPr/>
+          </p:nvSpPr>
+          <p:spPr>
+            <a:xfrm>
+              <a:off x="2757949" y="2621086"/>
+              <a:ext cx="5726417" cy="1615827"/>
+            </a:xfrm>
+            <a:prstGeom prst="rect">
+              <a:avLst/>
+            </a:prstGeom>
+            <a:solidFill>
+              <a:schemeClr val="bg1">
+                <a:lumMod val="95000"/>
+              </a:schemeClr>
+            </a:solidFill>
+          </p:spPr>
+          <p:txBody>
+            <a:bodyPr wrap="square">
+              <a:spAutoFit/>
+            </a:bodyPr>
+            <a:lstStyle>
+              <a:defPPr>
+                <a:defRPr lang="en-US"/>
+              </a:defPPr>
+              <a:lvl1pPr>
+                <a:defRPr sz="1200" b="0" i="0">
+                  <a:solidFill>
+                    <a:srgbClr val="05192D"/>
+                  </a:solidFill>
+                  <a:effectLst/>
+                  <a:latin typeface="Consolas" panose="020B0609020204030204" pitchFamily="49" charset="0"/>
+                </a:defRPr>
+              </a:lvl1pPr>
+            </a:lstStyle>
+            <a:p>
+              <a:r>
+                <a:rPr lang="en-SG" sz="1100"/>
+                <a:t>from sklearn.ensemble import GradientBoostingClassifier</a:t>
+              </a:r>
+            </a:p>
+            <a:p>
+              <a:endParaRPr lang="en-SG" sz="1100"/>
+            </a:p>
+            <a:p>
+              <a:r>
+                <a:rPr lang="en-SG" sz="1100"/>
+                <a:t>model = GradientBoostingClassifier(</a:t>
+              </a:r>
+              <a:r>
+                <a:rPr lang="en-SG" sz="1100">
+                  <a:solidFill>
+                    <a:srgbClr val="FF0000"/>
+                  </a:solidFill>
+                </a:rPr>
+                <a:t>n_estimators=300</a:t>
+              </a:r>
+              <a:r>
+                <a:rPr lang="en-SG" sz="1100"/>
+                <a:t>, </a:t>
+              </a:r>
+              <a:r>
+                <a:rPr lang="en-SG" sz="1100">
+                  <a:solidFill>
+                    <a:srgbClr val="FF0000"/>
+                  </a:solidFill>
+                </a:rPr>
+                <a:t>learning_rate=0.01</a:t>
+              </a:r>
+              <a:r>
+                <a:rPr lang="en-SG" sz="1100"/>
+                <a:t>, random_state=42)</a:t>
+              </a:r>
+            </a:p>
+            <a:p>
+              <a:r>
+                <a:rPr lang="en-SG" sz="1100"/>
+                <a:t>model.fit(</a:t>
+              </a:r>
+              <a:r>
+                <a:rPr lang="en-SG" sz="1100">
+                  <a:solidFill>
+                    <a:srgbClr val="FF0000"/>
+                  </a:solidFill>
+                </a:rPr>
+                <a:t>X_train, y_train</a:t>
+              </a:r>
+              <a:r>
+                <a:rPr lang="en-SG" sz="1100"/>
+                <a:t>)</a:t>
+              </a:r>
+            </a:p>
+            <a:p>
+              <a:endParaRPr lang="en-SG" sz="1100"/>
+            </a:p>
+            <a:p>
+              <a:r>
+                <a:rPr lang="en-SG" sz="1100"/>
+                <a:t>y_pred = model.predict(X_test)</a:t>
+              </a:r>
+            </a:p>
+            <a:p>
+              <a:endParaRPr lang="en-SG" sz="1100"/>
+            </a:p>
+            <a:p>
+              <a:r>
+                <a:rPr lang="en-SG" sz="1100"/>
+                <a:t>print(model.score(X_test, y_test))</a:t>
+              </a:r>
+            </a:p>
+          </p:txBody>
+        </p:sp>
+      </p:grpSp>
+    </p:spTree>
+    <p:extLst>
+      <p:ext uri="{BB962C8B-B14F-4D97-AF65-F5344CB8AC3E}">
+        <p14:creationId xmlns:p14="http://schemas.microsoft.com/office/powerpoint/2010/main" val="2629016149"/>
+      </p:ext>
+    </p:extLst>
+  </p:cSld>
+  <p:clrMapOvr>
+    <a:masterClrMapping/>
+  </p:clrMapOvr>
+</p:sld>
+</file>
+
+<file path=ppt/slides/slide36.xml><?xml version="1.0" encoding="utf-8"?>
+<p:sld xmlns:a="http://schemas.openxmlformats.org/drawingml/2006/main" xmlns:r="http://schemas.openxmlformats.org/officeDocument/2006/relationships" xmlns:p="http://schemas.openxmlformats.org/presentationml/2006/main">
+  <p:cSld>
+    <p:spTree>
+      <p:nvGrpSpPr>
+        <p:cNvPr id="1" name=""/>
+        <p:cNvGrpSpPr/>
+        <p:nvPr/>
+      </p:nvGrpSpPr>
+      <p:grpSpPr>
+        <a:xfrm>
+          <a:off x="0" y="0"/>
+          <a:ext cx="0" cy="0"/>
+          <a:chOff x="0" y="0"/>
+          <a:chExt cx="0" cy="0"/>
+        </a:xfrm>
+      </p:grpSpPr>
+      <p:grpSp>
+        <p:nvGrpSpPr>
+          <p:cNvPr id="7" name="Group 6">
+            <a:extLst>
+              <a:ext uri="{FF2B5EF4-FFF2-40B4-BE49-F238E27FC236}">
+                <a16:creationId xmlns:a16="http://schemas.microsoft.com/office/drawing/2014/main" id="{C196D2DE-5F40-9C7B-F716-8D8BD23FF2FD}"/>
+              </a:ext>
+            </a:extLst>
+          </p:cNvPr>
+          <p:cNvGrpSpPr/>
+          <p:nvPr/>
+        </p:nvGrpSpPr>
+        <p:grpSpPr>
+          <a:xfrm>
+            <a:off x="3250406" y="964342"/>
+            <a:ext cx="5691188" cy="4929315"/>
+            <a:chOff x="2538413" y="347662"/>
+            <a:chExt cx="5691188" cy="4929315"/>
+          </a:xfrm>
+        </p:grpSpPr>
+        <p:pic>
+          <p:nvPicPr>
+            <p:cNvPr id="3" name="Picture 2">
+              <a:extLst>
+                <a:ext uri="{FF2B5EF4-FFF2-40B4-BE49-F238E27FC236}">
+                  <a16:creationId xmlns:a16="http://schemas.microsoft.com/office/drawing/2014/main" id="{BDA6CE66-5BE7-A6BD-248F-12AFEC43D0A5}"/>
+                </a:ext>
+              </a:extLst>
+            </p:cNvPr>
+            <p:cNvPicPr>
+              <a:picLocks noChangeAspect="1"/>
+            </p:cNvPicPr>
+            <p:nvPr/>
+          </p:nvPicPr>
+          <p:blipFill>
+            <a:blip r:embed="rId2"/>
+            <a:stretch>
+              <a:fillRect/>
+            </a:stretch>
+          </p:blipFill>
+          <p:spPr>
+            <a:xfrm>
+              <a:off x="2538413" y="347662"/>
+              <a:ext cx="5691188" cy="4929315"/>
+            </a:xfrm>
+            <a:prstGeom prst="rect">
+              <a:avLst/>
+            </a:prstGeom>
+          </p:spPr>
+        </p:pic>
+        <p:sp>
+          <p:nvSpPr>
+            <p:cNvPr id="4" name="TextBox 3">
+              <a:extLst>
+                <a:ext uri="{FF2B5EF4-FFF2-40B4-BE49-F238E27FC236}">
+                  <a16:creationId xmlns:a16="http://schemas.microsoft.com/office/drawing/2014/main" id="{202451AB-6E69-21D2-4970-DC0B0B6CCFB2}"/>
+                </a:ext>
+              </a:extLst>
+            </p:cNvPr>
+            <p:cNvSpPr txBox="1"/>
+            <p:nvPr/>
+          </p:nvSpPr>
+          <p:spPr>
+            <a:xfrm>
+              <a:off x="2894708" y="1879162"/>
+              <a:ext cx="4623638" cy="1615827"/>
+            </a:xfrm>
+            <a:prstGeom prst="rect">
+              <a:avLst/>
+            </a:prstGeom>
+            <a:solidFill>
+              <a:schemeClr val="bg1">
+                <a:lumMod val="95000"/>
+              </a:schemeClr>
+            </a:solidFill>
+          </p:spPr>
+          <p:txBody>
+            <a:bodyPr wrap="square">
+              <a:spAutoFit/>
+            </a:bodyPr>
+            <a:lstStyle>
+              <a:defPPr>
+                <a:defRPr lang="en-US"/>
+              </a:defPPr>
+              <a:lvl1pPr>
+                <a:defRPr sz="1200" b="0" i="0">
+                  <a:solidFill>
+                    <a:srgbClr val="05192D"/>
+                  </a:solidFill>
+                  <a:effectLst/>
+                  <a:latin typeface="Consolas" panose="020B0609020204030204" pitchFamily="49" charset="0"/>
+                </a:defRPr>
+              </a:lvl1pPr>
+            </a:lstStyle>
+            <a:p>
+              <a:r>
+                <a:rPr lang="en-SG" sz="1100"/>
+                <a:t>from scipy.cluster.hierarchy import </a:t>
+              </a:r>
+              <a:r>
+                <a:rPr lang="en-SG" sz="1100">
+                  <a:solidFill>
+                    <a:srgbClr val="FF0000"/>
+                  </a:solidFill>
+                </a:rPr>
+                <a:t>linkage</a:t>
+              </a:r>
+            </a:p>
+            <a:p>
+              <a:endParaRPr lang="en-SG" sz="1100"/>
+            </a:p>
+            <a:p>
+              <a:r>
+                <a:rPr lang="en-SG" sz="1100"/>
+                <a:t>distances = </a:t>
+              </a:r>
+              <a:r>
+                <a:rPr lang="en-SG" sz="1100">
+                  <a:solidFill>
+                    <a:srgbClr val="FF0000"/>
+                  </a:solidFill>
+                </a:rPr>
+                <a:t>linkage</a:t>
+              </a:r>
+              <a:r>
+                <a:rPr lang="en-SG" sz="1100"/>
+                <a:t>(</a:t>
+              </a:r>
+            </a:p>
+            <a:p>
+              <a:r>
+                <a:rPr lang="en-SG" sz="1100"/>
+                <a:t>	df[['x_scaled', 'y_scaled']], </a:t>
+              </a:r>
+            </a:p>
+            <a:p>
+              <a:r>
+                <a:rPr lang="en-SG" sz="1100"/>
+                <a:t>	</a:t>
+              </a:r>
+              <a:r>
+                <a:rPr lang="en-SG" sz="1100">
+                  <a:solidFill>
+                    <a:srgbClr val="FF0000"/>
+                  </a:solidFill>
+                </a:rPr>
+                <a:t>method = 'complete'</a:t>
+              </a:r>
+              <a:r>
+                <a:rPr lang="en-SG" sz="1100"/>
+                <a:t>,</a:t>
+              </a:r>
+            </a:p>
+            <a:p>
+              <a:r>
+                <a:rPr lang="en-SG" sz="1100"/>
+                <a:t>	metric = 'euclidean'</a:t>
+              </a:r>
+            </a:p>
+            <a:p>
+              <a:r>
+                <a:rPr lang="en-SG" sz="1100"/>
+                <a:t>)</a:t>
+              </a:r>
+            </a:p>
+            <a:p>
+              <a:endParaRPr lang="en-SG" sz="1100"/>
+            </a:p>
+            <a:p>
+              <a:r>
+                <a:rPr lang="en-SG" sz="1100"/>
+                <a:t>print(distances[:5])</a:t>
+              </a:r>
+            </a:p>
+          </p:txBody>
+        </p:sp>
+      </p:grpSp>
+      <p:sp>
+        <p:nvSpPr>
+          <p:cNvPr id="5" name="TextBox 4">
+            <a:extLst>
+              <a:ext uri="{FF2B5EF4-FFF2-40B4-BE49-F238E27FC236}">
+                <a16:creationId xmlns:a16="http://schemas.microsoft.com/office/drawing/2014/main" id="{0B863614-17A9-5D09-2919-8C25162F2558}"/>
+              </a:ext>
+            </a:extLst>
+          </p:cNvPr>
+          <p:cNvSpPr txBox="1"/>
+          <p:nvPr/>
+        </p:nvSpPr>
+        <p:spPr>
+          <a:xfrm>
+            <a:off x="9383486" y="82715"/>
+            <a:ext cx="2722563" cy="369332"/>
+          </a:xfrm>
+          <a:prstGeom prst="rect">
+            <a:avLst/>
+          </a:prstGeom>
+          <a:solidFill>
+            <a:schemeClr val="accent2"/>
+          </a:solidFill>
+        </p:spPr>
+        <p:txBody>
+          <a:bodyPr wrap="square" rtlCol="0">
+            <a:spAutoFit/>
+          </a:bodyPr>
+          <a:lstStyle/>
+          <a:p>
+            <a:pPr algn="ctr"/>
+            <a:r>
+              <a:rPr lang="en-GB"/>
+              <a:t>HARD</a:t>
+            </a:r>
+            <a:endParaRPr lang="en-SG"/>
+          </a:p>
+        </p:txBody>
+      </p:sp>
+    </p:spTree>
+    <p:extLst>
+      <p:ext uri="{BB962C8B-B14F-4D97-AF65-F5344CB8AC3E}">
+        <p14:creationId xmlns:p14="http://schemas.microsoft.com/office/powerpoint/2010/main" val="528629584"/>
+      </p:ext>
+    </p:extLst>
+  </p:cSld>
+  <p:clrMapOvr>
+    <a:masterClrMapping/>
+  </p:clrMapOvr>
+</p:sld>
+</file>
+
+<file path=ppt/slides/slide37.xml><?xml version="1.0" encoding="utf-8"?>
+<p:sld xmlns:a="http://schemas.openxmlformats.org/drawingml/2006/main" xmlns:r="http://schemas.openxmlformats.org/officeDocument/2006/relationships" xmlns:p="http://schemas.openxmlformats.org/presentationml/2006/main">
+  <p:cSld>
+    <p:spTree>
+      <p:nvGrpSpPr>
+        <p:cNvPr id="1" name=""/>
+        <p:cNvGrpSpPr/>
+        <p:nvPr/>
+      </p:nvGrpSpPr>
+      <p:grpSpPr>
+        <a:xfrm>
+          <a:off x="0" y="0"/>
+          <a:ext cx="0" cy="0"/>
+          <a:chOff x="0" y="0"/>
+          <a:chExt cx="0" cy="0"/>
+        </a:xfrm>
+      </p:grpSpPr>
+      <p:grpSp>
+        <p:nvGrpSpPr>
+          <p:cNvPr id="6" name="Group 5">
+            <a:extLst>
+              <a:ext uri="{FF2B5EF4-FFF2-40B4-BE49-F238E27FC236}">
+                <a16:creationId xmlns:a16="http://schemas.microsoft.com/office/drawing/2014/main" id="{9AFFCAA6-8503-A0D5-6C4C-D4CC6F437968}"/>
+              </a:ext>
+            </a:extLst>
+          </p:cNvPr>
+          <p:cNvGrpSpPr/>
+          <p:nvPr/>
+        </p:nvGrpSpPr>
+        <p:grpSpPr>
+          <a:xfrm>
+            <a:off x="2590879" y="1309688"/>
+            <a:ext cx="6583470" cy="3921880"/>
+            <a:chOff x="2590879" y="1309688"/>
+            <a:chExt cx="6583470" cy="3921880"/>
+          </a:xfrm>
+        </p:grpSpPr>
+        <p:pic>
+          <p:nvPicPr>
+            <p:cNvPr id="3" name="Picture 2">
+              <a:extLst>
+                <a:ext uri="{FF2B5EF4-FFF2-40B4-BE49-F238E27FC236}">
+                  <a16:creationId xmlns:a16="http://schemas.microsoft.com/office/drawing/2014/main" id="{EC8E31C3-806F-FB0F-E1CD-FB4FCB7D38C8}"/>
+                </a:ext>
+              </a:extLst>
+            </p:cNvPr>
+            <p:cNvPicPr>
+              <a:picLocks noChangeAspect="1"/>
+            </p:cNvPicPr>
+            <p:nvPr/>
+          </p:nvPicPr>
+          <p:blipFill>
+            <a:blip r:embed="rId2"/>
+            <a:stretch>
+              <a:fillRect/>
+            </a:stretch>
+          </p:blipFill>
+          <p:spPr>
+            <a:xfrm>
+              <a:off x="2590879" y="1309688"/>
+              <a:ext cx="6583470" cy="3921880"/>
+            </a:xfrm>
+            <a:prstGeom prst="rect">
+              <a:avLst/>
+            </a:prstGeom>
+          </p:spPr>
+        </p:pic>
+        <p:sp>
+          <p:nvSpPr>
+            <p:cNvPr id="4" name="TextBox 3">
+              <a:extLst>
+                <a:ext uri="{FF2B5EF4-FFF2-40B4-BE49-F238E27FC236}">
+                  <a16:creationId xmlns:a16="http://schemas.microsoft.com/office/drawing/2014/main" id="{41520CC6-5B1A-1AB2-6C33-74E376E33ED6}"/>
+                </a:ext>
+              </a:extLst>
+            </p:cNvPr>
+            <p:cNvSpPr txBox="1"/>
+            <p:nvPr/>
+          </p:nvSpPr>
+          <p:spPr>
+            <a:xfrm>
+              <a:off x="2956603" y="2815042"/>
+              <a:ext cx="5235522" cy="1107996"/>
+            </a:xfrm>
+            <a:prstGeom prst="rect">
+              <a:avLst/>
+            </a:prstGeom>
+            <a:solidFill>
+              <a:schemeClr val="bg1">
+                <a:lumMod val="95000"/>
+              </a:schemeClr>
+            </a:solidFill>
+          </p:spPr>
+          <p:txBody>
+            <a:bodyPr wrap="square">
+              <a:spAutoFit/>
+            </a:bodyPr>
+            <a:lstStyle>
+              <a:defPPr>
+                <a:defRPr lang="en-US"/>
+              </a:defPPr>
+              <a:lvl1pPr>
+                <a:defRPr sz="1200" b="0" i="0">
+                  <a:solidFill>
+                    <a:srgbClr val="05192D"/>
+                  </a:solidFill>
+                  <a:effectLst/>
+                  <a:latin typeface="Consolas" panose="020B0609020204030204" pitchFamily="49" charset="0"/>
+                </a:defRPr>
+              </a:lvl1pPr>
+            </a:lstStyle>
+            <a:p>
+              <a:r>
+                <a:rPr lang="en-SG" sz="1100"/>
+                <a:t>from sklearn import model_selection</a:t>
+              </a:r>
+            </a:p>
+            <a:p>
+              <a:endParaRPr lang="en-SG" sz="1100"/>
+            </a:p>
+            <a:p>
+              <a:r>
+                <a:rPr lang="en-SG" sz="1100"/>
+                <a:t>scores = model_selection.</a:t>
+              </a:r>
+              <a:r>
+                <a:rPr lang="en-SG" sz="1100">
+                  <a:solidFill>
+                    <a:srgbClr val="FF0000"/>
+                  </a:solidFill>
+                </a:rPr>
+                <a:t>cross_val_score</a:t>
+              </a:r>
+              <a:r>
+                <a:rPr lang="en-SG" sz="1100"/>
+                <a:t>(knn, X, y, cv=</a:t>
+              </a:r>
+              <a:r>
+                <a:rPr lang="en-SG" sz="1100">
+                  <a:solidFill>
+                    <a:srgbClr val="FF0000"/>
+                  </a:solidFill>
+                </a:rPr>
+                <a:t>5</a:t>
+              </a:r>
+              <a:r>
+                <a:rPr lang="en-SG" sz="1100"/>
+                <a:t>, scoring='accuracy')</a:t>
+              </a:r>
+            </a:p>
+            <a:p>
+              <a:r>
+                <a:rPr lang="en-SG" sz="1100"/>
+                <a:t>print(scores)</a:t>
+              </a:r>
+            </a:p>
+            <a:p>
+              <a:endParaRPr lang="en-SG" sz="1100"/>
+            </a:p>
+          </p:txBody>
+        </p:sp>
+      </p:grpSp>
     </p:spTree>
     <p:extLst>
       <p:ext uri="{BB962C8B-B14F-4D97-AF65-F5344CB8AC3E}">
         <p14:creationId xmlns:p14="http://schemas.microsoft.com/office/powerpoint/2010/main" val="1746513472"/>
+      </p:ext>
+    </p:extLst>
+  </p:cSld>
+  <p:clrMapOvr>
+    <a:masterClrMapping/>
+  </p:clrMapOvr>
+</p:sld>
+</file>
+
+<file path=ppt/slides/slide38.xml><?xml version="1.0" encoding="utf-8"?>
+<p:sld xmlns:a="http://schemas.openxmlformats.org/drawingml/2006/main" xmlns:r="http://schemas.openxmlformats.org/officeDocument/2006/relationships" xmlns:p="http://schemas.openxmlformats.org/presentationml/2006/main">
+  <p:cSld>
+    <p:spTree>
+      <p:nvGrpSpPr>
+        <p:cNvPr id="1" name=""/>
+        <p:cNvGrpSpPr/>
+        <p:nvPr/>
+      </p:nvGrpSpPr>
+      <p:grpSpPr>
+        <a:xfrm>
+          <a:off x="0" y="0"/>
+          <a:ext cx="0" cy="0"/>
+          <a:chOff x="0" y="0"/>
+          <a:chExt cx="0" cy="0"/>
+        </a:xfrm>
+      </p:grpSpPr>
+    </p:spTree>
+    <p:extLst>
+      <p:ext uri="{BB962C8B-B14F-4D97-AF65-F5344CB8AC3E}">
+        <p14:creationId xmlns:p14="http://schemas.microsoft.com/office/powerpoint/2010/main" val="2471835519"/>
+      </p:ext>
+    </p:extLst>
+  </p:cSld>
+  <p:clrMapOvr>
+    <a:masterClrMapping/>
+  </p:clrMapOvr>
+</p:sld>
+</file>
+
+<file path=ppt/slides/slide39.xml><?xml version="1.0" encoding="utf-8"?>
+<p:sld xmlns:a="http://schemas.openxmlformats.org/drawingml/2006/main" xmlns:r="http://schemas.openxmlformats.org/officeDocument/2006/relationships" xmlns:p="http://schemas.openxmlformats.org/presentationml/2006/main">
+  <p:cSld>
+    <p:spTree>
+      <p:nvGrpSpPr>
+        <p:cNvPr id="1" name=""/>
+        <p:cNvGrpSpPr/>
+        <p:nvPr/>
+      </p:nvGrpSpPr>
+      <p:grpSpPr>
+        <a:xfrm>
+          <a:off x="0" y="0"/>
+          <a:ext cx="0" cy="0"/>
+          <a:chOff x="0" y="0"/>
+          <a:chExt cx="0" cy="0"/>
+        </a:xfrm>
+      </p:grpSpPr>
+    </p:spTree>
+    <p:extLst>
+      <p:ext uri="{BB962C8B-B14F-4D97-AF65-F5344CB8AC3E}">
+        <p14:creationId xmlns:p14="http://schemas.microsoft.com/office/powerpoint/2010/main" val="3053043875"/>
       </p:ext>
     </p:extLst>
   </p:cSld>
@@ -9484,6 +12268,126 @@
     <p:extLst>
       <p:ext uri="{BB962C8B-B14F-4D97-AF65-F5344CB8AC3E}">
         <p14:creationId xmlns:p14="http://schemas.microsoft.com/office/powerpoint/2010/main" val="4109367943"/>
+      </p:ext>
+    </p:extLst>
+  </p:cSld>
+  <p:clrMapOvr>
+    <a:masterClrMapping/>
+  </p:clrMapOvr>
+</p:sld>
+</file>
+
+<file path=ppt/slides/slide40.xml><?xml version="1.0" encoding="utf-8"?>
+<p:sld xmlns:a="http://schemas.openxmlformats.org/drawingml/2006/main" xmlns:r="http://schemas.openxmlformats.org/officeDocument/2006/relationships" xmlns:p="http://schemas.openxmlformats.org/presentationml/2006/main">
+  <p:cSld>
+    <p:spTree>
+      <p:nvGrpSpPr>
+        <p:cNvPr id="1" name=""/>
+        <p:cNvGrpSpPr/>
+        <p:nvPr/>
+      </p:nvGrpSpPr>
+      <p:grpSpPr>
+        <a:xfrm>
+          <a:off x="0" y="0"/>
+          <a:ext cx="0" cy="0"/>
+          <a:chOff x="0" y="0"/>
+          <a:chExt cx="0" cy="0"/>
+        </a:xfrm>
+      </p:grpSpPr>
+    </p:spTree>
+    <p:extLst>
+      <p:ext uri="{BB962C8B-B14F-4D97-AF65-F5344CB8AC3E}">
+        <p14:creationId xmlns:p14="http://schemas.microsoft.com/office/powerpoint/2010/main" val="760646039"/>
+      </p:ext>
+    </p:extLst>
+  </p:cSld>
+  <p:clrMapOvr>
+    <a:masterClrMapping/>
+  </p:clrMapOvr>
+</p:sld>
+</file>
+
+<file path=ppt/slides/slide41.xml><?xml version="1.0" encoding="utf-8"?>
+<p:sld xmlns:a="http://schemas.openxmlformats.org/drawingml/2006/main" xmlns:r="http://schemas.openxmlformats.org/officeDocument/2006/relationships" xmlns:p="http://schemas.openxmlformats.org/presentationml/2006/main">
+  <p:cSld>
+    <p:spTree>
+      <p:nvGrpSpPr>
+        <p:cNvPr id="1" name=""/>
+        <p:cNvGrpSpPr/>
+        <p:nvPr/>
+      </p:nvGrpSpPr>
+      <p:grpSpPr>
+        <a:xfrm>
+          <a:off x="0" y="0"/>
+          <a:ext cx="0" cy="0"/>
+          <a:chOff x="0" y="0"/>
+          <a:chExt cx="0" cy="0"/>
+        </a:xfrm>
+      </p:grpSpPr>
+    </p:spTree>
+    <p:extLst>
+      <p:ext uri="{BB962C8B-B14F-4D97-AF65-F5344CB8AC3E}">
+        <p14:creationId xmlns:p14="http://schemas.microsoft.com/office/powerpoint/2010/main" val="3763935330"/>
+      </p:ext>
+    </p:extLst>
+  </p:cSld>
+  <p:clrMapOvr>
+    <a:masterClrMapping/>
+  </p:clrMapOvr>
+</p:sld>
+</file>
+
+<file path=ppt/slides/slide42.xml><?xml version="1.0" encoding="utf-8"?>
+<p:sld xmlns:a="http://schemas.openxmlformats.org/drawingml/2006/main" xmlns:r="http://schemas.openxmlformats.org/officeDocument/2006/relationships" xmlns:p="http://schemas.openxmlformats.org/presentationml/2006/main">
+  <p:cSld>
+    <p:spTree>
+      <p:nvGrpSpPr>
+        <p:cNvPr id="1" name=""/>
+        <p:cNvGrpSpPr/>
+        <p:nvPr/>
+      </p:nvGrpSpPr>
+      <p:grpSpPr>
+        <a:xfrm>
+          <a:off x="0" y="0"/>
+          <a:ext cx="0" cy="0"/>
+          <a:chOff x="0" y="0"/>
+          <a:chExt cx="0" cy="0"/>
+        </a:xfrm>
+      </p:grpSpPr>
+    </p:spTree>
+    <p:extLst>
+      <p:ext uri="{BB962C8B-B14F-4D97-AF65-F5344CB8AC3E}">
+        <p14:creationId xmlns:p14="http://schemas.microsoft.com/office/powerpoint/2010/main" val="3580883140"/>
+      </p:ext>
+    </p:extLst>
+  </p:cSld>
+  <p:clrMapOvr>
+    <a:masterClrMapping/>
+  </p:clrMapOvr>
+</p:sld>
+</file>
+
+<file path=ppt/slides/slide43.xml><?xml version="1.0" encoding="utf-8"?>
+<p:sld xmlns:a="http://schemas.openxmlformats.org/drawingml/2006/main" xmlns:r="http://schemas.openxmlformats.org/officeDocument/2006/relationships" xmlns:p="http://schemas.openxmlformats.org/presentationml/2006/main">
+  <p:cSld>
+    <p:spTree>
+      <p:nvGrpSpPr>
+        <p:cNvPr id="1" name=""/>
+        <p:cNvGrpSpPr/>
+        <p:nvPr/>
+      </p:nvGrpSpPr>
+      <p:grpSpPr>
+        <a:xfrm>
+          <a:off x="0" y="0"/>
+          <a:ext cx="0" cy="0"/>
+          <a:chOff x="0" y="0"/>
+          <a:chExt cx="0" cy="0"/>
+        </a:xfrm>
+      </p:grpSpPr>
+    </p:spTree>
+    <p:extLst>
+      <p:ext uri="{BB962C8B-B14F-4D97-AF65-F5344CB8AC3E}">
+        <p14:creationId xmlns:p14="http://schemas.microsoft.com/office/powerpoint/2010/main" val="2872118571"/>
       </p:ext>
     </p:extLst>
   </p:cSld>
@@ -9914,223 +12818,6 @@
           <p:cNvPr id="6" name="Group 5">
             <a:extLst>
               <a:ext uri="{FF2B5EF4-FFF2-40B4-BE49-F238E27FC236}">
-                <a16:creationId xmlns:a16="http://schemas.microsoft.com/office/drawing/2014/main" id="{48D56A53-D758-31B7-26A8-C0ADB96183A2}"/>
-              </a:ext>
-            </a:extLst>
-          </p:cNvPr>
-          <p:cNvGrpSpPr/>
-          <p:nvPr/>
-        </p:nvGrpSpPr>
-        <p:grpSpPr>
-          <a:xfrm>
-            <a:off x="3169443" y="1205755"/>
-            <a:ext cx="5853113" cy="4446490"/>
-            <a:chOff x="2528887" y="719138"/>
-            <a:chExt cx="5853113" cy="4446490"/>
-          </a:xfrm>
-        </p:grpSpPr>
-        <p:pic>
-          <p:nvPicPr>
-            <p:cNvPr id="3" name="Picture 2">
-              <a:extLst>
-                <a:ext uri="{FF2B5EF4-FFF2-40B4-BE49-F238E27FC236}">
-                  <a16:creationId xmlns:a16="http://schemas.microsoft.com/office/drawing/2014/main" id="{2CA616B3-79AF-04A9-12B3-EC8CB676CD9E}"/>
-                </a:ext>
-              </a:extLst>
-            </p:cNvPr>
-            <p:cNvPicPr>
-              <a:picLocks noChangeAspect="1"/>
-            </p:cNvPicPr>
-            <p:nvPr/>
-          </p:nvPicPr>
-          <p:blipFill>
-            <a:blip r:embed="rId2"/>
-            <a:stretch>
-              <a:fillRect/>
-            </a:stretch>
-          </p:blipFill>
-          <p:spPr>
-            <a:xfrm>
-              <a:off x="2528887" y="719138"/>
-              <a:ext cx="5853113" cy="4446490"/>
-            </a:xfrm>
-            <a:prstGeom prst="rect">
-              <a:avLst/>
-            </a:prstGeom>
-          </p:spPr>
-        </p:pic>
-        <p:sp>
-          <p:nvSpPr>
-            <p:cNvPr id="4" name="TextBox 3">
-              <a:extLst>
-                <a:ext uri="{FF2B5EF4-FFF2-40B4-BE49-F238E27FC236}">
-                  <a16:creationId xmlns:a16="http://schemas.microsoft.com/office/drawing/2014/main" id="{667CFAE9-22D6-75FF-8A95-BBA734490118}"/>
-                </a:ext>
-              </a:extLst>
-            </p:cNvPr>
-            <p:cNvSpPr txBox="1"/>
-            <p:nvPr/>
-          </p:nvSpPr>
-          <p:spPr>
-            <a:xfrm>
-              <a:off x="2884715" y="2484653"/>
-              <a:ext cx="4728028" cy="1446550"/>
-            </a:xfrm>
-            <a:prstGeom prst="rect">
-              <a:avLst/>
-            </a:prstGeom>
-            <a:solidFill>
-              <a:schemeClr val="bg1">
-                <a:lumMod val="95000"/>
-              </a:schemeClr>
-            </a:solidFill>
-          </p:spPr>
-          <p:txBody>
-            <a:bodyPr wrap="square">
-              <a:spAutoFit/>
-            </a:bodyPr>
-            <a:lstStyle/>
-            <a:p>
-              <a:r>
-                <a:rPr lang="en-SG" sz="1100">
-                  <a:latin typeface="Consolas" panose="020B0609020204030204" pitchFamily="49" charset="0"/>
-                </a:rPr>
-                <a:t>from sklearn.linear_model import LogisticRegression</a:t>
-              </a:r>
-            </a:p>
-            <a:p>
-              <a:endParaRPr lang="en-SG" sz="1100">
-                <a:latin typeface="Consolas" panose="020B0609020204030204" pitchFamily="49" charset="0"/>
-              </a:endParaRPr>
-            </a:p>
-            <a:p>
-              <a:r>
-                <a:rPr lang="en-SG" sz="1100">
-                  <a:latin typeface="Consolas" panose="020B0609020204030204" pitchFamily="49" charset="0"/>
-                </a:rPr>
-                <a:t>model = LogisticRegression(random_state=1)</a:t>
-              </a:r>
-            </a:p>
-            <a:p>
-              <a:r>
-                <a:rPr lang="en-SG" sz="1100">
-                  <a:latin typeface="Consolas" panose="020B0609020204030204" pitchFamily="49" charset="0"/>
-                </a:rPr>
-                <a:t>model.fit(X_train, y_train)</a:t>
-              </a:r>
-            </a:p>
-            <a:p>
-              <a:endParaRPr lang="en-SG" sz="1100">
-                <a:latin typeface="Consolas" panose="020B0609020204030204" pitchFamily="49" charset="0"/>
-              </a:endParaRPr>
-            </a:p>
-            <a:p>
-              <a:r>
-                <a:rPr lang="en-SG" sz="1100">
-                  <a:latin typeface="Consolas" panose="020B0609020204030204" pitchFamily="49" charset="0"/>
-                </a:rPr>
-                <a:t>y_pred = model.</a:t>
-              </a:r>
-              <a:r>
-                <a:rPr lang="en-SG" sz="1100">
-                  <a:solidFill>
-                    <a:srgbClr val="FF0000"/>
-                  </a:solidFill>
-                  <a:latin typeface="Consolas" panose="020B0609020204030204" pitchFamily="49" charset="0"/>
-                </a:rPr>
-                <a:t>predict</a:t>
-              </a:r>
-              <a:r>
-                <a:rPr lang="en-SG" sz="1100">
-                  <a:latin typeface="Consolas" panose="020B0609020204030204" pitchFamily="49" charset="0"/>
-                </a:rPr>
-                <a:t>(</a:t>
-              </a:r>
-              <a:r>
-                <a:rPr lang="en-SG" sz="1100">
-                  <a:solidFill>
-                    <a:srgbClr val="FF0000"/>
-                  </a:solidFill>
-                  <a:latin typeface="Consolas" panose="020B0609020204030204" pitchFamily="49" charset="0"/>
-                </a:rPr>
-                <a:t>X_test</a:t>
-              </a:r>
-              <a:r>
-                <a:rPr lang="en-SG" sz="1100">
-                  <a:latin typeface="Consolas" panose="020B0609020204030204" pitchFamily="49" charset="0"/>
-                </a:rPr>
-                <a:t>)</a:t>
-              </a:r>
-            </a:p>
-            <a:p>
-              <a:r>
-                <a:rPr lang="en-SG" sz="1100">
-                  <a:latin typeface="Consolas" panose="020B0609020204030204" pitchFamily="49" charset="0"/>
-                </a:rPr>
-                <a:t>score = model.</a:t>
-              </a:r>
-              <a:r>
-                <a:rPr lang="en-SG" sz="1100">
-                  <a:solidFill>
-                    <a:srgbClr val="FF0000"/>
-                  </a:solidFill>
-                  <a:latin typeface="Consolas" panose="020B0609020204030204" pitchFamily="49" charset="0"/>
-                </a:rPr>
-                <a:t>score</a:t>
-              </a:r>
-              <a:r>
-                <a:rPr lang="en-SG" sz="1100">
-                  <a:latin typeface="Consolas" panose="020B0609020204030204" pitchFamily="49" charset="0"/>
-                </a:rPr>
-                <a:t>(X_test, y_test)</a:t>
-              </a:r>
-            </a:p>
-            <a:p>
-              <a:r>
-                <a:rPr lang="en-SG" sz="1100">
-                  <a:latin typeface="Consolas" panose="020B0609020204030204" pitchFamily="49" charset="0"/>
-                </a:rPr>
-                <a:t>print(score)</a:t>
-              </a:r>
-            </a:p>
-          </p:txBody>
-        </p:sp>
-      </p:grpSp>
-    </p:spTree>
-    <p:extLst>
-      <p:ext uri="{BB962C8B-B14F-4D97-AF65-F5344CB8AC3E}">
-        <p14:creationId xmlns:p14="http://schemas.microsoft.com/office/powerpoint/2010/main" val="4141808757"/>
-      </p:ext>
-    </p:extLst>
-  </p:cSld>
-  <p:clrMapOvr>
-    <a:masterClrMapping/>
-  </p:clrMapOvr>
-</p:sld>
-</file>
-
-<file path=ppt/slides/slide8.xml><?xml version="1.0" encoding="utf-8"?>
-<p:sld xmlns:a="http://schemas.openxmlformats.org/drawingml/2006/main" xmlns:r="http://schemas.openxmlformats.org/officeDocument/2006/relationships" xmlns:p="http://schemas.openxmlformats.org/presentationml/2006/main">
-  <p:cSld>
-    <p:spTree>
-      <p:nvGrpSpPr>
-        <p:cNvPr id="1" name=""/>
-        <p:cNvGrpSpPr/>
-        <p:nvPr/>
-      </p:nvGrpSpPr>
-      <p:grpSpPr>
-        <a:xfrm>
-          <a:off x="0" y="0"/>
-          <a:ext cx="0" cy="0"/>
-          <a:chOff x="0" y="0"/>
-          <a:chExt cx="0" cy="0"/>
-        </a:xfrm>
-      </p:grpSpPr>
-      <p:grpSp>
-        <p:nvGrpSpPr>
-          <p:cNvPr id="6" name="Group 5">
-            <a:extLst>
-              <a:ext uri="{FF2B5EF4-FFF2-40B4-BE49-F238E27FC236}">
                 <a16:creationId xmlns:a16="http://schemas.microsoft.com/office/drawing/2014/main" id="{DFFA308C-8395-C297-593B-CCF54B0CB17F}"/>
               </a:ext>
             </a:extLst>
@@ -10253,7 +12940,7 @@
 </p:sld>
 </file>
 
-<file path=ppt/slides/slide9.xml><?xml version="1.0" encoding="utf-8"?>
+<file path=ppt/slides/slide8.xml><?xml version="1.0" encoding="utf-8"?>
 <p:sld xmlns:a="http://schemas.openxmlformats.org/drawingml/2006/main" xmlns:r="http://schemas.openxmlformats.org/officeDocument/2006/relationships" xmlns:p="http://schemas.openxmlformats.org/presentationml/2006/main">
   <p:cSld>
     <p:spTree>
@@ -10461,6 +13148,196 @@
     <p:extLst>
       <p:ext uri="{BB962C8B-B14F-4D97-AF65-F5344CB8AC3E}">
         <p14:creationId xmlns:p14="http://schemas.microsoft.com/office/powerpoint/2010/main" val="3066745360"/>
+      </p:ext>
+    </p:extLst>
+  </p:cSld>
+  <p:clrMapOvr>
+    <a:masterClrMapping/>
+  </p:clrMapOvr>
+</p:sld>
+</file>
+
+<file path=ppt/slides/slide9.xml><?xml version="1.0" encoding="utf-8"?>
+<p:sld xmlns:a="http://schemas.openxmlformats.org/drawingml/2006/main" xmlns:r="http://schemas.openxmlformats.org/officeDocument/2006/relationships" xmlns:p="http://schemas.openxmlformats.org/presentationml/2006/main">
+  <p:cSld>
+    <p:spTree>
+      <p:nvGrpSpPr>
+        <p:cNvPr id="1" name=""/>
+        <p:cNvGrpSpPr/>
+        <p:nvPr/>
+      </p:nvGrpSpPr>
+      <p:grpSpPr>
+        <a:xfrm>
+          <a:off x="0" y="0"/>
+          <a:ext cx="0" cy="0"/>
+          <a:chOff x="0" y="0"/>
+          <a:chExt cx="0" cy="0"/>
+        </a:xfrm>
+      </p:grpSpPr>
+      <p:grpSp>
+        <p:nvGrpSpPr>
+          <p:cNvPr id="6" name="Group 5">
+            <a:extLst>
+              <a:ext uri="{FF2B5EF4-FFF2-40B4-BE49-F238E27FC236}">
+                <a16:creationId xmlns:a16="http://schemas.microsoft.com/office/drawing/2014/main" id="{E77E1A4D-9545-F7F2-C498-4D5250A19F40}"/>
+              </a:ext>
+            </a:extLst>
+          </p:cNvPr>
+          <p:cNvGrpSpPr/>
+          <p:nvPr/>
+        </p:nvGrpSpPr>
+        <p:grpSpPr>
+          <a:xfrm>
+            <a:off x="3276940" y="934151"/>
+            <a:ext cx="5638120" cy="4989697"/>
+            <a:chOff x="2700338" y="423862"/>
+            <a:chExt cx="5638120" cy="4989697"/>
+          </a:xfrm>
+        </p:grpSpPr>
+        <p:pic>
+          <p:nvPicPr>
+            <p:cNvPr id="3" name="Picture 2">
+              <a:extLst>
+                <a:ext uri="{FF2B5EF4-FFF2-40B4-BE49-F238E27FC236}">
+                  <a16:creationId xmlns:a16="http://schemas.microsoft.com/office/drawing/2014/main" id="{8D2C86CD-9040-189C-6C46-B40B48614C24}"/>
+                </a:ext>
+              </a:extLst>
+            </p:cNvPr>
+            <p:cNvPicPr>
+              <a:picLocks noChangeAspect="1"/>
+            </p:cNvPicPr>
+            <p:nvPr/>
+          </p:nvPicPr>
+          <p:blipFill>
+            <a:blip r:embed="rId2"/>
+            <a:stretch>
+              <a:fillRect/>
+            </a:stretch>
+          </p:blipFill>
+          <p:spPr>
+            <a:xfrm>
+              <a:off x="2700338" y="423862"/>
+              <a:ext cx="5638120" cy="4989697"/>
+            </a:xfrm>
+            <a:prstGeom prst="rect">
+              <a:avLst/>
+            </a:prstGeom>
+          </p:spPr>
+        </p:pic>
+        <p:sp>
+          <p:nvSpPr>
+            <p:cNvPr id="4" name="TextBox 3">
+              <a:extLst>
+                <a:ext uri="{FF2B5EF4-FFF2-40B4-BE49-F238E27FC236}">
+                  <a16:creationId xmlns:a16="http://schemas.microsoft.com/office/drawing/2014/main" id="{DD3D472A-CD8A-0EFD-7261-C1A469E39D8B}"/>
+                </a:ext>
+              </a:extLst>
+            </p:cNvPr>
+            <p:cNvSpPr txBox="1"/>
+            <p:nvPr/>
+          </p:nvSpPr>
+          <p:spPr>
+            <a:xfrm>
+              <a:off x="3010879" y="2212486"/>
+              <a:ext cx="5284037" cy="1954381"/>
+            </a:xfrm>
+            <a:prstGeom prst="rect">
+              <a:avLst/>
+            </a:prstGeom>
+            <a:solidFill>
+              <a:schemeClr val="bg1">
+                <a:lumMod val="95000"/>
+              </a:schemeClr>
+            </a:solidFill>
+          </p:spPr>
+          <p:txBody>
+            <a:bodyPr wrap="square">
+              <a:spAutoFit/>
+            </a:bodyPr>
+            <a:lstStyle>
+              <a:defPPr>
+                <a:defRPr lang="en-US"/>
+              </a:defPPr>
+              <a:lvl1pPr>
+                <a:defRPr sz="1200" b="0" i="0">
+                  <a:solidFill>
+                    <a:srgbClr val="05192D"/>
+                  </a:solidFill>
+                  <a:effectLst/>
+                  <a:latin typeface="Consolas" panose="020B0609020204030204" pitchFamily="49" charset="0"/>
+                </a:defRPr>
+              </a:lvl1pPr>
+            </a:lstStyle>
+            <a:p>
+              <a:r>
+                <a:rPr lang="en-SG" sz="1100"/>
+                <a:t>from sklearn.model_selection import train_test_split</a:t>
+              </a:r>
+            </a:p>
+            <a:p>
+              <a:r>
+                <a:rPr lang="en-SG" sz="1100"/>
+                <a:t>from sklearn import metrics</a:t>
+              </a:r>
+            </a:p>
+            <a:p>
+              <a:endParaRPr lang="en-SG" sz="1100"/>
+            </a:p>
+            <a:p>
+              <a:r>
+                <a:rPr lang="en-SG" sz="1100"/>
+                <a:t>X_train,X_test,y_train,y_test=train_test_split(X,y,test_size=0.25, random_state=42)</a:t>
+              </a:r>
+            </a:p>
+            <a:p>
+              <a:r>
+                <a:rPr lang="en-SG" sz="1100"/>
+                <a:t>clf.fit(X_train,y_train)</a:t>
+              </a:r>
+            </a:p>
+            <a:p>
+              <a:endParaRPr lang="en-SG" sz="1100"/>
+            </a:p>
+            <a:p>
+              <a:r>
+                <a:rPr lang="en-SG" sz="1100"/>
+                <a:t>y_pred=clf.predict(X_test)</a:t>
+              </a:r>
+            </a:p>
+            <a:p>
+              <a:endParaRPr lang="en-SG" sz="1100"/>
+            </a:p>
+            <a:p>
+              <a:r>
+                <a:rPr lang="en-SG" sz="1100"/>
+                <a:t>score = metrics.</a:t>
+              </a:r>
+              <a:r>
+                <a:rPr lang="en-SG" sz="1100">
+                  <a:solidFill>
+                    <a:srgbClr val="FF0000"/>
+                  </a:solidFill>
+                </a:rPr>
+                <a:t>accuracy_score</a:t>
+              </a:r>
+              <a:r>
+                <a:rPr lang="en-SG" sz="1100"/>
+                <a:t>(y_test, y_pred)</a:t>
+              </a:r>
+            </a:p>
+            <a:p>
+              <a:r>
+                <a:rPr lang="en-SG" sz="1100"/>
+                <a:t>print(score)</a:t>
+              </a:r>
+            </a:p>
+          </p:txBody>
+        </p:sp>
+      </p:grpSp>
+    </p:spTree>
+    <p:extLst>
+      <p:ext uri="{BB962C8B-B14F-4D97-AF65-F5344CB8AC3E}">
+        <p14:creationId xmlns:p14="http://schemas.microsoft.com/office/powerpoint/2010/main" val="1487227427"/>
       </p:ext>
     </p:extLst>
   </p:cSld>
@@ -10755,7 +13632,40 @@
       </a:bgFillStyleLst>
     </a:fmtScheme>
   </a:themeElements>
-  <a:objectDefaults/>
+  <a:objectDefaults>
+    <a:spDef>
+      <a:spPr>
+        <a:noFill/>
+        <a:ln>
+          <a:solidFill>
+            <a:srgbClr val="FF0000"/>
+          </a:solidFill>
+        </a:ln>
+      </a:spPr>
+      <a:bodyPr rtlCol="0" anchor="ctr"/>
+      <a:lstStyle>
+        <a:defPPr algn="ctr">
+          <a:defRPr/>
+        </a:defPPr>
+      </a:lstStyle>
+      <a:style>
+        <a:lnRef idx="2">
+          <a:schemeClr val="accent1">
+            <a:shade val="50000"/>
+          </a:schemeClr>
+        </a:lnRef>
+        <a:fillRef idx="1">
+          <a:schemeClr val="accent1"/>
+        </a:fillRef>
+        <a:effectRef idx="0">
+          <a:schemeClr val="accent1"/>
+        </a:effectRef>
+        <a:fontRef idx="minor">
+          <a:schemeClr val="lt1"/>
+        </a:fontRef>
+      </a:style>
+    </a:spDef>
+  </a:objectDefaults>
   <a:extraClrSchemeLst/>
   <a:extLst>
     <a:ext uri="{05A4C25C-085E-4340-85A3-A5531E510DB2}">

--- a/Model_Development.pptx
+++ b/Model_Development.pptx
@@ -10,44 +10,48 @@
     <p:sldId id="280" r:id="rId4"/>
     <p:sldId id="281" r:id="rId5"/>
     <p:sldId id="283" r:id="rId6"/>
-    <p:sldId id="282" r:id="rId7"/>
-    <p:sldId id="285" r:id="rId8"/>
-    <p:sldId id="276" r:id="rId9"/>
-    <p:sldId id="300" r:id="rId10"/>
+    <p:sldId id="322" r:id="rId7"/>
+    <p:sldId id="276" r:id="rId8"/>
+    <p:sldId id="300" r:id="rId9"/>
+    <p:sldId id="282" r:id="rId10"/>
     <p:sldId id="284" r:id="rId11"/>
     <p:sldId id="311" r:id="rId12"/>
-    <p:sldId id="286" r:id="rId13"/>
-    <p:sldId id="287" r:id="rId14"/>
-    <p:sldId id="288" r:id="rId15"/>
-    <p:sldId id="289" r:id="rId16"/>
-    <p:sldId id="312" r:id="rId17"/>
-    <p:sldId id="290" r:id="rId18"/>
-    <p:sldId id="291" r:id="rId19"/>
-    <p:sldId id="292" r:id="rId20"/>
-    <p:sldId id="296" r:id="rId21"/>
-    <p:sldId id="310" r:id="rId22"/>
-    <p:sldId id="293" r:id="rId23"/>
-    <p:sldId id="319" r:id="rId24"/>
-    <p:sldId id="320" r:id="rId25"/>
-    <p:sldId id="294" r:id="rId26"/>
-    <p:sldId id="295" r:id="rId27"/>
-    <p:sldId id="297" r:id="rId28"/>
-    <p:sldId id="298" r:id="rId29"/>
-    <p:sldId id="299" r:id="rId30"/>
-    <p:sldId id="302" r:id="rId31"/>
-    <p:sldId id="303" r:id="rId32"/>
-    <p:sldId id="304" r:id="rId33"/>
-    <p:sldId id="305" r:id="rId34"/>
-    <p:sldId id="306" r:id="rId35"/>
-    <p:sldId id="307" r:id="rId36"/>
-    <p:sldId id="308" r:id="rId37"/>
-    <p:sldId id="309" r:id="rId38"/>
-    <p:sldId id="313" r:id="rId39"/>
-    <p:sldId id="314" r:id="rId40"/>
-    <p:sldId id="315" r:id="rId41"/>
-    <p:sldId id="316" r:id="rId42"/>
-    <p:sldId id="317" r:id="rId43"/>
-    <p:sldId id="318" r:id="rId44"/>
+    <p:sldId id="285" r:id="rId13"/>
+    <p:sldId id="286" r:id="rId14"/>
+    <p:sldId id="287" r:id="rId15"/>
+    <p:sldId id="288" r:id="rId16"/>
+    <p:sldId id="323" r:id="rId17"/>
+    <p:sldId id="289" r:id="rId18"/>
+    <p:sldId id="312" r:id="rId19"/>
+    <p:sldId id="290" r:id="rId20"/>
+    <p:sldId id="291" r:id="rId21"/>
+    <p:sldId id="292" r:id="rId22"/>
+    <p:sldId id="296" r:id="rId23"/>
+    <p:sldId id="310" r:id="rId24"/>
+    <p:sldId id="293" r:id="rId25"/>
+    <p:sldId id="319" r:id="rId26"/>
+    <p:sldId id="320" r:id="rId27"/>
+    <p:sldId id="294" r:id="rId28"/>
+    <p:sldId id="295" r:id="rId29"/>
+    <p:sldId id="297" r:id="rId30"/>
+    <p:sldId id="298" r:id="rId31"/>
+    <p:sldId id="321" r:id="rId32"/>
+    <p:sldId id="299" r:id="rId33"/>
+    <p:sldId id="302" r:id="rId34"/>
+    <p:sldId id="303" r:id="rId35"/>
+    <p:sldId id="314" r:id="rId36"/>
+    <p:sldId id="304" r:id="rId37"/>
+    <p:sldId id="305" r:id="rId38"/>
+    <p:sldId id="306" r:id="rId39"/>
+    <p:sldId id="307" r:id="rId40"/>
+    <p:sldId id="308" r:id="rId41"/>
+    <p:sldId id="309" r:id="rId42"/>
+    <p:sldId id="313" r:id="rId43"/>
+    <p:sldId id="315" r:id="rId44"/>
+    <p:sldId id="316" r:id="rId45"/>
+    <p:sldId id="324" r:id="rId46"/>
+    <p:sldId id="317" r:id="rId47"/>
+    <p:sldId id="318" r:id="rId48"/>
   </p:sldIdLst>
   <p:sldSz cx="12192000" cy="6858000"/>
   <p:notesSz cx="6858000" cy="9144000"/>
@@ -2353,7 +2357,7 @@
           <a:p>
             <a:fld id="{DD33691C-5F19-41E5-B321-0F7EE4E2A2F5}" type="datetimeFigureOut">
               <a:rPr lang="en-SG" smtClean="0"/>
-              <a:t>27 Nov 2022</a:t>
+              <a:t>4 Dec 2022</a:t>
             </a:fld>
             <a:endParaRPr lang="en-SG"/>
           </a:p>
@@ -2553,7 +2557,7 @@
           <a:p>
             <a:fld id="{DD33691C-5F19-41E5-B321-0F7EE4E2A2F5}" type="datetimeFigureOut">
               <a:rPr lang="en-SG" smtClean="0"/>
-              <a:t>27 Nov 2022</a:t>
+              <a:t>4 Dec 2022</a:t>
             </a:fld>
             <a:endParaRPr lang="en-SG"/>
           </a:p>
@@ -2763,7 +2767,7 @@
           <a:p>
             <a:fld id="{DD33691C-5F19-41E5-B321-0F7EE4E2A2F5}" type="datetimeFigureOut">
               <a:rPr lang="en-SG" smtClean="0"/>
-              <a:t>27 Nov 2022</a:t>
+              <a:t>4 Dec 2022</a:t>
             </a:fld>
             <a:endParaRPr lang="en-SG"/>
           </a:p>
@@ -2963,7 +2967,7 @@
           <a:p>
             <a:fld id="{DD33691C-5F19-41E5-B321-0F7EE4E2A2F5}" type="datetimeFigureOut">
               <a:rPr lang="en-SG" smtClean="0"/>
-              <a:t>27 Nov 2022</a:t>
+              <a:t>4 Dec 2022</a:t>
             </a:fld>
             <a:endParaRPr lang="en-SG"/>
           </a:p>
@@ -3239,7 +3243,7 @@
           <a:p>
             <a:fld id="{DD33691C-5F19-41E5-B321-0F7EE4E2A2F5}" type="datetimeFigureOut">
               <a:rPr lang="en-SG" smtClean="0"/>
-              <a:t>27 Nov 2022</a:t>
+              <a:t>4 Dec 2022</a:t>
             </a:fld>
             <a:endParaRPr lang="en-SG"/>
           </a:p>
@@ -3507,7 +3511,7 @@
           <a:p>
             <a:fld id="{DD33691C-5F19-41E5-B321-0F7EE4E2A2F5}" type="datetimeFigureOut">
               <a:rPr lang="en-SG" smtClean="0"/>
-              <a:t>27 Nov 2022</a:t>
+              <a:t>4 Dec 2022</a:t>
             </a:fld>
             <a:endParaRPr lang="en-SG"/>
           </a:p>
@@ -3922,7 +3926,7 @@
           <a:p>
             <a:fld id="{DD33691C-5F19-41E5-B321-0F7EE4E2A2F5}" type="datetimeFigureOut">
               <a:rPr lang="en-SG" smtClean="0"/>
-              <a:t>27 Nov 2022</a:t>
+              <a:t>4 Dec 2022</a:t>
             </a:fld>
             <a:endParaRPr lang="en-SG"/>
           </a:p>
@@ -4064,7 +4068,7 @@
           <a:p>
             <a:fld id="{DD33691C-5F19-41E5-B321-0F7EE4E2A2F5}" type="datetimeFigureOut">
               <a:rPr lang="en-SG" smtClean="0"/>
-              <a:t>27 Nov 2022</a:t>
+              <a:t>4 Dec 2022</a:t>
             </a:fld>
             <a:endParaRPr lang="en-SG"/>
           </a:p>
@@ -4177,7 +4181,7 @@
           <a:p>
             <a:fld id="{DD33691C-5F19-41E5-B321-0F7EE4E2A2F5}" type="datetimeFigureOut">
               <a:rPr lang="en-SG" smtClean="0"/>
-              <a:t>27 Nov 2022</a:t>
+              <a:t>4 Dec 2022</a:t>
             </a:fld>
             <a:endParaRPr lang="en-SG"/>
           </a:p>
@@ -4490,7 +4494,7 @@
           <a:p>
             <a:fld id="{DD33691C-5F19-41E5-B321-0F7EE4E2A2F5}" type="datetimeFigureOut">
               <a:rPr lang="en-SG" smtClean="0"/>
-              <a:t>27 Nov 2022</a:t>
+              <a:t>4 Dec 2022</a:t>
             </a:fld>
             <a:endParaRPr lang="en-SG"/>
           </a:p>
@@ -4779,7 +4783,7 @@
           <a:p>
             <a:fld id="{DD33691C-5F19-41E5-B321-0F7EE4E2A2F5}" type="datetimeFigureOut">
               <a:rPr lang="en-SG" smtClean="0"/>
-              <a:t>27 Nov 2022</a:t>
+              <a:t>4 Dec 2022</a:t>
             </a:fld>
             <a:endParaRPr lang="en-SG"/>
           </a:p>
@@ -5022,7 +5026,7 @@
           <a:p>
             <a:fld id="{DD33691C-5F19-41E5-B321-0F7EE4E2A2F5}" type="datetimeFigureOut">
               <a:rPr lang="en-SG" smtClean="0"/>
-              <a:t>27 Nov 2022</a:t>
+              <a:t>4 Dec 2022</a:t>
             </a:fld>
             <a:endParaRPr lang="en-SG"/>
           </a:p>
@@ -5912,6 +5916,150 @@
       </p:grpSpPr>
       <p:grpSp>
         <p:nvGrpSpPr>
+          <p:cNvPr id="6" name="Group 5">
+            <a:extLst>
+              <a:ext uri="{FF2B5EF4-FFF2-40B4-BE49-F238E27FC236}">
+                <a16:creationId xmlns:a16="http://schemas.microsoft.com/office/drawing/2014/main" id="{DFFA308C-8395-C297-593B-CCF54B0CB17F}"/>
+              </a:ext>
+            </a:extLst>
+          </p:cNvPr>
+          <p:cNvGrpSpPr/>
+          <p:nvPr/>
+        </p:nvGrpSpPr>
+        <p:grpSpPr>
+          <a:xfrm>
+            <a:off x="3280682" y="1799277"/>
+            <a:ext cx="5630636" cy="3259446"/>
+            <a:chOff x="2881993" y="408896"/>
+            <a:chExt cx="5630636" cy="3259446"/>
+          </a:xfrm>
+        </p:grpSpPr>
+        <p:pic>
+          <p:nvPicPr>
+            <p:cNvPr id="3" name="Picture 2">
+              <a:extLst>
+                <a:ext uri="{FF2B5EF4-FFF2-40B4-BE49-F238E27FC236}">
+                  <a16:creationId xmlns:a16="http://schemas.microsoft.com/office/drawing/2014/main" id="{33FF741C-F11B-AFEC-27B4-D1BD524B93F5}"/>
+                </a:ext>
+              </a:extLst>
+            </p:cNvPr>
+            <p:cNvPicPr>
+              <a:picLocks noChangeAspect="1"/>
+            </p:cNvPicPr>
+            <p:nvPr/>
+          </p:nvPicPr>
+          <p:blipFill>
+            <a:blip r:embed="rId2"/>
+            <a:stretch>
+              <a:fillRect/>
+            </a:stretch>
+          </p:blipFill>
+          <p:spPr>
+            <a:xfrm>
+              <a:off x="2881993" y="408896"/>
+              <a:ext cx="5630636" cy="3259446"/>
+            </a:xfrm>
+            <a:prstGeom prst="rect">
+              <a:avLst/>
+            </a:prstGeom>
+          </p:spPr>
+        </p:pic>
+        <p:sp>
+          <p:nvSpPr>
+            <p:cNvPr id="4" name="TextBox 3">
+              <a:extLst>
+                <a:ext uri="{FF2B5EF4-FFF2-40B4-BE49-F238E27FC236}">
+                  <a16:creationId xmlns:a16="http://schemas.microsoft.com/office/drawing/2014/main" id="{517D10E2-C1D2-18E5-83E1-1665655F384F}"/>
+                </a:ext>
+              </a:extLst>
+            </p:cNvPr>
+            <p:cNvSpPr txBox="1"/>
+            <p:nvPr/>
+          </p:nvSpPr>
+          <p:spPr>
+            <a:xfrm>
+              <a:off x="3196772" y="1904082"/>
+              <a:ext cx="4728028" cy="600164"/>
+            </a:xfrm>
+            <a:prstGeom prst="rect">
+              <a:avLst/>
+            </a:prstGeom>
+            <a:solidFill>
+              <a:schemeClr val="bg1">
+                <a:lumMod val="95000"/>
+              </a:schemeClr>
+            </a:solidFill>
+          </p:spPr>
+          <p:txBody>
+            <a:bodyPr wrap="square">
+              <a:spAutoFit/>
+            </a:bodyPr>
+            <a:lstStyle/>
+            <a:p>
+              <a:r>
+                <a:rPr lang="en-SG" sz="1100">
+                  <a:latin typeface="Consolas" panose="020B0609020204030204" pitchFamily="49" charset="0"/>
+                </a:rPr>
+                <a:t>predictions = </a:t>
+              </a:r>
+              <a:r>
+                <a:rPr lang="en-SG" sz="1100">
+                  <a:solidFill>
+                    <a:srgbClr val="FF0000"/>
+                  </a:solidFill>
+                  <a:latin typeface="Consolas" panose="020B0609020204030204" pitchFamily="49" charset="0"/>
+                </a:rPr>
+                <a:t>customer_model.predict(X_new)</a:t>
+              </a:r>
+            </a:p>
+            <a:p>
+              <a:endParaRPr lang="en-SG" sz="1100">
+                <a:latin typeface="Consolas" panose="020B0609020204030204" pitchFamily="49" charset="0"/>
+              </a:endParaRPr>
+            </a:p>
+            <a:p>
+              <a:r>
+                <a:rPr lang="en-SG" sz="1100">
+                  <a:latin typeface="Consolas" panose="020B0609020204030204" pitchFamily="49" charset="0"/>
+                </a:rPr>
+                <a:t>print(predictions)</a:t>
+              </a:r>
+            </a:p>
+          </p:txBody>
+        </p:sp>
+      </p:grpSp>
+    </p:spTree>
+    <p:extLst>
+      <p:ext uri="{BB962C8B-B14F-4D97-AF65-F5344CB8AC3E}">
+        <p14:creationId xmlns:p14="http://schemas.microsoft.com/office/powerpoint/2010/main" val="2211705868"/>
+      </p:ext>
+    </p:extLst>
+  </p:cSld>
+  <p:clrMapOvr>
+    <a:masterClrMapping/>
+  </p:clrMapOvr>
+</p:sld>
+</file>
+
+<file path=ppt/slides/slide13.xml><?xml version="1.0" encoding="utf-8"?>
+<p:sld xmlns:a="http://schemas.openxmlformats.org/drawingml/2006/main" xmlns:r="http://schemas.openxmlformats.org/officeDocument/2006/relationships" xmlns:p="http://schemas.openxmlformats.org/presentationml/2006/main">
+  <p:cSld>
+    <p:spTree>
+      <p:nvGrpSpPr>
+        <p:cNvPr id="1" name=""/>
+        <p:cNvGrpSpPr/>
+        <p:nvPr/>
+      </p:nvGrpSpPr>
+      <p:grpSpPr>
+        <a:xfrm>
+          <a:off x="0" y="0"/>
+          <a:ext cx="0" cy="0"/>
+          <a:chOff x="0" y="0"/>
+          <a:chExt cx="0" cy="0"/>
+        </a:xfrm>
+      </p:grpSpPr>
+      <p:grpSp>
+        <p:nvGrpSpPr>
           <p:cNvPr id="4" name="Group 3">
             <a:extLst>
               <a:ext uri="{FF2B5EF4-FFF2-40B4-BE49-F238E27FC236}">
@@ -6074,7 +6222,7 @@
 </p:sld>
 </file>
 
-<file path=ppt/slides/slide13.xml><?xml version="1.0" encoding="utf-8"?>
+<file path=ppt/slides/slide14.xml><?xml version="1.0" encoding="utf-8"?>
 <p:sld xmlns:a="http://schemas.openxmlformats.org/drawingml/2006/main" xmlns:r="http://schemas.openxmlformats.org/officeDocument/2006/relationships" xmlns:p="http://schemas.openxmlformats.org/presentationml/2006/main">
   <p:cSld>
     <p:spTree>
@@ -6260,7 +6408,7 @@
 </p:sld>
 </file>
 
-<file path=ppt/slides/slide14.xml><?xml version="1.0" encoding="utf-8"?>
+<file path=ppt/slides/slide15.xml><?xml version="1.0" encoding="utf-8"?>
 <p:sld xmlns:a="http://schemas.openxmlformats.org/drawingml/2006/main" xmlns:r="http://schemas.openxmlformats.org/officeDocument/2006/relationships" xmlns:p="http://schemas.openxmlformats.org/presentationml/2006/main">
   <p:cSld>
     <p:spTree>
@@ -6279,10 +6427,10 @@
       </p:grpSpPr>
       <p:grpSp>
         <p:nvGrpSpPr>
-          <p:cNvPr id="6" name="Group 5">
+          <p:cNvPr id="5" name="Group 4">
             <a:extLst>
               <a:ext uri="{FF2B5EF4-FFF2-40B4-BE49-F238E27FC236}">
-                <a16:creationId xmlns:a16="http://schemas.microsoft.com/office/drawing/2014/main" id="{5003BD89-A53B-7DC6-043C-FCD9D5CDEE87}"/>
+                <a16:creationId xmlns:a16="http://schemas.microsoft.com/office/drawing/2014/main" id="{94CC2FDD-6771-2D32-88A1-3A654C7D4208}"/>
               </a:ext>
             </a:extLst>
           </p:cNvPr>
@@ -6293,7 +6441,7 @@
           <a:xfrm>
             <a:off x="3334443" y="344711"/>
             <a:ext cx="5523113" cy="6168577"/>
-            <a:chOff x="3134658" y="290285"/>
+            <a:chOff x="3334443" y="344711"/>
             <a:chExt cx="5523113" cy="6168577"/>
           </a:xfrm>
         </p:grpSpPr>
@@ -6319,7 +6467,7 @@
           </p:blipFill>
           <p:spPr>
             <a:xfrm>
-              <a:off x="3134658" y="290285"/>
+              <a:off x="3334443" y="344711"/>
               <a:ext cx="5523113" cy="6168577"/>
             </a:xfrm>
             <a:prstGeom prst="rect">
@@ -6341,7 +6489,7 @@
           </p:nvSpPr>
           <p:spPr>
             <a:xfrm>
-              <a:off x="3450318" y="3696841"/>
+              <a:off x="3650103" y="3751267"/>
               <a:ext cx="4539796" cy="938719"/>
             </a:xfrm>
             <a:prstGeom prst="rect">
@@ -6420,6 +6568,58 @@
             </a:p>
           </p:txBody>
         </p:sp>
+        <p:sp>
+          <p:nvSpPr>
+            <p:cNvPr id="2" name="Rectangle 1">
+              <a:extLst>
+                <a:ext uri="{FF2B5EF4-FFF2-40B4-BE49-F238E27FC236}">
+                  <a16:creationId xmlns:a16="http://schemas.microsoft.com/office/drawing/2014/main" id="{92C8FB2D-F5E6-D809-0DFF-7142498BC224}"/>
+                </a:ext>
+              </a:extLst>
+            </p:cNvPr>
+            <p:cNvSpPr/>
+            <p:nvPr/>
+          </p:nvSpPr>
+          <p:spPr>
+            <a:xfrm>
+              <a:off x="3548543" y="1057013"/>
+              <a:ext cx="1384184" cy="226503"/>
+            </a:xfrm>
+            <a:prstGeom prst="rect">
+              <a:avLst/>
+            </a:prstGeom>
+            <a:noFill/>
+            <a:ln>
+              <a:solidFill>
+                <a:srgbClr val="FF0000"/>
+              </a:solidFill>
+            </a:ln>
+          </p:spPr>
+          <p:style>
+            <a:lnRef idx="2">
+              <a:schemeClr val="accent1">
+                <a:shade val="50000"/>
+              </a:schemeClr>
+            </a:lnRef>
+            <a:fillRef idx="1">
+              <a:schemeClr val="accent1"/>
+            </a:fillRef>
+            <a:effectRef idx="0">
+              <a:schemeClr val="accent1"/>
+            </a:effectRef>
+            <a:fontRef idx="minor">
+              <a:schemeClr val="lt1"/>
+            </a:fontRef>
+          </p:style>
+          <p:txBody>
+            <a:bodyPr rtlCol="0" anchor="ctr"/>
+            <a:lstStyle/>
+            <a:p>
+              <a:pPr algn="ctr"/>
+              <a:endParaRPr lang="en-SG"/>
+            </a:p>
+          </p:txBody>
+        </p:sp>
       </p:grpSp>
     </p:spTree>
     <p:extLst>
@@ -6434,7 +6634,324 @@
 </p:sld>
 </file>
 
-<file path=ppt/slides/slide15.xml><?xml version="1.0" encoding="utf-8"?>
+<file path=ppt/slides/slide16.xml><?xml version="1.0" encoding="utf-8"?>
+<p:sld xmlns:a="http://schemas.openxmlformats.org/drawingml/2006/main" xmlns:r="http://schemas.openxmlformats.org/officeDocument/2006/relationships" xmlns:p="http://schemas.openxmlformats.org/presentationml/2006/main">
+  <p:cSld>
+    <p:spTree>
+      <p:nvGrpSpPr>
+        <p:cNvPr id="1" name=""/>
+        <p:cNvGrpSpPr/>
+        <p:nvPr/>
+      </p:nvGrpSpPr>
+      <p:grpSpPr>
+        <a:xfrm>
+          <a:off x="0" y="0"/>
+          <a:ext cx="0" cy="0"/>
+          <a:chOff x="0" y="0"/>
+          <a:chExt cx="0" cy="0"/>
+        </a:xfrm>
+      </p:grpSpPr>
+      <p:grpSp>
+        <p:nvGrpSpPr>
+          <p:cNvPr id="9" name="Group 8">
+            <a:extLst>
+              <a:ext uri="{FF2B5EF4-FFF2-40B4-BE49-F238E27FC236}">
+                <a16:creationId xmlns:a16="http://schemas.microsoft.com/office/drawing/2014/main" id="{5C7586A1-61DB-CB73-1A48-5BC2AB472593}"/>
+              </a:ext>
+            </a:extLst>
+          </p:cNvPr>
+          <p:cNvGrpSpPr/>
+          <p:nvPr/>
+        </p:nvGrpSpPr>
+        <p:grpSpPr>
+          <a:xfrm>
+            <a:off x="3522432" y="467686"/>
+            <a:ext cx="5147136" cy="5922628"/>
+            <a:chOff x="1932300" y="0"/>
+            <a:chExt cx="5147136" cy="5922628"/>
+          </a:xfrm>
+        </p:grpSpPr>
+        <p:pic>
+          <p:nvPicPr>
+            <p:cNvPr id="5" name="Picture 4">
+              <a:extLst>
+                <a:ext uri="{FF2B5EF4-FFF2-40B4-BE49-F238E27FC236}">
+                  <a16:creationId xmlns:a16="http://schemas.microsoft.com/office/drawing/2014/main" id="{4CC26166-D438-40AC-5F17-07187F959970}"/>
+                </a:ext>
+              </a:extLst>
+            </p:cNvPr>
+            <p:cNvPicPr>
+              <a:picLocks noChangeAspect="1"/>
+            </p:cNvPicPr>
+            <p:nvPr/>
+          </p:nvPicPr>
+          <p:blipFill>
+            <a:blip r:embed="rId2"/>
+            <a:stretch>
+              <a:fillRect/>
+            </a:stretch>
+          </p:blipFill>
+          <p:spPr>
+            <a:xfrm>
+              <a:off x="1932300" y="0"/>
+              <a:ext cx="5147136" cy="5922628"/>
+            </a:xfrm>
+            <a:prstGeom prst="rect">
+              <a:avLst/>
+            </a:prstGeom>
+          </p:spPr>
+        </p:pic>
+        <p:sp>
+          <p:nvSpPr>
+            <p:cNvPr id="4" name="TextBox 3">
+              <a:extLst>
+                <a:ext uri="{FF2B5EF4-FFF2-40B4-BE49-F238E27FC236}">
+                  <a16:creationId xmlns:a16="http://schemas.microsoft.com/office/drawing/2014/main" id="{5F397C5E-C8C0-56C9-5ED0-4F078441B75E}"/>
+                </a:ext>
+              </a:extLst>
+            </p:cNvPr>
+            <p:cNvSpPr txBox="1"/>
+            <p:nvPr/>
+          </p:nvSpPr>
+          <p:spPr>
+            <a:xfrm>
+              <a:off x="2235970" y="3337144"/>
+              <a:ext cx="4539796" cy="938719"/>
+            </a:xfrm>
+            <a:prstGeom prst="rect">
+              <a:avLst/>
+            </a:prstGeom>
+            <a:solidFill>
+              <a:schemeClr val="bg1">
+                <a:lumMod val="95000"/>
+              </a:schemeClr>
+            </a:solidFill>
+          </p:spPr>
+          <p:txBody>
+            <a:bodyPr wrap="square">
+              <a:spAutoFit/>
+            </a:bodyPr>
+            <a:lstStyle>
+              <a:defPPr>
+                <a:defRPr lang="en-US"/>
+              </a:defPPr>
+              <a:lvl1pPr>
+                <a:defRPr sz="1100">
+                  <a:latin typeface="Consolas" panose="020B0609020204030204" pitchFamily="49" charset="0"/>
+                </a:defRPr>
+              </a:lvl1pPr>
+            </a:lstStyle>
+            <a:p>
+              <a:r>
+                <a:rPr lang="en-SG"/>
+                <a:t>from sklearn.preprocessing import PowerTransformer</a:t>
+              </a:r>
+            </a:p>
+            <a:p>
+              <a:endParaRPr lang="en-SG"/>
+            </a:p>
+            <a:p>
+              <a:r>
+                <a:rPr lang="en-SG"/>
+                <a:t>log = </a:t>
+              </a:r>
+              <a:r>
+                <a:rPr lang="en-SG">
+                  <a:solidFill>
+                    <a:srgbClr val="FF0000"/>
+                  </a:solidFill>
+                </a:rPr>
+                <a:t>PowerTransformer</a:t>
+              </a:r>
+              <a:r>
+                <a:rPr lang="en-SG"/>
+                <a:t>(method=</a:t>
+              </a:r>
+              <a:r>
+                <a:rPr lang="en-SG">
+                  <a:solidFill>
+                    <a:srgbClr val="FF0000"/>
+                  </a:solidFill>
+                </a:rPr>
+                <a:t>'yeo-johnson'</a:t>
+              </a:r>
+              <a:r>
+                <a:rPr lang="en-SG"/>
+                <a:t>)</a:t>
+              </a:r>
+            </a:p>
+            <a:p>
+              <a:r>
+                <a:rPr lang="en-SG"/>
+                <a:t>df['log_x'] = log.fit_transform(df[['x']])</a:t>
+              </a:r>
+            </a:p>
+            <a:p>
+              <a:r>
+                <a:rPr lang="en-SG"/>
+                <a:t>print(df['log_x'].head())</a:t>
+              </a:r>
+            </a:p>
+          </p:txBody>
+        </p:sp>
+        <p:sp>
+          <p:nvSpPr>
+            <p:cNvPr id="7" name="Rectangle 6">
+              <a:extLst>
+                <a:ext uri="{FF2B5EF4-FFF2-40B4-BE49-F238E27FC236}">
+                  <a16:creationId xmlns:a16="http://schemas.microsoft.com/office/drawing/2014/main" id="{90FD997B-4AE9-4DF2-E7C4-0344C980E8BF}"/>
+                </a:ext>
+              </a:extLst>
+            </p:cNvPr>
+            <p:cNvSpPr/>
+            <p:nvPr/>
+          </p:nvSpPr>
+          <p:spPr>
+            <a:xfrm>
+              <a:off x="5914239" y="369116"/>
+              <a:ext cx="545284" cy="201335"/>
+            </a:xfrm>
+            <a:prstGeom prst="rect">
+              <a:avLst/>
+            </a:prstGeom>
+            <a:noFill/>
+            <a:ln>
+              <a:solidFill>
+                <a:srgbClr val="FF0000"/>
+              </a:solidFill>
+            </a:ln>
+          </p:spPr>
+          <p:style>
+            <a:lnRef idx="2">
+              <a:schemeClr val="accent1">
+                <a:shade val="50000"/>
+              </a:schemeClr>
+            </a:lnRef>
+            <a:fillRef idx="1">
+              <a:schemeClr val="accent1"/>
+            </a:fillRef>
+            <a:effectRef idx="0">
+              <a:schemeClr val="accent1"/>
+            </a:effectRef>
+            <a:fontRef idx="minor">
+              <a:schemeClr val="lt1"/>
+            </a:fontRef>
+          </p:style>
+          <p:txBody>
+            <a:bodyPr rtlCol="0" anchor="ctr"/>
+            <a:lstStyle/>
+            <a:p>
+              <a:pPr algn="ctr"/>
+              <a:endParaRPr lang="en-SG"/>
+            </a:p>
+          </p:txBody>
+        </p:sp>
+        <p:sp>
+          <p:nvSpPr>
+            <p:cNvPr id="8" name="Rectangle 7">
+              <a:extLst>
+                <a:ext uri="{FF2B5EF4-FFF2-40B4-BE49-F238E27FC236}">
+                  <a16:creationId xmlns:a16="http://schemas.microsoft.com/office/drawing/2014/main" id="{3B285B93-0A6E-41DA-66D9-B9A8EFDEDCB5}"/>
+                </a:ext>
+              </a:extLst>
+            </p:cNvPr>
+            <p:cNvSpPr/>
+            <p:nvPr/>
+          </p:nvSpPr>
+          <p:spPr>
+            <a:xfrm>
+              <a:off x="2107034" y="555071"/>
+              <a:ext cx="904613" cy="201335"/>
+            </a:xfrm>
+            <a:prstGeom prst="rect">
+              <a:avLst/>
+            </a:prstGeom>
+            <a:noFill/>
+            <a:ln>
+              <a:solidFill>
+                <a:srgbClr val="FF0000"/>
+              </a:solidFill>
+            </a:ln>
+          </p:spPr>
+          <p:style>
+            <a:lnRef idx="2">
+              <a:schemeClr val="accent1">
+                <a:shade val="50000"/>
+              </a:schemeClr>
+            </a:lnRef>
+            <a:fillRef idx="1">
+              <a:schemeClr val="accent1"/>
+            </a:fillRef>
+            <a:effectRef idx="0">
+              <a:schemeClr val="accent1"/>
+            </a:effectRef>
+            <a:fontRef idx="minor">
+              <a:schemeClr val="lt1"/>
+            </a:fontRef>
+          </p:style>
+          <p:txBody>
+            <a:bodyPr rtlCol="0" anchor="ctr"/>
+            <a:lstStyle/>
+            <a:p>
+              <a:pPr algn="ctr"/>
+              <a:endParaRPr lang="en-SG"/>
+            </a:p>
+          </p:txBody>
+        </p:sp>
+      </p:grpSp>
+      <p:sp>
+        <p:nvSpPr>
+          <p:cNvPr id="10" name="TextBox 9">
+            <a:extLst>
+              <a:ext uri="{FF2B5EF4-FFF2-40B4-BE49-F238E27FC236}">
+                <a16:creationId xmlns:a16="http://schemas.microsoft.com/office/drawing/2014/main" id="{5C61E9F3-AF4A-A8C5-3CCE-4112EFC4C3CD}"/>
+              </a:ext>
+            </a:extLst>
+          </p:cNvPr>
+          <p:cNvSpPr txBox="1"/>
+          <p:nvPr/>
+        </p:nvSpPr>
+        <p:spPr>
+          <a:xfrm>
+            <a:off x="9383486" y="82715"/>
+            <a:ext cx="2722563" cy="369332"/>
+          </a:xfrm>
+          <a:prstGeom prst="rect">
+            <a:avLst/>
+          </a:prstGeom>
+          <a:solidFill>
+            <a:schemeClr val="accent2"/>
+          </a:solidFill>
+        </p:spPr>
+        <p:txBody>
+          <a:bodyPr wrap="square" rtlCol="0">
+            <a:spAutoFit/>
+          </a:bodyPr>
+          <a:lstStyle/>
+          <a:p>
+            <a:pPr algn="ctr"/>
+            <a:r>
+              <a:rPr lang="en-GB"/>
+              <a:t>HARD</a:t>
+            </a:r>
+            <a:endParaRPr lang="en-SG"/>
+          </a:p>
+        </p:txBody>
+      </p:sp>
+    </p:spTree>
+    <p:extLst>
+      <p:ext uri="{BB962C8B-B14F-4D97-AF65-F5344CB8AC3E}">
+        <p14:creationId xmlns:p14="http://schemas.microsoft.com/office/powerpoint/2010/main" val="2567852662"/>
+      </p:ext>
+    </p:extLst>
+  </p:cSld>
+  <p:clrMapOvr>
+    <a:masterClrMapping/>
+  </p:clrMapOvr>
+</p:sld>
+</file>
+
+<file path=ppt/slides/slide17.xml><?xml version="1.0" encoding="utf-8"?>
 <p:sld xmlns:a="http://schemas.openxmlformats.org/drawingml/2006/main" xmlns:r="http://schemas.openxmlformats.org/officeDocument/2006/relationships" xmlns:p="http://schemas.openxmlformats.org/presentationml/2006/main">
   <p:cSld>
     <p:spTree>
@@ -6483,10 +7000,10 @@
       </p:pic>
       <p:grpSp>
         <p:nvGrpSpPr>
-          <p:cNvPr id="7" name="Group 6">
+          <p:cNvPr id="2" name="Group 1">
             <a:extLst>
               <a:ext uri="{FF2B5EF4-FFF2-40B4-BE49-F238E27FC236}">
-                <a16:creationId xmlns:a16="http://schemas.microsoft.com/office/drawing/2014/main" id="{BE149F1D-B3E2-CEAF-415B-3B4093E116C8}"/>
+                <a16:creationId xmlns:a16="http://schemas.microsoft.com/office/drawing/2014/main" id="{28C12313-DE2A-2C81-E2D1-9A4C7A710A0D}"/>
               </a:ext>
             </a:extLst>
           </p:cNvPr>
@@ -6496,9 +7013,9 @@
         <p:grpSpPr>
           <a:xfrm>
             <a:off x="463324" y="433256"/>
-            <a:ext cx="5632677" cy="4463274"/>
+            <a:ext cx="5769696" cy="4742950"/>
             <a:chOff x="463324" y="433256"/>
-            <a:chExt cx="5632677" cy="4463274"/>
+            <a:chExt cx="5769696" cy="4742950"/>
           </a:xfrm>
         </p:grpSpPr>
         <p:pic>
@@ -6524,7 +7041,7 @@
           <p:spPr>
             <a:xfrm>
               <a:off x="463324" y="433256"/>
-              <a:ext cx="5429476" cy="4463274"/>
+              <a:ext cx="5769696" cy="4742950"/>
             </a:xfrm>
             <a:prstGeom prst="rect">
               <a:avLst/>
@@ -6545,8 +7062,8 @@
           </p:nvSpPr>
           <p:spPr>
             <a:xfrm>
-              <a:off x="666525" y="2086323"/>
-              <a:ext cx="5429476" cy="2400657"/>
+              <a:off x="624580" y="2193672"/>
+              <a:ext cx="5429476" cy="2554545"/>
             </a:xfrm>
             <a:prstGeom prst="rect">
               <a:avLst/>
@@ -6663,6 +7180,9 @@
                 <a:rPr lang="en-SG" sz="1000"/>
                 <a:t>plt.show()</a:t>
               </a:r>
+            </a:p>
+            <a:p>
+              <a:endParaRPr lang="en-SG" sz="1000"/>
             </a:p>
           </p:txBody>
         </p:sp>
@@ -6719,7 +7239,7 @@
 </p:sld>
 </file>
 
-<file path=ppt/slides/slide16.xml><?xml version="1.0" encoding="utf-8"?>
+<file path=ppt/slides/slide18.xml><?xml version="1.0" encoding="utf-8"?>
 <p:sld xmlns:a="http://schemas.openxmlformats.org/drawingml/2006/main" xmlns:r="http://schemas.openxmlformats.org/officeDocument/2006/relationships" xmlns:p="http://schemas.openxmlformats.org/presentationml/2006/main">
   <p:cSld>
     <p:spTree>
@@ -6738,10 +7258,10 @@
       </p:grpSpPr>
       <p:grpSp>
         <p:nvGrpSpPr>
-          <p:cNvPr id="8" name="Group 7">
+          <p:cNvPr id="2" name="Group 1">
             <a:extLst>
               <a:ext uri="{FF2B5EF4-FFF2-40B4-BE49-F238E27FC236}">
-                <a16:creationId xmlns:a16="http://schemas.microsoft.com/office/drawing/2014/main" id="{94E5B8CC-68DC-A0DD-48D8-D4A864D883AD}"/>
+                <a16:creationId xmlns:a16="http://schemas.microsoft.com/office/drawing/2014/main" id="{C90ECECE-C1F0-4283-4B47-BA3BA425E499}"/>
               </a:ext>
             </a:extLst>
           </p:cNvPr>
@@ -6750,10 +7270,10 @@
         </p:nvGrpSpPr>
         <p:grpSpPr>
           <a:xfrm>
-            <a:off x="3356794" y="716278"/>
-            <a:ext cx="5478411" cy="5425443"/>
-            <a:chOff x="2647950" y="14287"/>
-            <a:chExt cx="5478411" cy="5425443"/>
+            <a:off x="3230361" y="591067"/>
+            <a:ext cx="5731278" cy="5675865"/>
+            <a:chOff x="3103928" y="465856"/>
+            <a:chExt cx="5731278" cy="5675865"/>
           </a:xfrm>
         </p:grpSpPr>
         <p:pic>
@@ -6778,8 +7298,8 @@
           </p:blipFill>
           <p:spPr>
             <a:xfrm>
-              <a:off x="2647950" y="14287"/>
-              <a:ext cx="5478411" cy="5425443"/>
+              <a:off x="3103928" y="465856"/>
+              <a:ext cx="5731278" cy="5675865"/>
             </a:xfrm>
             <a:prstGeom prst="rect">
               <a:avLst/>
@@ -6800,7 +7320,7 @@
           </p:nvSpPr>
           <p:spPr>
             <a:xfrm>
-              <a:off x="2790778" y="1908659"/>
+              <a:off x="3373787" y="2484815"/>
               <a:ext cx="5195475" cy="1785104"/>
             </a:xfrm>
             <a:prstGeom prst="rect">
@@ -6953,7 +7473,7 @@
 </p:sld>
 </file>
 
-<file path=ppt/slides/slide17.xml><?xml version="1.0" encoding="utf-8"?>
+<file path=ppt/slides/slide19.xml><?xml version="1.0" encoding="utf-8"?>
 <p:sld xmlns:a="http://schemas.openxmlformats.org/drawingml/2006/main" xmlns:r="http://schemas.openxmlformats.org/officeDocument/2006/relationships" xmlns:p="http://schemas.openxmlformats.org/presentationml/2006/main">
   <p:cSld>
     <p:spTree>
@@ -7140,7 +7660,298 @@
 </p:sld>
 </file>
 
-<file path=ppt/slides/slide18.xml><?xml version="1.0" encoding="utf-8"?>
+<file path=ppt/slides/slide2.xml><?xml version="1.0" encoding="utf-8"?>
+<p:sld xmlns:a="http://schemas.openxmlformats.org/drawingml/2006/main" xmlns:r="http://schemas.openxmlformats.org/officeDocument/2006/relationships" xmlns:p="http://schemas.openxmlformats.org/presentationml/2006/main">
+  <p:cSld>
+    <p:spTree>
+      <p:nvGrpSpPr>
+        <p:cNvPr id="1" name=""/>
+        <p:cNvGrpSpPr/>
+        <p:nvPr/>
+      </p:nvGrpSpPr>
+      <p:grpSpPr>
+        <a:xfrm>
+          <a:off x="0" y="0"/>
+          <a:ext cx="0" cy="0"/>
+          <a:chOff x="0" y="0"/>
+          <a:chExt cx="0" cy="0"/>
+        </a:xfrm>
+      </p:grpSpPr>
+      <p:grpSp>
+        <p:nvGrpSpPr>
+          <p:cNvPr id="11" name="Group 10">
+            <a:extLst>
+              <a:ext uri="{FF2B5EF4-FFF2-40B4-BE49-F238E27FC236}">
+                <a16:creationId xmlns:a16="http://schemas.microsoft.com/office/drawing/2014/main" id="{E69D777E-678F-0B10-C796-07C9B81A3081}"/>
+              </a:ext>
+            </a:extLst>
+          </p:cNvPr>
+          <p:cNvGrpSpPr/>
+          <p:nvPr/>
+        </p:nvGrpSpPr>
+        <p:grpSpPr>
+          <a:xfrm>
+            <a:off x="3149757" y="435428"/>
+            <a:ext cx="5892485" cy="5987143"/>
+            <a:chOff x="3149757" y="362856"/>
+            <a:chExt cx="5892485" cy="5987143"/>
+          </a:xfrm>
+        </p:grpSpPr>
+        <p:pic>
+          <p:nvPicPr>
+            <p:cNvPr id="7" name="Picture 6">
+              <a:extLst>
+                <a:ext uri="{FF2B5EF4-FFF2-40B4-BE49-F238E27FC236}">
+                  <a16:creationId xmlns:a16="http://schemas.microsoft.com/office/drawing/2014/main" id="{B98E1F66-B568-CD05-1CB7-A7CF3F6AA26E}"/>
+                </a:ext>
+              </a:extLst>
+            </p:cNvPr>
+            <p:cNvPicPr>
+              <a:picLocks noChangeAspect="1"/>
+            </p:cNvPicPr>
+            <p:nvPr/>
+          </p:nvPicPr>
+          <p:blipFill>
+            <a:blip r:embed="rId2"/>
+            <a:stretch>
+              <a:fillRect/>
+            </a:stretch>
+          </p:blipFill>
+          <p:spPr>
+            <a:xfrm>
+              <a:off x="3149757" y="362856"/>
+              <a:ext cx="5892485" cy="5987143"/>
+            </a:xfrm>
+            <a:prstGeom prst="rect">
+              <a:avLst/>
+            </a:prstGeom>
+          </p:spPr>
+        </p:pic>
+        <p:sp>
+          <p:nvSpPr>
+            <p:cNvPr id="10" name="TextBox 9">
+              <a:extLst>
+                <a:ext uri="{FF2B5EF4-FFF2-40B4-BE49-F238E27FC236}">
+                  <a16:creationId xmlns:a16="http://schemas.microsoft.com/office/drawing/2014/main" id="{D128B92F-780D-95AB-E101-FCC0C20BCB3A}"/>
+                </a:ext>
+              </a:extLst>
+            </p:cNvPr>
+            <p:cNvSpPr txBox="1"/>
+            <p:nvPr/>
+          </p:nvSpPr>
+          <p:spPr>
+            <a:xfrm>
+              <a:off x="3519716" y="1933139"/>
+              <a:ext cx="4535714" cy="1615827"/>
+            </a:xfrm>
+            <a:prstGeom prst="rect">
+              <a:avLst/>
+            </a:prstGeom>
+            <a:solidFill>
+              <a:schemeClr val="bg1">
+                <a:lumMod val="95000"/>
+              </a:schemeClr>
+            </a:solidFill>
+          </p:spPr>
+          <p:txBody>
+            <a:bodyPr wrap="square">
+              <a:spAutoFit/>
+            </a:bodyPr>
+            <a:lstStyle/>
+            <a:p>
+              <a:r>
+                <a:rPr lang="en-SG" sz="1100">
+                  <a:latin typeface="Consolas" panose="020B0609020204030204" pitchFamily="49" charset="0"/>
+                </a:rPr>
+                <a:t>import </a:t>
+              </a:r>
+              <a:r>
+                <a:rPr lang="en-SG" sz="1100" err="1">
+                  <a:latin typeface="Consolas" panose="020B0609020204030204" pitchFamily="49" charset="0"/>
+                </a:rPr>
+                <a:t>numpy</a:t>
+              </a:r>
+              <a:r>
+                <a:rPr lang="en-SG" sz="1100">
+                  <a:latin typeface="Consolas" panose="020B0609020204030204" pitchFamily="49" charset="0"/>
+                </a:rPr>
+                <a:t> as np</a:t>
+              </a:r>
+            </a:p>
+            <a:p>
+              <a:r>
+                <a:rPr lang="en-SG" sz="1100">
+                  <a:latin typeface="Consolas" panose="020B0609020204030204" pitchFamily="49" charset="0"/>
+                </a:rPr>
+                <a:t>import pandas as pd</a:t>
+              </a:r>
+            </a:p>
+            <a:p>
+              <a:r>
+                <a:rPr lang="en-SG" sz="1100">
+                  <a:latin typeface="Consolas" panose="020B0609020204030204" pitchFamily="49" charset="0"/>
+                </a:rPr>
+                <a:t>from </a:t>
+              </a:r>
+              <a:r>
+                <a:rPr lang="en-SG" sz="1100" err="1">
+                  <a:latin typeface="Consolas" panose="020B0609020204030204" pitchFamily="49" charset="0"/>
+                </a:rPr>
+                <a:t>sklearn.linear_model</a:t>
+              </a:r>
+              <a:r>
+                <a:rPr lang="en-SG" sz="1100">
+                  <a:latin typeface="Consolas" panose="020B0609020204030204" pitchFamily="49" charset="0"/>
+                </a:rPr>
+                <a:t> import </a:t>
+              </a:r>
+              <a:r>
+                <a:rPr lang="en-SG" sz="1100" err="1">
+                  <a:latin typeface="Consolas" panose="020B0609020204030204" pitchFamily="49" charset="0"/>
+                </a:rPr>
+                <a:t>LinearRegression</a:t>
+              </a:r>
+              <a:endParaRPr lang="en-SG" sz="1100">
+                <a:latin typeface="Consolas" panose="020B0609020204030204" pitchFamily="49" charset="0"/>
+              </a:endParaRPr>
+            </a:p>
+            <a:p>
+              <a:endParaRPr lang="en-SG" sz="1100">
+                <a:latin typeface="Consolas" panose="020B0609020204030204" pitchFamily="49" charset="0"/>
+              </a:endParaRPr>
+            </a:p>
+            <a:p>
+              <a:r>
+                <a:rPr lang="en-SG" sz="1100">
+                  <a:latin typeface="Consolas" panose="020B0609020204030204" pitchFamily="49" charset="0"/>
+                </a:rPr>
+                <a:t>reg = </a:t>
+              </a:r>
+              <a:r>
+                <a:rPr lang="en-SG" sz="1100" err="1">
+                  <a:latin typeface="Consolas" panose="020B0609020204030204" pitchFamily="49" charset="0"/>
+                </a:rPr>
+                <a:t>LinearRegression</a:t>
+              </a:r>
+              <a:r>
+                <a:rPr lang="en-SG" sz="1100">
+                  <a:latin typeface="Consolas" panose="020B0609020204030204" pitchFamily="49" charset="0"/>
+                </a:rPr>
+                <a:t>()</a:t>
+              </a:r>
+            </a:p>
+            <a:p>
+              <a:r>
+                <a:rPr lang="en-SG" sz="1100" err="1">
+                  <a:latin typeface="Consolas" panose="020B0609020204030204" pitchFamily="49" charset="0"/>
+                </a:rPr>
+                <a:t>reg.fit</a:t>
+              </a:r>
+              <a:r>
+                <a:rPr lang="en-SG" sz="1100">
+                  <a:latin typeface="Consolas" panose="020B0609020204030204" pitchFamily="49" charset="0"/>
+                </a:rPr>
+                <a:t>(</a:t>
+              </a:r>
+              <a:r>
+                <a:rPr lang="en-SG" sz="1100" err="1">
+                  <a:latin typeface="Consolas" panose="020B0609020204030204" pitchFamily="49" charset="0"/>
+                </a:rPr>
+                <a:t>x_train</a:t>
+              </a:r>
+              <a:r>
+                <a:rPr lang="en-SG" sz="1100">
+                  <a:latin typeface="Consolas" panose="020B0609020204030204" pitchFamily="49" charset="0"/>
+                </a:rPr>
+                <a:t>, </a:t>
+              </a:r>
+              <a:r>
+                <a:rPr lang="en-SG" sz="1100" err="1">
+                  <a:latin typeface="Consolas" panose="020B0609020204030204" pitchFamily="49" charset="0"/>
+                </a:rPr>
+                <a:t>y_train</a:t>
+              </a:r>
+              <a:r>
+                <a:rPr lang="en-SG" sz="1100">
+                  <a:latin typeface="Consolas" panose="020B0609020204030204" pitchFamily="49" charset="0"/>
+                </a:rPr>
+                <a:t>)</a:t>
+              </a:r>
+            </a:p>
+            <a:p>
+              <a:endParaRPr lang="en-SG" sz="1100">
+                <a:latin typeface="Consolas" panose="020B0609020204030204" pitchFamily="49" charset="0"/>
+              </a:endParaRPr>
+            </a:p>
+            <a:p>
+              <a:r>
+                <a:rPr lang="en-SG" sz="1100">
+                  <a:latin typeface="Consolas" panose="020B0609020204030204" pitchFamily="49" charset="0"/>
+                </a:rPr>
+                <a:t>predictions = </a:t>
+              </a:r>
+              <a:r>
+                <a:rPr lang="en-SG" sz="1100" err="1">
+                  <a:latin typeface="Consolas" panose="020B0609020204030204" pitchFamily="49" charset="0"/>
+                </a:rPr>
+                <a:t>reg.</a:t>
+              </a:r>
+              <a:r>
+                <a:rPr lang="en-SG" sz="1100" err="1">
+                  <a:solidFill>
+                    <a:srgbClr val="FF0000"/>
+                  </a:solidFill>
+                  <a:latin typeface="Consolas" panose="020B0609020204030204" pitchFamily="49" charset="0"/>
+                </a:rPr>
+                <a:t>predict</a:t>
+              </a:r>
+              <a:r>
+                <a:rPr lang="en-SG" sz="1100">
+                  <a:latin typeface="Consolas" panose="020B0609020204030204" pitchFamily="49" charset="0"/>
+                </a:rPr>
+                <a:t>(</a:t>
+              </a:r>
+              <a:r>
+                <a:rPr lang="en-SG" sz="1100" err="1">
+                  <a:solidFill>
+                    <a:srgbClr val="FF0000"/>
+                  </a:solidFill>
+                  <a:latin typeface="Consolas" panose="020B0609020204030204" pitchFamily="49" charset="0"/>
+                </a:rPr>
+                <a:t>x_test</a:t>
+              </a:r>
+              <a:r>
+                <a:rPr lang="en-SG" sz="1100">
+                  <a:latin typeface="Consolas" panose="020B0609020204030204" pitchFamily="49" charset="0"/>
+                </a:rPr>
+                <a:t>)</a:t>
+              </a:r>
+            </a:p>
+            <a:p>
+              <a:r>
+                <a:rPr lang="en-SG" sz="1100">
+                  <a:latin typeface="Consolas" panose="020B0609020204030204" pitchFamily="49" charset="0"/>
+                </a:rPr>
+                <a:t>print(predictions)</a:t>
+              </a:r>
+            </a:p>
+          </p:txBody>
+        </p:sp>
+      </p:grpSp>
+    </p:spTree>
+    <p:extLst>
+      <p:ext uri="{BB962C8B-B14F-4D97-AF65-F5344CB8AC3E}">
+        <p14:creationId xmlns:p14="http://schemas.microsoft.com/office/powerpoint/2010/main" val="240901763"/>
+      </p:ext>
+    </p:extLst>
+  </p:cSld>
+  <p:clrMapOvr>
+    <a:masterClrMapping/>
+  </p:clrMapOvr>
+</p:sld>
+</file>
+
+<file path=ppt/slides/slide20.xml><?xml version="1.0" encoding="utf-8"?>
 <p:sld xmlns:a="http://schemas.openxmlformats.org/drawingml/2006/main" xmlns:r="http://schemas.openxmlformats.org/officeDocument/2006/relationships" xmlns:p="http://schemas.openxmlformats.org/presentationml/2006/main">
   <p:cSld>
     <p:spTree>
@@ -7331,7 +8142,7 @@
 </p:sld>
 </file>
 
-<file path=ppt/slides/slide19.xml><?xml version="1.0" encoding="utf-8"?>
+<file path=ppt/slides/slide21.xml><?xml version="1.0" encoding="utf-8"?>
 <p:sld xmlns:a="http://schemas.openxmlformats.org/drawingml/2006/main" xmlns:r="http://schemas.openxmlformats.org/officeDocument/2006/relationships" xmlns:p="http://schemas.openxmlformats.org/presentationml/2006/main">
   <p:cSld>
     <p:spTree>
@@ -7530,298 +8341,7 @@
 </p:sld>
 </file>
 
-<file path=ppt/slides/slide2.xml><?xml version="1.0" encoding="utf-8"?>
-<p:sld xmlns:a="http://schemas.openxmlformats.org/drawingml/2006/main" xmlns:r="http://schemas.openxmlformats.org/officeDocument/2006/relationships" xmlns:p="http://schemas.openxmlformats.org/presentationml/2006/main">
-  <p:cSld>
-    <p:spTree>
-      <p:nvGrpSpPr>
-        <p:cNvPr id="1" name=""/>
-        <p:cNvGrpSpPr/>
-        <p:nvPr/>
-      </p:nvGrpSpPr>
-      <p:grpSpPr>
-        <a:xfrm>
-          <a:off x="0" y="0"/>
-          <a:ext cx="0" cy="0"/>
-          <a:chOff x="0" y="0"/>
-          <a:chExt cx="0" cy="0"/>
-        </a:xfrm>
-      </p:grpSpPr>
-      <p:grpSp>
-        <p:nvGrpSpPr>
-          <p:cNvPr id="11" name="Group 10">
-            <a:extLst>
-              <a:ext uri="{FF2B5EF4-FFF2-40B4-BE49-F238E27FC236}">
-                <a16:creationId xmlns:a16="http://schemas.microsoft.com/office/drawing/2014/main" id="{E69D777E-678F-0B10-C796-07C9B81A3081}"/>
-              </a:ext>
-            </a:extLst>
-          </p:cNvPr>
-          <p:cNvGrpSpPr/>
-          <p:nvPr/>
-        </p:nvGrpSpPr>
-        <p:grpSpPr>
-          <a:xfrm>
-            <a:off x="3149757" y="435428"/>
-            <a:ext cx="5892485" cy="5987143"/>
-            <a:chOff x="3149757" y="362856"/>
-            <a:chExt cx="5892485" cy="5987143"/>
-          </a:xfrm>
-        </p:grpSpPr>
-        <p:pic>
-          <p:nvPicPr>
-            <p:cNvPr id="7" name="Picture 6">
-              <a:extLst>
-                <a:ext uri="{FF2B5EF4-FFF2-40B4-BE49-F238E27FC236}">
-                  <a16:creationId xmlns:a16="http://schemas.microsoft.com/office/drawing/2014/main" id="{B98E1F66-B568-CD05-1CB7-A7CF3F6AA26E}"/>
-                </a:ext>
-              </a:extLst>
-            </p:cNvPr>
-            <p:cNvPicPr>
-              <a:picLocks noChangeAspect="1"/>
-            </p:cNvPicPr>
-            <p:nvPr/>
-          </p:nvPicPr>
-          <p:blipFill>
-            <a:blip r:embed="rId2"/>
-            <a:stretch>
-              <a:fillRect/>
-            </a:stretch>
-          </p:blipFill>
-          <p:spPr>
-            <a:xfrm>
-              <a:off x="3149757" y="362856"/>
-              <a:ext cx="5892485" cy="5987143"/>
-            </a:xfrm>
-            <a:prstGeom prst="rect">
-              <a:avLst/>
-            </a:prstGeom>
-          </p:spPr>
-        </p:pic>
-        <p:sp>
-          <p:nvSpPr>
-            <p:cNvPr id="10" name="TextBox 9">
-              <a:extLst>
-                <a:ext uri="{FF2B5EF4-FFF2-40B4-BE49-F238E27FC236}">
-                  <a16:creationId xmlns:a16="http://schemas.microsoft.com/office/drawing/2014/main" id="{D128B92F-780D-95AB-E101-FCC0C20BCB3A}"/>
-                </a:ext>
-              </a:extLst>
-            </p:cNvPr>
-            <p:cNvSpPr txBox="1"/>
-            <p:nvPr/>
-          </p:nvSpPr>
-          <p:spPr>
-            <a:xfrm>
-              <a:off x="3519716" y="1933139"/>
-              <a:ext cx="4535714" cy="1615827"/>
-            </a:xfrm>
-            <a:prstGeom prst="rect">
-              <a:avLst/>
-            </a:prstGeom>
-            <a:solidFill>
-              <a:schemeClr val="bg1">
-                <a:lumMod val="95000"/>
-              </a:schemeClr>
-            </a:solidFill>
-          </p:spPr>
-          <p:txBody>
-            <a:bodyPr wrap="square">
-              <a:spAutoFit/>
-            </a:bodyPr>
-            <a:lstStyle/>
-            <a:p>
-              <a:r>
-                <a:rPr lang="en-SG" sz="1100">
-                  <a:latin typeface="Consolas" panose="020B0609020204030204" pitchFamily="49" charset="0"/>
-                </a:rPr>
-                <a:t>import </a:t>
-              </a:r>
-              <a:r>
-                <a:rPr lang="en-SG" sz="1100" err="1">
-                  <a:latin typeface="Consolas" panose="020B0609020204030204" pitchFamily="49" charset="0"/>
-                </a:rPr>
-                <a:t>numpy</a:t>
-              </a:r>
-              <a:r>
-                <a:rPr lang="en-SG" sz="1100">
-                  <a:latin typeface="Consolas" panose="020B0609020204030204" pitchFamily="49" charset="0"/>
-                </a:rPr>
-                <a:t> as np</a:t>
-              </a:r>
-            </a:p>
-            <a:p>
-              <a:r>
-                <a:rPr lang="en-SG" sz="1100">
-                  <a:latin typeface="Consolas" panose="020B0609020204030204" pitchFamily="49" charset="0"/>
-                </a:rPr>
-                <a:t>import pandas as pd</a:t>
-              </a:r>
-            </a:p>
-            <a:p>
-              <a:r>
-                <a:rPr lang="en-SG" sz="1100">
-                  <a:latin typeface="Consolas" panose="020B0609020204030204" pitchFamily="49" charset="0"/>
-                </a:rPr>
-                <a:t>from </a:t>
-              </a:r>
-              <a:r>
-                <a:rPr lang="en-SG" sz="1100" err="1">
-                  <a:latin typeface="Consolas" panose="020B0609020204030204" pitchFamily="49" charset="0"/>
-                </a:rPr>
-                <a:t>sklearn.linear_model</a:t>
-              </a:r>
-              <a:r>
-                <a:rPr lang="en-SG" sz="1100">
-                  <a:latin typeface="Consolas" panose="020B0609020204030204" pitchFamily="49" charset="0"/>
-                </a:rPr>
-                <a:t> import </a:t>
-              </a:r>
-              <a:r>
-                <a:rPr lang="en-SG" sz="1100" err="1">
-                  <a:latin typeface="Consolas" panose="020B0609020204030204" pitchFamily="49" charset="0"/>
-                </a:rPr>
-                <a:t>LinearRegression</a:t>
-              </a:r>
-              <a:endParaRPr lang="en-SG" sz="1100">
-                <a:latin typeface="Consolas" panose="020B0609020204030204" pitchFamily="49" charset="0"/>
-              </a:endParaRPr>
-            </a:p>
-            <a:p>
-              <a:endParaRPr lang="en-SG" sz="1100">
-                <a:latin typeface="Consolas" panose="020B0609020204030204" pitchFamily="49" charset="0"/>
-              </a:endParaRPr>
-            </a:p>
-            <a:p>
-              <a:r>
-                <a:rPr lang="en-SG" sz="1100">
-                  <a:latin typeface="Consolas" panose="020B0609020204030204" pitchFamily="49" charset="0"/>
-                </a:rPr>
-                <a:t>reg = </a:t>
-              </a:r>
-              <a:r>
-                <a:rPr lang="en-SG" sz="1100" err="1">
-                  <a:latin typeface="Consolas" panose="020B0609020204030204" pitchFamily="49" charset="0"/>
-                </a:rPr>
-                <a:t>LinearRegression</a:t>
-              </a:r>
-              <a:r>
-                <a:rPr lang="en-SG" sz="1100">
-                  <a:latin typeface="Consolas" panose="020B0609020204030204" pitchFamily="49" charset="0"/>
-                </a:rPr>
-                <a:t>()</a:t>
-              </a:r>
-            </a:p>
-            <a:p>
-              <a:r>
-                <a:rPr lang="en-SG" sz="1100" err="1">
-                  <a:latin typeface="Consolas" panose="020B0609020204030204" pitchFamily="49" charset="0"/>
-                </a:rPr>
-                <a:t>reg.fit</a:t>
-              </a:r>
-              <a:r>
-                <a:rPr lang="en-SG" sz="1100">
-                  <a:latin typeface="Consolas" panose="020B0609020204030204" pitchFamily="49" charset="0"/>
-                </a:rPr>
-                <a:t>(</a:t>
-              </a:r>
-              <a:r>
-                <a:rPr lang="en-SG" sz="1100" err="1">
-                  <a:latin typeface="Consolas" panose="020B0609020204030204" pitchFamily="49" charset="0"/>
-                </a:rPr>
-                <a:t>x_train</a:t>
-              </a:r>
-              <a:r>
-                <a:rPr lang="en-SG" sz="1100">
-                  <a:latin typeface="Consolas" panose="020B0609020204030204" pitchFamily="49" charset="0"/>
-                </a:rPr>
-                <a:t>, </a:t>
-              </a:r>
-              <a:r>
-                <a:rPr lang="en-SG" sz="1100" err="1">
-                  <a:latin typeface="Consolas" panose="020B0609020204030204" pitchFamily="49" charset="0"/>
-                </a:rPr>
-                <a:t>y_train</a:t>
-              </a:r>
-              <a:r>
-                <a:rPr lang="en-SG" sz="1100">
-                  <a:latin typeface="Consolas" panose="020B0609020204030204" pitchFamily="49" charset="0"/>
-                </a:rPr>
-                <a:t>)</a:t>
-              </a:r>
-            </a:p>
-            <a:p>
-              <a:endParaRPr lang="en-SG" sz="1100">
-                <a:latin typeface="Consolas" panose="020B0609020204030204" pitchFamily="49" charset="0"/>
-              </a:endParaRPr>
-            </a:p>
-            <a:p>
-              <a:r>
-                <a:rPr lang="en-SG" sz="1100">
-                  <a:latin typeface="Consolas" panose="020B0609020204030204" pitchFamily="49" charset="0"/>
-                </a:rPr>
-                <a:t>predictions = </a:t>
-              </a:r>
-              <a:r>
-                <a:rPr lang="en-SG" sz="1100" err="1">
-                  <a:latin typeface="Consolas" panose="020B0609020204030204" pitchFamily="49" charset="0"/>
-                </a:rPr>
-                <a:t>reg.</a:t>
-              </a:r>
-              <a:r>
-                <a:rPr lang="en-SG" sz="1100" err="1">
-                  <a:solidFill>
-                    <a:srgbClr val="FF0000"/>
-                  </a:solidFill>
-                  <a:latin typeface="Consolas" panose="020B0609020204030204" pitchFamily="49" charset="0"/>
-                </a:rPr>
-                <a:t>predict</a:t>
-              </a:r>
-              <a:r>
-                <a:rPr lang="en-SG" sz="1100">
-                  <a:latin typeface="Consolas" panose="020B0609020204030204" pitchFamily="49" charset="0"/>
-                </a:rPr>
-                <a:t>(</a:t>
-              </a:r>
-              <a:r>
-                <a:rPr lang="en-SG" sz="1100" err="1">
-                  <a:solidFill>
-                    <a:srgbClr val="FF0000"/>
-                  </a:solidFill>
-                  <a:latin typeface="Consolas" panose="020B0609020204030204" pitchFamily="49" charset="0"/>
-                </a:rPr>
-                <a:t>x_test</a:t>
-              </a:r>
-              <a:r>
-                <a:rPr lang="en-SG" sz="1100">
-                  <a:latin typeface="Consolas" panose="020B0609020204030204" pitchFamily="49" charset="0"/>
-                </a:rPr>
-                <a:t>)</a:t>
-              </a:r>
-            </a:p>
-            <a:p>
-              <a:r>
-                <a:rPr lang="en-SG" sz="1100">
-                  <a:latin typeface="Consolas" panose="020B0609020204030204" pitchFamily="49" charset="0"/>
-                </a:rPr>
-                <a:t>print(predictions)</a:t>
-              </a:r>
-            </a:p>
-          </p:txBody>
-        </p:sp>
-      </p:grpSp>
-    </p:spTree>
-    <p:extLst>
-      <p:ext uri="{BB962C8B-B14F-4D97-AF65-F5344CB8AC3E}">
-        <p14:creationId xmlns:p14="http://schemas.microsoft.com/office/powerpoint/2010/main" val="240901763"/>
-      </p:ext>
-    </p:extLst>
-  </p:cSld>
-  <p:clrMapOvr>
-    <a:masterClrMapping/>
-  </p:clrMapOvr>
-</p:sld>
-</file>
-
-<file path=ppt/slides/slide20.xml><?xml version="1.0" encoding="utf-8"?>
+<file path=ppt/slides/slide22.xml><?xml version="1.0" encoding="utf-8"?>
 <p:sld xmlns:a="http://schemas.openxmlformats.org/drawingml/2006/main" xmlns:r="http://schemas.openxmlformats.org/officeDocument/2006/relationships" xmlns:p="http://schemas.openxmlformats.org/presentationml/2006/main">
   <p:cSld>
     <p:spTree>
@@ -7852,10 +8372,10 @@
         </p:nvGrpSpPr>
         <p:grpSpPr>
           <a:xfrm>
-            <a:off x="3152147" y="214085"/>
-            <a:ext cx="5887705" cy="6429829"/>
+            <a:off x="3394180" y="214085"/>
+            <a:ext cx="5403639" cy="6429829"/>
             <a:chOff x="3394180" y="214085"/>
-            <a:chExt cx="5887705" cy="6429829"/>
+            <a:chExt cx="5403639" cy="6429829"/>
           </a:xfrm>
         </p:grpSpPr>
         <p:pic>
@@ -7903,7 +8423,7 @@
           <p:spPr>
             <a:xfrm>
               <a:off x="3718047" y="3990486"/>
-              <a:ext cx="5563838" cy="1446550"/>
+              <a:ext cx="4795531" cy="1446550"/>
             </a:xfrm>
             <a:prstGeom prst="rect">
               <a:avLst/>
@@ -8023,7 +8543,7 @@
 </p:sld>
 </file>
 
-<file path=ppt/slides/slide21.xml><?xml version="1.0" encoding="utf-8"?>
+<file path=ppt/slides/slide23.xml><?xml version="1.0" encoding="utf-8"?>
 <p:sld xmlns:a="http://schemas.openxmlformats.org/drawingml/2006/main" xmlns:r="http://schemas.openxmlformats.org/officeDocument/2006/relationships" xmlns:p="http://schemas.openxmlformats.org/presentationml/2006/main">
   <p:cSld>
     <p:spTree>
@@ -8104,7 +8624,7 @@
           </p:nvSpPr>
           <p:spPr>
             <a:xfrm>
-              <a:off x="3189176" y="2446975"/>
+              <a:off x="3180787" y="2446975"/>
               <a:ext cx="4623638" cy="1446550"/>
             </a:xfrm>
             <a:prstGeom prst="rect">
@@ -8268,7 +8788,7 @@
 </p:sld>
 </file>
 
-<file path=ppt/slides/slide22.xml><?xml version="1.0" encoding="utf-8"?>
+<file path=ppt/slides/slide24.xml><?xml version="1.0" encoding="utf-8"?>
 <p:sld xmlns:a="http://schemas.openxmlformats.org/drawingml/2006/main" xmlns:r="http://schemas.openxmlformats.org/officeDocument/2006/relationships" xmlns:p="http://schemas.openxmlformats.org/presentationml/2006/main">
   <p:cSld>
     <p:spTree>
@@ -8287,10 +8807,10 @@
       </p:grpSpPr>
       <p:grpSp>
         <p:nvGrpSpPr>
-          <p:cNvPr id="6" name="Group 5">
+          <p:cNvPr id="2" name="Group 1">
             <a:extLst>
               <a:ext uri="{FF2B5EF4-FFF2-40B4-BE49-F238E27FC236}">
-                <a16:creationId xmlns:a16="http://schemas.microsoft.com/office/drawing/2014/main" id="{58C9BFF2-CF04-39C2-1717-F575767FEA3D}"/>
+                <a16:creationId xmlns:a16="http://schemas.microsoft.com/office/drawing/2014/main" id="{62B3B6BC-75FC-4D39-9EA1-6098D90B3B80}"/>
               </a:ext>
             </a:extLst>
           </p:cNvPr>
@@ -8299,10 +8819,10 @@
         </p:nvGrpSpPr>
         <p:grpSpPr>
           <a:xfrm>
-            <a:off x="3112746" y="954995"/>
-            <a:ext cx="5966507" cy="4948010"/>
-            <a:chOff x="2967038" y="335191"/>
-            <a:chExt cx="5966507" cy="4948010"/>
+            <a:off x="2894620" y="699536"/>
+            <a:ext cx="6402760" cy="5458927"/>
+            <a:chOff x="3194246" y="444078"/>
+            <a:chExt cx="6402760" cy="5458927"/>
           </a:xfrm>
         </p:grpSpPr>
         <p:pic>
@@ -8327,8 +8847,8 @@
           </p:blipFill>
           <p:spPr>
             <a:xfrm>
-              <a:off x="2967038" y="335191"/>
-              <a:ext cx="5803507" cy="4948010"/>
+              <a:off x="3194246" y="444078"/>
+              <a:ext cx="6402760" cy="5458927"/>
             </a:xfrm>
             <a:prstGeom prst="rect">
               <a:avLst/>
@@ -8349,8 +8869,8 @@
           </p:nvSpPr>
           <p:spPr>
             <a:xfrm>
-              <a:off x="3359391" y="2276299"/>
-              <a:ext cx="5574154" cy="1785104"/>
+              <a:off x="3608157" y="2602488"/>
+              <a:ext cx="5574154" cy="1954381"/>
             </a:xfrm>
             <a:prstGeom prst="rect">
               <a:avLst/>
@@ -8462,6 +8982,9 @@
                 <a:t>print("RMSE: ", np.sqrt(mean_squared_error(y_test,lasso_predictions)))</a:t>
               </a:r>
             </a:p>
+            <a:p>
+              <a:endParaRPr lang="en-SG" sz="1100"/>
+            </a:p>
           </p:txBody>
         </p:sp>
       </p:grpSp>
@@ -8478,7 +9001,7 @@
 </p:sld>
 </file>
 
-<file path=ppt/slides/slide23.xml><?xml version="1.0" encoding="utf-8"?>
+<file path=ppt/slides/slide25.xml><?xml version="1.0" encoding="utf-8"?>
 <p:sld xmlns:a="http://schemas.openxmlformats.org/drawingml/2006/main" xmlns:r="http://schemas.openxmlformats.org/officeDocument/2006/relationships" xmlns:p="http://schemas.openxmlformats.org/presentationml/2006/main">
   <p:cSld>
     <p:spTree>
@@ -8665,7 +9188,7 @@
 </p:sld>
 </file>
 
-<file path=ppt/slides/slide24.xml><?xml version="1.0" encoding="utf-8"?>
+<file path=ppt/slides/slide26.xml><?xml version="1.0" encoding="utf-8"?>
 <p:sld xmlns:a="http://schemas.openxmlformats.org/drawingml/2006/main" xmlns:r="http://schemas.openxmlformats.org/officeDocument/2006/relationships" xmlns:p="http://schemas.openxmlformats.org/presentationml/2006/main">
   <p:cSld>
     <p:spTree>
@@ -8889,7 +9412,7 @@
 </p:sld>
 </file>
 
-<file path=ppt/slides/slide25.xml><?xml version="1.0" encoding="utf-8"?>
+<file path=ppt/slides/slide27.xml><?xml version="1.0" encoding="utf-8"?>
 <p:sld xmlns:a="http://schemas.openxmlformats.org/drawingml/2006/main" xmlns:r="http://schemas.openxmlformats.org/officeDocument/2006/relationships" xmlns:p="http://schemas.openxmlformats.org/presentationml/2006/main">
   <p:cSld>
     <p:spTree>
@@ -8908,10 +9431,10 @@
       </p:grpSpPr>
       <p:grpSp>
         <p:nvGrpSpPr>
-          <p:cNvPr id="5" name="Group 4">
+          <p:cNvPr id="2" name="Group 1">
             <a:extLst>
               <a:ext uri="{FF2B5EF4-FFF2-40B4-BE49-F238E27FC236}">
-                <a16:creationId xmlns:a16="http://schemas.microsoft.com/office/drawing/2014/main" id="{60C34770-7B2B-C31B-17AA-36DF0E59CB0B}"/>
+                <a16:creationId xmlns:a16="http://schemas.microsoft.com/office/drawing/2014/main" id="{3F5463F3-0679-45E1-F4A7-13D5C85F32A1}"/>
               </a:ext>
             </a:extLst>
           </p:cNvPr>
@@ -8920,10 +9443,10 @@
         </p:nvGrpSpPr>
         <p:grpSpPr>
           <a:xfrm>
-            <a:off x="3150961" y="690809"/>
-            <a:ext cx="5890078" cy="5476382"/>
-            <a:chOff x="3181350" y="246743"/>
-            <a:chExt cx="5890078" cy="5476382"/>
+            <a:off x="2979737" y="300321"/>
+            <a:ext cx="6232525" cy="6257357"/>
+            <a:chOff x="3150960" y="158696"/>
+            <a:chExt cx="6232525" cy="6257357"/>
           </a:xfrm>
         </p:grpSpPr>
         <p:pic>
@@ -8948,8 +9471,8 @@
           </p:blipFill>
           <p:spPr>
             <a:xfrm>
-              <a:off x="3181350" y="246743"/>
-              <a:ext cx="5454650" cy="5476382"/>
+              <a:off x="3150960" y="158696"/>
+              <a:ext cx="6232525" cy="6257357"/>
             </a:xfrm>
             <a:prstGeom prst="rect">
               <a:avLst/>
@@ -8970,8 +9493,8 @@
           </p:nvSpPr>
           <p:spPr>
             <a:xfrm>
-              <a:off x="3497274" y="2937869"/>
-              <a:ext cx="5574154" cy="938719"/>
+              <a:off x="3475274" y="3213278"/>
+              <a:ext cx="5574154" cy="1107996"/>
             </a:xfrm>
             <a:prstGeom prst="rect">
               <a:avLst/>
@@ -9050,6 +9573,9 @@
                 <a:rPr lang="en-SG" sz="1100"/>
                 <a:t>print(df_scaled.head())</a:t>
               </a:r>
+            </a:p>
+            <a:p>
+              <a:endParaRPr lang="en-SG" sz="1100"/>
             </a:p>
           </p:txBody>
         </p:sp>
@@ -9106,7 +9632,7 @@
 </p:sld>
 </file>
 
-<file path=ppt/slides/slide26.xml><?xml version="1.0" encoding="utf-8"?>
+<file path=ppt/slides/slide28.xml><?xml version="1.0" encoding="utf-8"?>
 <p:sld xmlns:a="http://schemas.openxmlformats.org/drawingml/2006/main" xmlns:r="http://schemas.openxmlformats.org/officeDocument/2006/relationships" xmlns:p="http://schemas.openxmlformats.org/presentationml/2006/main">
   <p:cSld>
     <p:spTree>
@@ -9339,7 +9865,7 @@
 </p:sld>
 </file>
 
-<file path=ppt/slides/slide27.xml><?xml version="1.0" encoding="utf-8"?>
+<file path=ppt/slides/slide29.xml><?xml version="1.0" encoding="utf-8"?>
 <p:sld xmlns:a="http://schemas.openxmlformats.org/drawingml/2006/main" xmlns:r="http://schemas.openxmlformats.org/officeDocument/2006/relationships" xmlns:p="http://schemas.openxmlformats.org/presentationml/2006/main">
   <p:cSld>
     <p:spTree>
@@ -9358,10 +9884,10 @@
       </p:grpSpPr>
       <p:grpSp>
         <p:nvGrpSpPr>
-          <p:cNvPr id="5" name="Group 4">
+          <p:cNvPr id="2" name="Group 1">
             <a:extLst>
               <a:ext uri="{FF2B5EF4-FFF2-40B4-BE49-F238E27FC236}">
-                <a16:creationId xmlns:a16="http://schemas.microsoft.com/office/drawing/2014/main" id="{067E68F6-74C2-FB01-CBD5-A89AD5900BD8}"/>
+                <a16:creationId xmlns:a16="http://schemas.microsoft.com/office/drawing/2014/main" id="{08B1424E-91F8-6623-EB85-050355CCCA87}"/>
               </a:ext>
             </a:extLst>
           </p:cNvPr>
@@ -9370,10 +9896,10 @@
         </p:nvGrpSpPr>
         <p:grpSpPr>
           <a:xfrm>
-            <a:off x="3145405" y="1083468"/>
-            <a:ext cx="5901190" cy="4691063"/>
-            <a:chOff x="2509838" y="338137"/>
-            <a:chExt cx="5901190" cy="4691063"/>
+            <a:off x="2976959" y="740743"/>
+            <a:ext cx="6238081" cy="5376513"/>
+            <a:chOff x="3145404" y="398018"/>
+            <a:chExt cx="6238081" cy="5376513"/>
           </a:xfrm>
         </p:grpSpPr>
         <p:pic>
@@ -9398,8 +9924,8 @@
           </p:blipFill>
           <p:spPr>
             <a:xfrm>
-              <a:off x="2509838" y="338137"/>
-              <a:ext cx="5442790" cy="4691063"/>
+              <a:off x="3145404" y="398018"/>
+              <a:ext cx="6238081" cy="5376513"/>
             </a:xfrm>
             <a:prstGeom prst="rect">
               <a:avLst/>
@@ -9420,8 +9946,8 @@
           </p:nvSpPr>
           <p:spPr>
             <a:xfrm>
-              <a:off x="2847190" y="1769800"/>
-              <a:ext cx="5563838" cy="2123658"/>
+              <a:off x="3499535" y="2020181"/>
+              <a:ext cx="5563838" cy="2462213"/>
             </a:xfrm>
             <a:prstGeom prst="rect">
               <a:avLst/>
@@ -9451,6 +9977,9 @@
               </a:lvl1pPr>
             </a:lstStyle>
             <a:p>
+              <a:endParaRPr lang="en-SG" sz="1100"/>
+            </a:p>
+            <a:p>
               <a:r>
                 <a:rPr lang="en-SG" sz="1100"/>
                 <a:t>import pandas as pd</a:t>
@@ -9562,6 +10091,9 @@
                 <a:rPr lang="en-SG" sz="1100"/>
                 <a:t>print("Regression coefficients: {}".format(model.coef_))</a:t>
               </a:r>
+            </a:p>
+            <a:p>
+              <a:endParaRPr lang="en-SG" sz="1100"/>
             </a:p>
           </p:txBody>
         </p:sp>
@@ -9618,7 +10150,232 @@
 </p:sld>
 </file>
 
-<file path=ppt/slides/slide28.xml><?xml version="1.0" encoding="utf-8"?>
+<file path=ppt/slides/slide3.xml><?xml version="1.0" encoding="utf-8"?>
+<p:sld xmlns:a="http://schemas.openxmlformats.org/drawingml/2006/main" xmlns:r="http://schemas.openxmlformats.org/officeDocument/2006/relationships" xmlns:p="http://schemas.openxmlformats.org/presentationml/2006/main">
+  <p:cSld>
+    <p:spTree>
+      <p:nvGrpSpPr>
+        <p:cNvPr id="1" name=""/>
+        <p:cNvGrpSpPr/>
+        <p:nvPr/>
+      </p:nvGrpSpPr>
+      <p:grpSpPr>
+        <a:xfrm>
+          <a:off x="0" y="0"/>
+          <a:ext cx="0" cy="0"/>
+          <a:chOff x="0" y="0"/>
+          <a:chExt cx="0" cy="0"/>
+        </a:xfrm>
+      </p:grpSpPr>
+      <p:grpSp>
+        <p:nvGrpSpPr>
+          <p:cNvPr id="5" name="Group 4">
+            <a:extLst>
+              <a:ext uri="{FF2B5EF4-FFF2-40B4-BE49-F238E27FC236}">
+                <a16:creationId xmlns:a16="http://schemas.microsoft.com/office/drawing/2014/main" id="{45841A2A-ED15-7573-F774-5257A62492EE}"/>
+              </a:ext>
+            </a:extLst>
+          </p:cNvPr>
+          <p:cNvGrpSpPr/>
+          <p:nvPr/>
+        </p:nvGrpSpPr>
+        <p:grpSpPr>
+          <a:xfrm>
+            <a:off x="3253468" y="1091289"/>
+            <a:ext cx="5685064" cy="4675421"/>
+            <a:chOff x="2863850" y="424090"/>
+            <a:chExt cx="5685064" cy="4675421"/>
+          </a:xfrm>
+        </p:grpSpPr>
+        <p:pic>
+          <p:nvPicPr>
+            <p:cNvPr id="3" name="Picture 2">
+              <a:extLst>
+                <a:ext uri="{FF2B5EF4-FFF2-40B4-BE49-F238E27FC236}">
+                  <a16:creationId xmlns:a16="http://schemas.microsoft.com/office/drawing/2014/main" id="{33574081-26BA-F39B-AE3E-DD4EF3A83D1E}"/>
+                </a:ext>
+              </a:extLst>
+            </p:cNvPr>
+            <p:cNvPicPr>
+              <a:picLocks noChangeAspect="1"/>
+            </p:cNvPicPr>
+            <p:nvPr/>
+          </p:nvPicPr>
+          <p:blipFill>
+            <a:blip r:embed="rId2"/>
+            <a:stretch>
+              <a:fillRect/>
+            </a:stretch>
+          </p:blipFill>
+          <p:spPr>
+            <a:xfrm>
+              <a:off x="2863850" y="424090"/>
+              <a:ext cx="5685064" cy="4675421"/>
+            </a:xfrm>
+            <a:prstGeom prst="rect">
+              <a:avLst/>
+            </a:prstGeom>
+          </p:spPr>
+        </p:pic>
+        <p:sp>
+          <p:nvSpPr>
+            <p:cNvPr id="4" name="TextBox 3">
+              <a:extLst>
+                <a:ext uri="{FF2B5EF4-FFF2-40B4-BE49-F238E27FC236}">
+                  <a16:creationId xmlns:a16="http://schemas.microsoft.com/office/drawing/2014/main" id="{F9EF9D0D-BAE8-D5A8-FF7D-7D5A5E94CBC9}"/>
+                </a:ext>
+              </a:extLst>
+            </p:cNvPr>
+            <p:cNvSpPr txBox="1"/>
+            <p:nvPr/>
+          </p:nvSpPr>
+          <p:spPr>
+            <a:xfrm>
+              <a:off x="3214915" y="1758967"/>
+              <a:ext cx="4535714" cy="2123658"/>
+            </a:xfrm>
+            <a:prstGeom prst="rect">
+              <a:avLst/>
+            </a:prstGeom>
+            <a:solidFill>
+              <a:schemeClr val="bg1">
+                <a:lumMod val="95000"/>
+              </a:schemeClr>
+            </a:solidFill>
+          </p:spPr>
+          <p:txBody>
+            <a:bodyPr wrap="square">
+              <a:spAutoFit/>
+            </a:bodyPr>
+            <a:lstStyle/>
+            <a:p>
+              <a:r>
+                <a:rPr lang="en-SG" sz="1100">
+                  <a:latin typeface="Consolas" panose="020B0609020204030204" pitchFamily="49" charset="0"/>
+                </a:rPr>
+                <a:t>from sklearn.ensemble import RandomForestClassifier</a:t>
+              </a:r>
+            </a:p>
+            <a:p>
+              <a:r>
+                <a:rPr lang="en-SG" sz="1100">
+                  <a:latin typeface="Consolas" panose="020B0609020204030204" pitchFamily="49" charset="0"/>
+                </a:rPr>
+                <a:t>from sklearn.model_selection import GridSearchCV</a:t>
+              </a:r>
+            </a:p>
+            <a:p>
+              <a:endParaRPr lang="en-SG" sz="1100">
+                <a:latin typeface="Consolas" panose="020B0609020204030204" pitchFamily="49" charset="0"/>
+              </a:endParaRPr>
+            </a:p>
+            <a:p>
+              <a:r>
+                <a:rPr lang="en-SG" sz="1100">
+                  <a:latin typeface="Consolas" panose="020B0609020204030204" pitchFamily="49" charset="0"/>
+                </a:rPr>
+                <a:t>model_params = {'n_estimators': [50, 150, 250]}</a:t>
+              </a:r>
+            </a:p>
+            <a:p>
+              <a:endParaRPr lang="en-SG" sz="1100">
+                <a:latin typeface="Consolas" panose="020B0609020204030204" pitchFamily="49" charset="0"/>
+              </a:endParaRPr>
+            </a:p>
+            <a:p>
+              <a:r>
+                <a:rPr lang="en-SG" sz="1100">
+                  <a:latin typeface="Consolas" panose="020B0609020204030204" pitchFamily="49" charset="0"/>
+                </a:rPr>
+                <a:t>rf = RandomForestClassifier(random_state=42)</a:t>
+              </a:r>
+            </a:p>
+            <a:p>
+              <a:endParaRPr lang="en-SG" sz="1100">
+                <a:latin typeface="Consolas" panose="020B0609020204030204" pitchFamily="49" charset="0"/>
+              </a:endParaRPr>
+            </a:p>
+            <a:p>
+              <a:r>
+                <a:rPr lang="en-SG" sz="1100">
+                  <a:latin typeface="Consolas" panose="020B0609020204030204" pitchFamily="49" charset="0"/>
+                </a:rPr>
+                <a:t>clf = </a:t>
+              </a:r>
+              <a:r>
+                <a:rPr lang="en-SG" sz="1100">
+                  <a:solidFill>
+                    <a:srgbClr val="FF0000"/>
+                  </a:solidFill>
+                  <a:latin typeface="Consolas" panose="020B0609020204030204" pitchFamily="49" charset="0"/>
+                </a:rPr>
+                <a:t>GridSearchCV</a:t>
+              </a:r>
+              <a:r>
+                <a:rPr lang="en-SG" sz="1100">
+                  <a:latin typeface="Consolas" panose="020B0609020204030204" pitchFamily="49" charset="0"/>
+                </a:rPr>
+                <a:t>(rf, </a:t>
+              </a:r>
+              <a:r>
+                <a:rPr lang="en-SG" sz="1100">
+                  <a:solidFill>
+                    <a:srgbClr val="FF0000"/>
+                  </a:solidFill>
+                  <a:latin typeface="Consolas" panose="020B0609020204030204" pitchFamily="49" charset="0"/>
+                </a:rPr>
+                <a:t>model_params</a:t>
+              </a:r>
+              <a:r>
+                <a:rPr lang="en-SG" sz="1100">
+                  <a:latin typeface="Consolas" panose="020B0609020204030204" pitchFamily="49" charset="0"/>
+                </a:rPr>
+                <a:t>, cv=5)</a:t>
+              </a:r>
+            </a:p>
+            <a:p>
+              <a:endParaRPr lang="en-SG" sz="1100">
+                <a:latin typeface="Consolas" panose="020B0609020204030204" pitchFamily="49" charset="0"/>
+              </a:endParaRPr>
+            </a:p>
+            <a:p>
+              <a:r>
+                <a:rPr lang="en-SG" sz="1100">
+                  <a:latin typeface="Consolas" panose="020B0609020204030204" pitchFamily="49" charset="0"/>
+                </a:rPr>
+                <a:t>clf.fit(X_train, y_train)</a:t>
+              </a:r>
+            </a:p>
+            <a:p>
+              <a:endParaRPr lang="en-SG" sz="1100">
+                <a:latin typeface="Consolas" panose="020B0609020204030204" pitchFamily="49" charset="0"/>
+              </a:endParaRPr>
+            </a:p>
+            <a:p>
+              <a:r>
+                <a:rPr lang="en-SG" sz="1100">
+                  <a:latin typeface="Consolas" panose="020B0609020204030204" pitchFamily="49" charset="0"/>
+                </a:rPr>
+                <a:t>print(clf.best_params_)</a:t>
+              </a:r>
+            </a:p>
+          </p:txBody>
+        </p:sp>
+      </p:grpSp>
+    </p:spTree>
+    <p:extLst>
+      <p:ext uri="{BB962C8B-B14F-4D97-AF65-F5344CB8AC3E}">
+        <p14:creationId xmlns:p14="http://schemas.microsoft.com/office/powerpoint/2010/main" val="1985569788"/>
+      </p:ext>
+    </p:extLst>
+  </p:cSld>
+  <p:clrMapOvr>
+    <a:masterClrMapping/>
+  </p:clrMapOvr>
+</p:sld>
+</file>
+
+<file path=ppt/slides/slide30.xml><?xml version="1.0" encoding="utf-8"?>
 <p:sld xmlns:a="http://schemas.openxmlformats.org/drawingml/2006/main" xmlns:r="http://schemas.openxmlformats.org/officeDocument/2006/relationships" xmlns:p="http://schemas.openxmlformats.org/presentationml/2006/main">
   <p:cSld>
     <p:spTree>
@@ -9844,7 +10601,206 @@
 </p:sld>
 </file>
 
-<file path=ppt/slides/slide29.xml><?xml version="1.0" encoding="utf-8"?>
+<file path=ppt/slides/slide31.xml><?xml version="1.0" encoding="utf-8"?>
+<p:sld xmlns:a="http://schemas.openxmlformats.org/drawingml/2006/main" xmlns:r="http://schemas.openxmlformats.org/officeDocument/2006/relationships" xmlns:p="http://schemas.openxmlformats.org/presentationml/2006/main">
+  <p:cSld>
+    <p:spTree>
+      <p:nvGrpSpPr>
+        <p:cNvPr id="1" name=""/>
+        <p:cNvGrpSpPr/>
+        <p:nvPr/>
+      </p:nvGrpSpPr>
+      <p:grpSpPr>
+        <a:xfrm>
+          <a:off x="0" y="0"/>
+          <a:ext cx="0" cy="0"/>
+          <a:chOff x="0" y="0"/>
+          <a:chExt cx="0" cy="0"/>
+        </a:xfrm>
+      </p:grpSpPr>
+      <p:grpSp>
+        <p:nvGrpSpPr>
+          <p:cNvPr id="8" name="Group 7">
+            <a:extLst>
+              <a:ext uri="{FF2B5EF4-FFF2-40B4-BE49-F238E27FC236}">
+                <a16:creationId xmlns:a16="http://schemas.microsoft.com/office/drawing/2014/main" id="{97B18075-CE5B-7E91-4AB7-16F21CC9A1E4}"/>
+              </a:ext>
+            </a:extLst>
+          </p:cNvPr>
+          <p:cNvGrpSpPr/>
+          <p:nvPr/>
+        </p:nvGrpSpPr>
+        <p:grpSpPr>
+          <a:xfrm>
+            <a:off x="2882537" y="771962"/>
+            <a:ext cx="6426926" cy="5314076"/>
+            <a:chOff x="3217136" y="1048624"/>
+            <a:chExt cx="6426926" cy="5314076"/>
+          </a:xfrm>
+        </p:grpSpPr>
+        <p:pic>
+          <p:nvPicPr>
+            <p:cNvPr id="5" name="Picture 4">
+              <a:extLst>
+                <a:ext uri="{FF2B5EF4-FFF2-40B4-BE49-F238E27FC236}">
+                  <a16:creationId xmlns:a16="http://schemas.microsoft.com/office/drawing/2014/main" id="{3C70D573-1319-88B0-3E84-1F5529039F71}"/>
+                </a:ext>
+              </a:extLst>
+            </p:cNvPr>
+            <p:cNvPicPr>
+              <a:picLocks noChangeAspect="1"/>
+            </p:cNvPicPr>
+            <p:nvPr/>
+          </p:nvPicPr>
+          <p:blipFill>
+            <a:blip r:embed="rId2"/>
+            <a:stretch>
+              <a:fillRect/>
+            </a:stretch>
+          </p:blipFill>
+          <p:spPr>
+            <a:xfrm>
+              <a:off x="3217136" y="1048624"/>
+              <a:ext cx="6426926" cy="5314076"/>
+            </a:xfrm>
+            <a:prstGeom prst="rect">
+              <a:avLst/>
+            </a:prstGeom>
+          </p:spPr>
+        </p:pic>
+        <p:sp>
+          <p:nvSpPr>
+            <p:cNvPr id="6" name="TextBox 5">
+              <a:extLst>
+                <a:ext uri="{FF2B5EF4-FFF2-40B4-BE49-F238E27FC236}">
+                  <a16:creationId xmlns:a16="http://schemas.microsoft.com/office/drawing/2014/main" id="{57BE503F-7506-71F1-E472-8F6D483BF451}"/>
+                </a:ext>
+              </a:extLst>
+            </p:cNvPr>
+            <p:cNvSpPr txBox="1"/>
+            <p:nvPr/>
+          </p:nvSpPr>
+          <p:spPr>
+            <a:xfrm>
+              <a:off x="3630665" y="3244563"/>
+              <a:ext cx="4997782" cy="1785104"/>
+            </a:xfrm>
+            <a:prstGeom prst="rect">
+              <a:avLst/>
+            </a:prstGeom>
+            <a:solidFill>
+              <a:schemeClr val="bg1">
+                <a:lumMod val="95000"/>
+              </a:schemeClr>
+            </a:solidFill>
+          </p:spPr>
+          <p:txBody>
+            <a:bodyPr wrap="square">
+              <a:spAutoFit/>
+            </a:bodyPr>
+            <a:lstStyle>
+              <a:defPPr>
+                <a:defRPr lang="en-US"/>
+              </a:defPPr>
+              <a:lvl1pPr>
+                <a:defRPr sz="1200" b="0" i="0">
+                  <a:solidFill>
+                    <a:srgbClr val="05192D"/>
+                  </a:solidFill>
+                  <a:effectLst/>
+                  <a:latin typeface="Consolas" panose="020B0609020204030204" pitchFamily="49" charset="0"/>
+                </a:defRPr>
+              </a:lvl1pPr>
+            </a:lstStyle>
+            <a:p>
+              <a:r>
+                <a:rPr lang="en-SG" sz="1100"/>
+                <a:t>from sklearn.tree import DecisionTreeClassifier</a:t>
+              </a:r>
+            </a:p>
+            <a:p>
+              <a:r>
+                <a:rPr lang="en-SG" sz="1100"/>
+                <a:t>from sklearn.metrics import accuracy_score</a:t>
+              </a:r>
+            </a:p>
+            <a:p>
+              <a:endParaRPr lang="en-SG" sz="1100"/>
+            </a:p>
+            <a:p>
+              <a:r>
+                <a:rPr lang="en-SG" sz="1100"/>
+                <a:t>model = </a:t>
+              </a:r>
+              <a:r>
+                <a:rPr lang="en-SG" sz="1100">
+                  <a:solidFill>
+                    <a:srgbClr val="FF0000"/>
+                  </a:solidFill>
+                </a:rPr>
+                <a:t>DecisionTreeClassifier</a:t>
+              </a:r>
+              <a:r>
+                <a:rPr lang="en-SG" sz="1100"/>
+                <a:t>(max_depth=4, random_state=1)</a:t>
+              </a:r>
+            </a:p>
+            <a:p>
+              <a:r>
+                <a:rPr lang="en-SG" sz="1100"/>
+                <a:t>model.</a:t>
+              </a:r>
+              <a:r>
+                <a:rPr lang="en-SG" sz="1100">
+                  <a:solidFill>
+                    <a:srgbClr val="FF0000"/>
+                  </a:solidFill>
+                </a:rPr>
+                <a:t>fit</a:t>
+              </a:r>
+              <a:r>
+                <a:rPr lang="en-SG" sz="1100"/>
+                <a:t>(X_train, y_train)</a:t>
+              </a:r>
+            </a:p>
+            <a:p>
+              <a:endParaRPr lang="en-SG" sz="1100"/>
+            </a:p>
+            <a:p>
+              <a:r>
+                <a:rPr lang="en-SG" sz="1100"/>
+                <a:t>y_pred = model.predict(X_test)</a:t>
+              </a:r>
+            </a:p>
+            <a:p>
+              <a:endParaRPr lang="en-SG" sz="1100"/>
+            </a:p>
+            <a:p>
+              <a:r>
+                <a:rPr lang="en-SG" sz="1100"/>
+                <a:t>print(accuracy_score(y_test, y_pred))</a:t>
+              </a:r>
+            </a:p>
+            <a:p>
+              <a:endParaRPr lang="en-SG" sz="1100"/>
+            </a:p>
+          </p:txBody>
+        </p:sp>
+      </p:grpSp>
+    </p:spTree>
+    <p:extLst>
+      <p:ext uri="{BB962C8B-B14F-4D97-AF65-F5344CB8AC3E}">
+        <p14:creationId xmlns:p14="http://schemas.microsoft.com/office/powerpoint/2010/main" val="3921996017"/>
+      </p:ext>
+    </p:extLst>
+  </p:cSld>
+  <p:clrMapOvr>
+    <a:masterClrMapping/>
+  </p:clrMapOvr>
+</p:sld>
+</file>
+
+<file path=ppt/slides/slide32.xml><?xml version="1.0" encoding="utf-8"?>
 <p:sld xmlns:a="http://schemas.openxmlformats.org/drawingml/2006/main" xmlns:r="http://schemas.openxmlformats.org/officeDocument/2006/relationships" xmlns:p="http://schemas.openxmlformats.org/presentationml/2006/main">
   <p:cSld>
     <p:spTree>
@@ -10046,232 +11002,7 @@
 </p:sld>
 </file>
 
-<file path=ppt/slides/slide3.xml><?xml version="1.0" encoding="utf-8"?>
-<p:sld xmlns:a="http://schemas.openxmlformats.org/drawingml/2006/main" xmlns:r="http://schemas.openxmlformats.org/officeDocument/2006/relationships" xmlns:p="http://schemas.openxmlformats.org/presentationml/2006/main">
-  <p:cSld>
-    <p:spTree>
-      <p:nvGrpSpPr>
-        <p:cNvPr id="1" name=""/>
-        <p:cNvGrpSpPr/>
-        <p:nvPr/>
-      </p:nvGrpSpPr>
-      <p:grpSpPr>
-        <a:xfrm>
-          <a:off x="0" y="0"/>
-          <a:ext cx="0" cy="0"/>
-          <a:chOff x="0" y="0"/>
-          <a:chExt cx="0" cy="0"/>
-        </a:xfrm>
-      </p:grpSpPr>
-      <p:grpSp>
-        <p:nvGrpSpPr>
-          <p:cNvPr id="5" name="Group 4">
-            <a:extLst>
-              <a:ext uri="{FF2B5EF4-FFF2-40B4-BE49-F238E27FC236}">
-                <a16:creationId xmlns:a16="http://schemas.microsoft.com/office/drawing/2014/main" id="{45841A2A-ED15-7573-F774-5257A62492EE}"/>
-              </a:ext>
-            </a:extLst>
-          </p:cNvPr>
-          <p:cNvGrpSpPr/>
-          <p:nvPr/>
-        </p:nvGrpSpPr>
-        <p:grpSpPr>
-          <a:xfrm>
-            <a:off x="3253468" y="1091289"/>
-            <a:ext cx="5685064" cy="4675421"/>
-            <a:chOff x="2863850" y="424090"/>
-            <a:chExt cx="5685064" cy="4675421"/>
-          </a:xfrm>
-        </p:grpSpPr>
-        <p:pic>
-          <p:nvPicPr>
-            <p:cNvPr id="3" name="Picture 2">
-              <a:extLst>
-                <a:ext uri="{FF2B5EF4-FFF2-40B4-BE49-F238E27FC236}">
-                  <a16:creationId xmlns:a16="http://schemas.microsoft.com/office/drawing/2014/main" id="{33574081-26BA-F39B-AE3E-DD4EF3A83D1E}"/>
-                </a:ext>
-              </a:extLst>
-            </p:cNvPr>
-            <p:cNvPicPr>
-              <a:picLocks noChangeAspect="1"/>
-            </p:cNvPicPr>
-            <p:nvPr/>
-          </p:nvPicPr>
-          <p:blipFill>
-            <a:blip r:embed="rId2"/>
-            <a:stretch>
-              <a:fillRect/>
-            </a:stretch>
-          </p:blipFill>
-          <p:spPr>
-            <a:xfrm>
-              <a:off x="2863850" y="424090"/>
-              <a:ext cx="5685064" cy="4675421"/>
-            </a:xfrm>
-            <a:prstGeom prst="rect">
-              <a:avLst/>
-            </a:prstGeom>
-          </p:spPr>
-        </p:pic>
-        <p:sp>
-          <p:nvSpPr>
-            <p:cNvPr id="4" name="TextBox 3">
-              <a:extLst>
-                <a:ext uri="{FF2B5EF4-FFF2-40B4-BE49-F238E27FC236}">
-                  <a16:creationId xmlns:a16="http://schemas.microsoft.com/office/drawing/2014/main" id="{F9EF9D0D-BAE8-D5A8-FF7D-7D5A5E94CBC9}"/>
-                </a:ext>
-              </a:extLst>
-            </p:cNvPr>
-            <p:cNvSpPr txBox="1"/>
-            <p:nvPr/>
-          </p:nvSpPr>
-          <p:spPr>
-            <a:xfrm>
-              <a:off x="3214915" y="1758967"/>
-              <a:ext cx="4535714" cy="2123658"/>
-            </a:xfrm>
-            <a:prstGeom prst="rect">
-              <a:avLst/>
-            </a:prstGeom>
-            <a:solidFill>
-              <a:schemeClr val="bg1">
-                <a:lumMod val="95000"/>
-              </a:schemeClr>
-            </a:solidFill>
-          </p:spPr>
-          <p:txBody>
-            <a:bodyPr wrap="square">
-              <a:spAutoFit/>
-            </a:bodyPr>
-            <a:lstStyle/>
-            <a:p>
-              <a:r>
-                <a:rPr lang="en-SG" sz="1100">
-                  <a:latin typeface="Consolas" panose="020B0609020204030204" pitchFamily="49" charset="0"/>
-                </a:rPr>
-                <a:t>from sklearn.ensemble import RandomForestClassifier</a:t>
-              </a:r>
-            </a:p>
-            <a:p>
-              <a:r>
-                <a:rPr lang="en-SG" sz="1100">
-                  <a:latin typeface="Consolas" panose="020B0609020204030204" pitchFamily="49" charset="0"/>
-                </a:rPr>
-                <a:t>from sklearn.model_selection import GridSearchCV</a:t>
-              </a:r>
-            </a:p>
-            <a:p>
-              <a:endParaRPr lang="en-SG" sz="1100">
-                <a:latin typeface="Consolas" panose="020B0609020204030204" pitchFamily="49" charset="0"/>
-              </a:endParaRPr>
-            </a:p>
-            <a:p>
-              <a:r>
-                <a:rPr lang="en-SG" sz="1100">
-                  <a:latin typeface="Consolas" panose="020B0609020204030204" pitchFamily="49" charset="0"/>
-                </a:rPr>
-                <a:t>model_params = {'n_estimators': [50, 150, 250]}</a:t>
-              </a:r>
-            </a:p>
-            <a:p>
-              <a:endParaRPr lang="en-SG" sz="1100">
-                <a:latin typeface="Consolas" panose="020B0609020204030204" pitchFamily="49" charset="0"/>
-              </a:endParaRPr>
-            </a:p>
-            <a:p>
-              <a:r>
-                <a:rPr lang="en-SG" sz="1100">
-                  <a:latin typeface="Consolas" panose="020B0609020204030204" pitchFamily="49" charset="0"/>
-                </a:rPr>
-                <a:t>rf = RandomForestClassifier(random_state=42)</a:t>
-              </a:r>
-            </a:p>
-            <a:p>
-              <a:endParaRPr lang="en-SG" sz="1100">
-                <a:latin typeface="Consolas" panose="020B0609020204030204" pitchFamily="49" charset="0"/>
-              </a:endParaRPr>
-            </a:p>
-            <a:p>
-              <a:r>
-                <a:rPr lang="en-SG" sz="1100">
-                  <a:latin typeface="Consolas" panose="020B0609020204030204" pitchFamily="49" charset="0"/>
-                </a:rPr>
-                <a:t>clf = </a:t>
-              </a:r>
-              <a:r>
-                <a:rPr lang="en-SG" sz="1100">
-                  <a:solidFill>
-                    <a:srgbClr val="FF0000"/>
-                  </a:solidFill>
-                  <a:latin typeface="Consolas" panose="020B0609020204030204" pitchFamily="49" charset="0"/>
-                </a:rPr>
-                <a:t>GridSearchCV</a:t>
-              </a:r>
-              <a:r>
-                <a:rPr lang="en-SG" sz="1100">
-                  <a:latin typeface="Consolas" panose="020B0609020204030204" pitchFamily="49" charset="0"/>
-                </a:rPr>
-                <a:t>(rf, </a:t>
-              </a:r>
-              <a:r>
-                <a:rPr lang="en-SG" sz="1100">
-                  <a:solidFill>
-                    <a:srgbClr val="FF0000"/>
-                  </a:solidFill>
-                  <a:latin typeface="Consolas" panose="020B0609020204030204" pitchFamily="49" charset="0"/>
-                </a:rPr>
-                <a:t>model_params</a:t>
-              </a:r>
-              <a:r>
-                <a:rPr lang="en-SG" sz="1100">
-                  <a:latin typeface="Consolas" panose="020B0609020204030204" pitchFamily="49" charset="0"/>
-                </a:rPr>
-                <a:t>, cv=5)</a:t>
-              </a:r>
-            </a:p>
-            <a:p>
-              <a:endParaRPr lang="en-SG" sz="1100">
-                <a:latin typeface="Consolas" panose="020B0609020204030204" pitchFamily="49" charset="0"/>
-              </a:endParaRPr>
-            </a:p>
-            <a:p>
-              <a:r>
-                <a:rPr lang="en-SG" sz="1100">
-                  <a:latin typeface="Consolas" panose="020B0609020204030204" pitchFamily="49" charset="0"/>
-                </a:rPr>
-                <a:t>clf.fit(X_train, y_train)</a:t>
-              </a:r>
-            </a:p>
-            <a:p>
-              <a:endParaRPr lang="en-SG" sz="1100">
-                <a:latin typeface="Consolas" panose="020B0609020204030204" pitchFamily="49" charset="0"/>
-              </a:endParaRPr>
-            </a:p>
-            <a:p>
-              <a:r>
-                <a:rPr lang="en-SG" sz="1100">
-                  <a:latin typeface="Consolas" panose="020B0609020204030204" pitchFamily="49" charset="0"/>
-                </a:rPr>
-                <a:t>print(clf.best_params_)</a:t>
-              </a:r>
-            </a:p>
-          </p:txBody>
-        </p:sp>
-      </p:grpSp>
-    </p:spTree>
-    <p:extLst>
-      <p:ext uri="{BB962C8B-B14F-4D97-AF65-F5344CB8AC3E}">
-        <p14:creationId xmlns:p14="http://schemas.microsoft.com/office/powerpoint/2010/main" val="1985569788"/>
-      </p:ext>
-    </p:extLst>
-  </p:cSld>
-  <p:clrMapOvr>
-    <a:masterClrMapping/>
-  </p:clrMapOvr>
-</p:sld>
-</file>
-
-<file path=ppt/slides/slide30.xml><?xml version="1.0" encoding="utf-8"?>
+<file path=ppt/slides/slide33.xml><?xml version="1.0" encoding="utf-8"?>
 <p:sld xmlns:a="http://schemas.openxmlformats.org/drawingml/2006/main" xmlns:r="http://schemas.openxmlformats.org/officeDocument/2006/relationships" xmlns:p="http://schemas.openxmlformats.org/presentationml/2006/main">
   <p:cSld>
     <p:spTree>
@@ -10494,7 +11225,7 @@
 </p:sld>
 </file>
 
-<file path=ppt/slides/slide31.xml><?xml version="1.0" encoding="utf-8"?>
+<file path=ppt/slides/slide34.xml><?xml version="1.0" encoding="utf-8"?>
 <p:sld xmlns:a="http://schemas.openxmlformats.org/drawingml/2006/main" xmlns:r="http://schemas.openxmlformats.org/officeDocument/2006/relationships" xmlns:p="http://schemas.openxmlformats.org/presentationml/2006/main">
   <p:cSld>
     <p:spTree>
@@ -10713,7 +11444,238 @@
 </p:sld>
 </file>
 
-<file path=ppt/slides/slide32.xml><?xml version="1.0" encoding="utf-8"?>
+<file path=ppt/slides/slide35.xml><?xml version="1.0" encoding="utf-8"?>
+<p:sld xmlns:a="http://schemas.openxmlformats.org/drawingml/2006/main" xmlns:r="http://schemas.openxmlformats.org/officeDocument/2006/relationships" xmlns:p="http://schemas.openxmlformats.org/presentationml/2006/main">
+  <p:cSld>
+    <p:spTree>
+      <p:nvGrpSpPr>
+        <p:cNvPr id="1" name=""/>
+        <p:cNvGrpSpPr/>
+        <p:nvPr/>
+      </p:nvGrpSpPr>
+      <p:grpSpPr>
+        <a:xfrm>
+          <a:off x="0" y="0"/>
+          <a:ext cx="0" cy="0"/>
+          <a:chOff x="0" y="0"/>
+          <a:chExt cx="0" cy="0"/>
+        </a:xfrm>
+      </p:grpSpPr>
+      <p:grpSp>
+        <p:nvGrpSpPr>
+          <p:cNvPr id="7" name="Group 6">
+            <a:extLst>
+              <a:ext uri="{FF2B5EF4-FFF2-40B4-BE49-F238E27FC236}">
+                <a16:creationId xmlns:a16="http://schemas.microsoft.com/office/drawing/2014/main" id="{D762AB86-1787-1464-F59B-A01DE50F949D}"/>
+              </a:ext>
+            </a:extLst>
+          </p:cNvPr>
+          <p:cNvGrpSpPr/>
+          <p:nvPr/>
+        </p:nvGrpSpPr>
+        <p:grpSpPr>
+          <a:xfrm>
+            <a:off x="3203174" y="967747"/>
+            <a:ext cx="5785652" cy="4922505"/>
+            <a:chOff x="2871788" y="685800"/>
+            <a:chExt cx="5785652" cy="4922505"/>
+          </a:xfrm>
+        </p:grpSpPr>
+        <p:pic>
+          <p:nvPicPr>
+            <p:cNvPr id="3" name="Picture 2">
+              <a:extLst>
+                <a:ext uri="{FF2B5EF4-FFF2-40B4-BE49-F238E27FC236}">
+                  <a16:creationId xmlns:a16="http://schemas.microsoft.com/office/drawing/2014/main" id="{2247EB49-2B6A-64B2-0AE2-2B9725F9921F}"/>
+                </a:ext>
+              </a:extLst>
+            </p:cNvPr>
+            <p:cNvPicPr>
+              <a:picLocks noChangeAspect="1"/>
+            </p:cNvPicPr>
+            <p:nvPr/>
+          </p:nvPicPr>
+          <p:blipFill>
+            <a:blip r:embed="rId2"/>
+            <a:stretch>
+              <a:fillRect/>
+            </a:stretch>
+          </p:blipFill>
+          <p:spPr>
+            <a:xfrm>
+              <a:off x="2871788" y="685800"/>
+              <a:ext cx="5785652" cy="4922505"/>
+            </a:xfrm>
+            <a:prstGeom prst="rect">
+              <a:avLst/>
+            </a:prstGeom>
+          </p:spPr>
+        </p:pic>
+        <p:sp>
+          <p:nvSpPr>
+            <p:cNvPr id="4" name="TextBox 3">
+              <a:extLst>
+                <a:ext uri="{FF2B5EF4-FFF2-40B4-BE49-F238E27FC236}">
+                  <a16:creationId xmlns:a16="http://schemas.microsoft.com/office/drawing/2014/main" id="{B95188FE-336A-2538-3A14-4D4BA5BCCF26}"/>
+                </a:ext>
+              </a:extLst>
+            </p:cNvPr>
+            <p:cNvSpPr txBox="1"/>
+            <p:nvPr/>
+          </p:nvSpPr>
+          <p:spPr>
+            <a:xfrm>
+              <a:off x="3270439" y="2474421"/>
+              <a:ext cx="4623638" cy="1785104"/>
+            </a:xfrm>
+            <a:prstGeom prst="rect">
+              <a:avLst/>
+            </a:prstGeom>
+            <a:solidFill>
+              <a:schemeClr val="bg1">
+                <a:lumMod val="95000"/>
+              </a:schemeClr>
+            </a:solidFill>
+          </p:spPr>
+          <p:txBody>
+            <a:bodyPr wrap="square">
+              <a:spAutoFit/>
+            </a:bodyPr>
+            <a:lstStyle>
+              <a:defPPr>
+                <a:defRPr lang="en-US"/>
+              </a:defPPr>
+              <a:lvl1pPr>
+                <a:defRPr sz="1200" b="0" i="0">
+                  <a:solidFill>
+                    <a:srgbClr val="05192D"/>
+                  </a:solidFill>
+                  <a:effectLst/>
+                  <a:latin typeface="Consolas" panose="020B0609020204030204" pitchFamily="49" charset="0"/>
+                </a:defRPr>
+              </a:lvl1pPr>
+            </a:lstStyle>
+            <a:p>
+              <a:r>
+                <a:rPr lang="en-SG" sz="1100"/>
+                <a:t>from sklearn.decomposition import </a:t>
+              </a:r>
+              <a:r>
+                <a:rPr lang="en-SG" sz="1100">
+                  <a:solidFill>
+                    <a:srgbClr val="FF0000"/>
+                  </a:solidFill>
+                </a:rPr>
+                <a:t>PCA</a:t>
+              </a:r>
+            </a:p>
+            <a:p>
+              <a:endParaRPr lang="en-SG" sz="1100"/>
+            </a:p>
+            <a:p>
+              <a:r>
+                <a:rPr lang="en-SG" sz="1100"/>
+                <a:t>reducing_fn = </a:t>
+              </a:r>
+              <a:r>
+                <a:rPr lang="en-SG" sz="1100">
+                  <a:solidFill>
+                    <a:srgbClr val="FF0000"/>
+                  </a:solidFill>
+                </a:rPr>
+                <a:t>PCA(n_components=3)</a:t>
+              </a:r>
+            </a:p>
+            <a:p>
+              <a:endParaRPr lang="en-SG" sz="1100"/>
+            </a:p>
+            <a:p>
+              <a:r>
+                <a:rPr lang="en-SG" sz="1100">
+                  <a:solidFill>
+                    <a:srgbClr val="FF0000"/>
+                  </a:solidFill>
+                </a:rPr>
+                <a:t>reducing_fn.fit(scaled_data)</a:t>
+              </a:r>
+            </a:p>
+            <a:p>
+              <a:endParaRPr lang="en-SG" sz="1100"/>
+            </a:p>
+            <a:p>
+              <a:r>
+                <a:rPr lang="en-SG" sz="1100"/>
+                <a:t>reduced_ft = reducing_fn.transform(scaled_data)</a:t>
+              </a:r>
+            </a:p>
+            <a:p>
+              <a:endParaRPr lang="en-SG" sz="1100"/>
+            </a:p>
+            <a:p>
+              <a:r>
+                <a:rPr lang="en-SG" sz="1100"/>
+                <a:t>print(reduced_ft.shape)</a:t>
+              </a:r>
+            </a:p>
+            <a:p>
+              <a:endParaRPr lang="en-SG" sz="1100"/>
+            </a:p>
+          </p:txBody>
+        </p:sp>
+      </p:grpSp>
+      <p:sp>
+        <p:nvSpPr>
+          <p:cNvPr id="6" name="TextBox 5">
+            <a:extLst>
+              <a:ext uri="{FF2B5EF4-FFF2-40B4-BE49-F238E27FC236}">
+                <a16:creationId xmlns:a16="http://schemas.microsoft.com/office/drawing/2014/main" id="{9B4BFABC-AE1E-5FD4-F79B-94D8956850AF}"/>
+              </a:ext>
+            </a:extLst>
+          </p:cNvPr>
+          <p:cNvSpPr txBox="1"/>
+          <p:nvPr/>
+        </p:nvSpPr>
+        <p:spPr>
+          <a:xfrm>
+            <a:off x="9383486" y="82715"/>
+            <a:ext cx="2722563" cy="369332"/>
+          </a:xfrm>
+          <a:prstGeom prst="rect">
+            <a:avLst/>
+          </a:prstGeom>
+          <a:solidFill>
+            <a:schemeClr val="accent2"/>
+          </a:solidFill>
+        </p:spPr>
+        <p:txBody>
+          <a:bodyPr wrap="square" rtlCol="0">
+            <a:spAutoFit/>
+          </a:bodyPr>
+          <a:lstStyle/>
+          <a:p>
+            <a:pPr algn="ctr"/>
+            <a:r>
+              <a:rPr lang="en-GB"/>
+              <a:t>HARD</a:t>
+            </a:r>
+            <a:endParaRPr lang="en-SG"/>
+          </a:p>
+        </p:txBody>
+      </p:sp>
+    </p:spTree>
+    <p:extLst>
+      <p:ext uri="{BB962C8B-B14F-4D97-AF65-F5344CB8AC3E}">
+        <p14:creationId xmlns:p14="http://schemas.microsoft.com/office/powerpoint/2010/main" val="3053043875"/>
+      </p:ext>
+    </p:extLst>
+  </p:cSld>
+  <p:clrMapOvr>
+    <a:masterClrMapping/>
+  </p:clrMapOvr>
+</p:sld>
+</file>
+
+<file path=ppt/slides/slide36.xml><?xml version="1.0" encoding="utf-8"?>
 <p:sld xmlns:a="http://schemas.openxmlformats.org/drawingml/2006/main" xmlns:r="http://schemas.openxmlformats.org/officeDocument/2006/relationships" xmlns:p="http://schemas.openxmlformats.org/presentationml/2006/main">
   <p:cSld>
     <p:spTree>
@@ -10980,7 +11942,7 @@
 </p:sld>
 </file>
 
-<file path=ppt/slides/slide33.xml><?xml version="1.0" encoding="utf-8"?>
+<file path=ppt/slides/slide37.xml><?xml version="1.0" encoding="utf-8"?>
 <p:sld xmlns:a="http://schemas.openxmlformats.org/drawingml/2006/main" xmlns:r="http://schemas.openxmlformats.org/officeDocument/2006/relationships" xmlns:p="http://schemas.openxmlformats.org/presentationml/2006/main">
   <p:cSld>
     <p:spTree>
@@ -11205,7 +12167,7 @@
 </p:sld>
 </file>
 
-<file path=ppt/slides/slide34.xml><?xml version="1.0" encoding="utf-8"?>
+<file path=ppt/slides/slide38.xml><?xml version="1.0" encoding="utf-8"?>
 <p:sld xmlns:a="http://schemas.openxmlformats.org/drawingml/2006/main" xmlns:r="http://schemas.openxmlformats.org/officeDocument/2006/relationships" xmlns:p="http://schemas.openxmlformats.org/presentationml/2006/main">
   <p:cSld>
     <p:spTree>
@@ -11392,7 +12354,7 @@
 </p:sld>
 </file>
 
-<file path=ppt/slides/slide35.xml><?xml version="1.0" encoding="utf-8"?>
+<file path=ppt/slides/slide39.xml><?xml version="1.0" encoding="utf-8"?>
 <p:sld xmlns:a="http://schemas.openxmlformats.org/drawingml/2006/main" xmlns:r="http://schemas.openxmlformats.org/officeDocument/2006/relationships" xmlns:p="http://schemas.openxmlformats.org/presentationml/2006/main">
   <p:cSld>
     <p:spTree>
@@ -11594,7 +12556,261 @@
 </p:sld>
 </file>
 
-<file path=ppt/slides/slide36.xml><?xml version="1.0" encoding="utf-8"?>
+<file path=ppt/slides/slide4.xml><?xml version="1.0" encoding="utf-8"?>
+<p:sld xmlns:a="http://schemas.openxmlformats.org/drawingml/2006/main" xmlns:r="http://schemas.openxmlformats.org/officeDocument/2006/relationships" xmlns:p="http://schemas.openxmlformats.org/presentationml/2006/main">
+  <p:cSld>
+    <p:spTree>
+      <p:nvGrpSpPr>
+        <p:cNvPr id="1" name=""/>
+        <p:cNvGrpSpPr/>
+        <p:nvPr/>
+      </p:nvGrpSpPr>
+      <p:grpSpPr>
+        <a:xfrm>
+          <a:off x="0" y="0"/>
+          <a:ext cx="0" cy="0"/>
+          <a:chOff x="0" y="0"/>
+          <a:chExt cx="0" cy="0"/>
+        </a:xfrm>
+      </p:grpSpPr>
+      <p:grpSp>
+        <p:nvGrpSpPr>
+          <p:cNvPr id="3" name="Group 2">
+            <a:extLst>
+              <a:ext uri="{FF2B5EF4-FFF2-40B4-BE49-F238E27FC236}">
+                <a16:creationId xmlns:a16="http://schemas.microsoft.com/office/drawing/2014/main" id="{AB6A7FBD-D086-4138-0736-218158461C7C}"/>
+              </a:ext>
+            </a:extLst>
+          </p:cNvPr>
+          <p:cNvGrpSpPr/>
+          <p:nvPr/>
+        </p:nvGrpSpPr>
+        <p:grpSpPr>
+          <a:xfrm>
+            <a:off x="3182710" y="1084347"/>
+            <a:ext cx="5826579" cy="4689306"/>
+            <a:chOff x="3182710" y="1084347"/>
+            <a:chExt cx="5826579" cy="4689306"/>
+          </a:xfrm>
+        </p:grpSpPr>
+        <p:pic>
+          <p:nvPicPr>
+            <p:cNvPr id="5" name="Picture 4">
+              <a:extLst>
+                <a:ext uri="{FF2B5EF4-FFF2-40B4-BE49-F238E27FC236}">
+                  <a16:creationId xmlns:a16="http://schemas.microsoft.com/office/drawing/2014/main" id="{5B319976-3975-CE0E-CF12-88651FE4673C}"/>
+                </a:ext>
+              </a:extLst>
+            </p:cNvPr>
+            <p:cNvPicPr>
+              <a:picLocks noChangeAspect="1"/>
+            </p:cNvPicPr>
+            <p:nvPr/>
+          </p:nvPicPr>
+          <p:blipFill>
+            <a:blip r:embed="rId2"/>
+            <a:stretch>
+              <a:fillRect/>
+            </a:stretch>
+          </p:blipFill>
+          <p:spPr>
+            <a:xfrm>
+              <a:off x="3182710" y="1084347"/>
+              <a:ext cx="5826579" cy="4689306"/>
+            </a:xfrm>
+            <a:prstGeom prst="rect">
+              <a:avLst/>
+            </a:prstGeom>
+          </p:spPr>
+        </p:pic>
+        <p:sp>
+          <p:nvSpPr>
+            <p:cNvPr id="6" name="TextBox 5">
+              <a:extLst>
+                <a:ext uri="{FF2B5EF4-FFF2-40B4-BE49-F238E27FC236}">
+                  <a16:creationId xmlns:a16="http://schemas.microsoft.com/office/drawing/2014/main" id="{0177668F-FAA2-F0F3-51F3-48FD68723A47}"/>
+                </a:ext>
+              </a:extLst>
+            </p:cNvPr>
+            <p:cNvSpPr txBox="1"/>
+            <p:nvPr/>
+          </p:nvSpPr>
+          <p:spPr>
+            <a:xfrm>
+              <a:off x="3505199" y="3086881"/>
+              <a:ext cx="5181599" cy="1446550"/>
+            </a:xfrm>
+            <a:prstGeom prst="rect">
+              <a:avLst/>
+            </a:prstGeom>
+            <a:solidFill>
+              <a:schemeClr val="bg1">
+                <a:lumMod val="95000"/>
+              </a:schemeClr>
+            </a:solidFill>
+          </p:spPr>
+          <p:txBody>
+            <a:bodyPr wrap="square">
+              <a:spAutoFit/>
+            </a:bodyPr>
+            <a:lstStyle/>
+            <a:p>
+              <a:r>
+                <a:rPr lang="en-SG" sz="1100">
+                  <a:latin typeface="Consolas" panose="020B0609020204030204" pitchFamily="49" charset="0"/>
+                </a:rPr>
+                <a:t>from sklearn.ensemble import RandomForestClassifier</a:t>
+              </a:r>
+            </a:p>
+            <a:p>
+              <a:r>
+                <a:rPr lang="en-SG" sz="1100">
+                  <a:latin typeface="Consolas" panose="020B0609020204030204" pitchFamily="49" charset="0"/>
+                </a:rPr>
+                <a:t>from sklearn.metrics import accuracy_score</a:t>
+              </a:r>
+            </a:p>
+            <a:p>
+              <a:endParaRPr lang="en-SG" sz="1100">
+                <a:latin typeface="Consolas" panose="020B0609020204030204" pitchFamily="49" charset="0"/>
+              </a:endParaRPr>
+            </a:p>
+            <a:p>
+              <a:r>
+                <a:rPr lang="en-SG" sz="1100">
+                  <a:latin typeface="Consolas" panose="020B0609020204030204" pitchFamily="49" charset="0"/>
+                </a:rPr>
+                <a:t>model = </a:t>
+              </a:r>
+              <a:r>
+                <a:rPr lang="en-SG" sz="1100">
+                  <a:solidFill>
+                    <a:srgbClr val="FF0000"/>
+                  </a:solidFill>
+                  <a:latin typeface="Consolas" panose="020B0609020204030204" pitchFamily="49" charset="0"/>
+                </a:rPr>
+                <a:t>RandomForestClassifier</a:t>
+              </a:r>
+              <a:r>
+                <a:rPr lang="en-SG" sz="1100">
+                  <a:latin typeface="Consolas" panose="020B0609020204030204" pitchFamily="49" charset="0"/>
+                </a:rPr>
+                <a:t>(n_estimators=10, random_state=1)</a:t>
+              </a:r>
+            </a:p>
+            <a:p>
+              <a:r>
+                <a:rPr lang="en-SG" sz="1100">
+                  <a:latin typeface="Consolas" panose="020B0609020204030204" pitchFamily="49" charset="0"/>
+                </a:rPr>
+                <a:t>model.</a:t>
+              </a:r>
+              <a:r>
+                <a:rPr lang="en-SG" sz="1100">
+                  <a:solidFill>
+                    <a:srgbClr val="FF0000"/>
+                  </a:solidFill>
+                  <a:latin typeface="Consolas" panose="020B0609020204030204" pitchFamily="49" charset="0"/>
+                </a:rPr>
+                <a:t>fit</a:t>
+              </a:r>
+              <a:r>
+                <a:rPr lang="en-SG" sz="1100">
+                  <a:latin typeface="Consolas" panose="020B0609020204030204" pitchFamily="49" charset="0"/>
+                </a:rPr>
+                <a:t>(X_train, y_train)</a:t>
+              </a:r>
+            </a:p>
+            <a:p>
+              <a:endParaRPr lang="en-SG" sz="1100">
+                <a:latin typeface="Consolas" panose="020B0609020204030204" pitchFamily="49" charset="0"/>
+              </a:endParaRPr>
+            </a:p>
+            <a:p>
+              <a:r>
+                <a:rPr lang="en-SG" sz="1100">
+                  <a:latin typeface="Consolas" panose="020B0609020204030204" pitchFamily="49" charset="0"/>
+                </a:rPr>
+                <a:t>y_pred = model.predict(X_test)</a:t>
+              </a:r>
+            </a:p>
+            <a:p>
+              <a:r>
+                <a:rPr lang="en-SG" sz="1100">
+                  <a:latin typeface="Consolas" panose="020B0609020204030204" pitchFamily="49" charset="0"/>
+                </a:rPr>
+                <a:t>print(accuracy_score(y_test, y_pred))</a:t>
+              </a:r>
+            </a:p>
+          </p:txBody>
+        </p:sp>
+        <p:sp>
+          <p:nvSpPr>
+            <p:cNvPr id="2" name="Rectangle 1">
+              <a:extLst>
+                <a:ext uri="{FF2B5EF4-FFF2-40B4-BE49-F238E27FC236}">
+                  <a16:creationId xmlns:a16="http://schemas.microsoft.com/office/drawing/2014/main" id="{3F8BFA39-27C0-D995-60FE-6E6BA7A15BB5}"/>
+                </a:ext>
+              </a:extLst>
+            </p:cNvPr>
+            <p:cNvSpPr/>
+            <p:nvPr/>
+          </p:nvSpPr>
+          <p:spPr>
+            <a:xfrm>
+              <a:off x="5475213" y="2374085"/>
+              <a:ext cx="1224792" cy="243280"/>
+            </a:xfrm>
+            <a:prstGeom prst="rect">
+              <a:avLst/>
+            </a:prstGeom>
+            <a:noFill/>
+            <a:ln>
+              <a:solidFill>
+                <a:srgbClr val="FF0000"/>
+              </a:solidFill>
+            </a:ln>
+          </p:spPr>
+          <p:style>
+            <a:lnRef idx="2">
+              <a:schemeClr val="accent1">
+                <a:shade val="50000"/>
+              </a:schemeClr>
+            </a:lnRef>
+            <a:fillRef idx="1">
+              <a:schemeClr val="accent1"/>
+            </a:fillRef>
+            <a:effectRef idx="0">
+              <a:schemeClr val="accent1"/>
+            </a:effectRef>
+            <a:fontRef idx="minor">
+              <a:schemeClr val="lt1"/>
+            </a:fontRef>
+          </p:style>
+          <p:txBody>
+            <a:bodyPr rtlCol="0" anchor="ctr"/>
+            <a:lstStyle/>
+            <a:p>
+              <a:pPr algn="ctr"/>
+              <a:endParaRPr lang="en-SG"/>
+            </a:p>
+          </p:txBody>
+        </p:sp>
+      </p:grpSp>
+    </p:spTree>
+    <p:extLst>
+      <p:ext uri="{BB962C8B-B14F-4D97-AF65-F5344CB8AC3E}">
+        <p14:creationId xmlns:p14="http://schemas.microsoft.com/office/powerpoint/2010/main" val="4109367943"/>
+      </p:ext>
+    </p:extLst>
+  </p:cSld>
+  <p:clrMapOvr>
+    <a:masterClrMapping/>
+  </p:clrMapOvr>
+</p:sld>
+</file>
+
+<file path=ppt/slides/slide40.xml><?xml version="1.0" encoding="utf-8"?>
 <p:sld xmlns:a="http://schemas.openxmlformats.org/drawingml/2006/main" xmlns:r="http://schemas.openxmlformats.org/officeDocument/2006/relationships" xmlns:p="http://schemas.openxmlformats.org/presentationml/2006/main">
   <p:cSld>
     <p:spTree>
@@ -11840,7 +13056,7 @@
 </p:sld>
 </file>
 
-<file path=ppt/slides/slide37.xml><?xml version="1.0" encoding="utf-8"?>
+<file path=ppt/slides/slide41.xml><?xml version="1.0" encoding="utf-8"?>
 <p:sld xmlns:a="http://schemas.openxmlformats.org/drawingml/2006/main" xmlns:r="http://schemas.openxmlformats.org/officeDocument/2006/relationships" xmlns:p="http://schemas.openxmlformats.org/presentationml/2006/main">
   <p:cSld>
     <p:spTree>
@@ -12015,67 +13231,7 @@
 </p:sld>
 </file>
 
-<file path=ppt/slides/slide38.xml><?xml version="1.0" encoding="utf-8"?>
-<p:sld xmlns:a="http://schemas.openxmlformats.org/drawingml/2006/main" xmlns:r="http://schemas.openxmlformats.org/officeDocument/2006/relationships" xmlns:p="http://schemas.openxmlformats.org/presentationml/2006/main">
-  <p:cSld>
-    <p:spTree>
-      <p:nvGrpSpPr>
-        <p:cNvPr id="1" name=""/>
-        <p:cNvGrpSpPr/>
-        <p:nvPr/>
-      </p:nvGrpSpPr>
-      <p:grpSpPr>
-        <a:xfrm>
-          <a:off x="0" y="0"/>
-          <a:ext cx="0" cy="0"/>
-          <a:chOff x="0" y="0"/>
-          <a:chExt cx="0" cy="0"/>
-        </a:xfrm>
-      </p:grpSpPr>
-    </p:spTree>
-    <p:extLst>
-      <p:ext uri="{BB962C8B-B14F-4D97-AF65-F5344CB8AC3E}">
-        <p14:creationId xmlns:p14="http://schemas.microsoft.com/office/powerpoint/2010/main" val="2471835519"/>
-      </p:ext>
-    </p:extLst>
-  </p:cSld>
-  <p:clrMapOvr>
-    <a:masterClrMapping/>
-  </p:clrMapOvr>
-</p:sld>
-</file>
-
-<file path=ppt/slides/slide39.xml><?xml version="1.0" encoding="utf-8"?>
-<p:sld xmlns:a="http://schemas.openxmlformats.org/drawingml/2006/main" xmlns:r="http://schemas.openxmlformats.org/officeDocument/2006/relationships" xmlns:p="http://schemas.openxmlformats.org/presentationml/2006/main">
-  <p:cSld>
-    <p:spTree>
-      <p:nvGrpSpPr>
-        <p:cNvPr id="1" name=""/>
-        <p:cNvGrpSpPr/>
-        <p:nvPr/>
-      </p:nvGrpSpPr>
-      <p:grpSpPr>
-        <a:xfrm>
-          <a:off x="0" y="0"/>
-          <a:ext cx="0" cy="0"/>
-          <a:chOff x="0" y="0"/>
-          <a:chExt cx="0" cy="0"/>
-        </a:xfrm>
-      </p:grpSpPr>
-    </p:spTree>
-    <p:extLst>
-      <p:ext uri="{BB962C8B-B14F-4D97-AF65-F5344CB8AC3E}">
-        <p14:creationId xmlns:p14="http://schemas.microsoft.com/office/powerpoint/2010/main" val="3053043875"/>
-      </p:ext>
-    </p:extLst>
-  </p:cSld>
-  <p:clrMapOvr>
-    <a:masterClrMapping/>
-  </p:clrMapOvr>
-</p:sld>
-</file>
-
-<file path=ppt/slides/slide4.xml><?xml version="1.0" encoding="utf-8"?>
+<file path=ppt/slides/slide42.xml><?xml version="1.0" encoding="utf-8"?>
 <p:sld xmlns:a="http://schemas.openxmlformats.org/drawingml/2006/main" xmlns:r="http://schemas.openxmlformats.org/officeDocument/2006/relationships" xmlns:p="http://schemas.openxmlformats.org/presentationml/2006/main">
   <p:cSld>
     <p:spTree>
@@ -12094,10 +13250,10 @@
       </p:grpSpPr>
       <p:grpSp>
         <p:nvGrpSpPr>
-          <p:cNvPr id="8" name="Group 7">
+          <p:cNvPr id="7" name="Group 6">
             <a:extLst>
               <a:ext uri="{FF2B5EF4-FFF2-40B4-BE49-F238E27FC236}">
-                <a16:creationId xmlns:a16="http://schemas.microsoft.com/office/drawing/2014/main" id="{06805BCD-6507-C017-A2DD-BFA047A70D5E}"/>
+                <a16:creationId xmlns:a16="http://schemas.microsoft.com/office/drawing/2014/main" id="{90003A99-5E12-277C-8007-58ED2AF92C53}"/>
               </a:ext>
             </a:extLst>
           </p:cNvPr>
@@ -12106,18 +13262,18 @@
         </p:nvGrpSpPr>
         <p:grpSpPr>
           <a:xfrm>
-            <a:off x="3182710" y="1084347"/>
-            <a:ext cx="5826579" cy="4689306"/>
-            <a:chOff x="2533650" y="561975"/>
-            <a:chExt cx="5826579" cy="4689306"/>
+            <a:off x="2989231" y="392185"/>
+            <a:ext cx="6213537" cy="6073629"/>
+            <a:chOff x="3715110" y="-1"/>
+            <a:chExt cx="6213537" cy="6073629"/>
           </a:xfrm>
         </p:grpSpPr>
         <p:pic>
           <p:nvPicPr>
-            <p:cNvPr id="5" name="Picture 4">
+            <p:cNvPr id="3" name="Picture 2">
               <a:extLst>
                 <a:ext uri="{FF2B5EF4-FFF2-40B4-BE49-F238E27FC236}">
-                  <a16:creationId xmlns:a16="http://schemas.microsoft.com/office/drawing/2014/main" id="{5B319976-3975-CE0E-CF12-88651FE4673C}"/>
+                  <a16:creationId xmlns:a16="http://schemas.microsoft.com/office/drawing/2014/main" id="{E710124B-539A-3F4F-97B7-3153360FB413}"/>
                 </a:ext>
               </a:extLst>
             </p:cNvPr>
@@ -12134,8 +13290,8 @@
           </p:blipFill>
           <p:spPr>
             <a:xfrm>
-              <a:off x="2533650" y="561975"/>
-              <a:ext cx="5826579" cy="4689306"/>
+              <a:off x="3715110" y="-1"/>
+              <a:ext cx="6213537" cy="6073629"/>
             </a:xfrm>
             <a:prstGeom prst="rect">
               <a:avLst/>
@@ -12144,10 +13300,10 @@
         </p:pic>
         <p:sp>
           <p:nvSpPr>
-            <p:cNvPr id="6" name="TextBox 5">
+            <p:cNvPr id="4" name="TextBox 3">
               <a:extLst>
                 <a:ext uri="{FF2B5EF4-FFF2-40B4-BE49-F238E27FC236}">
-                  <a16:creationId xmlns:a16="http://schemas.microsoft.com/office/drawing/2014/main" id="{0177668F-FAA2-F0F3-51F3-48FD68723A47}"/>
+                  <a16:creationId xmlns:a16="http://schemas.microsoft.com/office/drawing/2014/main" id="{CF6FF03C-8570-550F-BB07-21616F766D52}"/>
                 </a:ext>
               </a:extLst>
             </p:cNvPr>
@@ -12156,8 +13312,8 @@
           </p:nvSpPr>
           <p:spPr>
             <a:xfrm>
-              <a:off x="2856139" y="2564509"/>
-              <a:ext cx="5181599" cy="1446550"/>
+              <a:off x="4001549" y="3351937"/>
+              <a:ext cx="5851597" cy="1446550"/>
             </a:xfrm>
             <a:prstGeom prst="rect">
               <a:avLst/>
@@ -12172,102 +13328,129 @@
             <a:bodyPr wrap="square">
               <a:spAutoFit/>
             </a:bodyPr>
-            <a:lstStyle/>
-            <a:p>
-              <a:r>
-                <a:rPr lang="en-SG" sz="1100">
+            <a:lstStyle>
+              <a:defPPr>
+                <a:defRPr lang="en-US"/>
+              </a:defPPr>
+              <a:lvl1pPr>
+                <a:defRPr sz="1200" b="0" i="0">
+                  <a:solidFill>
+                    <a:srgbClr val="05192D"/>
+                  </a:solidFill>
+                  <a:effectLst/>
                   <a:latin typeface="Consolas" panose="020B0609020204030204" pitchFamily="49" charset="0"/>
-                </a:rPr>
-                <a:t>from sklearn.ensemble import RandomForestClassifier</a:t>
-              </a:r>
-            </a:p>
-            <a:p>
-              <a:r>
-                <a:rPr lang="en-SG" sz="1100">
-                  <a:latin typeface="Consolas" panose="020B0609020204030204" pitchFamily="49" charset="0"/>
-                </a:rPr>
-                <a:t>from sklearn.metrics import accuracy_score</a:t>
-              </a:r>
-            </a:p>
-            <a:p>
-              <a:endParaRPr lang="en-SG" sz="1100">
-                <a:latin typeface="Consolas" panose="020B0609020204030204" pitchFamily="49" charset="0"/>
-              </a:endParaRPr>
-            </a:p>
-            <a:p>
-              <a:r>
-                <a:rPr lang="en-SG" sz="1100">
-                  <a:latin typeface="Consolas" panose="020B0609020204030204" pitchFamily="49" charset="0"/>
-                </a:rPr>
-                <a:t>model = </a:t>
+                </a:defRPr>
+              </a:lvl1pPr>
+            </a:lstStyle>
+            <a:p>
+              <a:r>
+                <a:rPr lang="en-SG" sz="1100"/>
+                <a:t>from sklearn.linear_model import </a:t>
               </a:r>
               <a:r>
                 <a:rPr lang="en-SG" sz="1100">
                   <a:solidFill>
                     <a:srgbClr val="FF0000"/>
                   </a:solidFill>
-                  <a:latin typeface="Consolas" panose="020B0609020204030204" pitchFamily="49" charset="0"/>
-                </a:rPr>
-                <a:t>RandomForestClassifier</a:t>
-              </a:r>
-              <a:r>
-                <a:rPr lang="en-SG" sz="1100">
-                  <a:latin typeface="Consolas" panose="020B0609020204030204" pitchFamily="49" charset="0"/>
-                </a:rPr>
-                <a:t>(n_estimators=10, random_state=1)</a:t>
-              </a:r>
-            </a:p>
-            <a:p>
-              <a:r>
-                <a:rPr lang="en-SG" sz="1100">
-                  <a:latin typeface="Consolas" panose="020B0609020204030204" pitchFamily="49" charset="0"/>
-                </a:rPr>
-                <a:t>model.</a:t>
+                </a:rPr>
+                <a:t>LinearRegression</a:t>
+              </a:r>
+            </a:p>
+            <a:p>
+              <a:endParaRPr lang="en-SG" sz="1100"/>
+            </a:p>
+            <a:p>
+              <a:r>
+                <a:rPr lang="en-SG" sz="1100"/>
+                <a:t>model = </a:t>
               </a:r>
               <a:r>
                 <a:rPr lang="en-SG" sz="1100">
                   <a:solidFill>
                     <a:srgbClr val="FF0000"/>
                   </a:solidFill>
-                  <a:latin typeface="Consolas" panose="020B0609020204030204" pitchFamily="49" charset="0"/>
-                </a:rPr>
-                <a:t>fit</a:t>
+                </a:rPr>
+                <a:t>LinearRegression()</a:t>
+              </a:r>
+            </a:p>
+            <a:p>
+              <a:endParaRPr lang="en-SG" sz="1100"/>
+            </a:p>
+            <a:p>
+              <a:r>
+                <a:rPr lang="en-SG" sz="1100"/>
+                <a:t>model.fit(short_debt, long_debt)</a:t>
+              </a:r>
+            </a:p>
+            <a:p>
+              <a:r>
+                <a:rPr lang="en-SG" sz="1100"/>
+                <a:t>model.</a:t>
               </a:r>
               <a:r>
                 <a:rPr lang="en-SG" sz="1100">
-                  <a:latin typeface="Consolas" panose="020B0609020204030204" pitchFamily="49" charset="0"/>
-                </a:rPr>
-                <a:t>(X_train, y_train)</a:t>
-              </a:r>
-            </a:p>
-            <a:p>
-              <a:endParaRPr lang="en-SG" sz="1100">
-                <a:latin typeface="Consolas" panose="020B0609020204030204" pitchFamily="49" charset="0"/>
-              </a:endParaRPr>
-            </a:p>
-            <a:p>
-              <a:r>
-                <a:rPr lang="en-SG" sz="1100">
-                  <a:latin typeface="Consolas" panose="020B0609020204030204" pitchFamily="49" charset="0"/>
-                </a:rPr>
-                <a:t>y_pred = model.predict(X_test)</a:t>
-              </a:r>
-            </a:p>
-            <a:p>
-              <a:r>
-                <a:rPr lang="en-SG" sz="1100">
-                  <a:latin typeface="Consolas" panose="020B0609020204030204" pitchFamily="49" charset="0"/>
-                </a:rPr>
-                <a:t>print(accuracy_score(y_test, y_pred))</a:t>
+                  <a:solidFill>
+                    <a:srgbClr val="FF0000"/>
+                  </a:solidFill>
+                </a:rPr>
+                <a:t>fit(df[['short_debt', 'long_debt', 'credit_score']], df['income'])</a:t>
+              </a:r>
+            </a:p>
+            <a:p>
+              <a:endParaRPr lang="en-SG" sz="1100"/>
+            </a:p>
+            <a:p>
+              <a:r>
+                <a:rPr lang="en-SG" sz="1100"/>
+                <a:t>print("Regression coefficients: {}".format(model.coef_))</a:t>
               </a:r>
             </a:p>
           </p:txBody>
         </p:sp>
       </p:grpSp>
+      <p:sp>
+        <p:nvSpPr>
+          <p:cNvPr id="6" name="TextBox 5">
+            <a:extLst>
+              <a:ext uri="{FF2B5EF4-FFF2-40B4-BE49-F238E27FC236}">
+                <a16:creationId xmlns:a16="http://schemas.microsoft.com/office/drawing/2014/main" id="{5272E0A6-5742-43F1-3B47-047E7FC51FEE}"/>
+              </a:ext>
+            </a:extLst>
+          </p:cNvPr>
+          <p:cNvSpPr txBox="1"/>
+          <p:nvPr/>
+        </p:nvSpPr>
+        <p:spPr>
+          <a:xfrm>
+            <a:off x="9383486" y="82715"/>
+            <a:ext cx="2722563" cy="369332"/>
+          </a:xfrm>
+          <a:prstGeom prst="rect">
+            <a:avLst/>
+          </a:prstGeom>
+          <a:solidFill>
+            <a:schemeClr val="accent2"/>
+          </a:solidFill>
+        </p:spPr>
+        <p:txBody>
+          <a:bodyPr wrap="square" rtlCol="0">
+            <a:spAutoFit/>
+          </a:bodyPr>
+          <a:lstStyle/>
+          <a:p>
+            <a:pPr algn="ctr"/>
+            <a:r>
+              <a:rPr lang="en-GB"/>
+              <a:t>HARD</a:t>
+            </a:r>
+            <a:endParaRPr lang="en-SG"/>
+          </a:p>
+        </p:txBody>
+      </p:sp>
     </p:spTree>
     <p:extLst>
       <p:ext uri="{BB962C8B-B14F-4D97-AF65-F5344CB8AC3E}">
-        <p14:creationId xmlns:p14="http://schemas.microsoft.com/office/powerpoint/2010/main" val="4109367943"/>
+        <p14:creationId xmlns:p14="http://schemas.microsoft.com/office/powerpoint/2010/main" val="2471835519"/>
       </p:ext>
     </p:extLst>
   </p:cSld>
@@ -12277,7 +13460,7 @@
 </p:sld>
 </file>
 
-<file path=ppt/slides/slide40.xml><?xml version="1.0" encoding="utf-8"?>
+<file path=ppt/slides/slide43.xml><?xml version="1.0" encoding="utf-8"?>
 <p:sld xmlns:a="http://schemas.openxmlformats.org/drawingml/2006/main" xmlns:r="http://schemas.openxmlformats.org/officeDocument/2006/relationships" xmlns:p="http://schemas.openxmlformats.org/presentationml/2006/main">
   <p:cSld>
     <p:spTree>
@@ -12307,7 +13490,7 @@
 </p:sld>
 </file>
 
-<file path=ppt/slides/slide41.xml><?xml version="1.0" encoding="utf-8"?>
+<file path=ppt/slides/slide44.xml><?xml version="1.0" encoding="utf-8"?>
 <p:sld xmlns:a="http://schemas.openxmlformats.org/drawingml/2006/main" xmlns:r="http://schemas.openxmlformats.org/officeDocument/2006/relationships" xmlns:p="http://schemas.openxmlformats.org/presentationml/2006/main">
   <p:cSld>
     <p:spTree>
@@ -12337,7 +13520,37 @@
 </p:sld>
 </file>
 
-<file path=ppt/slides/slide42.xml><?xml version="1.0" encoding="utf-8"?>
+<file path=ppt/slides/slide45.xml><?xml version="1.0" encoding="utf-8"?>
+<p:sld xmlns:a="http://schemas.openxmlformats.org/drawingml/2006/main" xmlns:r="http://schemas.openxmlformats.org/officeDocument/2006/relationships" xmlns:p="http://schemas.openxmlformats.org/presentationml/2006/main">
+  <p:cSld>
+    <p:spTree>
+      <p:nvGrpSpPr>
+        <p:cNvPr id="1" name=""/>
+        <p:cNvGrpSpPr/>
+        <p:nvPr/>
+      </p:nvGrpSpPr>
+      <p:grpSpPr>
+        <a:xfrm>
+          <a:off x="0" y="0"/>
+          <a:ext cx="0" cy="0"/>
+          <a:chOff x="0" y="0"/>
+          <a:chExt cx="0" cy="0"/>
+        </a:xfrm>
+      </p:grpSpPr>
+    </p:spTree>
+    <p:extLst>
+      <p:ext uri="{BB962C8B-B14F-4D97-AF65-F5344CB8AC3E}">
+        <p14:creationId xmlns:p14="http://schemas.microsoft.com/office/powerpoint/2010/main" val="2459028555"/>
+      </p:ext>
+    </p:extLst>
+  </p:cSld>
+  <p:clrMapOvr>
+    <a:masterClrMapping/>
+  </p:clrMapOvr>
+</p:sld>
+</file>
+
+<file path=ppt/slides/slide46.xml><?xml version="1.0" encoding="utf-8"?>
 <p:sld xmlns:a="http://schemas.openxmlformats.org/drawingml/2006/main" xmlns:r="http://schemas.openxmlformats.org/officeDocument/2006/relationships" xmlns:p="http://schemas.openxmlformats.org/presentationml/2006/main">
   <p:cSld>
     <p:spTree>
@@ -12367,7 +13580,7 @@
 </p:sld>
 </file>
 
-<file path=ppt/slides/slide43.xml><?xml version="1.0" encoding="utf-8"?>
+<file path=ppt/slides/slide47.xml><?xml version="1.0" encoding="utf-8"?>
 <p:sld xmlns:a="http://schemas.openxmlformats.org/drawingml/2006/main" xmlns:r="http://schemas.openxmlformats.org/officeDocument/2006/relationships" xmlns:p="http://schemas.openxmlformats.org/presentationml/2006/main">
   <p:cSld>
     <p:spTree>
@@ -12414,217 +13627,248 @@
           <a:chExt cx="0" cy="0"/>
         </a:xfrm>
       </p:grpSpPr>
-      <p:grpSp>
-        <p:nvGrpSpPr>
-          <p:cNvPr id="5" name="Group 4">
+      <p:pic>
+        <p:nvPicPr>
+          <p:cNvPr id="3" name="Picture 2">
             <a:extLst>
               <a:ext uri="{FF2B5EF4-FFF2-40B4-BE49-F238E27FC236}">
-                <a16:creationId xmlns:a16="http://schemas.microsoft.com/office/drawing/2014/main" id="{4F15C117-EFB4-CDF4-7232-6921CB4F6056}"/>
+                <a16:creationId xmlns:a16="http://schemas.microsoft.com/office/drawing/2014/main" id="{D1C12DBC-3F65-3A32-8615-4210C088A36E}"/>
               </a:ext>
             </a:extLst>
           </p:cNvPr>
-          <p:cNvGrpSpPr/>
+          <p:cNvPicPr>
+            <a:picLocks noChangeAspect="1"/>
+          </p:cNvPicPr>
           <p:nvPr/>
-        </p:nvGrpSpPr>
-        <p:grpSpPr>
+        </p:nvPicPr>
+        <p:blipFill>
+          <a:blip r:embed="rId2"/>
+          <a:stretch>
+            <a:fillRect/>
+          </a:stretch>
+        </p:blipFill>
+        <p:spPr>
           <a:xfrm>
             <a:off x="2829152" y="1140196"/>
-            <a:ext cx="6533696" cy="4577607"/>
-            <a:chOff x="2657475" y="528637"/>
-            <a:chExt cx="6533696" cy="4577607"/>
+            <a:ext cx="5426982" cy="4577607"/>
           </a:xfrm>
-        </p:grpSpPr>
-        <p:pic>
-          <p:nvPicPr>
-            <p:cNvPr id="3" name="Picture 2">
-              <a:extLst>
-                <a:ext uri="{FF2B5EF4-FFF2-40B4-BE49-F238E27FC236}">
-                  <a16:creationId xmlns:a16="http://schemas.microsoft.com/office/drawing/2014/main" id="{D1C12DBC-3F65-3A32-8615-4210C088A36E}"/>
-                </a:ext>
-              </a:extLst>
-            </p:cNvPr>
-            <p:cNvPicPr>
-              <a:picLocks noChangeAspect="1"/>
-            </p:cNvPicPr>
-            <p:nvPr/>
-          </p:nvPicPr>
-          <p:blipFill>
-            <a:blip r:embed="rId2"/>
-            <a:stretch>
-              <a:fillRect/>
-            </a:stretch>
-          </p:blipFill>
-          <p:spPr>
-            <a:xfrm>
-              <a:off x="2657475" y="528637"/>
-              <a:ext cx="5426982" cy="4577607"/>
-            </a:xfrm>
-            <a:prstGeom prst="rect">
-              <a:avLst/>
-            </a:prstGeom>
-          </p:spPr>
-        </p:pic>
-        <p:sp>
-          <p:nvSpPr>
-            <p:cNvPr id="4" name="TextBox 3">
-              <a:extLst>
-                <a:ext uri="{FF2B5EF4-FFF2-40B4-BE49-F238E27FC236}">
-                  <a16:creationId xmlns:a16="http://schemas.microsoft.com/office/drawing/2014/main" id="{E524F93D-AC10-09E4-746E-7F4E1D7A0F07}"/>
-                </a:ext>
-              </a:extLst>
-            </p:cNvPr>
-            <p:cNvSpPr txBox="1"/>
-            <p:nvPr/>
-          </p:nvSpPr>
-          <p:spPr>
-            <a:xfrm>
-              <a:off x="3000829" y="2462882"/>
-              <a:ext cx="6190342" cy="1446550"/>
-            </a:xfrm>
-            <a:prstGeom prst="rect">
-              <a:avLst/>
-            </a:prstGeom>
+          <a:prstGeom prst="rect">
+            <a:avLst/>
+          </a:prstGeom>
+        </p:spPr>
+      </p:pic>
+      <p:sp>
+        <p:nvSpPr>
+          <p:cNvPr id="4" name="TextBox 3">
+            <a:extLst>
+              <a:ext uri="{FF2B5EF4-FFF2-40B4-BE49-F238E27FC236}">
+                <a16:creationId xmlns:a16="http://schemas.microsoft.com/office/drawing/2014/main" id="{E524F93D-AC10-09E4-746E-7F4E1D7A0F07}"/>
+              </a:ext>
+            </a:extLst>
+          </p:cNvPr>
+          <p:cNvSpPr txBox="1"/>
+          <p:nvPr/>
+        </p:nvSpPr>
+        <p:spPr>
+          <a:xfrm>
+            <a:off x="3172506" y="3074441"/>
+            <a:ext cx="6190342" cy="1446550"/>
+          </a:xfrm>
+          <a:prstGeom prst="rect">
+            <a:avLst/>
+          </a:prstGeom>
+          <a:solidFill>
+            <a:schemeClr val="bg1">
+              <a:lumMod val="95000"/>
+            </a:schemeClr>
+          </a:solidFill>
+        </p:spPr>
+        <p:txBody>
+          <a:bodyPr wrap="square">
+            <a:spAutoFit/>
+          </a:bodyPr>
+          <a:lstStyle/>
+          <a:p>
+            <a:r>
+              <a:rPr lang="en-SG" sz="1100">
+                <a:latin typeface="Consolas" panose="020B0609020204030204" pitchFamily="49" charset="0"/>
+              </a:rPr>
+              <a:t>from sklearn.ensemble import </a:t>
+            </a:r>
+            <a:r>
+              <a:rPr lang="en-SG" sz="1100">
+                <a:solidFill>
+                  <a:srgbClr val="FF0000"/>
+                </a:solidFill>
+                <a:latin typeface="Consolas" panose="020B0609020204030204" pitchFamily="49" charset="0"/>
+              </a:rPr>
+              <a:t>RandomForestClassifier</a:t>
+            </a:r>
+          </a:p>
+          <a:p>
+            <a:r>
+              <a:rPr lang="en-SG" sz="1100">
+                <a:latin typeface="Consolas" panose="020B0609020204030204" pitchFamily="49" charset="0"/>
+              </a:rPr>
+              <a:t>from sklearn.metrics import accuracy_score</a:t>
+            </a:r>
+          </a:p>
+          <a:p>
+            <a:endParaRPr lang="en-SG" sz="1100">
+              <a:latin typeface="Consolas" panose="020B0609020204030204" pitchFamily="49" charset="0"/>
+            </a:endParaRPr>
+          </a:p>
+          <a:p>
+            <a:r>
+              <a:rPr lang="en-SG" sz="1100">
+                <a:latin typeface="Consolas" panose="020B0609020204030204" pitchFamily="49" charset="0"/>
+              </a:rPr>
+              <a:t>model = </a:t>
+            </a:r>
+            <a:r>
+              <a:rPr lang="en-SG" sz="1100">
+                <a:solidFill>
+                  <a:srgbClr val="FF0000"/>
+                </a:solidFill>
+                <a:latin typeface="Consolas" panose="020B0609020204030204" pitchFamily="49" charset="0"/>
+              </a:rPr>
+              <a:t>RandomForestClassifier</a:t>
+            </a:r>
+            <a:r>
+              <a:rPr lang="en-SG" sz="1100">
+                <a:latin typeface="Consolas" panose="020B0609020204030204" pitchFamily="49" charset="0"/>
+              </a:rPr>
+              <a:t>(n_estimators=300, max_depth=1, random_state=1)</a:t>
+            </a:r>
+          </a:p>
+          <a:p>
+            <a:r>
+              <a:rPr lang="en-SG" sz="1100">
+                <a:latin typeface="Consolas" panose="020B0609020204030204" pitchFamily="49" charset="0"/>
+              </a:rPr>
+              <a:t>model.fit(X_train, y_train)</a:t>
+            </a:r>
+          </a:p>
+          <a:p>
+            <a:endParaRPr lang="en-SG" sz="1100">
+              <a:latin typeface="Consolas" panose="020B0609020204030204" pitchFamily="49" charset="0"/>
+            </a:endParaRPr>
+          </a:p>
+          <a:p>
+            <a:r>
+              <a:rPr lang="en-SG" sz="1100">
+                <a:latin typeface="Consolas" panose="020B0609020204030204" pitchFamily="49" charset="0"/>
+              </a:rPr>
+              <a:t>y_pred = </a:t>
+            </a:r>
+            <a:r>
+              <a:rPr lang="en-SG" sz="1100">
+                <a:solidFill>
+                  <a:srgbClr val="FF0000"/>
+                </a:solidFill>
+                <a:latin typeface="Consolas" panose="020B0609020204030204" pitchFamily="49" charset="0"/>
+              </a:rPr>
+              <a:t>model</a:t>
+            </a:r>
+            <a:r>
+              <a:rPr lang="en-SG" sz="1100">
+                <a:latin typeface="Consolas" panose="020B0609020204030204" pitchFamily="49" charset="0"/>
+              </a:rPr>
+              <a:t>.</a:t>
+            </a:r>
+            <a:r>
+              <a:rPr lang="en-SG" sz="1100">
+                <a:solidFill>
+                  <a:srgbClr val="FF0000"/>
+                </a:solidFill>
+                <a:latin typeface="Consolas" panose="020B0609020204030204" pitchFamily="49" charset="0"/>
+              </a:rPr>
+              <a:t>predict</a:t>
+            </a:r>
+            <a:r>
+              <a:rPr lang="en-SG" sz="1100">
+                <a:latin typeface="Consolas" panose="020B0609020204030204" pitchFamily="49" charset="0"/>
+              </a:rPr>
+              <a:t>(</a:t>
+            </a:r>
+            <a:r>
+              <a:rPr lang="en-SG" sz="1100">
+                <a:solidFill>
+                  <a:srgbClr val="FF0000"/>
+                </a:solidFill>
+                <a:latin typeface="Consolas" panose="020B0609020204030204" pitchFamily="49" charset="0"/>
+              </a:rPr>
+              <a:t>X_test</a:t>
+            </a:r>
+            <a:r>
+              <a:rPr lang="en-SG" sz="1100">
+                <a:latin typeface="Consolas" panose="020B0609020204030204" pitchFamily="49" charset="0"/>
+              </a:rPr>
+              <a:t>)</a:t>
+            </a:r>
+          </a:p>
+          <a:p>
+            <a:r>
+              <a:rPr lang="en-SG" sz="1100">
+                <a:latin typeface="Consolas" panose="020B0609020204030204" pitchFamily="49" charset="0"/>
+              </a:rPr>
+              <a:t>print(accuracy_score(y_test, y_pred))</a:t>
+            </a:r>
+          </a:p>
+        </p:txBody>
+      </p:sp>
+      <p:sp>
+        <p:nvSpPr>
+          <p:cNvPr id="2" name="Rectangle 1">
+            <a:extLst>
+              <a:ext uri="{FF2B5EF4-FFF2-40B4-BE49-F238E27FC236}">
+                <a16:creationId xmlns:a16="http://schemas.microsoft.com/office/drawing/2014/main" id="{95756745-0F20-7140-77A5-1A25D59CB9A3}"/>
+              </a:ext>
+            </a:extLst>
+          </p:cNvPr>
+          <p:cNvSpPr/>
+          <p:nvPr/>
+        </p:nvSpPr>
+        <p:spPr>
+          <a:xfrm>
+            <a:off x="4135773" y="2206305"/>
+            <a:ext cx="1224792" cy="243280"/>
+          </a:xfrm>
+          <a:prstGeom prst="rect">
+            <a:avLst/>
+          </a:prstGeom>
+          <a:noFill/>
+          <a:ln>
             <a:solidFill>
-              <a:schemeClr val="bg1">
-                <a:lumMod val="95000"/>
-              </a:schemeClr>
+              <a:srgbClr val="FF0000"/>
             </a:solidFill>
-          </p:spPr>
-          <p:txBody>
-            <a:bodyPr wrap="square">
-              <a:spAutoFit/>
-            </a:bodyPr>
-            <a:lstStyle/>
-            <a:p>
-              <a:r>
-                <a:rPr lang="en-SG" sz="1100">
-                  <a:latin typeface="Consolas" panose="020B0609020204030204" pitchFamily="49" charset="0"/>
-                </a:rPr>
-                <a:t>from sklearn.ensemble import </a:t>
-              </a:r>
-              <a:r>
-                <a:rPr lang="en-SG" sz="1100">
-                  <a:solidFill>
-                    <a:srgbClr val="FF0000"/>
-                  </a:solidFill>
-                  <a:latin typeface="Consolas" panose="020B0609020204030204" pitchFamily="49" charset="0"/>
-                </a:rPr>
-                <a:t>RandomForestClassifier</a:t>
-              </a:r>
-            </a:p>
-            <a:p>
-              <a:r>
-                <a:rPr lang="en-SG" sz="1100">
-                  <a:latin typeface="Consolas" panose="020B0609020204030204" pitchFamily="49" charset="0"/>
-                </a:rPr>
-                <a:t>from sklearn.metrics import accuracy_score</a:t>
-              </a:r>
-            </a:p>
-            <a:p>
-              <a:endParaRPr lang="en-SG" sz="1100">
-                <a:latin typeface="Consolas" panose="020B0609020204030204" pitchFamily="49" charset="0"/>
-              </a:endParaRPr>
-            </a:p>
-            <a:p>
-              <a:r>
-                <a:rPr lang="en-SG" sz="1100">
-                  <a:latin typeface="Consolas" panose="020B0609020204030204" pitchFamily="49" charset="0"/>
-                </a:rPr>
-                <a:t>model = </a:t>
-              </a:r>
-              <a:r>
-                <a:rPr lang="en-SG" sz="1100">
-                  <a:solidFill>
-                    <a:srgbClr val="FF0000"/>
-                  </a:solidFill>
-                  <a:latin typeface="Consolas" panose="020B0609020204030204" pitchFamily="49" charset="0"/>
-                </a:rPr>
-                <a:t>RandomForestClassifier</a:t>
-              </a:r>
-              <a:r>
-                <a:rPr lang="en-SG" sz="1100">
-                  <a:latin typeface="Consolas" panose="020B0609020204030204" pitchFamily="49" charset="0"/>
-                </a:rPr>
-                <a:t>(n_estimators=300, max_depth=1, random_state=1)</a:t>
-              </a:r>
-            </a:p>
-            <a:p>
-              <a:r>
-                <a:rPr lang="en-SG" sz="1100">
-                  <a:latin typeface="Consolas" panose="020B0609020204030204" pitchFamily="49" charset="0"/>
-                </a:rPr>
-                <a:t>model.fit(X_train, y_train)</a:t>
-              </a:r>
-            </a:p>
-            <a:p>
-              <a:endParaRPr lang="en-SG" sz="1100">
-                <a:latin typeface="Consolas" panose="020B0609020204030204" pitchFamily="49" charset="0"/>
-              </a:endParaRPr>
-            </a:p>
-            <a:p>
-              <a:r>
-                <a:rPr lang="en-SG" sz="1100">
-                  <a:latin typeface="Consolas" panose="020B0609020204030204" pitchFamily="49" charset="0"/>
-                </a:rPr>
-                <a:t>y_pred = </a:t>
-              </a:r>
-              <a:r>
-                <a:rPr lang="en-SG" sz="1100">
-                  <a:solidFill>
-                    <a:srgbClr val="FF0000"/>
-                  </a:solidFill>
-                  <a:latin typeface="Consolas" panose="020B0609020204030204" pitchFamily="49" charset="0"/>
-                </a:rPr>
-                <a:t>model</a:t>
-              </a:r>
-              <a:r>
-                <a:rPr lang="en-SG" sz="1100">
-                  <a:latin typeface="Consolas" panose="020B0609020204030204" pitchFamily="49" charset="0"/>
-                </a:rPr>
-                <a:t>.</a:t>
-              </a:r>
-              <a:r>
-                <a:rPr lang="en-SG" sz="1100">
-                  <a:solidFill>
-                    <a:srgbClr val="FF0000"/>
-                  </a:solidFill>
-                  <a:latin typeface="Consolas" panose="020B0609020204030204" pitchFamily="49" charset="0"/>
-                </a:rPr>
-                <a:t>predict</a:t>
-              </a:r>
-              <a:r>
-                <a:rPr lang="en-SG" sz="1100">
-                  <a:latin typeface="Consolas" panose="020B0609020204030204" pitchFamily="49" charset="0"/>
-                </a:rPr>
-                <a:t>(</a:t>
-              </a:r>
-              <a:r>
-                <a:rPr lang="en-SG" sz="1100">
-                  <a:solidFill>
-                    <a:srgbClr val="FF0000"/>
-                  </a:solidFill>
-                  <a:latin typeface="Consolas" panose="020B0609020204030204" pitchFamily="49" charset="0"/>
-                </a:rPr>
-                <a:t>X_test</a:t>
-              </a:r>
-              <a:r>
-                <a:rPr lang="en-SG" sz="1100">
-                  <a:latin typeface="Consolas" panose="020B0609020204030204" pitchFamily="49" charset="0"/>
-                </a:rPr>
-                <a:t>)</a:t>
-              </a:r>
-            </a:p>
-            <a:p>
-              <a:r>
-                <a:rPr lang="en-SG" sz="1100">
-                  <a:latin typeface="Consolas" panose="020B0609020204030204" pitchFamily="49" charset="0"/>
-                </a:rPr>
-                <a:t>print(accuracy_score(y_test, y_pred))</a:t>
-              </a:r>
-            </a:p>
-          </p:txBody>
-        </p:sp>
-      </p:grpSp>
+          </a:ln>
+        </p:spPr>
+        <p:style>
+          <a:lnRef idx="2">
+            <a:schemeClr val="accent1">
+              <a:shade val="50000"/>
+            </a:schemeClr>
+          </a:lnRef>
+          <a:fillRef idx="1">
+            <a:schemeClr val="accent1"/>
+          </a:fillRef>
+          <a:effectRef idx="0">
+            <a:schemeClr val="accent1"/>
+          </a:effectRef>
+          <a:fontRef idx="minor">
+            <a:schemeClr val="lt1"/>
+          </a:fontRef>
+        </p:style>
+        <p:txBody>
+          <a:bodyPr rtlCol="0" anchor="ctr"/>
+          <a:lstStyle/>
+          <a:p>
+            <a:pPr algn="ctr"/>
+            <a:endParaRPr lang="en-SG"/>
+          </a:p>
+        </p:txBody>
+      </p:sp>
     </p:spTree>
     <p:extLst>
       <p:ext uri="{BB962C8B-B14F-4D97-AF65-F5344CB8AC3E}">
@@ -12655,12 +13899,51 @@
           <a:chExt cx="0" cy="0"/>
         </a:xfrm>
       </p:grpSpPr>
+      <p:sp>
+        <p:nvSpPr>
+          <p:cNvPr id="8" name="TextBox 7">
+            <a:extLst>
+              <a:ext uri="{FF2B5EF4-FFF2-40B4-BE49-F238E27FC236}">
+                <a16:creationId xmlns:a16="http://schemas.microsoft.com/office/drawing/2014/main" id="{A15B9A7A-BB40-2C3D-E320-EBD97DB1A853}"/>
+              </a:ext>
+            </a:extLst>
+          </p:cNvPr>
+          <p:cNvSpPr txBox="1"/>
+          <p:nvPr/>
+        </p:nvSpPr>
+        <p:spPr>
+          <a:xfrm>
+            <a:off x="9383486" y="82715"/>
+            <a:ext cx="2722563" cy="369332"/>
+          </a:xfrm>
+          <a:prstGeom prst="rect">
+            <a:avLst/>
+          </a:prstGeom>
+          <a:solidFill>
+            <a:schemeClr val="accent2"/>
+          </a:solidFill>
+        </p:spPr>
+        <p:txBody>
+          <a:bodyPr wrap="square" rtlCol="0">
+            <a:spAutoFit/>
+          </a:bodyPr>
+          <a:lstStyle/>
+          <a:p>
+            <a:pPr algn="ctr"/>
+            <a:r>
+              <a:rPr lang="en-GB"/>
+              <a:t>HARD</a:t>
+            </a:r>
+            <a:endParaRPr lang="en-SG"/>
+          </a:p>
+        </p:txBody>
+      </p:sp>
       <p:grpSp>
         <p:nvGrpSpPr>
-          <p:cNvPr id="5" name="Group 4">
+          <p:cNvPr id="11" name="Group 10">
             <a:extLst>
               <a:ext uri="{FF2B5EF4-FFF2-40B4-BE49-F238E27FC236}">
-                <a16:creationId xmlns:a16="http://schemas.microsoft.com/office/drawing/2014/main" id="{9F71F088-1D28-0C77-CC78-62EE674A94C2}"/>
+                <a16:creationId xmlns:a16="http://schemas.microsoft.com/office/drawing/2014/main" id="{4656AF30-DCC9-4765-DB2D-6C041CB9AC84}"/>
               </a:ext>
             </a:extLst>
           </p:cNvPr>
@@ -12669,18 +13952,18 @@
         </p:nvGrpSpPr>
         <p:grpSpPr>
           <a:xfrm>
-            <a:off x="3570854" y="889022"/>
-            <a:ext cx="5050292" cy="5079956"/>
-            <a:chOff x="2852738" y="166688"/>
-            <a:chExt cx="5050292" cy="5079956"/>
+            <a:off x="3257837" y="1150100"/>
+            <a:ext cx="5676325" cy="4557800"/>
+            <a:chOff x="3257837" y="1150100"/>
+            <a:chExt cx="5676325" cy="4557800"/>
           </a:xfrm>
         </p:grpSpPr>
         <p:pic>
           <p:nvPicPr>
-            <p:cNvPr id="3" name="Picture 2">
+            <p:cNvPr id="5" name="Picture 4">
               <a:extLst>
                 <a:ext uri="{FF2B5EF4-FFF2-40B4-BE49-F238E27FC236}">
-                  <a16:creationId xmlns:a16="http://schemas.microsoft.com/office/drawing/2014/main" id="{6A25573E-9683-8E38-EB67-F25970C803DE}"/>
+                  <a16:creationId xmlns:a16="http://schemas.microsoft.com/office/drawing/2014/main" id="{5FB9A30D-0284-21D8-27D7-F8E6287EFF91}"/>
                 </a:ext>
               </a:extLst>
             </p:cNvPr>
@@ -12697,8 +13980,8 @@
           </p:blipFill>
           <p:spPr>
             <a:xfrm>
-              <a:off x="2852738" y="166688"/>
-              <a:ext cx="5050292" cy="5079956"/>
+              <a:off x="3257837" y="1150100"/>
+              <a:ext cx="5676325" cy="4557800"/>
             </a:xfrm>
             <a:prstGeom prst="rect">
               <a:avLst/>
@@ -12707,10 +13990,10 @@
         </p:pic>
         <p:sp>
           <p:nvSpPr>
-            <p:cNvPr id="4" name="TextBox 3">
+            <p:cNvPr id="6" name="TextBox 5">
               <a:extLst>
                 <a:ext uri="{FF2B5EF4-FFF2-40B4-BE49-F238E27FC236}">
-                  <a16:creationId xmlns:a16="http://schemas.microsoft.com/office/drawing/2014/main" id="{C9E81E02-AA82-66DF-7BB9-1CAFB848978F}"/>
+                  <a16:creationId xmlns:a16="http://schemas.microsoft.com/office/drawing/2014/main" id="{10B3EF83-1E1F-FAD0-AC44-11A34C561A1C}"/>
                 </a:ext>
               </a:extLst>
             </p:cNvPr>
@@ -12719,8 +14002,8 @@
           </p:nvSpPr>
           <p:spPr>
             <a:xfrm>
-              <a:off x="3182711" y="2586253"/>
-              <a:ext cx="4030890" cy="769441"/>
+              <a:off x="3462588" y="2917493"/>
+              <a:ext cx="5266821" cy="1615827"/>
             </a:xfrm>
             <a:prstGeom prst="rect">
               <a:avLst/>
@@ -12741,20 +14024,7 @@
                 <a:rPr lang="en-SG" sz="1100">
                   <a:latin typeface="Consolas" panose="020B0609020204030204" pitchFamily="49" charset="0"/>
                 </a:rPr>
-                <a:t>import pandas as pd</a:t>
-              </a:r>
-            </a:p>
-            <a:p>
-              <a:endParaRPr lang="en-SG" sz="1100">
-                <a:latin typeface="Consolas" panose="020B0609020204030204" pitchFamily="49" charset="0"/>
-              </a:endParaRPr>
-            </a:p>
-            <a:p>
-              <a:r>
-                <a:rPr lang="en-SG" sz="1100">
-                  <a:latin typeface="Consolas" panose="020B0609020204030204" pitchFamily="49" charset="0"/>
-                </a:rPr>
-                <a:t>encoded = pd.</a:t>
+                <a:t>from sklearn.ensemble import </a:t>
               </a:r>
               <a:r>
                 <a:rPr lang="en-SG" sz="1100">
@@ -12763,22 +14033,140 @@
                   </a:solidFill>
                   <a:latin typeface="Consolas" panose="020B0609020204030204" pitchFamily="49" charset="0"/>
                 </a:rPr>
-                <a:t>get_dummies</a:t>
-              </a:r>
+                <a:t>GradientBoostingClassifier</a:t>
+              </a:r>
+            </a:p>
+            <a:p>
               <a:r>
                 <a:rPr lang="en-SG" sz="1100">
                   <a:latin typeface="Consolas" panose="020B0609020204030204" pitchFamily="49" charset="0"/>
                 </a:rPr>
-                <a:t>(df, columns=['Animal'])</a:t>
-              </a:r>
+                <a:t>from sklearn.metrics import accuracy_score</a:t>
+              </a:r>
+            </a:p>
+            <a:p>
+              <a:endParaRPr lang="en-SG" sz="1100">
+                <a:latin typeface="Consolas" panose="020B0609020204030204" pitchFamily="49" charset="0"/>
+              </a:endParaRPr>
             </a:p>
             <a:p>
               <a:r>
                 <a:rPr lang="en-SG" sz="1100">
                   <a:latin typeface="Consolas" panose="020B0609020204030204" pitchFamily="49" charset="0"/>
                 </a:rPr>
-                <a:t>print(encoded)</a:t>
-              </a:r>
+                <a:t>model = </a:t>
+              </a:r>
+              <a:r>
+                <a:rPr lang="en-SG" sz="1100">
+                  <a:solidFill>
+                    <a:srgbClr val="FF0000"/>
+                  </a:solidFill>
+                  <a:latin typeface="Consolas" panose="020B0609020204030204" pitchFamily="49" charset="0"/>
+                </a:rPr>
+                <a:t>GradientBoostingClassifier</a:t>
+              </a:r>
+              <a:r>
+                <a:rPr lang="en-SG" sz="1100">
+                  <a:latin typeface="Consolas" panose="020B0609020204030204" pitchFamily="49" charset="0"/>
+                </a:rPr>
+                <a:t>(n_estimators=300, max_depth=1, random_state=1)</a:t>
+              </a:r>
+            </a:p>
+            <a:p>
+              <a:r>
+                <a:rPr lang="en-SG" sz="1100">
+                  <a:latin typeface="Consolas" panose="020B0609020204030204" pitchFamily="49" charset="0"/>
+                </a:rPr>
+                <a:t>model.</a:t>
+              </a:r>
+              <a:r>
+                <a:rPr lang="en-SG" sz="1100">
+                  <a:solidFill>
+                    <a:srgbClr val="FF0000"/>
+                  </a:solidFill>
+                  <a:latin typeface="Consolas" panose="020B0609020204030204" pitchFamily="49" charset="0"/>
+                </a:rPr>
+                <a:t>fit</a:t>
+              </a:r>
+              <a:r>
+                <a:rPr lang="en-SG" sz="1100">
+                  <a:latin typeface="Consolas" panose="020B0609020204030204" pitchFamily="49" charset="0"/>
+                </a:rPr>
+                <a:t>(X_train, y_train)</a:t>
+              </a:r>
+            </a:p>
+            <a:p>
+              <a:endParaRPr lang="en-SG" sz="1100">
+                <a:latin typeface="Consolas" panose="020B0609020204030204" pitchFamily="49" charset="0"/>
+              </a:endParaRPr>
+            </a:p>
+            <a:p>
+              <a:r>
+                <a:rPr lang="en-SG" sz="1100">
+                  <a:latin typeface="Consolas" panose="020B0609020204030204" pitchFamily="49" charset="0"/>
+                </a:rPr>
+                <a:t>y_pred = model.predict(X_test)</a:t>
+              </a:r>
+            </a:p>
+            <a:p>
+              <a:r>
+                <a:rPr lang="en-SG" sz="1100">
+                  <a:latin typeface="Consolas" panose="020B0609020204030204" pitchFamily="49" charset="0"/>
+                </a:rPr>
+                <a:t>print(accuracy_score(y_test, y_pred))</a:t>
+              </a:r>
+            </a:p>
+          </p:txBody>
+        </p:sp>
+        <p:sp>
+          <p:nvSpPr>
+            <p:cNvPr id="10" name="Rectangle 9">
+              <a:extLst>
+                <a:ext uri="{FF2B5EF4-FFF2-40B4-BE49-F238E27FC236}">
+                  <a16:creationId xmlns:a16="http://schemas.microsoft.com/office/drawing/2014/main" id="{9C6BB8FD-FA9D-EF1D-C496-1E3300630E93}"/>
+                </a:ext>
+              </a:extLst>
+            </p:cNvPr>
+            <p:cNvSpPr/>
+            <p:nvPr/>
+          </p:nvSpPr>
+          <p:spPr>
+            <a:xfrm>
+              <a:off x="5469621" y="2206305"/>
+              <a:ext cx="1451295" cy="243280"/>
+            </a:xfrm>
+            <a:prstGeom prst="rect">
+              <a:avLst/>
+            </a:prstGeom>
+            <a:noFill/>
+            <a:ln>
+              <a:solidFill>
+                <a:srgbClr val="FF0000"/>
+              </a:solidFill>
+            </a:ln>
+          </p:spPr>
+          <p:style>
+            <a:lnRef idx="2">
+              <a:schemeClr val="accent1">
+                <a:shade val="50000"/>
+              </a:schemeClr>
+            </a:lnRef>
+            <a:fillRef idx="1">
+              <a:schemeClr val="accent1"/>
+            </a:fillRef>
+            <a:effectRef idx="0">
+              <a:schemeClr val="accent1"/>
+            </a:effectRef>
+            <a:fontRef idx="minor">
+              <a:schemeClr val="lt1"/>
+            </a:fontRef>
+          </p:style>
+          <p:txBody>
+            <a:bodyPr rtlCol="0" anchor="ctr"/>
+            <a:lstStyle/>
+            <a:p>
+              <a:pPr algn="ctr"/>
+              <a:endParaRPr lang="en-SG"/>
             </a:p>
           </p:txBody>
         </p:sp>
@@ -12786,7 +14174,7 @@
     </p:spTree>
     <p:extLst>
       <p:ext uri="{BB962C8B-B14F-4D97-AF65-F5344CB8AC3E}">
-        <p14:creationId xmlns:p14="http://schemas.microsoft.com/office/powerpoint/2010/main" val="225837580"/>
+        <p14:creationId xmlns:p14="http://schemas.microsoft.com/office/powerpoint/2010/main" val="2326822357"/>
       </p:ext>
     </p:extLst>
   </p:cSld>
@@ -12797,150 +14185,6 @@
 </file>
 
 <file path=ppt/slides/slide7.xml><?xml version="1.0" encoding="utf-8"?>
-<p:sld xmlns:a="http://schemas.openxmlformats.org/drawingml/2006/main" xmlns:r="http://schemas.openxmlformats.org/officeDocument/2006/relationships" xmlns:p="http://schemas.openxmlformats.org/presentationml/2006/main">
-  <p:cSld>
-    <p:spTree>
-      <p:nvGrpSpPr>
-        <p:cNvPr id="1" name=""/>
-        <p:cNvGrpSpPr/>
-        <p:nvPr/>
-      </p:nvGrpSpPr>
-      <p:grpSpPr>
-        <a:xfrm>
-          <a:off x="0" y="0"/>
-          <a:ext cx="0" cy="0"/>
-          <a:chOff x="0" y="0"/>
-          <a:chExt cx="0" cy="0"/>
-        </a:xfrm>
-      </p:grpSpPr>
-      <p:grpSp>
-        <p:nvGrpSpPr>
-          <p:cNvPr id="6" name="Group 5">
-            <a:extLst>
-              <a:ext uri="{FF2B5EF4-FFF2-40B4-BE49-F238E27FC236}">
-                <a16:creationId xmlns:a16="http://schemas.microsoft.com/office/drawing/2014/main" id="{DFFA308C-8395-C297-593B-CCF54B0CB17F}"/>
-              </a:ext>
-            </a:extLst>
-          </p:cNvPr>
-          <p:cNvGrpSpPr/>
-          <p:nvPr/>
-        </p:nvGrpSpPr>
-        <p:grpSpPr>
-          <a:xfrm>
-            <a:off x="3280682" y="1799277"/>
-            <a:ext cx="5630636" cy="3259446"/>
-            <a:chOff x="2881993" y="408896"/>
-            <a:chExt cx="5630636" cy="3259446"/>
-          </a:xfrm>
-        </p:grpSpPr>
-        <p:pic>
-          <p:nvPicPr>
-            <p:cNvPr id="3" name="Picture 2">
-              <a:extLst>
-                <a:ext uri="{FF2B5EF4-FFF2-40B4-BE49-F238E27FC236}">
-                  <a16:creationId xmlns:a16="http://schemas.microsoft.com/office/drawing/2014/main" id="{33FF741C-F11B-AFEC-27B4-D1BD524B93F5}"/>
-                </a:ext>
-              </a:extLst>
-            </p:cNvPr>
-            <p:cNvPicPr>
-              <a:picLocks noChangeAspect="1"/>
-            </p:cNvPicPr>
-            <p:nvPr/>
-          </p:nvPicPr>
-          <p:blipFill>
-            <a:blip r:embed="rId2"/>
-            <a:stretch>
-              <a:fillRect/>
-            </a:stretch>
-          </p:blipFill>
-          <p:spPr>
-            <a:xfrm>
-              <a:off x="2881993" y="408896"/>
-              <a:ext cx="5630636" cy="3259446"/>
-            </a:xfrm>
-            <a:prstGeom prst="rect">
-              <a:avLst/>
-            </a:prstGeom>
-          </p:spPr>
-        </p:pic>
-        <p:sp>
-          <p:nvSpPr>
-            <p:cNvPr id="4" name="TextBox 3">
-              <a:extLst>
-                <a:ext uri="{FF2B5EF4-FFF2-40B4-BE49-F238E27FC236}">
-                  <a16:creationId xmlns:a16="http://schemas.microsoft.com/office/drawing/2014/main" id="{517D10E2-C1D2-18E5-83E1-1665655F384F}"/>
-                </a:ext>
-              </a:extLst>
-            </p:cNvPr>
-            <p:cNvSpPr txBox="1"/>
-            <p:nvPr/>
-          </p:nvSpPr>
-          <p:spPr>
-            <a:xfrm>
-              <a:off x="3196772" y="1904082"/>
-              <a:ext cx="4728028" cy="600164"/>
-            </a:xfrm>
-            <a:prstGeom prst="rect">
-              <a:avLst/>
-            </a:prstGeom>
-            <a:solidFill>
-              <a:schemeClr val="bg1">
-                <a:lumMod val="95000"/>
-              </a:schemeClr>
-            </a:solidFill>
-          </p:spPr>
-          <p:txBody>
-            <a:bodyPr wrap="square">
-              <a:spAutoFit/>
-            </a:bodyPr>
-            <a:lstStyle/>
-            <a:p>
-              <a:r>
-                <a:rPr lang="en-SG" sz="1100">
-                  <a:latin typeface="Consolas" panose="020B0609020204030204" pitchFamily="49" charset="0"/>
-                </a:rPr>
-                <a:t>predictions = </a:t>
-              </a:r>
-              <a:r>
-                <a:rPr lang="en-SG" sz="1100">
-                  <a:solidFill>
-                    <a:srgbClr val="FF0000"/>
-                  </a:solidFill>
-                  <a:latin typeface="Consolas" panose="020B0609020204030204" pitchFamily="49" charset="0"/>
-                </a:rPr>
-                <a:t>customer_model.predict(X_new)</a:t>
-              </a:r>
-            </a:p>
-            <a:p>
-              <a:endParaRPr lang="en-SG" sz="1100">
-                <a:latin typeface="Consolas" panose="020B0609020204030204" pitchFamily="49" charset="0"/>
-              </a:endParaRPr>
-            </a:p>
-            <a:p>
-              <a:r>
-                <a:rPr lang="en-SG" sz="1100">
-                  <a:latin typeface="Consolas" panose="020B0609020204030204" pitchFamily="49" charset="0"/>
-                </a:rPr>
-                <a:t>print(predictions)</a:t>
-              </a:r>
-            </a:p>
-          </p:txBody>
-        </p:sp>
-      </p:grpSp>
-    </p:spTree>
-    <p:extLst>
-      <p:ext uri="{BB962C8B-B14F-4D97-AF65-F5344CB8AC3E}">
-        <p14:creationId xmlns:p14="http://schemas.microsoft.com/office/powerpoint/2010/main" val="2211705868"/>
-      </p:ext>
-    </p:extLst>
-  </p:cSld>
-  <p:clrMapOvr>
-    <a:masterClrMapping/>
-  </p:clrMapOvr>
-</p:sld>
-</file>
-
-<file path=ppt/slides/slide8.xml><?xml version="1.0" encoding="utf-8"?>
 <p:sld xmlns:a="http://schemas.openxmlformats.org/drawingml/2006/main" xmlns:r="http://schemas.openxmlformats.org/officeDocument/2006/relationships" xmlns:p="http://schemas.openxmlformats.org/presentationml/2006/main">
   <p:cSld>
     <p:spTree>
@@ -13157,7 +14401,7 @@
 </p:sld>
 </file>
 
-<file path=ppt/slides/slide9.xml><?xml version="1.0" encoding="utf-8"?>
+<file path=ppt/slides/slide8.xml><?xml version="1.0" encoding="utf-8"?>
 <p:sld xmlns:a="http://schemas.openxmlformats.org/drawingml/2006/main" xmlns:r="http://schemas.openxmlformats.org/officeDocument/2006/relationships" xmlns:p="http://schemas.openxmlformats.org/presentationml/2006/main">
   <p:cSld>
     <p:spTree>
@@ -13338,6 +14582,164 @@
     <p:extLst>
       <p:ext uri="{BB962C8B-B14F-4D97-AF65-F5344CB8AC3E}">
         <p14:creationId xmlns:p14="http://schemas.microsoft.com/office/powerpoint/2010/main" val="1487227427"/>
+      </p:ext>
+    </p:extLst>
+  </p:cSld>
+  <p:clrMapOvr>
+    <a:masterClrMapping/>
+  </p:clrMapOvr>
+</p:sld>
+</file>
+
+<file path=ppt/slides/slide9.xml><?xml version="1.0" encoding="utf-8"?>
+<p:sld xmlns:a="http://schemas.openxmlformats.org/drawingml/2006/main" xmlns:r="http://schemas.openxmlformats.org/officeDocument/2006/relationships" xmlns:p="http://schemas.openxmlformats.org/presentationml/2006/main">
+  <p:cSld>
+    <p:spTree>
+      <p:nvGrpSpPr>
+        <p:cNvPr id="1" name=""/>
+        <p:cNvGrpSpPr/>
+        <p:nvPr/>
+      </p:nvGrpSpPr>
+      <p:grpSpPr>
+        <a:xfrm>
+          <a:off x="0" y="0"/>
+          <a:ext cx="0" cy="0"/>
+          <a:chOff x="0" y="0"/>
+          <a:chExt cx="0" cy="0"/>
+        </a:xfrm>
+      </p:grpSpPr>
+      <p:grpSp>
+        <p:nvGrpSpPr>
+          <p:cNvPr id="5" name="Group 4">
+            <a:extLst>
+              <a:ext uri="{FF2B5EF4-FFF2-40B4-BE49-F238E27FC236}">
+                <a16:creationId xmlns:a16="http://schemas.microsoft.com/office/drawing/2014/main" id="{9F71F088-1D28-0C77-CC78-62EE674A94C2}"/>
+              </a:ext>
+            </a:extLst>
+          </p:cNvPr>
+          <p:cNvGrpSpPr/>
+          <p:nvPr/>
+        </p:nvGrpSpPr>
+        <p:grpSpPr>
+          <a:xfrm>
+            <a:off x="3570854" y="889022"/>
+            <a:ext cx="5050292" cy="5079956"/>
+            <a:chOff x="2852738" y="166688"/>
+            <a:chExt cx="5050292" cy="5079956"/>
+          </a:xfrm>
+        </p:grpSpPr>
+        <p:pic>
+          <p:nvPicPr>
+            <p:cNvPr id="3" name="Picture 2">
+              <a:extLst>
+                <a:ext uri="{FF2B5EF4-FFF2-40B4-BE49-F238E27FC236}">
+                  <a16:creationId xmlns:a16="http://schemas.microsoft.com/office/drawing/2014/main" id="{6A25573E-9683-8E38-EB67-F25970C803DE}"/>
+                </a:ext>
+              </a:extLst>
+            </p:cNvPr>
+            <p:cNvPicPr>
+              <a:picLocks noChangeAspect="1"/>
+            </p:cNvPicPr>
+            <p:nvPr/>
+          </p:nvPicPr>
+          <p:blipFill>
+            <a:blip r:embed="rId2"/>
+            <a:stretch>
+              <a:fillRect/>
+            </a:stretch>
+          </p:blipFill>
+          <p:spPr>
+            <a:xfrm>
+              <a:off x="2852738" y="166688"/>
+              <a:ext cx="5050292" cy="5079956"/>
+            </a:xfrm>
+            <a:prstGeom prst="rect">
+              <a:avLst/>
+            </a:prstGeom>
+          </p:spPr>
+        </p:pic>
+        <p:sp>
+          <p:nvSpPr>
+            <p:cNvPr id="4" name="TextBox 3">
+              <a:extLst>
+                <a:ext uri="{FF2B5EF4-FFF2-40B4-BE49-F238E27FC236}">
+                  <a16:creationId xmlns:a16="http://schemas.microsoft.com/office/drawing/2014/main" id="{C9E81E02-AA82-66DF-7BB9-1CAFB848978F}"/>
+                </a:ext>
+              </a:extLst>
+            </p:cNvPr>
+            <p:cNvSpPr txBox="1"/>
+            <p:nvPr/>
+          </p:nvSpPr>
+          <p:spPr>
+            <a:xfrm>
+              <a:off x="3182711" y="2586253"/>
+              <a:ext cx="4030890" cy="769441"/>
+            </a:xfrm>
+            <a:prstGeom prst="rect">
+              <a:avLst/>
+            </a:prstGeom>
+            <a:solidFill>
+              <a:schemeClr val="bg1">
+                <a:lumMod val="95000"/>
+              </a:schemeClr>
+            </a:solidFill>
+          </p:spPr>
+          <p:txBody>
+            <a:bodyPr wrap="square">
+              <a:spAutoFit/>
+            </a:bodyPr>
+            <a:lstStyle/>
+            <a:p>
+              <a:r>
+                <a:rPr lang="en-SG" sz="1100">
+                  <a:latin typeface="Consolas" panose="020B0609020204030204" pitchFamily="49" charset="0"/>
+                </a:rPr>
+                <a:t>import pandas as pd</a:t>
+              </a:r>
+            </a:p>
+            <a:p>
+              <a:endParaRPr lang="en-SG" sz="1100">
+                <a:latin typeface="Consolas" panose="020B0609020204030204" pitchFamily="49" charset="0"/>
+              </a:endParaRPr>
+            </a:p>
+            <a:p>
+              <a:r>
+                <a:rPr lang="en-SG" sz="1100">
+                  <a:latin typeface="Consolas" panose="020B0609020204030204" pitchFamily="49" charset="0"/>
+                </a:rPr>
+                <a:t>encoded = pd.</a:t>
+              </a:r>
+              <a:r>
+                <a:rPr lang="en-SG" sz="1100">
+                  <a:solidFill>
+                    <a:srgbClr val="FF0000"/>
+                  </a:solidFill>
+                  <a:latin typeface="Consolas" panose="020B0609020204030204" pitchFamily="49" charset="0"/>
+                </a:rPr>
+                <a:t>get_dummies</a:t>
+              </a:r>
+              <a:r>
+                <a:rPr lang="en-SG" sz="1100">
+                  <a:latin typeface="Consolas" panose="020B0609020204030204" pitchFamily="49" charset="0"/>
+                </a:rPr>
+                <a:t>(df, columns=['Animal'])</a:t>
+              </a:r>
+            </a:p>
+            <a:p>
+              <a:r>
+                <a:rPr lang="en-SG" sz="1100">
+                  <a:latin typeface="Consolas" panose="020B0609020204030204" pitchFamily="49" charset="0"/>
+                </a:rPr>
+                <a:t>print(encoded)</a:t>
+              </a:r>
+            </a:p>
+          </p:txBody>
+        </p:sp>
+      </p:grpSp>
+    </p:spTree>
+    <p:extLst>
+      <p:ext uri="{BB962C8B-B14F-4D97-AF65-F5344CB8AC3E}">
+        <p14:creationId xmlns:p14="http://schemas.microsoft.com/office/powerpoint/2010/main" val="225837580"/>
       </p:ext>
     </p:extLst>
   </p:cSld>

--- a/Model_Development.pptx
+++ b/Model_Development.pptx
@@ -13,45 +13,48 @@
     <p:sldId id="322" r:id="rId7"/>
     <p:sldId id="276" r:id="rId8"/>
     <p:sldId id="300" r:id="rId9"/>
-    <p:sldId id="282" r:id="rId10"/>
-    <p:sldId id="284" r:id="rId11"/>
-    <p:sldId id="311" r:id="rId12"/>
-    <p:sldId id="285" r:id="rId13"/>
-    <p:sldId id="286" r:id="rId14"/>
-    <p:sldId id="287" r:id="rId15"/>
-    <p:sldId id="288" r:id="rId16"/>
-    <p:sldId id="323" r:id="rId17"/>
-    <p:sldId id="289" r:id="rId18"/>
-    <p:sldId id="312" r:id="rId19"/>
-    <p:sldId id="290" r:id="rId20"/>
-    <p:sldId id="291" r:id="rId21"/>
-    <p:sldId id="292" r:id="rId22"/>
-    <p:sldId id="296" r:id="rId23"/>
-    <p:sldId id="310" r:id="rId24"/>
-    <p:sldId id="293" r:id="rId25"/>
-    <p:sldId id="319" r:id="rId26"/>
-    <p:sldId id="320" r:id="rId27"/>
-    <p:sldId id="294" r:id="rId28"/>
-    <p:sldId id="295" r:id="rId29"/>
-    <p:sldId id="297" r:id="rId30"/>
-    <p:sldId id="298" r:id="rId31"/>
-    <p:sldId id="321" r:id="rId32"/>
-    <p:sldId id="299" r:id="rId33"/>
-    <p:sldId id="302" r:id="rId34"/>
-    <p:sldId id="303" r:id="rId35"/>
-    <p:sldId id="314" r:id="rId36"/>
-    <p:sldId id="304" r:id="rId37"/>
-    <p:sldId id="305" r:id="rId38"/>
-    <p:sldId id="306" r:id="rId39"/>
-    <p:sldId id="307" r:id="rId40"/>
-    <p:sldId id="308" r:id="rId41"/>
-    <p:sldId id="309" r:id="rId42"/>
-    <p:sldId id="313" r:id="rId43"/>
-    <p:sldId id="315" r:id="rId44"/>
-    <p:sldId id="316" r:id="rId45"/>
-    <p:sldId id="324" r:id="rId46"/>
-    <p:sldId id="317" r:id="rId47"/>
-    <p:sldId id="318" r:id="rId48"/>
+    <p:sldId id="287" r:id="rId10"/>
+    <p:sldId id="316" r:id="rId11"/>
+    <p:sldId id="282" r:id="rId12"/>
+    <p:sldId id="284" r:id="rId13"/>
+    <p:sldId id="311" r:id="rId14"/>
+    <p:sldId id="285" r:id="rId15"/>
+    <p:sldId id="286" r:id="rId16"/>
+    <p:sldId id="288" r:id="rId17"/>
+    <p:sldId id="323" r:id="rId18"/>
+    <p:sldId id="289" r:id="rId19"/>
+    <p:sldId id="312" r:id="rId20"/>
+    <p:sldId id="290" r:id="rId21"/>
+    <p:sldId id="291" r:id="rId22"/>
+    <p:sldId id="292" r:id="rId23"/>
+    <p:sldId id="296" r:id="rId24"/>
+    <p:sldId id="310" r:id="rId25"/>
+    <p:sldId id="293" r:id="rId26"/>
+    <p:sldId id="315" r:id="rId27"/>
+    <p:sldId id="325" r:id="rId28"/>
+    <p:sldId id="319" r:id="rId29"/>
+    <p:sldId id="320" r:id="rId30"/>
+    <p:sldId id="294" r:id="rId31"/>
+    <p:sldId id="295" r:id="rId32"/>
+    <p:sldId id="297" r:id="rId33"/>
+    <p:sldId id="298" r:id="rId34"/>
+    <p:sldId id="321" r:id="rId35"/>
+    <p:sldId id="299" r:id="rId36"/>
+    <p:sldId id="302" r:id="rId37"/>
+    <p:sldId id="303" r:id="rId38"/>
+    <p:sldId id="314" r:id="rId39"/>
+    <p:sldId id="304" r:id="rId40"/>
+    <p:sldId id="324" r:id="rId41"/>
+    <p:sldId id="305" r:id="rId42"/>
+    <p:sldId id="306" r:id="rId43"/>
+    <p:sldId id="307" r:id="rId44"/>
+    <p:sldId id="308" r:id="rId45"/>
+    <p:sldId id="317" r:id="rId46"/>
+    <p:sldId id="309" r:id="rId47"/>
+    <p:sldId id="313" r:id="rId48"/>
+    <p:sldId id="326" r:id="rId49"/>
+    <p:sldId id="327" r:id="rId50"/>
+    <p:sldId id="318" r:id="rId51"/>
   </p:sldIdLst>
   <p:sldSz cx="12192000" cy="6858000"/>
   <p:notesSz cx="6858000" cy="9144000"/>
@@ -2357,7 +2360,7 @@
           <a:p>
             <a:fld id="{DD33691C-5F19-41E5-B321-0F7EE4E2A2F5}" type="datetimeFigureOut">
               <a:rPr lang="en-SG" smtClean="0"/>
-              <a:t>4 Dec 2022</a:t>
+              <a:t>5 Dec 2022</a:t>
             </a:fld>
             <a:endParaRPr lang="en-SG"/>
           </a:p>
@@ -2557,7 +2560,7 @@
           <a:p>
             <a:fld id="{DD33691C-5F19-41E5-B321-0F7EE4E2A2F5}" type="datetimeFigureOut">
               <a:rPr lang="en-SG" smtClean="0"/>
-              <a:t>4 Dec 2022</a:t>
+              <a:t>5 Dec 2022</a:t>
             </a:fld>
             <a:endParaRPr lang="en-SG"/>
           </a:p>
@@ -2767,7 +2770,7 @@
           <a:p>
             <a:fld id="{DD33691C-5F19-41E5-B321-0F7EE4E2A2F5}" type="datetimeFigureOut">
               <a:rPr lang="en-SG" smtClean="0"/>
-              <a:t>4 Dec 2022</a:t>
+              <a:t>5 Dec 2022</a:t>
             </a:fld>
             <a:endParaRPr lang="en-SG"/>
           </a:p>
@@ -2967,7 +2970,7 @@
           <a:p>
             <a:fld id="{DD33691C-5F19-41E5-B321-0F7EE4E2A2F5}" type="datetimeFigureOut">
               <a:rPr lang="en-SG" smtClean="0"/>
-              <a:t>4 Dec 2022</a:t>
+              <a:t>5 Dec 2022</a:t>
             </a:fld>
             <a:endParaRPr lang="en-SG"/>
           </a:p>
@@ -3243,7 +3246,7 @@
           <a:p>
             <a:fld id="{DD33691C-5F19-41E5-B321-0F7EE4E2A2F5}" type="datetimeFigureOut">
               <a:rPr lang="en-SG" smtClean="0"/>
-              <a:t>4 Dec 2022</a:t>
+              <a:t>5 Dec 2022</a:t>
             </a:fld>
             <a:endParaRPr lang="en-SG"/>
           </a:p>
@@ -3511,7 +3514,7 @@
           <a:p>
             <a:fld id="{DD33691C-5F19-41E5-B321-0F7EE4E2A2F5}" type="datetimeFigureOut">
               <a:rPr lang="en-SG" smtClean="0"/>
-              <a:t>4 Dec 2022</a:t>
+              <a:t>5 Dec 2022</a:t>
             </a:fld>
             <a:endParaRPr lang="en-SG"/>
           </a:p>
@@ -3926,7 +3929,7 @@
           <a:p>
             <a:fld id="{DD33691C-5F19-41E5-B321-0F7EE4E2A2F5}" type="datetimeFigureOut">
               <a:rPr lang="en-SG" smtClean="0"/>
-              <a:t>4 Dec 2022</a:t>
+              <a:t>5 Dec 2022</a:t>
             </a:fld>
             <a:endParaRPr lang="en-SG"/>
           </a:p>
@@ -4068,7 +4071,7 @@
           <a:p>
             <a:fld id="{DD33691C-5F19-41E5-B321-0F7EE4E2A2F5}" type="datetimeFigureOut">
               <a:rPr lang="en-SG" smtClean="0"/>
-              <a:t>4 Dec 2022</a:t>
+              <a:t>5 Dec 2022</a:t>
             </a:fld>
             <a:endParaRPr lang="en-SG"/>
           </a:p>
@@ -4181,7 +4184,7 @@
           <a:p>
             <a:fld id="{DD33691C-5F19-41E5-B321-0F7EE4E2A2F5}" type="datetimeFigureOut">
               <a:rPr lang="en-SG" smtClean="0"/>
-              <a:t>4 Dec 2022</a:t>
+              <a:t>5 Dec 2022</a:t>
             </a:fld>
             <a:endParaRPr lang="en-SG"/>
           </a:p>
@@ -4494,7 +4497,7 @@
           <a:p>
             <a:fld id="{DD33691C-5F19-41E5-B321-0F7EE4E2A2F5}" type="datetimeFigureOut">
               <a:rPr lang="en-SG" smtClean="0"/>
-              <a:t>4 Dec 2022</a:t>
+              <a:t>5 Dec 2022</a:t>
             </a:fld>
             <a:endParaRPr lang="en-SG"/>
           </a:p>
@@ -4783,7 +4786,7 @@
           <a:p>
             <a:fld id="{DD33691C-5F19-41E5-B321-0F7EE4E2A2F5}" type="datetimeFigureOut">
               <a:rPr lang="en-SG" smtClean="0"/>
-              <a:t>4 Dec 2022</a:t>
+              <a:t>5 Dec 2022</a:t>
             </a:fld>
             <a:endParaRPr lang="en-SG"/>
           </a:p>
@@ -5026,7 +5029,7 @@
           <a:p>
             <a:fld id="{DD33691C-5F19-41E5-B321-0F7EE4E2A2F5}" type="datetimeFigureOut">
               <a:rPr lang="en-SG" smtClean="0"/>
-              <a:t>4 Dec 2022</a:t>
+              <a:t>5 Dec 2022</a:t>
             </a:fld>
             <a:endParaRPr lang="en-SG"/>
           </a:p>
@@ -5543,6 +5546,521 @@
           <a:chExt cx="0" cy="0"/>
         </a:xfrm>
       </p:grpSpPr>
+      <p:sp>
+        <p:nvSpPr>
+          <p:cNvPr id="7" name="TextBox 6">
+            <a:extLst>
+              <a:ext uri="{FF2B5EF4-FFF2-40B4-BE49-F238E27FC236}">
+                <a16:creationId xmlns:a16="http://schemas.microsoft.com/office/drawing/2014/main" id="{084973DE-3109-D5E2-D630-F9F2BA2589E8}"/>
+              </a:ext>
+            </a:extLst>
+          </p:cNvPr>
+          <p:cNvSpPr txBox="1"/>
+          <p:nvPr/>
+        </p:nvSpPr>
+        <p:spPr>
+          <a:xfrm>
+            <a:off x="9383486" y="82715"/>
+            <a:ext cx="2722563" cy="369332"/>
+          </a:xfrm>
+          <a:prstGeom prst="rect">
+            <a:avLst/>
+          </a:prstGeom>
+          <a:solidFill>
+            <a:schemeClr val="accent2"/>
+          </a:solidFill>
+        </p:spPr>
+        <p:txBody>
+          <a:bodyPr wrap="square" rtlCol="0">
+            <a:spAutoFit/>
+          </a:bodyPr>
+          <a:lstStyle/>
+          <a:p>
+            <a:pPr algn="ctr"/>
+            <a:r>
+              <a:rPr lang="en-GB"/>
+              <a:t>HARD</a:t>
+            </a:r>
+            <a:endParaRPr lang="en-SG"/>
+          </a:p>
+        </p:txBody>
+      </p:sp>
+      <p:grpSp>
+        <p:nvGrpSpPr>
+          <p:cNvPr id="9" name="Group 8">
+            <a:extLst>
+              <a:ext uri="{FF2B5EF4-FFF2-40B4-BE49-F238E27FC236}">
+                <a16:creationId xmlns:a16="http://schemas.microsoft.com/office/drawing/2014/main" id="{E808E5D7-C646-A566-9723-83EAB1FB5CD7}"/>
+              </a:ext>
+            </a:extLst>
+          </p:cNvPr>
+          <p:cNvGrpSpPr/>
+          <p:nvPr/>
+        </p:nvGrpSpPr>
+        <p:grpSpPr>
+          <a:xfrm>
+            <a:off x="2872414" y="345524"/>
+            <a:ext cx="6447171" cy="6166952"/>
+            <a:chOff x="3015612" y="220687"/>
+            <a:chExt cx="6447171" cy="6166952"/>
+          </a:xfrm>
+        </p:grpSpPr>
+        <p:pic>
+          <p:nvPicPr>
+            <p:cNvPr id="3" name="Picture 2">
+              <a:extLst>
+                <a:ext uri="{FF2B5EF4-FFF2-40B4-BE49-F238E27FC236}">
+                  <a16:creationId xmlns:a16="http://schemas.microsoft.com/office/drawing/2014/main" id="{8282698A-2E8B-288E-679D-1F3E2F2E7A55}"/>
+                </a:ext>
+              </a:extLst>
+            </p:cNvPr>
+            <p:cNvPicPr>
+              <a:picLocks noChangeAspect="1"/>
+            </p:cNvPicPr>
+            <p:nvPr/>
+          </p:nvPicPr>
+          <p:blipFill rotWithShape="1">
+            <a:blip r:embed="rId2"/>
+            <a:srcRect b="70520"/>
+            <a:stretch/>
+          </p:blipFill>
+          <p:spPr>
+            <a:xfrm>
+              <a:off x="3015612" y="220687"/>
+              <a:ext cx="6447169" cy="2206365"/>
+            </a:xfrm>
+            <a:prstGeom prst="rect">
+              <a:avLst/>
+            </a:prstGeom>
+          </p:spPr>
+        </p:pic>
+        <p:sp>
+          <p:nvSpPr>
+            <p:cNvPr id="4" name="TextBox 3">
+              <a:extLst>
+                <a:ext uri="{FF2B5EF4-FFF2-40B4-BE49-F238E27FC236}">
+                  <a16:creationId xmlns:a16="http://schemas.microsoft.com/office/drawing/2014/main" id="{D076CF4E-660E-A7B3-CD44-BD5459CB5B26}"/>
+                </a:ext>
+              </a:extLst>
+            </p:cNvPr>
+            <p:cNvSpPr txBox="1"/>
+            <p:nvPr/>
+          </p:nvSpPr>
+          <p:spPr>
+            <a:xfrm>
+              <a:off x="3015613" y="2427052"/>
+              <a:ext cx="6447170" cy="2462213"/>
+            </a:xfrm>
+            <a:prstGeom prst="rect">
+              <a:avLst/>
+            </a:prstGeom>
+            <a:solidFill>
+              <a:schemeClr val="bg1">
+                <a:lumMod val="95000"/>
+              </a:schemeClr>
+            </a:solidFill>
+          </p:spPr>
+          <p:txBody>
+            <a:bodyPr wrap="square">
+              <a:spAutoFit/>
+            </a:bodyPr>
+            <a:lstStyle>
+              <a:defPPr>
+                <a:defRPr lang="en-US"/>
+              </a:defPPr>
+              <a:lvl1pPr>
+                <a:defRPr sz="1200" b="0" i="0">
+                  <a:solidFill>
+                    <a:srgbClr val="05192D"/>
+                  </a:solidFill>
+                  <a:effectLst/>
+                  <a:latin typeface="Consolas" panose="020B0609020204030204" pitchFamily="49" charset="0"/>
+                </a:defRPr>
+              </a:lvl1pPr>
+            </a:lstStyle>
+            <a:p>
+              <a:r>
+                <a:rPr lang="en-SG" sz="1100"/>
+                <a:t>import pandas as pd</a:t>
+              </a:r>
+            </a:p>
+            <a:p>
+              <a:r>
+                <a:rPr lang="en-SG" sz="1100"/>
+                <a:t>from sklearn import model_selection</a:t>
+              </a:r>
+            </a:p>
+            <a:p>
+              <a:endParaRPr lang="en-SG" sz="1100"/>
+            </a:p>
+            <a:p>
+              <a:r>
+                <a:rPr lang="en-SG" sz="1100"/>
+                <a:t>X_temp, X_test, y_temp, y_test = model_selection.</a:t>
+              </a:r>
+              <a:r>
+                <a:rPr lang="en-SG" sz="1100">
+                  <a:solidFill>
+                    <a:srgbClr val="FF0000"/>
+                  </a:solidFill>
+                </a:rPr>
+                <a:t>train_test_split</a:t>
+              </a:r>
+              <a:r>
+                <a:rPr lang="en-SG" sz="1100"/>
+                <a:t>(</a:t>
+              </a:r>
+              <a:r>
+                <a:rPr lang="en-SG" sz="1100">
+                  <a:solidFill>
+                    <a:srgbClr val="FF0000"/>
+                  </a:solidFill>
+                </a:rPr>
+                <a:t>X</a:t>
+              </a:r>
+              <a:r>
+                <a:rPr lang="en-SG" sz="1100"/>
+                <a:t>, </a:t>
+              </a:r>
+              <a:r>
+                <a:rPr lang="en-SG" sz="1100">
+                  <a:solidFill>
+                    <a:srgbClr val="FF0000"/>
+                  </a:solidFill>
+                </a:rPr>
+                <a:t>y</a:t>
+              </a:r>
+              <a:r>
+                <a:rPr lang="en-SG" sz="1100"/>
+                <a:t>, </a:t>
+              </a:r>
+            </a:p>
+            <a:p>
+              <a:r>
+                <a:rPr lang="en-SG" sz="1100">
+                  <a:solidFill>
+                    <a:srgbClr val="FF0000"/>
+                  </a:solidFill>
+                </a:rPr>
+                <a:t>test_size</a:t>
+              </a:r>
+              <a:r>
+                <a:rPr lang="en-SG" sz="1100"/>
+                <a:t>=0.2, </a:t>
+              </a:r>
+            </a:p>
+            <a:p>
+              <a:r>
+                <a:rPr lang="en-SG" sz="1100"/>
+                <a:t>random_state=42)</a:t>
+              </a:r>
+            </a:p>
+            <a:p>
+              <a:endParaRPr lang="en-SG" sz="1100"/>
+            </a:p>
+            <a:p>
+              <a:r>
+                <a:rPr lang="en-SG" sz="1100"/>
+                <a:t>X_train, X_val, y_train, y_val = model_selection.</a:t>
+              </a:r>
+              <a:r>
+                <a:rPr lang="en-SG" sz="1100">
+                  <a:solidFill>
+                    <a:srgbClr val="FF0000"/>
+                  </a:solidFill>
+                </a:rPr>
+                <a:t>train_test_split</a:t>
+              </a:r>
+              <a:r>
+                <a:rPr lang="en-SG" sz="1100"/>
+                <a:t>(</a:t>
+              </a:r>
+              <a:r>
+                <a:rPr lang="en-SG" sz="1100">
+                  <a:solidFill>
+                    <a:srgbClr val="FF0000"/>
+                  </a:solidFill>
+                </a:rPr>
+                <a:t>X_temp</a:t>
+              </a:r>
+              <a:r>
+                <a:rPr lang="en-SG" sz="1100"/>
+                <a:t>, </a:t>
+              </a:r>
+              <a:r>
+                <a:rPr lang="en-SG" sz="1100">
+                  <a:solidFill>
+                    <a:srgbClr val="FF0000"/>
+                  </a:solidFill>
+                </a:rPr>
+                <a:t>y_temp</a:t>
+              </a:r>
+              <a:r>
+                <a:rPr lang="en-SG" sz="1100"/>
+                <a:t>, </a:t>
+              </a:r>
+            </a:p>
+            <a:p>
+              <a:r>
+                <a:rPr lang="en-SG" sz="1100">
+                  <a:solidFill>
+                    <a:srgbClr val="FF0000"/>
+                  </a:solidFill>
+                </a:rPr>
+                <a:t>test_size</a:t>
+              </a:r>
+              <a:r>
+                <a:rPr lang="en-SG" sz="1100"/>
+                <a:t>=0.25, </a:t>
+              </a:r>
+            </a:p>
+            <a:p>
+              <a:r>
+                <a:rPr lang="en-SG" sz="1100"/>
+                <a:t>random_state=42)</a:t>
+              </a:r>
+            </a:p>
+            <a:p>
+              <a:endParaRPr lang="en-SG" sz="1100"/>
+            </a:p>
+            <a:p>
+              <a:r>
+                <a:rPr lang="en-SG" sz="1100"/>
+                <a:t>print("X_train shape: ", X_train.shape)</a:t>
+              </a:r>
+            </a:p>
+            <a:p>
+              <a:r>
+                <a:rPr lang="en-SG" sz="1100"/>
+                <a:t>print("X_test shape: ", X_test.shape)</a:t>
+              </a:r>
+            </a:p>
+            <a:p>
+              <a:r>
+                <a:rPr lang="en-SG" sz="1100"/>
+                <a:t>print("X_val shape: ", X_test.shape)</a:t>
+              </a:r>
+            </a:p>
+          </p:txBody>
+        </p:sp>
+        <p:pic>
+          <p:nvPicPr>
+            <p:cNvPr id="8" name="Picture 7">
+              <a:extLst>
+                <a:ext uri="{FF2B5EF4-FFF2-40B4-BE49-F238E27FC236}">
+                  <a16:creationId xmlns:a16="http://schemas.microsoft.com/office/drawing/2014/main" id="{267F16F8-37B2-00C2-249E-3F8935F0B50B}"/>
+                </a:ext>
+              </a:extLst>
+            </p:cNvPr>
+            <p:cNvPicPr>
+              <a:picLocks noChangeAspect="1"/>
+            </p:cNvPicPr>
+            <p:nvPr/>
+          </p:nvPicPr>
+          <p:blipFill rotWithShape="1">
+            <a:blip r:embed="rId2"/>
+            <a:srcRect t="79980"/>
+            <a:stretch/>
+          </p:blipFill>
+          <p:spPr>
+            <a:xfrm>
+              <a:off x="3015612" y="4889264"/>
+              <a:ext cx="6447168" cy="1498375"/>
+            </a:xfrm>
+            <a:prstGeom prst="rect">
+              <a:avLst/>
+            </a:prstGeom>
+          </p:spPr>
+        </p:pic>
+      </p:grpSp>
+    </p:spTree>
+    <p:extLst>
+      <p:ext uri="{BB962C8B-B14F-4D97-AF65-F5344CB8AC3E}">
+        <p14:creationId xmlns:p14="http://schemas.microsoft.com/office/powerpoint/2010/main" val="4078456783"/>
+      </p:ext>
+    </p:extLst>
+  </p:cSld>
+  <p:clrMapOvr>
+    <a:masterClrMapping/>
+  </p:clrMapOvr>
+</p:sld>
+</file>
+
+<file path=ppt/slides/slide11.xml><?xml version="1.0" encoding="utf-8"?>
+<p:sld xmlns:a="http://schemas.openxmlformats.org/drawingml/2006/main" xmlns:r="http://schemas.openxmlformats.org/officeDocument/2006/relationships" xmlns:p="http://schemas.openxmlformats.org/presentationml/2006/main">
+  <p:cSld>
+    <p:spTree>
+      <p:nvGrpSpPr>
+        <p:cNvPr id="1" name=""/>
+        <p:cNvGrpSpPr/>
+        <p:nvPr/>
+      </p:nvGrpSpPr>
+      <p:grpSpPr>
+        <a:xfrm>
+          <a:off x="0" y="0"/>
+          <a:ext cx="0" cy="0"/>
+          <a:chOff x="0" y="0"/>
+          <a:chExt cx="0" cy="0"/>
+        </a:xfrm>
+      </p:grpSpPr>
+      <p:grpSp>
+        <p:nvGrpSpPr>
+          <p:cNvPr id="5" name="Group 4">
+            <a:extLst>
+              <a:ext uri="{FF2B5EF4-FFF2-40B4-BE49-F238E27FC236}">
+                <a16:creationId xmlns:a16="http://schemas.microsoft.com/office/drawing/2014/main" id="{9F71F088-1D28-0C77-CC78-62EE674A94C2}"/>
+              </a:ext>
+            </a:extLst>
+          </p:cNvPr>
+          <p:cNvGrpSpPr/>
+          <p:nvPr/>
+        </p:nvGrpSpPr>
+        <p:grpSpPr>
+          <a:xfrm>
+            <a:off x="3570854" y="889022"/>
+            <a:ext cx="5050292" cy="5079956"/>
+            <a:chOff x="2852738" y="166688"/>
+            <a:chExt cx="5050292" cy="5079956"/>
+          </a:xfrm>
+        </p:grpSpPr>
+        <p:pic>
+          <p:nvPicPr>
+            <p:cNvPr id="3" name="Picture 2">
+              <a:extLst>
+                <a:ext uri="{FF2B5EF4-FFF2-40B4-BE49-F238E27FC236}">
+                  <a16:creationId xmlns:a16="http://schemas.microsoft.com/office/drawing/2014/main" id="{6A25573E-9683-8E38-EB67-F25970C803DE}"/>
+                </a:ext>
+              </a:extLst>
+            </p:cNvPr>
+            <p:cNvPicPr>
+              <a:picLocks noChangeAspect="1"/>
+            </p:cNvPicPr>
+            <p:nvPr/>
+          </p:nvPicPr>
+          <p:blipFill>
+            <a:blip r:embed="rId2"/>
+            <a:stretch>
+              <a:fillRect/>
+            </a:stretch>
+          </p:blipFill>
+          <p:spPr>
+            <a:xfrm>
+              <a:off x="2852738" y="166688"/>
+              <a:ext cx="5050292" cy="5079956"/>
+            </a:xfrm>
+            <a:prstGeom prst="rect">
+              <a:avLst/>
+            </a:prstGeom>
+          </p:spPr>
+        </p:pic>
+        <p:sp>
+          <p:nvSpPr>
+            <p:cNvPr id="4" name="TextBox 3">
+              <a:extLst>
+                <a:ext uri="{FF2B5EF4-FFF2-40B4-BE49-F238E27FC236}">
+                  <a16:creationId xmlns:a16="http://schemas.microsoft.com/office/drawing/2014/main" id="{C9E81E02-AA82-66DF-7BB9-1CAFB848978F}"/>
+                </a:ext>
+              </a:extLst>
+            </p:cNvPr>
+            <p:cNvSpPr txBox="1"/>
+            <p:nvPr/>
+          </p:nvSpPr>
+          <p:spPr>
+            <a:xfrm>
+              <a:off x="3182711" y="2586253"/>
+              <a:ext cx="4030890" cy="769441"/>
+            </a:xfrm>
+            <a:prstGeom prst="rect">
+              <a:avLst/>
+            </a:prstGeom>
+            <a:solidFill>
+              <a:schemeClr val="bg1">
+                <a:lumMod val="95000"/>
+              </a:schemeClr>
+            </a:solidFill>
+          </p:spPr>
+          <p:txBody>
+            <a:bodyPr wrap="square">
+              <a:spAutoFit/>
+            </a:bodyPr>
+            <a:lstStyle/>
+            <a:p>
+              <a:r>
+                <a:rPr lang="en-SG" sz="1100">
+                  <a:latin typeface="Consolas" panose="020B0609020204030204" pitchFamily="49" charset="0"/>
+                </a:rPr>
+                <a:t>import pandas as pd</a:t>
+              </a:r>
+            </a:p>
+            <a:p>
+              <a:endParaRPr lang="en-SG" sz="1100">
+                <a:latin typeface="Consolas" panose="020B0609020204030204" pitchFamily="49" charset="0"/>
+              </a:endParaRPr>
+            </a:p>
+            <a:p>
+              <a:r>
+                <a:rPr lang="en-SG" sz="1100">
+                  <a:latin typeface="Consolas" panose="020B0609020204030204" pitchFamily="49" charset="0"/>
+                </a:rPr>
+                <a:t>encoded = pd.</a:t>
+              </a:r>
+              <a:r>
+                <a:rPr lang="en-SG" sz="1100">
+                  <a:solidFill>
+                    <a:srgbClr val="FF0000"/>
+                  </a:solidFill>
+                  <a:latin typeface="Consolas" panose="020B0609020204030204" pitchFamily="49" charset="0"/>
+                </a:rPr>
+                <a:t>get_dummies</a:t>
+              </a:r>
+              <a:r>
+                <a:rPr lang="en-SG" sz="1100">
+                  <a:latin typeface="Consolas" panose="020B0609020204030204" pitchFamily="49" charset="0"/>
+                </a:rPr>
+                <a:t>(df, columns=['Animal'])</a:t>
+              </a:r>
+            </a:p>
+            <a:p>
+              <a:r>
+                <a:rPr lang="en-SG" sz="1100">
+                  <a:latin typeface="Consolas" panose="020B0609020204030204" pitchFamily="49" charset="0"/>
+                </a:rPr>
+                <a:t>print(encoded)</a:t>
+              </a:r>
+            </a:p>
+          </p:txBody>
+        </p:sp>
+      </p:grpSp>
+    </p:spTree>
+    <p:extLst>
+      <p:ext uri="{BB962C8B-B14F-4D97-AF65-F5344CB8AC3E}">
+        <p14:creationId xmlns:p14="http://schemas.microsoft.com/office/powerpoint/2010/main" val="225837580"/>
+      </p:ext>
+    </p:extLst>
+  </p:cSld>
+  <p:clrMapOvr>
+    <a:masterClrMapping/>
+  </p:clrMapOvr>
+</p:sld>
+</file>
+
+<file path=ppt/slides/slide12.xml><?xml version="1.0" encoding="utf-8"?>
+<p:sld xmlns:a="http://schemas.openxmlformats.org/drawingml/2006/main" xmlns:r="http://schemas.openxmlformats.org/officeDocument/2006/relationships" xmlns:p="http://schemas.openxmlformats.org/presentationml/2006/main">
+  <p:cSld>
+    <p:spTree>
+      <p:nvGrpSpPr>
+        <p:cNvPr id="1" name=""/>
+        <p:cNvGrpSpPr/>
+        <p:nvPr/>
+      </p:nvGrpSpPr>
+      <p:grpSpPr>
+        <a:xfrm>
+          <a:off x="0" y="0"/>
+          <a:ext cx="0" cy="0"/>
+          <a:chOff x="0" y="0"/>
+          <a:chExt cx="0" cy="0"/>
+        </a:xfrm>
+      </p:grpSpPr>
       <p:grpSp>
         <p:nvGrpSpPr>
           <p:cNvPr id="6" name="Group 5">
@@ -5743,7 +6261,7 @@
 </p:sld>
 </file>
 
-<file path=ppt/slides/slide11.xml><?xml version="1.0" encoding="utf-8"?>
+<file path=ppt/slides/slide13.xml><?xml version="1.0" encoding="utf-8"?>
 <p:sld xmlns:a="http://schemas.openxmlformats.org/drawingml/2006/main" xmlns:r="http://schemas.openxmlformats.org/officeDocument/2006/relationships" xmlns:p="http://schemas.openxmlformats.org/presentationml/2006/main">
   <p:cSld>
     <p:spTree>
@@ -5897,7 +6415,7 @@
 </p:sld>
 </file>
 
-<file path=ppt/slides/slide12.xml><?xml version="1.0" encoding="utf-8"?>
+<file path=ppt/slides/slide14.xml><?xml version="1.0" encoding="utf-8"?>
 <p:sld xmlns:a="http://schemas.openxmlformats.org/drawingml/2006/main" xmlns:r="http://schemas.openxmlformats.org/officeDocument/2006/relationships" xmlns:p="http://schemas.openxmlformats.org/presentationml/2006/main">
   <p:cSld>
     <p:spTree>
@@ -6041,7 +6559,7 @@
 </p:sld>
 </file>
 
-<file path=ppt/slides/slide13.xml><?xml version="1.0" encoding="utf-8"?>
+<file path=ppt/slides/slide15.xml><?xml version="1.0" encoding="utf-8"?>
 <p:sld xmlns:a="http://schemas.openxmlformats.org/drawingml/2006/main" xmlns:r="http://schemas.openxmlformats.org/officeDocument/2006/relationships" xmlns:p="http://schemas.openxmlformats.org/presentationml/2006/main">
   <p:cSld>
     <p:spTree>
@@ -6222,193 +6740,7 @@
 </p:sld>
 </file>
 
-<file path=ppt/slides/slide14.xml><?xml version="1.0" encoding="utf-8"?>
-<p:sld xmlns:a="http://schemas.openxmlformats.org/drawingml/2006/main" xmlns:r="http://schemas.openxmlformats.org/officeDocument/2006/relationships" xmlns:p="http://schemas.openxmlformats.org/presentationml/2006/main">
-  <p:cSld>
-    <p:spTree>
-      <p:nvGrpSpPr>
-        <p:cNvPr id="1" name=""/>
-        <p:cNvGrpSpPr/>
-        <p:nvPr/>
-      </p:nvGrpSpPr>
-      <p:grpSpPr>
-        <a:xfrm>
-          <a:off x="0" y="0"/>
-          <a:ext cx="0" cy="0"/>
-          <a:chOff x="0" y="0"/>
-          <a:chExt cx="0" cy="0"/>
-        </a:xfrm>
-      </p:grpSpPr>
-      <p:grpSp>
-        <p:nvGrpSpPr>
-          <p:cNvPr id="5" name="Group 4">
-            <a:extLst>
-              <a:ext uri="{FF2B5EF4-FFF2-40B4-BE49-F238E27FC236}">
-                <a16:creationId xmlns:a16="http://schemas.microsoft.com/office/drawing/2014/main" id="{DB2DFA53-55D4-EB6E-6C7B-699D1925311E}"/>
-              </a:ext>
-            </a:extLst>
-          </p:cNvPr>
-          <p:cNvGrpSpPr/>
-          <p:nvPr/>
-        </p:nvGrpSpPr>
-        <p:grpSpPr>
-          <a:xfrm>
-            <a:off x="3012508" y="1172715"/>
-            <a:ext cx="6166984" cy="4512570"/>
-            <a:chOff x="2490788" y="657225"/>
-            <a:chExt cx="6166984" cy="4512570"/>
-          </a:xfrm>
-        </p:grpSpPr>
-        <p:pic>
-          <p:nvPicPr>
-            <p:cNvPr id="3" name="Picture 2">
-              <a:extLst>
-                <a:ext uri="{FF2B5EF4-FFF2-40B4-BE49-F238E27FC236}">
-                  <a16:creationId xmlns:a16="http://schemas.microsoft.com/office/drawing/2014/main" id="{18623F7E-2A5F-0D8C-692C-2D0BE97A0C9F}"/>
-                </a:ext>
-              </a:extLst>
-            </p:cNvPr>
-            <p:cNvPicPr>
-              <a:picLocks noChangeAspect="1"/>
-            </p:cNvPicPr>
-            <p:nvPr/>
-          </p:nvPicPr>
-          <p:blipFill>
-            <a:blip r:embed="rId2"/>
-            <a:stretch>
-              <a:fillRect/>
-            </a:stretch>
-          </p:blipFill>
-          <p:spPr>
-            <a:xfrm>
-              <a:off x="2490788" y="657225"/>
-              <a:ext cx="5869442" cy="4512570"/>
-            </a:xfrm>
-            <a:prstGeom prst="rect">
-              <a:avLst/>
-            </a:prstGeom>
-          </p:spPr>
-        </p:pic>
-        <p:sp>
-          <p:nvSpPr>
-            <p:cNvPr id="4" name="TextBox 3">
-              <a:extLst>
-                <a:ext uri="{FF2B5EF4-FFF2-40B4-BE49-F238E27FC236}">
-                  <a16:creationId xmlns:a16="http://schemas.microsoft.com/office/drawing/2014/main" id="{CC842A93-BDB9-6106-44A4-527712F06599}"/>
-                </a:ext>
-              </a:extLst>
-            </p:cNvPr>
-            <p:cNvSpPr txBox="1"/>
-            <p:nvPr/>
-          </p:nvSpPr>
-          <p:spPr>
-            <a:xfrm>
-              <a:off x="2847975" y="2027699"/>
-              <a:ext cx="5809797" cy="1446550"/>
-            </a:xfrm>
-            <a:prstGeom prst="rect">
-              <a:avLst/>
-            </a:prstGeom>
-            <a:solidFill>
-              <a:schemeClr val="bg1">
-                <a:lumMod val="95000"/>
-              </a:schemeClr>
-            </a:solidFill>
-          </p:spPr>
-          <p:txBody>
-            <a:bodyPr wrap="square">
-              <a:spAutoFit/>
-            </a:bodyPr>
-            <a:lstStyle>
-              <a:defPPr>
-                <a:defRPr lang="en-US"/>
-              </a:defPPr>
-              <a:lvl1pPr>
-                <a:defRPr sz="1100">
-                  <a:latin typeface="Consolas" panose="020B0609020204030204" pitchFamily="49" charset="0"/>
-                </a:defRPr>
-              </a:lvl1pPr>
-            </a:lstStyle>
-            <a:p>
-              <a:r>
-                <a:rPr lang="en-SG"/>
-                <a:t>from sklearn import model_selection</a:t>
-              </a:r>
-            </a:p>
-            <a:p>
-              <a:endParaRPr lang="en-SG"/>
-            </a:p>
-            <a:p>
-              <a:r>
-                <a:rPr lang="en-SG"/>
-                <a:t>X_train, X_test, y_train, y_test = model_selection.</a:t>
-              </a:r>
-              <a:r>
-                <a:rPr lang="en-SG">
-                  <a:solidFill>
-                    <a:srgbClr val="FF0000"/>
-                  </a:solidFill>
-                </a:rPr>
-                <a:t>train_test_split</a:t>
-              </a:r>
-              <a:r>
-                <a:rPr lang="en-SG"/>
-                <a:t>(X, y, </a:t>
-              </a:r>
-              <a:r>
-                <a:rPr lang="en-SG">
-                  <a:solidFill>
-                    <a:srgbClr val="FF0000"/>
-                  </a:solidFill>
-                </a:rPr>
-                <a:t>train_size</a:t>
-              </a:r>
-              <a:r>
-                <a:rPr lang="en-SG"/>
-                <a:t>=0.8, random_state=42)</a:t>
-              </a:r>
-            </a:p>
-            <a:p>
-              <a:r>
-                <a:rPr lang="en-SG"/>
-                <a:t>print("X_train shape: ", X_train.shape)</a:t>
-              </a:r>
-            </a:p>
-            <a:p>
-              <a:r>
-                <a:rPr lang="en-SG"/>
-                <a:t>print("X_test shape: ", X_test.shape)</a:t>
-              </a:r>
-            </a:p>
-            <a:p>
-              <a:r>
-                <a:rPr lang="en-SG"/>
-                <a:t>print("y_train shape: ",y_train.shape)</a:t>
-              </a:r>
-            </a:p>
-            <a:p>
-              <a:r>
-                <a:rPr lang="en-SG"/>
-                <a:t>print("y_test shape: ",y_test.shape)</a:t>
-              </a:r>
-            </a:p>
-          </p:txBody>
-        </p:sp>
-      </p:grpSp>
-    </p:spTree>
-    <p:extLst>
-      <p:ext uri="{BB962C8B-B14F-4D97-AF65-F5344CB8AC3E}">
-        <p14:creationId xmlns:p14="http://schemas.microsoft.com/office/powerpoint/2010/main" val="2637876333"/>
-      </p:ext>
-    </p:extLst>
-  </p:cSld>
-  <p:clrMapOvr>
-    <a:masterClrMapping/>
-  </p:clrMapOvr>
-</p:sld>
-</file>
-
-<file path=ppt/slides/slide15.xml><?xml version="1.0" encoding="utf-8"?>
+<file path=ppt/slides/slide16.xml><?xml version="1.0" encoding="utf-8"?>
 <p:sld xmlns:a="http://schemas.openxmlformats.org/drawingml/2006/main" xmlns:r="http://schemas.openxmlformats.org/officeDocument/2006/relationships" xmlns:p="http://schemas.openxmlformats.org/presentationml/2006/main">
   <p:cSld>
     <p:spTree>
@@ -6621,6 +6953,55 @@
           </p:txBody>
         </p:sp>
       </p:grpSp>
+      <p:sp>
+        <p:nvSpPr>
+          <p:cNvPr id="6" name="TextBox 5">
+            <a:extLst>
+              <a:ext uri="{FF2B5EF4-FFF2-40B4-BE49-F238E27FC236}">
+                <a16:creationId xmlns:a16="http://schemas.microsoft.com/office/drawing/2014/main" id="{62DCC74E-CF92-6772-0B18-1E8DBD8D11AB}"/>
+              </a:ext>
+            </a:extLst>
+          </p:cNvPr>
+          <p:cNvSpPr txBox="1"/>
+          <p:nvPr/>
+        </p:nvSpPr>
+        <p:spPr>
+          <a:xfrm>
+            <a:off x="1030989" y="1040235"/>
+            <a:ext cx="2014215" cy="261610"/>
+          </a:xfrm>
+          <a:prstGeom prst="rect">
+            <a:avLst/>
+          </a:prstGeom>
+          <a:solidFill>
+            <a:schemeClr val="bg1">
+              <a:lumMod val="95000"/>
+            </a:schemeClr>
+          </a:solidFill>
+        </p:spPr>
+        <p:txBody>
+          <a:bodyPr wrap="square">
+            <a:spAutoFit/>
+          </a:bodyPr>
+          <a:lstStyle>
+            <a:defPPr>
+              <a:defRPr lang="en-US"/>
+            </a:defPPr>
+            <a:lvl1pPr>
+              <a:defRPr sz="1100">
+                <a:latin typeface="Consolas" panose="020B0609020204030204" pitchFamily="49" charset="0"/>
+              </a:defRPr>
+            </a:lvl1pPr>
+          </a:lstStyle>
+          <a:p>
+            <a:pPr algn="ctr"/>
+            <a:r>
+              <a:rPr lang="en-SG"/>
+              <a:t>Box-Cox Transformation</a:t>
+            </a:r>
+          </a:p>
+        </p:txBody>
+      </p:sp>
     </p:spTree>
     <p:extLst>
       <p:ext uri="{BB962C8B-B14F-4D97-AF65-F5344CB8AC3E}">
@@ -6634,7 +7015,7 @@
 </p:sld>
 </file>
 
-<file path=ppt/slides/slide16.xml><?xml version="1.0" encoding="utf-8"?>
+<file path=ppt/slides/slide17.xml><?xml version="1.0" encoding="utf-8"?>
 <p:sld xmlns:a="http://schemas.openxmlformats.org/drawingml/2006/main" xmlns:r="http://schemas.openxmlformats.org/officeDocument/2006/relationships" xmlns:p="http://schemas.openxmlformats.org/presentationml/2006/main">
   <p:cSld>
     <p:spTree>
@@ -6653,10 +7034,10 @@
       </p:grpSpPr>
       <p:grpSp>
         <p:nvGrpSpPr>
-          <p:cNvPr id="9" name="Group 8">
+          <p:cNvPr id="12" name="Group 11">
             <a:extLst>
               <a:ext uri="{FF2B5EF4-FFF2-40B4-BE49-F238E27FC236}">
-                <a16:creationId xmlns:a16="http://schemas.microsoft.com/office/drawing/2014/main" id="{5C7586A1-61DB-CB73-1A48-5BC2AB472593}"/>
+                <a16:creationId xmlns:a16="http://schemas.microsoft.com/office/drawing/2014/main" id="{518C0967-F823-9ED2-37D7-F1FA97233320}"/>
               </a:ext>
             </a:extLst>
           </p:cNvPr>
@@ -6665,18 +7046,18 @@
         </p:nvGrpSpPr>
         <p:grpSpPr>
           <a:xfrm>
-            <a:off x="3522432" y="467686"/>
-            <a:ext cx="5147136" cy="5922628"/>
-            <a:chOff x="1932300" y="0"/>
-            <a:chExt cx="5147136" cy="5922628"/>
+            <a:off x="3247403" y="98570"/>
+            <a:ext cx="5697194" cy="6660859"/>
+            <a:chOff x="3188261" y="123737"/>
+            <a:chExt cx="5697194" cy="6660859"/>
           </a:xfrm>
         </p:grpSpPr>
         <p:pic>
           <p:nvPicPr>
-            <p:cNvPr id="5" name="Picture 4">
+            <p:cNvPr id="3" name="Picture 2">
               <a:extLst>
                 <a:ext uri="{FF2B5EF4-FFF2-40B4-BE49-F238E27FC236}">
-                  <a16:creationId xmlns:a16="http://schemas.microsoft.com/office/drawing/2014/main" id="{4CC26166-D438-40AC-5F17-07187F959970}"/>
+                  <a16:creationId xmlns:a16="http://schemas.microsoft.com/office/drawing/2014/main" id="{61B78554-E18A-8F76-860F-1B9A0E581371}"/>
                 </a:ext>
               </a:extLst>
             </p:cNvPr>
@@ -6693,8 +7074,8 @@
           </p:blipFill>
           <p:spPr>
             <a:xfrm>
-              <a:off x="1932300" y="0"/>
-              <a:ext cx="5147136" cy="5922628"/>
+              <a:off x="3188261" y="123737"/>
+              <a:ext cx="5697194" cy="6660859"/>
             </a:xfrm>
             <a:prstGeom prst="rect">
               <a:avLst/>
@@ -6715,7 +7096,7 @@
           </p:nvSpPr>
           <p:spPr>
             <a:xfrm>
-              <a:off x="2235970" y="3337144"/>
+              <a:off x="3540876" y="3930665"/>
               <a:ext cx="4539796" cy="938719"/>
             </a:xfrm>
             <a:prstGeom prst="rect">
@@ -6808,60 +7189,8 @@
           </p:nvSpPr>
           <p:spPr>
             <a:xfrm>
-              <a:off x="5914239" y="369116"/>
-              <a:ext cx="545284" cy="201335"/>
-            </a:xfrm>
-            <a:prstGeom prst="rect">
-              <a:avLst/>
-            </a:prstGeom>
-            <a:noFill/>
-            <a:ln>
-              <a:solidFill>
-                <a:srgbClr val="FF0000"/>
-              </a:solidFill>
-            </a:ln>
-          </p:spPr>
-          <p:style>
-            <a:lnRef idx="2">
-              <a:schemeClr val="accent1">
-                <a:shade val="50000"/>
-              </a:schemeClr>
-            </a:lnRef>
-            <a:fillRef idx="1">
-              <a:schemeClr val="accent1"/>
-            </a:fillRef>
-            <a:effectRef idx="0">
-              <a:schemeClr val="accent1"/>
-            </a:effectRef>
-            <a:fontRef idx="minor">
-              <a:schemeClr val="lt1"/>
-            </a:fontRef>
-          </p:style>
-          <p:txBody>
-            <a:bodyPr rtlCol="0" anchor="ctr"/>
-            <a:lstStyle/>
-            <a:p>
-              <a:pPr algn="ctr"/>
-              <a:endParaRPr lang="en-SG"/>
-            </a:p>
-          </p:txBody>
-        </p:sp>
-        <p:sp>
-          <p:nvSpPr>
-            <p:cNvPr id="8" name="Rectangle 7">
-              <a:extLst>
-                <a:ext uri="{FF2B5EF4-FFF2-40B4-BE49-F238E27FC236}">
-                  <a16:creationId xmlns:a16="http://schemas.microsoft.com/office/drawing/2014/main" id="{3B285B93-0A6E-41DA-66D9-B9A8EFDEDCB5}"/>
-                </a:ext>
-              </a:extLst>
-            </p:cNvPr>
-            <p:cNvSpPr/>
-            <p:nvPr/>
-          </p:nvSpPr>
-          <p:spPr>
-            <a:xfrm>
-              <a:off x="2107034" y="555071"/>
-              <a:ext cx="904613" cy="201335"/>
+              <a:off x="6649931" y="911211"/>
+              <a:ext cx="1397185" cy="211822"/>
             </a:xfrm>
             <a:prstGeom prst="rect">
               <a:avLst/>
@@ -6938,6 +7267,55 @@
           </a:p>
         </p:txBody>
       </p:sp>
+      <p:sp>
+        <p:nvSpPr>
+          <p:cNvPr id="11" name="TextBox 10">
+            <a:extLst>
+              <a:ext uri="{FF2B5EF4-FFF2-40B4-BE49-F238E27FC236}">
+                <a16:creationId xmlns:a16="http://schemas.microsoft.com/office/drawing/2014/main" id="{830346FD-9098-87A7-DBE2-EDFB6B49B4C4}"/>
+              </a:ext>
+            </a:extLst>
+          </p:cNvPr>
+          <p:cNvSpPr txBox="1"/>
+          <p:nvPr/>
+        </p:nvSpPr>
+        <p:spPr>
+          <a:xfrm>
+            <a:off x="1089712" y="861150"/>
+            <a:ext cx="2014215" cy="261610"/>
+          </a:xfrm>
+          <a:prstGeom prst="rect">
+            <a:avLst/>
+          </a:prstGeom>
+          <a:solidFill>
+            <a:schemeClr val="bg1">
+              <a:lumMod val="95000"/>
+            </a:schemeClr>
+          </a:solidFill>
+        </p:spPr>
+        <p:txBody>
+          <a:bodyPr wrap="square">
+            <a:spAutoFit/>
+          </a:bodyPr>
+          <a:lstStyle>
+            <a:defPPr>
+              <a:defRPr lang="en-US"/>
+            </a:defPPr>
+            <a:lvl1pPr>
+              <a:defRPr sz="1100">
+                <a:latin typeface="Consolas" panose="020B0609020204030204" pitchFamily="49" charset="0"/>
+              </a:defRPr>
+            </a:lvl1pPr>
+          </a:lstStyle>
+          <a:p>
+            <a:pPr algn="ctr"/>
+            <a:r>
+              <a:rPr lang="en-SG"/>
+              <a:t>suitable transformation</a:t>
+            </a:r>
+          </a:p>
+        </p:txBody>
+      </p:sp>
     </p:spTree>
     <p:extLst>
       <p:ext uri="{BB962C8B-B14F-4D97-AF65-F5344CB8AC3E}">
@@ -6951,7 +7329,7 @@
 </p:sld>
 </file>
 
-<file path=ppt/slides/slide17.xml><?xml version="1.0" encoding="utf-8"?>
+<file path=ppt/slides/slide18.xml><?xml version="1.0" encoding="utf-8"?>
 <p:sld xmlns:a="http://schemas.openxmlformats.org/drawingml/2006/main" xmlns:r="http://schemas.openxmlformats.org/officeDocument/2006/relationships" xmlns:p="http://schemas.openxmlformats.org/presentationml/2006/main">
   <p:cSld>
     <p:spTree>
@@ -7239,7 +7617,7 @@
 </p:sld>
 </file>
 
-<file path=ppt/slides/slide18.xml><?xml version="1.0" encoding="utf-8"?>
+<file path=ppt/slides/slide19.xml><?xml version="1.0" encoding="utf-8"?>
 <p:sld xmlns:a="http://schemas.openxmlformats.org/drawingml/2006/main" xmlns:r="http://schemas.openxmlformats.org/officeDocument/2006/relationships" xmlns:p="http://schemas.openxmlformats.org/presentationml/2006/main">
   <p:cSld>
     <p:spTree>
@@ -7473,7 +7851,298 @@
 </p:sld>
 </file>
 
-<file path=ppt/slides/slide19.xml><?xml version="1.0" encoding="utf-8"?>
+<file path=ppt/slides/slide2.xml><?xml version="1.0" encoding="utf-8"?>
+<p:sld xmlns:a="http://schemas.openxmlformats.org/drawingml/2006/main" xmlns:r="http://schemas.openxmlformats.org/officeDocument/2006/relationships" xmlns:p="http://schemas.openxmlformats.org/presentationml/2006/main">
+  <p:cSld>
+    <p:spTree>
+      <p:nvGrpSpPr>
+        <p:cNvPr id="1" name=""/>
+        <p:cNvGrpSpPr/>
+        <p:nvPr/>
+      </p:nvGrpSpPr>
+      <p:grpSpPr>
+        <a:xfrm>
+          <a:off x="0" y="0"/>
+          <a:ext cx="0" cy="0"/>
+          <a:chOff x="0" y="0"/>
+          <a:chExt cx="0" cy="0"/>
+        </a:xfrm>
+      </p:grpSpPr>
+      <p:grpSp>
+        <p:nvGrpSpPr>
+          <p:cNvPr id="11" name="Group 10">
+            <a:extLst>
+              <a:ext uri="{FF2B5EF4-FFF2-40B4-BE49-F238E27FC236}">
+                <a16:creationId xmlns:a16="http://schemas.microsoft.com/office/drawing/2014/main" id="{E69D777E-678F-0B10-C796-07C9B81A3081}"/>
+              </a:ext>
+            </a:extLst>
+          </p:cNvPr>
+          <p:cNvGrpSpPr/>
+          <p:nvPr/>
+        </p:nvGrpSpPr>
+        <p:grpSpPr>
+          <a:xfrm>
+            <a:off x="3149757" y="435428"/>
+            <a:ext cx="5892485" cy="5987143"/>
+            <a:chOff x="3149757" y="362856"/>
+            <a:chExt cx="5892485" cy="5987143"/>
+          </a:xfrm>
+        </p:grpSpPr>
+        <p:pic>
+          <p:nvPicPr>
+            <p:cNvPr id="7" name="Picture 6">
+              <a:extLst>
+                <a:ext uri="{FF2B5EF4-FFF2-40B4-BE49-F238E27FC236}">
+                  <a16:creationId xmlns:a16="http://schemas.microsoft.com/office/drawing/2014/main" id="{B98E1F66-B568-CD05-1CB7-A7CF3F6AA26E}"/>
+                </a:ext>
+              </a:extLst>
+            </p:cNvPr>
+            <p:cNvPicPr>
+              <a:picLocks noChangeAspect="1"/>
+            </p:cNvPicPr>
+            <p:nvPr/>
+          </p:nvPicPr>
+          <p:blipFill>
+            <a:blip r:embed="rId2"/>
+            <a:stretch>
+              <a:fillRect/>
+            </a:stretch>
+          </p:blipFill>
+          <p:spPr>
+            <a:xfrm>
+              <a:off x="3149757" y="362856"/>
+              <a:ext cx="5892485" cy="5987143"/>
+            </a:xfrm>
+            <a:prstGeom prst="rect">
+              <a:avLst/>
+            </a:prstGeom>
+          </p:spPr>
+        </p:pic>
+        <p:sp>
+          <p:nvSpPr>
+            <p:cNvPr id="10" name="TextBox 9">
+              <a:extLst>
+                <a:ext uri="{FF2B5EF4-FFF2-40B4-BE49-F238E27FC236}">
+                  <a16:creationId xmlns:a16="http://schemas.microsoft.com/office/drawing/2014/main" id="{D128B92F-780D-95AB-E101-FCC0C20BCB3A}"/>
+                </a:ext>
+              </a:extLst>
+            </p:cNvPr>
+            <p:cNvSpPr txBox="1"/>
+            <p:nvPr/>
+          </p:nvSpPr>
+          <p:spPr>
+            <a:xfrm>
+              <a:off x="3519716" y="1933139"/>
+              <a:ext cx="4535714" cy="1615827"/>
+            </a:xfrm>
+            <a:prstGeom prst="rect">
+              <a:avLst/>
+            </a:prstGeom>
+            <a:solidFill>
+              <a:schemeClr val="bg1">
+                <a:lumMod val="95000"/>
+              </a:schemeClr>
+            </a:solidFill>
+          </p:spPr>
+          <p:txBody>
+            <a:bodyPr wrap="square">
+              <a:spAutoFit/>
+            </a:bodyPr>
+            <a:lstStyle/>
+            <a:p>
+              <a:r>
+                <a:rPr lang="en-SG" sz="1100">
+                  <a:latin typeface="Consolas" panose="020B0609020204030204" pitchFamily="49" charset="0"/>
+                </a:rPr>
+                <a:t>import </a:t>
+              </a:r>
+              <a:r>
+                <a:rPr lang="en-SG" sz="1100" err="1">
+                  <a:latin typeface="Consolas" panose="020B0609020204030204" pitchFamily="49" charset="0"/>
+                </a:rPr>
+                <a:t>numpy</a:t>
+              </a:r>
+              <a:r>
+                <a:rPr lang="en-SG" sz="1100">
+                  <a:latin typeface="Consolas" panose="020B0609020204030204" pitchFamily="49" charset="0"/>
+                </a:rPr>
+                <a:t> as np</a:t>
+              </a:r>
+            </a:p>
+            <a:p>
+              <a:r>
+                <a:rPr lang="en-SG" sz="1100">
+                  <a:latin typeface="Consolas" panose="020B0609020204030204" pitchFamily="49" charset="0"/>
+                </a:rPr>
+                <a:t>import pandas as pd</a:t>
+              </a:r>
+            </a:p>
+            <a:p>
+              <a:r>
+                <a:rPr lang="en-SG" sz="1100">
+                  <a:latin typeface="Consolas" panose="020B0609020204030204" pitchFamily="49" charset="0"/>
+                </a:rPr>
+                <a:t>from </a:t>
+              </a:r>
+              <a:r>
+                <a:rPr lang="en-SG" sz="1100" err="1">
+                  <a:latin typeface="Consolas" panose="020B0609020204030204" pitchFamily="49" charset="0"/>
+                </a:rPr>
+                <a:t>sklearn.linear_model</a:t>
+              </a:r>
+              <a:r>
+                <a:rPr lang="en-SG" sz="1100">
+                  <a:latin typeface="Consolas" panose="020B0609020204030204" pitchFamily="49" charset="0"/>
+                </a:rPr>
+                <a:t> import </a:t>
+              </a:r>
+              <a:r>
+                <a:rPr lang="en-SG" sz="1100" err="1">
+                  <a:latin typeface="Consolas" panose="020B0609020204030204" pitchFamily="49" charset="0"/>
+                </a:rPr>
+                <a:t>LinearRegression</a:t>
+              </a:r>
+              <a:endParaRPr lang="en-SG" sz="1100">
+                <a:latin typeface="Consolas" panose="020B0609020204030204" pitchFamily="49" charset="0"/>
+              </a:endParaRPr>
+            </a:p>
+            <a:p>
+              <a:endParaRPr lang="en-SG" sz="1100">
+                <a:latin typeface="Consolas" panose="020B0609020204030204" pitchFamily="49" charset="0"/>
+              </a:endParaRPr>
+            </a:p>
+            <a:p>
+              <a:r>
+                <a:rPr lang="en-SG" sz="1100">
+                  <a:latin typeface="Consolas" panose="020B0609020204030204" pitchFamily="49" charset="0"/>
+                </a:rPr>
+                <a:t>reg = </a:t>
+              </a:r>
+              <a:r>
+                <a:rPr lang="en-SG" sz="1100" err="1">
+                  <a:latin typeface="Consolas" panose="020B0609020204030204" pitchFamily="49" charset="0"/>
+                </a:rPr>
+                <a:t>LinearRegression</a:t>
+              </a:r>
+              <a:r>
+                <a:rPr lang="en-SG" sz="1100">
+                  <a:latin typeface="Consolas" panose="020B0609020204030204" pitchFamily="49" charset="0"/>
+                </a:rPr>
+                <a:t>()</a:t>
+              </a:r>
+            </a:p>
+            <a:p>
+              <a:r>
+                <a:rPr lang="en-SG" sz="1100" err="1">
+                  <a:latin typeface="Consolas" panose="020B0609020204030204" pitchFamily="49" charset="0"/>
+                </a:rPr>
+                <a:t>reg.fit</a:t>
+              </a:r>
+              <a:r>
+                <a:rPr lang="en-SG" sz="1100">
+                  <a:latin typeface="Consolas" panose="020B0609020204030204" pitchFamily="49" charset="0"/>
+                </a:rPr>
+                <a:t>(</a:t>
+              </a:r>
+              <a:r>
+                <a:rPr lang="en-SG" sz="1100" err="1">
+                  <a:latin typeface="Consolas" panose="020B0609020204030204" pitchFamily="49" charset="0"/>
+                </a:rPr>
+                <a:t>x_train</a:t>
+              </a:r>
+              <a:r>
+                <a:rPr lang="en-SG" sz="1100">
+                  <a:latin typeface="Consolas" panose="020B0609020204030204" pitchFamily="49" charset="0"/>
+                </a:rPr>
+                <a:t>, </a:t>
+              </a:r>
+              <a:r>
+                <a:rPr lang="en-SG" sz="1100" err="1">
+                  <a:latin typeface="Consolas" panose="020B0609020204030204" pitchFamily="49" charset="0"/>
+                </a:rPr>
+                <a:t>y_train</a:t>
+              </a:r>
+              <a:r>
+                <a:rPr lang="en-SG" sz="1100">
+                  <a:latin typeface="Consolas" panose="020B0609020204030204" pitchFamily="49" charset="0"/>
+                </a:rPr>
+                <a:t>)</a:t>
+              </a:r>
+            </a:p>
+            <a:p>
+              <a:endParaRPr lang="en-SG" sz="1100">
+                <a:latin typeface="Consolas" panose="020B0609020204030204" pitchFamily="49" charset="0"/>
+              </a:endParaRPr>
+            </a:p>
+            <a:p>
+              <a:r>
+                <a:rPr lang="en-SG" sz="1100">
+                  <a:latin typeface="Consolas" panose="020B0609020204030204" pitchFamily="49" charset="0"/>
+                </a:rPr>
+                <a:t>predictions = </a:t>
+              </a:r>
+              <a:r>
+                <a:rPr lang="en-SG" sz="1100" err="1">
+                  <a:latin typeface="Consolas" panose="020B0609020204030204" pitchFamily="49" charset="0"/>
+                </a:rPr>
+                <a:t>reg.</a:t>
+              </a:r>
+              <a:r>
+                <a:rPr lang="en-SG" sz="1100" err="1">
+                  <a:solidFill>
+                    <a:srgbClr val="FF0000"/>
+                  </a:solidFill>
+                  <a:latin typeface="Consolas" panose="020B0609020204030204" pitchFamily="49" charset="0"/>
+                </a:rPr>
+                <a:t>predict</a:t>
+              </a:r>
+              <a:r>
+                <a:rPr lang="en-SG" sz="1100">
+                  <a:latin typeface="Consolas" panose="020B0609020204030204" pitchFamily="49" charset="0"/>
+                </a:rPr>
+                <a:t>(</a:t>
+              </a:r>
+              <a:r>
+                <a:rPr lang="en-SG" sz="1100" err="1">
+                  <a:solidFill>
+                    <a:srgbClr val="FF0000"/>
+                  </a:solidFill>
+                  <a:latin typeface="Consolas" panose="020B0609020204030204" pitchFamily="49" charset="0"/>
+                </a:rPr>
+                <a:t>x_test</a:t>
+              </a:r>
+              <a:r>
+                <a:rPr lang="en-SG" sz="1100">
+                  <a:latin typeface="Consolas" panose="020B0609020204030204" pitchFamily="49" charset="0"/>
+                </a:rPr>
+                <a:t>)</a:t>
+              </a:r>
+            </a:p>
+            <a:p>
+              <a:r>
+                <a:rPr lang="en-SG" sz="1100">
+                  <a:latin typeface="Consolas" panose="020B0609020204030204" pitchFamily="49" charset="0"/>
+                </a:rPr>
+                <a:t>print(predictions)</a:t>
+              </a:r>
+            </a:p>
+          </p:txBody>
+        </p:sp>
+      </p:grpSp>
+    </p:spTree>
+    <p:extLst>
+      <p:ext uri="{BB962C8B-B14F-4D97-AF65-F5344CB8AC3E}">
+        <p14:creationId xmlns:p14="http://schemas.microsoft.com/office/powerpoint/2010/main" val="240901763"/>
+      </p:ext>
+    </p:extLst>
+  </p:cSld>
+  <p:clrMapOvr>
+    <a:masterClrMapping/>
+  </p:clrMapOvr>
+</p:sld>
+</file>
+
+<file path=ppt/slides/slide20.xml><?xml version="1.0" encoding="utf-8"?>
 <p:sld xmlns:a="http://schemas.openxmlformats.org/drawingml/2006/main" xmlns:r="http://schemas.openxmlformats.org/officeDocument/2006/relationships" xmlns:p="http://schemas.openxmlformats.org/presentationml/2006/main">
   <p:cSld>
     <p:spTree>
@@ -7660,298 +8329,7 @@
 </p:sld>
 </file>
 
-<file path=ppt/slides/slide2.xml><?xml version="1.0" encoding="utf-8"?>
-<p:sld xmlns:a="http://schemas.openxmlformats.org/drawingml/2006/main" xmlns:r="http://schemas.openxmlformats.org/officeDocument/2006/relationships" xmlns:p="http://schemas.openxmlformats.org/presentationml/2006/main">
-  <p:cSld>
-    <p:spTree>
-      <p:nvGrpSpPr>
-        <p:cNvPr id="1" name=""/>
-        <p:cNvGrpSpPr/>
-        <p:nvPr/>
-      </p:nvGrpSpPr>
-      <p:grpSpPr>
-        <a:xfrm>
-          <a:off x="0" y="0"/>
-          <a:ext cx="0" cy="0"/>
-          <a:chOff x="0" y="0"/>
-          <a:chExt cx="0" cy="0"/>
-        </a:xfrm>
-      </p:grpSpPr>
-      <p:grpSp>
-        <p:nvGrpSpPr>
-          <p:cNvPr id="11" name="Group 10">
-            <a:extLst>
-              <a:ext uri="{FF2B5EF4-FFF2-40B4-BE49-F238E27FC236}">
-                <a16:creationId xmlns:a16="http://schemas.microsoft.com/office/drawing/2014/main" id="{E69D777E-678F-0B10-C796-07C9B81A3081}"/>
-              </a:ext>
-            </a:extLst>
-          </p:cNvPr>
-          <p:cNvGrpSpPr/>
-          <p:nvPr/>
-        </p:nvGrpSpPr>
-        <p:grpSpPr>
-          <a:xfrm>
-            <a:off x="3149757" y="435428"/>
-            <a:ext cx="5892485" cy="5987143"/>
-            <a:chOff x="3149757" y="362856"/>
-            <a:chExt cx="5892485" cy="5987143"/>
-          </a:xfrm>
-        </p:grpSpPr>
-        <p:pic>
-          <p:nvPicPr>
-            <p:cNvPr id="7" name="Picture 6">
-              <a:extLst>
-                <a:ext uri="{FF2B5EF4-FFF2-40B4-BE49-F238E27FC236}">
-                  <a16:creationId xmlns:a16="http://schemas.microsoft.com/office/drawing/2014/main" id="{B98E1F66-B568-CD05-1CB7-A7CF3F6AA26E}"/>
-                </a:ext>
-              </a:extLst>
-            </p:cNvPr>
-            <p:cNvPicPr>
-              <a:picLocks noChangeAspect="1"/>
-            </p:cNvPicPr>
-            <p:nvPr/>
-          </p:nvPicPr>
-          <p:blipFill>
-            <a:blip r:embed="rId2"/>
-            <a:stretch>
-              <a:fillRect/>
-            </a:stretch>
-          </p:blipFill>
-          <p:spPr>
-            <a:xfrm>
-              <a:off x="3149757" y="362856"/>
-              <a:ext cx="5892485" cy="5987143"/>
-            </a:xfrm>
-            <a:prstGeom prst="rect">
-              <a:avLst/>
-            </a:prstGeom>
-          </p:spPr>
-        </p:pic>
-        <p:sp>
-          <p:nvSpPr>
-            <p:cNvPr id="10" name="TextBox 9">
-              <a:extLst>
-                <a:ext uri="{FF2B5EF4-FFF2-40B4-BE49-F238E27FC236}">
-                  <a16:creationId xmlns:a16="http://schemas.microsoft.com/office/drawing/2014/main" id="{D128B92F-780D-95AB-E101-FCC0C20BCB3A}"/>
-                </a:ext>
-              </a:extLst>
-            </p:cNvPr>
-            <p:cNvSpPr txBox="1"/>
-            <p:nvPr/>
-          </p:nvSpPr>
-          <p:spPr>
-            <a:xfrm>
-              <a:off x="3519716" y="1933139"/>
-              <a:ext cx="4535714" cy="1615827"/>
-            </a:xfrm>
-            <a:prstGeom prst="rect">
-              <a:avLst/>
-            </a:prstGeom>
-            <a:solidFill>
-              <a:schemeClr val="bg1">
-                <a:lumMod val="95000"/>
-              </a:schemeClr>
-            </a:solidFill>
-          </p:spPr>
-          <p:txBody>
-            <a:bodyPr wrap="square">
-              <a:spAutoFit/>
-            </a:bodyPr>
-            <a:lstStyle/>
-            <a:p>
-              <a:r>
-                <a:rPr lang="en-SG" sz="1100">
-                  <a:latin typeface="Consolas" panose="020B0609020204030204" pitchFamily="49" charset="0"/>
-                </a:rPr>
-                <a:t>import </a:t>
-              </a:r>
-              <a:r>
-                <a:rPr lang="en-SG" sz="1100" err="1">
-                  <a:latin typeface="Consolas" panose="020B0609020204030204" pitchFamily="49" charset="0"/>
-                </a:rPr>
-                <a:t>numpy</a:t>
-              </a:r>
-              <a:r>
-                <a:rPr lang="en-SG" sz="1100">
-                  <a:latin typeface="Consolas" panose="020B0609020204030204" pitchFamily="49" charset="0"/>
-                </a:rPr>
-                <a:t> as np</a:t>
-              </a:r>
-            </a:p>
-            <a:p>
-              <a:r>
-                <a:rPr lang="en-SG" sz="1100">
-                  <a:latin typeface="Consolas" panose="020B0609020204030204" pitchFamily="49" charset="0"/>
-                </a:rPr>
-                <a:t>import pandas as pd</a:t>
-              </a:r>
-            </a:p>
-            <a:p>
-              <a:r>
-                <a:rPr lang="en-SG" sz="1100">
-                  <a:latin typeface="Consolas" panose="020B0609020204030204" pitchFamily="49" charset="0"/>
-                </a:rPr>
-                <a:t>from </a:t>
-              </a:r>
-              <a:r>
-                <a:rPr lang="en-SG" sz="1100" err="1">
-                  <a:latin typeface="Consolas" panose="020B0609020204030204" pitchFamily="49" charset="0"/>
-                </a:rPr>
-                <a:t>sklearn.linear_model</a:t>
-              </a:r>
-              <a:r>
-                <a:rPr lang="en-SG" sz="1100">
-                  <a:latin typeface="Consolas" panose="020B0609020204030204" pitchFamily="49" charset="0"/>
-                </a:rPr>
-                <a:t> import </a:t>
-              </a:r>
-              <a:r>
-                <a:rPr lang="en-SG" sz="1100" err="1">
-                  <a:latin typeface="Consolas" panose="020B0609020204030204" pitchFamily="49" charset="0"/>
-                </a:rPr>
-                <a:t>LinearRegression</a:t>
-              </a:r>
-              <a:endParaRPr lang="en-SG" sz="1100">
-                <a:latin typeface="Consolas" panose="020B0609020204030204" pitchFamily="49" charset="0"/>
-              </a:endParaRPr>
-            </a:p>
-            <a:p>
-              <a:endParaRPr lang="en-SG" sz="1100">
-                <a:latin typeface="Consolas" panose="020B0609020204030204" pitchFamily="49" charset="0"/>
-              </a:endParaRPr>
-            </a:p>
-            <a:p>
-              <a:r>
-                <a:rPr lang="en-SG" sz="1100">
-                  <a:latin typeface="Consolas" panose="020B0609020204030204" pitchFamily="49" charset="0"/>
-                </a:rPr>
-                <a:t>reg = </a:t>
-              </a:r>
-              <a:r>
-                <a:rPr lang="en-SG" sz="1100" err="1">
-                  <a:latin typeface="Consolas" panose="020B0609020204030204" pitchFamily="49" charset="0"/>
-                </a:rPr>
-                <a:t>LinearRegression</a:t>
-              </a:r>
-              <a:r>
-                <a:rPr lang="en-SG" sz="1100">
-                  <a:latin typeface="Consolas" panose="020B0609020204030204" pitchFamily="49" charset="0"/>
-                </a:rPr>
-                <a:t>()</a:t>
-              </a:r>
-            </a:p>
-            <a:p>
-              <a:r>
-                <a:rPr lang="en-SG" sz="1100" err="1">
-                  <a:latin typeface="Consolas" panose="020B0609020204030204" pitchFamily="49" charset="0"/>
-                </a:rPr>
-                <a:t>reg.fit</a:t>
-              </a:r>
-              <a:r>
-                <a:rPr lang="en-SG" sz="1100">
-                  <a:latin typeface="Consolas" panose="020B0609020204030204" pitchFamily="49" charset="0"/>
-                </a:rPr>
-                <a:t>(</a:t>
-              </a:r>
-              <a:r>
-                <a:rPr lang="en-SG" sz="1100" err="1">
-                  <a:latin typeface="Consolas" panose="020B0609020204030204" pitchFamily="49" charset="0"/>
-                </a:rPr>
-                <a:t>x_train</a:t>
-              </a:r>
-              <a:r>
-                <a:rPr lang="en-SG" sz="1100">
-                  <a:latin typeface="Consolas" panose="020B0609020204030204" pitchFamily="49" charset="0"/>
-                </a:rPr>
-                <a:t>, </a:t>
-              </a:r>
-              <a:r>
-                <a:rPr lang="en-SG" sz="1100" err="1">
-                  <a:latin typeface="Consolas" panose="020B0609020204030204" pitchFamily="49" charset="0"/>
-                </a:rPr>
-                <a:t>y_train</a:t>
-              </a:r>
-              <a:r>
-                <a:rPr lang="en-SG" sz="1100">
-                  <a:latin typeface="Consolas" panose="020B0609020204030204" pitchFamily="49" charset="0"/>
-                </a:rPr>
-                <a:t>)</a:t>
-              </a:r>
-            </a:p>
-            <a:p>
-              <a:endParaRPr lang="en-SG" sz="1100">
-                <a:latin typeface="Consolas" panose="020B0609020204030204" pitchFamily="49" charset="0"/>
-              </a:endParaRPr>
-            </a:p>
-            <a:p>
-              <a:r>
-                <a:rPr lang="en-SG" sz="1100">
-                  <a:latin typeface="Consolas" panose="020B0609020204030204" pitchFamily="49" charset="0"/>
-                </a:rPr>
-                <a:t>predictions = </a:t>
-              </a:r>
-              <a:r>
-                <a:rPr lang="en-SG" sz="1100" err="1">
-                  <a:latin typeface="Consolas" panose="020B0609020204030204" pitchFamily="49" charset="0"/>
-                </a:rPr>
-                <a:t>reg.</a:t>
-              </a:r>
-              <a:r>
-                <a:rPr lang="en-SG" sz="1100" err="1">
-                  <a:solidFill>
-                    <a:srgbClr val="FF0000"/>
-                  </a:solidFill>
-                  <a:latin typeface="Consolas" panose="020B0609020204030204" pitchFamily="49" charset="0"/>
-                </a:rPr>
-                <a:t>predict</a:t>
-              </a:r>
-              <a:r>
-                <a:rPr lang="en-SG" sz="1100">
-                  <a:latin typeface="Consolas" panose="020B0609020204030204" pitchFamily="49" charset="0"/>
-                </a:rPr>
-                <a:t>(</a:t>
-              </a:r>
-              <a:r>
-                <a:rPr lang="en-SG" sz="1100" err="1">
-                  <a:solidFill>
-                    <a:srgbClr val="FF0000"/>
-                  </a:solidFill>
-                  <a:latin typeface="Consolas" panose="020B0609020204030204" pitchFamily="49" charset="0"/>
-                </a:rPr>
-                <a:t>x_test</a:t>
-              </a:r>
-              <a:r>
-                <a:rPr lang="en-SG" sz="1100">
-                  <a:latin typeface="Consolas" panose="020B0609020204030204" pitchFamily="49" charset="0"/>
-                </a:rPr>
-                <a:t>)</a:t>
-              </a:r>
-            </a:p>
-            <a:p>
-              <a:r>
-                <a:rPr lang="en-SG" sz="1100">
-                  <a:latin typeface="Consolas" panose="020B0609020204030204" pitchFamily="49" charset="0"/>
-                </a:rPr>
-                <a:t>print(predictions)</a:t>
-              </a:r>
-            </a:p>
-          </p:txBody>
-        </p:sp>
-      </p:grpSp>
-    </p:spTree>
-    <p:extLst>
-      <p:ext uri="{BB962C8B-B14F-4D97-AF65-F5344CB8AC3E}">
-        <p14:creationId xmlns:p14="http://schemas.microsoft.com/office/powerpoint/2010/main" val="240901763"/>
-      </p:ext>
-    </p:extLst>
-  </p:cSld>
-  <p:clrMapOvr>
-    <a:masterClrMapping/>
-  </p:clrMapOvr>
-</p:sld>
-</file>
-
-<file path=ppt/slides/slide20.xml><?xml version="1.0" encoding="utf-8"?>
+<file path=ppt/slides/slide21.xml><?xml version="1.0" encoding="utf-8"?>
 <p:sld xmlns:a="http://schemas.openxmlformats.org/drawingml/2006/main" xmlns:r="http://schemas.openxmlformats.org/officeDocument/2006/relationships" xmlns:p="http://schemas.openxmlformats.org/presentationml/2006/main">
   <p:cSld>
     <p:spTree>
@@ -8142,7 +8520,7 @@
 </p:sld>
 </file>
 
-<file path=ppt/slides/slide21.xml><?xml version="1.0" encoding="utf-8"?>
+<file path=ppt/slides/slide22.xml><?xml version="1.0" encoding="utf-8"?>
 <p:sld xmlns:a="http://schemas.openxmlformats.org/drawingml/2006/main" xmlns:r="http://schemas.openxmlformats.org/officeDocument/2006/relationships" xmlns:p="http://schemas.openxmlformats.org/presentationml/2006/main">
   <p:cSld>
     <p:spTree>
@@ -8341,7 +8719,7 @@
 </p:sld>
 </file>
 
-<file path=ppt/slides/slide22.xml><?xml version="1.0" encoding="utf-8"?>
+<file path=ppt/slides/slide23.xml><?xml version="1.0" encoding="utf-8"?>
 <p:sld xmlns:a="http://schemas.openxmlformats.org/drawingml/2006/main" xmlns:r="http://schemas.openxmlformats.org/officeDocument/2006/relationships" xmlns:p="http://schemas.openxmlformats.org/presentationml/2006/main">
   <p:cSld>
     <p:spTree>
@@ -8543,7 +8921,7 @@
 </p:sld>
 </file>
 
-<file path=ppt/slides/slide23.xml><?xml version="1.0" encoding="utf-8"?>
+<file path=ppt/slides/slide24.xml><?xml version="1.0" encoding="utf-8"?>
 <p:sld xmlns:a="http://schemas.openxmlformats.org/drawingml/2006/main" xmlns:r="http://schemas.openxmlformats.org/officeDocument/2006/relationships" xmlns:p="http://schemas.openxmlformats.org/presentationml/2006/main">
   <p:cSld>
     <p:spTree>
@@ -8788,7 +9166,7 @@
 </p:sld>
 </file>
 
-<file path=ppt/slides/slide24.xml><?xml version="1.0" encoding="utf-8"?>
+<file path=ppt/slides/slide25.xml><?xml version="1.0" encoding="utf-8"?>
 <p:sld xmlns:a="http://schemas.openxmlformats.org/drawingml/2006/main" xmlns:r="http://schemas.openxmlformats.org/officeDocument/2006/relationships" xmlns:p="http://schemas.openxmlformats.org/presentationml/2006/main">
   <p:cSld>
     <p:spTree>
@@ -9001,7 +9379,329 @@
 </p:sld>
 </file>
 
-<file path=ppt/slides/slide25.xml><?xml version="1.0" encoding="utf-8"?>
+<file path=ppt/slides/slide26.xml><?xml version="1.0" encoding="utf-8"?>
+<p:sld xmlns:a="http://schemas.openxmlformats.org/drawingml/2006/main" xmlns:r="http://schemas.openxmlformats.org/officeDocument/2006/relationships" xmlns:p="http://schemas.openxmlformats.org/presentationml/2006/main">
+  <p:cSld>
+    <p:spTree>
+      <p:nvGrpSpPr>
+        <p:cNvPr id="1" name=""/>
+        <p:cNvGrpSpPr/>
+        <p:nvPr/>
+      </p:nvGrpSpPr>
+      <p:grpSpPr>
+        <a:xfrm>
+          <a:off x="0" y="0"/>
+          <a:ext cx="0" cy="0"/>
+          <a:chOff x="0" y="0"/>
+          <a:chExt cx="0" cy="0"/>
+        </a:xfrm>
+      </p:grpSpPr>
+      <p:grpSp>
+        <p:nvGrpSpPr>
+          <p:cNvPr id="8" name="Group 7">
+            <a:extLst>
+              <a:ext uri="{FF2B5EF4-FFF2-40B4-BE49-F238E27FC236}">
+                <a16:creationId xmlns:a16="http://schemas.microsoft.com/office/drawing/2014/main" id="{94825893-8D6F-E41C-4AAB-689242C488CF}"/>
+              </a:ext>
+            </a:extLst>
+          </p:cNvPr>
+          <p:cNvGrpSpPr/>
+          <p:nvPr/>
+        </p:nvGrpSpPr>
+        <p:grpSpPr>
+          <a:xfrm>
+            <a:off x="3230199" y="0"/>
+            <a:ext cx="5731602" cy="6858000"/>
+            <a:chOff x="3230199" y="0"/>
+            <a:chExt cx="5731602" cy="6858000"/>
+          </a:xfrm>
+        </p:grpSpPr>
+        <p:pic>
+          <p:nvPicPr>
+            <p:cNvPr id="3" name="Picture 2">
+              <a:extLst>
+                <a:ext uri="{FF2B5EF4-FFF2-40B4-BE49-F238E27FC236}">
+                  <a16:creationId xmlns:a16="http://schemas.microsoft.com/office/drawing/2014/main" id="{75E57BAC-B7A3-1C3F-EB95-7ED4511090F5}"/>
+                </a:ext>
+              </a:extLst>
+            </p:cNvPr>
+            <p:cNvPicPr>
+              <a:picLocks noChangeAspect="1"/>
+            </p:cNvPicPr>
+            <p:nvPr/>
+          </p:nvPicPr>
+          <p:blipFill>
+            <a:blip r:embed="rId2"/>
+            <a:stretch>
+              <a:fillRect/>
+            </a:stretch>
+          </p:blipFill>
+          <p:spPr>
+            <a:xfrm>
+              <a:off x="3230199" y="0"/>
+              <a:ext cx="5731602" cy="6858000"/>
+            </a:xfrm>
+            <a:prstGeom prst="rect">
+              <a:avLst/>
+            </a:prstGeom>
+          </p:spPr>
+        </p:pic>
+        <p:sp>
+          <p:nvSpPr>
+            <p:cNvPr id="5" name="TextBox 4">
+              <a:extLst>
+                <a:ext uri="{FF2B5EF4-FFF2-40B4-BE49-F238E27FC236}">
+                  <a16:creationId xmlns:a16="http://schemas.microsoft.com/office/drawing/2014/main" id="{0EE3B6CC-14B9-A0D6-1410-9E11A942475F}"/>
+                </a:ext>
+              </a:extLst>
+            </p:cNvPr>
+            <p:cNvSpPr txBox="1"/>
+            <p:nvPr/>
+          </p:nvSpPr>
+          <p:spPr>
+            <a:xfrm>
+              <a:off x="3280220" y="3215617"/>
+              <a:ext cx="5620500" cy="2462213"/>
+            </a:xfrm>
+            <a:prstGeom prst="rect">
+              <a:avLst/>
+            </a:prstGeom>
+            <a:solidFill>
+              <a:schemeClr val="bg1">
+                <a:lumMod val="95000"/>
+              </a:schemeClr>
+            </a:solidFill>
+          </p:spPr>
+          <p:txBody>
+            <a:bodyPr wrap="square">
+              <a:spAutoFit/>
+            </a:bodyPr>
+            <a:lstStyle>
+              <a:defPPr>
+                <a:defRPr lang="en-US"/>
+              </a:defPPr>
+              <a:lvl1pPr>
+                <a:defRPr sz="1200" b="0" i="0">
+                  <a:solidFill>
+                    <a:srgbClr val="05192D"/>
+                  </a:solidFill>
+                  <a:effectLst/>
+                  <a:latin typeface="Consolas" panose="020B0609020204030204" pitchFamily="49" charset="0"/>
+                </a:defRPr>
+              </a:lvl1pPr>
+            </a:lstStyle>
+            <a:p>
+              <a:r>
+                <a:rPr lang="en-SG" sz="1100"/>
+                <a:t>from sklearn.linear_model import Ridge</a:t>
+              </a:r>
+            </a:p>
+            <a:p>
+              <a:r>
+                <a:rPr lang="en-SG" sz="1100"/>
+                <a:t>from sklearn.model_selection import train_test_split</a:t>
+              </a:r>
+            </a:p>
+            <a:p>
+              <a:r>
+                <a:rPr lang="en-SG" sz="1100"/>
+                <a:t>from sklearn.metrics import r2_score</a:t>
+              </a:r>
+            </a:p>
+            <a:p>
+              <a:endParaRPr lang="en-SG" sz="1100"/>
+            </a:p>
+            <a:p>
+              <a:r>
+                <a:rPr lang="en-SG" sz="1100"/>
+                <a:t>X = test_data[['Grade']]</a:t>
+              </a:r>
+            </a:p>
+            <a:p>
+              <a:r>
+                <a:rPr lang="en-SG" sz="1100"/>
+                <a:t>y = test_data['Time']</a:t>
+              </a:r>
+            </a:p>
+            <a:p>
+              <a:endParaRPr lang="en-SG" sz="1100"/>
+            </a:p>
+            <a:p>
+              <a:r>
+                <a:rPr lang="en-SG" sz="1100"/>
+                <a:t>X_train, X_test, y_train, y_test = train_test_split(X,y,test_size=0.25, random_state=42)</a:t>
+              </a:r>
+            </a:p>
+            <a:p>
+              <a:r>
+                <a:rPr lang="en-SG" sz="1100"/>
+                <a:t>ridge = </a:t>
+              </a:r>
+              <a:r>
+                <a:rPr lang="en-SG" sz="1100">
+                  <a:solidFill>
+                    <a:srgbClr val="FF0000"/>
+                  </a:solidFill>
+                </a:rPr>
+                <a:t>Ridge(alpha=0.1)</a:t>
+              </a:r>
+            </a:p>
+            <a:p>
+              <a:r>
+                <a:rPr lang="en-SG" sz="1100">
+                  <a:solidFill>
+                    <a:srgbClr val="FF0000"/>
+                  </a:solidFill>
+                </a:rPr>
+                <a:t>ridge.fit</a:t>
+              </a:r>
+              <a:r>
+                <a:rPr lang="en-SG" sz="1100"/>
+                <a:t>(X_train, y_train)</a:t>
+              </a:r>
+            </a:p>
+            <a:p>
+              <a:r>
+                <a:rPr lang="en-SG" sz="1100"/>
+                <a:t>y_pred = ridge.predict(X_test)</a:t>
+              </a:r>
+            </a:p>
+            <a:p>
+              <a:r>
+                <a:rPr lang="en-SG" sz="1100"/>
+                <a:t>r_squared = </a:t>
+              </a:r>
+              <a:r>
+                <a:rPr lang="en-SG" sz="1100">
+                  <a:solidFill>
+                    <a:srgbClr val="FF0000"/>
+                  </a:solidFill>
+                </a:rPr>
+                <a:t>ridge.score(X_test, y_test)</a:t>
+              </a:r>
+            </a:p>
+            <a:p>
+              <a:r>
+                <a:rPr lang="en-SG" sz="1100"/>
+                <a:t>print("R-squared: %.3f" % r_squared)</a:t>
+              </a:r>
+            </a:p>
+          </p:txBody>
+        </p:sp>
+      </p:grpSp>
+      <p:sp>
+        <p:nvSpPr>
+          <p:cNvPr id="7" name="TextBox 6">
+            <a:extLst>
+              <a:ext uri="{FF2B5EF4-FFF2-40B4-BE49-F238E27FC236}">
+                <a16:creationId xmlns:a16="http://schemas.microsoft.com/office/drawing/2014/main" id="{4E6F26C8-DD61-0BAD-60F7-CAE8D930D460}"/>
+              </a:ext>
+            </a:extLst>
+          </p:cNvPr>
+          <p:cNvSpPr txBox="1"/>
+          <p:nvPr/>
+        </p:nvSpPr>
+        <p:spPr>
+          <a:xfrm>
+            <a:off x="9383486" y="82715"/>
+            <a:ext cx="2722563" cy="369332"/>
+          </a:xfrm>
+          <a:prstGeom prst="rect">
+            <a:avLst/>
+          </a:prstGeom>
+          <a:solidFill>
+            <a:schemeClr val="accent2"/>
+          </a:solidFill>
+        </p:spPr>
+        <p:txBody>
+          <a:bodyPr wrap="square" rtlCol="0">
+            <a:spAutoFit/>
+          </a:bodyPr>
+          <a:lstStyle/>
+          <a:p>
+            <a:pPr algn="ctr"/>
+            <a:r>
+              <a:rPr lang="en-GB"/>
+              <a:t>HARD</a:t>
+            </a:r>
+            <a:endParaRPr lang="en-SG"/>
+          </a:p>
+        </p:txBody>
+      </p:sp>
+    </p:spTree>
+    <p:extLst>
+      <p:ext uri="{BB962C8B-B14F-4D97-AF65-F5344CB8AC3E}">
+        <p14:creationId xmlns:p14="http://schemas.microsoft.com/office/powerpoint/2010/main" val="760646039"/>
+      </p:ext>
+    </p:extLst>
+  </p:cSld>
+  <p:clrMapOvr>
+    <a:masterClrMapping/>
+  </p:clrMapOvr>
+</p:sld>
+</file>
+
+<file path=ppt/slides/slide27.xml><?xml version="1.0" encoding="utf-8"?>
+<p:sld xmlns:a="http://schemas.openxmlformats.org/drawingml/2006/main" xmlns:r="http://schemas.openxmlformats.org/officeDocument/2006/relationships" xmlns:p="http://schemas.openxmlformats.org/presentationml/2006/main">
+  <p:cSld>
+    <p:spTree>
+      <p:nvGrpSpPr>
+        <p:cNvPr id="1" name=""/>
+        <p:cNvGrpSpPr/>
+        <p:nvPr/>
+      </p:nvGrpSpPr>
+      <p:grpSpPr>
+        <a:xfrm>
+          <a:off x="0" y="0"/>
+          <a:ext cx="0" cy="0"/>
+          <a:chOff x="0" y="0"/>
+          <a:chExt cx="0" cy="0"/>
+        </a:xfrm>
+      </p:grpSpPr>
+      <p:pic>
+        <p:nvPicPr>
+          <p:cNvPr id="5" name="Picture 4">
+            <a:extLst>
+              <a:ext uri="{FF2B5EF4-FFF2-40B4-BE49-F238E27FC236}">
+                <a16:creationId xmlns:a16="http://schemas.microsoft.com/office/drawing/2014/main" id="{7945A68F-BD69-088A-6171-D95169BEECCB}"/>
+              </a:ext>
+            </a:extLst>
+          </p:cNvPr>
+          <p:cNvPicPr>
+            <a:picLocks noChangeAspect="1"/>
+          </p:cNvPicPr>
+          <p:nvPr/>
+        </p:nvPicPr>
+        <p:blipFill>
+          <a:blip r:embed="rId2"/>
+          <a:stretch>
+            <a:fillRect/>
+          </a:stretch>
+        </p:blipFill>
+        <p:spPr>
+          <a:xfrm>
+            <a:off x="2552700" y="909637"/>
+            <a:ext cx="7086600" cy="5038725"/>
+          </a:xfrm>
+          <a:prstGeom prst="rect">
+            <a:avLst/>
+          </a:prstGeom>
+        </p:spPr>
+      </p:pic>
+    </p:spTree>
+    <p:extLst>
+      <p:ext uri="{BB962C8B-B14F-4D97-AF65-F5344CB8AC3E}">
+        <p14:creationId xmlns:p14="http://schemas.microsoft.com/office/powerpoint/2010/main" val="2633166560"/>
+      </p:ext>
+    </p:extLst>
+  </p:cSld>
+  <p:clrMapOvr>
+    <a:masterClrMapping/>
+  </p:clrMapOvr>
+</p:sld>
+</file>
+
+<file path=ppt/slides/slide28.xml><?xml version="1.0" encoding="utf-8"?>
 <p:sld xmlns:a="http://schemas.openxmlformats.org/drawingml/2006/main" xmlns:r="http://schemas.openxmlformats.org/officeDocument/2006/relationships" xmlns:p="http://schemas.openxmlformats.org/presentationml/2006/main">
   <p:cSld>
     <p:spTree>
@@ -9188,7 +9888,7 @@
 </p:sld>
 </file>
 
-<file path=ppt/slides/slide26.xml><?xml version="1.0" encoding="utf-8"?>
+<file path=ppt/slides/slide29.xml><?xml version="1.0" encoding="utf-8"?>
 <p:sld xmlns:a="http://schemas.openxmlformats.org/drawingml/2006/main" xmlns:r="http://schemas.openxmlformats.org/officeDocument/2006/relationships" xmlns:p="http://schemas.openxmlformats.org/presentationml/2006/main">
   <p:cSld>
     <p:spTree>
@@ -9412,7 +10112,232 @@
 </p:sld>
 </file>
 
-<file path=ppt/slides/slide27.xml><?xml version="1.0" encoding="utf-8"?>
+<file path=ppt/slides/slide3.xml><?xml version="1.0" encoding="utf-8"?>
+<p:sld xmlns:a="http://schemas.openxmlformats.org/drawingml/2006/main" xmlns:r="http://schemas.openxmlformats.org/officeDocument/2006/relationships" xmlns:p="http://schemas.openxmlformats.org/presentationml/2006/main">
+  <p:cSld>
+    <p:spTree>
+      <p:nvGrpSpPr>
+        <p:cNvPr id="1" name=""/>
+        <p:cNvGrpSpPr/>
+        <p:nvPr/>
+      </p:nvGrpSpPr>
+      <p:grpSpPr>
+        <a:xfrm>
+          <a:off x="0" y="0"/>
+          <a:ext cx="0" cy="0"/>
+          <a:chOff x="0" y="0"/>
+          <a:chExt cx="0" cy="0"/>
+        </a:xfrm>
+      </p:grpSpPr>
+      <p:grpSp>
+        <p:nvGrpSpPr>
+          <p:cNvPr id="5" name="Group 4">
+            <a:extLst>
+              <a:ext uri="{FF2B5EF4-FFF2-40B4-BE49-F238E27FC236}">
+                <a16:creationId xmlns:a16="http://schemas.microsoft.com/office/drawing/2014/main" id="{45841A2A-ED15-7573-F774-5257A62492EE}"/>
+              </a:ext>
+            </a:extLst>
+          </p:cNvPr>
+          <p:cNvGrpSpPr/>
+          <p:nvPr/>
+        </p:nvGrpSpPr>
+        <p:grpSpPr>
+          <a:xfrm>
+            <a:off x="3253468" y="1091289"/>
+            <a:ext cx="5685064" cy="4675421"/>
+            <a:chOff x="2863850" y="424090"/>
+            <a:chExt cx="5685064" cy="4675421"/>
+          </a:xfrm>
+        </p:grpSpPr>
+        <p:pic>
+          <p:nvPicPr>
+            <p:cNvPr id="3" name="Picture 2">
+              <a:extLst>
+                <a:ext uri="{FF2B5EF4-FFF2-40B4-BE49-F238E27FC236}">
+                  <a16:creationId xmlns:a16="http://schemas.microsoft.com/office/drawing/2014/main" id="{33574081-26BA-F39B-AE3E-DD4EF3A83D1E}"/>
+                </a:ext>
+              </a:extLst>
+            </p:cNvPr>
+            <p:cNvPicPr>
+              <a:picLocks noChangeAspect="1"/>
+            </p:cNvPicPr>
+            <p:nvPr/>
+          </p:nvPicPr>
+          <p:blipFill>
+            <a:blip r:embed="rId2"/>
+            <a:stretch>
+              <a:fillRect/>
+            </a:stretch>
+          </p:blipFill>
+          <p:spPr>
+            <a:xfrm>
+              <a:off x="2863850" y="424090"/>
+              <a:ext cx="5685064" cy="4675421"/>
+            </a:xfrm>
+            <a:prstGeom prst="rect">
+              <a:avLst/>
+            </a:prstGeom>
+          </p:spPr>
+        </p:pic>
+        <p:sp>
+          <p:nvSpPr>
+            <p:cNvPr id="4" name="TextBox 3">
+              <a:extLst>
+                <a:ext uri="{FF2B5EF4-FFF2-40B4-BE49-F238E27FC236}">
+                  <a16:creationId xmlns:a16="http://schemas.microsoft.com/office/drawing/2014/main" id="{F9EF9D0D-BAE8-D5A8-FF7D-7D5A5E94CBC9}"/>
+                </a:ext>
+              </a:extLst>
+            </p:cNvPr>
+            <p:cNvSpPr txBox="1"/>
+            <p:nvPr/>
+          </p:nvSpPr>
+          <p:spPr>
+            <a:xfrm>
+              <a:off x="3214915" y="1758967"/>
+              <a:ext cx="4535714" cy="2123658"/>
+            </a:xfrm>
+            <a:prstGeom prst="rect">
+              <a:avLst/>
+            </a:prstGeom>
+            <a:solidFill>
+              <a:schemeClr val="bg1">
+                <a:lumMod val="95000"/>
+              </a:schemeClr>
+            </a:solidFill>
+          </p:spPr>
+          <p:txBody>
+            <a:bodyPr wrap="square">
+              <a:spAutoFit/>
+            </a:bodyPr>
+            <a:lstStyle/>
+            <a:p>
+              <a:r>
+                <a:rPr lang="en-SG" sz="1100">
+                  <a:latin typeface="Consolas" panose="020B0609020204030204" pitchFamily="49" charset="0"/>
+                </a:rPr>
+                <a:t>from sklearn.ensemble import RandomForestClassifier</a:t>
+              </a:r>
+            </a:p>
+            <a:p>
+              <a:r>
+                <a:rPr lang="en-SG" sz="1100">
+                  <a:latin typeface="Consolas" panose="020B0609020204030204" pitchFamily="49" charset="0"/>
+                </a:rPr>
+                <a:t>from sklearn.model_selection import GridSearchCV</a:t>
+              </a:r>
+            </a:p>
+            <a:p>
+              <a:endParaRPr lang="en-SG" sz="1100">
+                <a:latin typeface="Consolas" panose="020B0609020204030204" pitchFamily="49" charset="0"/>
+              </a:endParaRPr>
+            </a:p>
+            <a:p>
+              <a:r>
+                <a:rPr lang="en-SG" sz="1100">
+                  <a:latin typeface="Consolas" panose="020B0609020204030204" pitchFamily="49" charset="0"/>
+                </a:rPr>
+                <a:t>model_params = {'n_estimators': [50, 150, 250]}</a:t>
+              </a:r>
+            </a:p>
+            <a:p>
+              <a:endParaRPr lang="en-SG" sz="1100">
+                <a:latin typeface="Consolas" panose="020B0609020204030204" pitchFamily="49" charset="0"/>
+              </a:endParaRPr>
+            </a:p>
+            <a:p>
+              <a:r>
+                <a:rPr lang="en-SG" sz="1100">
+                  <a:latin typeface="Consolas" panose="020B0609020204030204" pitchFamily="49" charset="0"/>
+                </a:rPr>
+                <a:t>rf = RandomForestClassifier(random_state=42)</a:t>
+              </a:r>
+            </a:p>
+            <a:p>
+              <a:endParaRPr lang="en-SG" sz="1100">
+                <a:latin typeface="Consolas" panose="020B0609020204030204" pitchFamily="49" charset="0"/>
+              </a:endParaRPr>
+            </a:p>
+            <a:p>
+              <a:r>
+                <a:rPr lang="en-SG" sz="1100">
+                  <a:latin typeface="Consolas" panose="020B0609020204030204" pitchFamily="49" charset="0"/>
+                </a:rPr>
+                <a:t>clf = </a:t>
+              </a:r>
+              <a:r>
+                <a:rPr lang="en-SG" sz="1100">
+                  <a:solidFill>
+                    <a:srgbClr val="FF0000"/>
+                  </a:solidFill>
+                  <a:latin typeface="Consolas" panose="020B0609020204030204" pitchFamily="49" charset="0"/>
+                </a:rPr>
+                <a:t>GridSearchCV</a:t>
+              </a:r>
+              <a:r>
+                <a:rPr lang="en-SG" sz="1100">
+                  <a:latin typeface="Consolas" panose="020B0609020204030204" pitchFamily="49" charset="0"/>
+                </a:rPr>
+                <a:t>(rf, </a:t>
+              </a:r>
+              <a:r>
+                <a:rPr lang="en-SG" sz="1100">
+                  <a:solidFill>
+                    <a:srgbClr val="FF0000"/>
+                  </a:solidFill>
+                  <a:latin typeface="Consolas" panose="020B0609020204030204" pitchFamily="49" charset="0"/>
+                </a:rPr>
+                <a:t>model_params</a:t>
+              </a:r>
+              <a:r>
+                <a:rPr lang="en-SG" sz="1100">
+                  <a:latin typeface="Consolas" panose="020B0609020204030204" pitchFamily="49" charset="0"/>
+                </a:rPr>
+                <a:t>, cv=5)</a:t>
+              </a:r>
+            </a:p>
+            <a:p>
+              <a:endParaRPr lang="en-SG" sz="1100">
+                <a:latin typeface="Consolas" panose="020B0609020204030204" pitchFamily="49" charset="0"/>
+              </a:endParaRPr>
+            </a:p>
+            <a:p>
+              <a:r>
+                <a:rPr lang="en-SG" sz="1100">
+                  <a:latin typeface="Consolas" panose="020B0609020204030204" pitchFamily="49" charset="0"/>
+                </a:rPr>
+                <a:t>clf.fit(X_train, y_train)</a:t>
+              </a:r>
+            </a:p>
+            <a:p>
+              <a:endParaRPr lang="en-SG" sz="1100">
+                <a:latin typeface="Consolas" panose="020B0609020204030204" pitchFamily="49" charset="0"/>
+              </a:endParaRPr>
+            </a:p>
+            <a:p>
+              <a:r>
+                <a:rPr lang="en-SG" sz="1100">
+                  <a:latin typeface="Consolas" panose="020B0609020204030204" pitchFamily="49" charset="0"/>
+                </a:rPr>
+                <a:t>print(clf.best_params_)</a:t>
+              </a:r>
+            </a:p>
+          </p:txBody>
+        </p:sp>
+      </p:grpSp>
+    </p:spTree>
+    <p:extLst>
+      <p:ext uri="{BB962C8B-B14F-4D97-AF65-F5344CB8AC3E}">
+        <p14:creationId xmlns:p14="http://schemas.microsoft.com/office/powerpoint/2010/main" val="1985569788"/>
+      </p:ext>
+    </p:extLst>
+  </p:cSld>
+  <p:clrMapOvr>
+    <a:masterClrMapping/>
+  </p:clrMapOvr>
+</p:sld>
+</file>
+
+<file path=ppt/slides/slide30.xml><?xml version="1.0" encoding="utf-8"?>
 <p:sld xmlns:a="http://schemas.openxmlformats.org/drawingml/2006/main" xmlns:r="http://schemas.openxmlformats.org/officeDocument/2006/relationships" xmlns:p="http://schemas.openxmlformats.org/presentationml/2006/main">
   <p:cSld>
     <p:spTree>
@@ -9632,7 +10557,7 @@
 </p:sld>
 </file>
 
-<file path=ppt/slides/slide28.xml><?xml version="1.0" encoding="utf-8"?>
+<file path=ppt/slides/slide31.xml><?xml version="1.0" encoding="utf-8"?>
 <p:sld xmlns:a="http://schemas.openxmlformats.org/drawingml/2006/main" xmlns:r="http://schemas.openxmlformats.org/officeDocument/2006/relationships" xmlns:p="http://schemas.openxmlformats.org/presentationml/2006/main">
   <p:cSld>
     <p:spTree>
@@ -9865,7 +10790,7 @@
 </p:sld>
 </file>
 
-<file path=ppt/slides/slide29.xml><?xml version="1.0" encoding="utf-8"?>
+<file path=ppt/slides/slide32.xml><?xml version="1.0" encoding="utf-8"?>
 <p:sld xmlns:a="http://schemas.openxmlformats.org/drawingml/2006/main" xmlns:r="http://schemas.openxmlformats.org/officeDocument/2006/relationships" xmlns:p="http://schemas.openxmlformats.org/presentationml/2006/main">
   <p:cSld>
     <p:spTree>
@@ -10150,232 +11075,7 @@
 </p:sld>
 </file>
 
-<file path=ppt/slides/slide3.xml><?xml version="1.0" encoding="utf-8"?>
-<p:sld xmlns:a="http://schemas.openxmlformats.org/drawingml/2006/main" xmlns:r="http://schemas.openxmlformats.org/officeDocument/2006/relationships" xmlns:p="http://schemas.openxmlformats.org/presentationml/2006/main">
-  <p:cSld>
-    <p:spTree>
-      <p:nvGrpSpPr>
-        <p:cNvPr id="1" name=""/>
-        <p:cNvGrpSpPr/>
-        <p:nvPr/>
-      </p:nvGrpSpPr>
-      <p:grpSpPr>
-        <a:xfrm>
-          <a:off x="0" y="0"/>
-          <a:ext cx="0" cy="0"/>
-          <a:chOff x="0" y="0"/>
-          <a:chExt cx="0" cy="0"/>
-        </a:xfrm>
-      </p:grpSpPr>
-      <p:grpSp>
-        <p:nvGrpSpPr>
-          <p:cNvPr id="5" name="Group 4">
-            <a:extLst>
-              <a:ext uri="{FF2B5EF4-FFF2-40B4-BE49-F238E27FC236}">
-                <a16:creationId xmlns:a16="http://schemas.microsoft.com/office/drawing/2014/main" id="{45841A2A-ED15-7573-F774-5257A62492EE}"/>
-              </a:ext>
-            </a:extLst>
-          </p:cNvPr>
-          <p:cNvGrpSpPr/>
-          <p:nvPr/>
-        </p:nvGrpSpPr>
-        <p:grpSpPr>
-          <a:xfrm>
-            <a:off x="3253468" y="1091289"/>
-            <a:ext cx="5685064" cy="4675421"/>
-            <a:chOff x="2863850" y="424090"/>
-            <a:chExt cx="5685064" cy="4675421"/>
-          </a:xfrm>
-        </p:grpSpPr>
-        <p:pic>
-          <p:nvPicPr>
-            <p:cNvPr id="3" name="Picture 2">
-              <a:extLst>
-                <a:ext uri="{FF2B5EF4-FFF2-40B4-BE49-F238E27FC236}">
-                  <a16:creationId xmlns:a16="http://schemas.microsoft.com/office/drawing/2014/main" id="{33574081-26BA-F39B-AE3E-DD4EF3A83D1E}"/>
-                </a:ext>
-              </a:extLst>
-            </p:cNvPr>
-            <p:cNvPicPr>
-              <a:picLocks noChangeAspect="1"/>
-            </p:cNvPicPr>
-            <p:nvPr/>
-          </p:nvPicPr>
-          <p:blipFill>
-            <a:blip r:embed="rId2"/>
-            <a:stretch>
-              <a:fillRect/>
-            </a:stretch>
-          </p:blipFill>
-          <p:spPr>
-            <a:xfrm>
-              <a:off x="2863850" y="424090"/>
-              <a:ext cx="5685064" cy="4675421"/>
-            </a:xfrm>
-            <a:prstGeom prst="rect">
-              <a:avLst/>
-            </a:prstGeom>
-          </p:spPr>
-        </p:pic>
-        <p:sp>
-          <p:nvSpPr>
-            <p:cNvPr id="4" name="TextBox 3">
-              <a:extLst>
-                <a:ext uri="{FF2B5EF4-FFF2-40B4-BE49-F238E27FC236}">
-                  <a16:creationId xmlns:a16="http://schemas.microsoft.com/office/drawing/2014/main" id="{F9EF9D0D-BAE8-D5A8-FF7D-7D5A5E94CBC9}"/>
-                </a:ext>
-              </a:extLst>
-            </p:cNvPr>
-            <p:cNvSpPr txBox="1"/>
-            <p:nvPr/>
-          </p:nvSpPr>
-          <p:spPr>
-            <a:xfrm>
-              <a:off x="3214915" y="1758967"/>
-              <a:ext cx="4535714" cy="2123658"/>
-            </a:xfrm>
-            <a:prstGeom prst="rect">
-              <a:avLst/>
-            </a:prstGeom>
-            <a:solidFill>
-              <a:schemeClr val="bg1">
-                <a:lumMod val="95000"/>
-              </a:schemeClr>
-            </a:solidFill>
-          </p:spPr>
-          <p:txBody>
-            <a:bodyPr wrap="square">
-              <a:spAutoFit/>
-            </a:bodyPr>
-            <a:lstStyle/>
-            <a:p>
-              <a:r>
-                <a:rPr lang="en-SG" sz="1100">
-                  <a:latin typeface="Consolas" panose="020B0609020204030204" pitchFamily="49" charset="0"/>
-                </a:rPr>
-                <a:t>from sklearn.ensemble import RandomForestClassifier</a:t>
-              </a:r>
-            </a:p>
-            <a:p>
-              <a:r>
-                <a:rPr lang="en-SG" sz="1100">
-                  <a:latin typeface="Consolas" panose="020B0609020204030204" pitchFamily="49" charset="0"/>
-                </a:rPr>
-                <a:t>from sklearn.model_selection import GridSearchCV</a:t>
-              </a:r>
-            </a:p>
-            <a:p>
-              <a:endParaRPr lang="en-SG" sz="1100">
-                <a:latin typeface="Consolas" panose="020B0609020204030204" pitchFamily="49" charset="0"/>
-              </a:endParaRPr>
-            </a:p>
-            <a:p>
-              <a:r>
-                <a:rPr lang="en-SG" sz="1100">
-                  <a:latin typeface="Consolas" panose="020B0609020204030204" pitchFamily="49" charset="0"/>
-                </a:rPr>
-                <a:t>model_params = {'n_estimators': [50, 150, 250]}</a:t>
-              </a:r>
-            </a:p>
-            <a:p>
-              <a:endParaRPr lang="en-SG" sz="1100">
-                <a:latin typeface="Consolas" panose="020B0609020204030204" pitchFamily="49" charset="0"/>
-              </a:endParaRPr>
-            </a:p>
-            <a:p>
-              <a:r>
-                <a:rPr lang="en-SG" sz="1100">
-                  <a:latin typeface="Consolas" panose="020B0609020204030204" pitchFamily="49" charset="0"/>
-                </a:rPr>
-                <a:t>rf = RandomForestClassifier(random_state=42)</a:t>
-              </a:r>
-            </a:p>
-            <a:p>
-              <a:endParaRPr lang="en-SG" sz="1100">
-                <a:latin typeface="Consolas" panose="020B0609020204030204" pitchFamily="49" charset="0"/>
-              </a:endParaRPr>
-            </a:p>
-            <a:p>
-              <a:r>
-                <a:rPr lang="en-SG" sz="1100">
-                  <a:latin typeface="Consolas" panose="020B0609020204030204" pitchFamily="49" charset="0"/>
-                </a:rPr>
-                <a:t>clf = </a:t>
-              </a:r>
-              <a:r>
-                <a:rPr lang="en-SG" sz="1100">
-                  <a:solidFill>
-                    <a:srgbClr val="FF0000"/>
-                  </a:solidFill>
-                  <a:latin typeface="Consolas" panose="020B0609020204030204" pitchFamily="49" charset="0"/>
-                </a:rPr>
-                <a:t>GridSearchCV</a:t>
-              </a:r>
-              <a:r>
-                <a:rPr lang="en-SG" sz="1100">
-                  <a:latin typeface="Consolas" panose="020B0609020204030204" pitchFamily="49" charset="0"/>
-                </a:rPr>
-                <a:t>(rf, </a:t>
-              </a:r>
-              <a:r>
-                <a:rPr lang="en-SG" sz="1100">
-                  <a:solidFill>
-                    <a:srgbClr val="FF0000"/>
-                  </a:solidFill>
-                  <a:latin typeface="Consolas" panose="020B0609020204030204" pitchFamily="49" charset="0"/>
-                </a:rPr>
-                <a:t>model_params</a:t>
-              </a:r>
-              <a:r>
-                <a:rPr lang="en-SG" sz="1100">
-                  <a:latin typeface="Consolas" panose="020B0609020204030204" pitchFamily="49" charset="0"/>
-                </a:rPr>
-                <a:t>, cv=5)</a:t>
-              </a:r>
-            </a:p>
-            <a:p>
-              <a:endParaRPr lang="en-SG" sz="1100">
-                <a:latin typeface="Consolas" panose="020B0609020204030204" pitchFamily="49" charset="0"/>
-              </a:endParaRPr>
-            </a:p>
-            <a:p>
-              <a:r>
-                <a:rPr lang="en-SG" sz="1100">
-                  <a:latin typeface="Consolas" panose="020B0609020204030204" pitchFamily="49" charset="0"/>
-                </a:rPr>
-                <a:t>clf.fit(X_train, y_train)</a:t>
-              </a:r>
-            </a:p>
-            <a:p>
-              <a:endParaRPr lang="en-SG" sz="1100">
-                <a:latin typeface="Consolas" panose="020B0609020204030204" pitchFamily="49" charset="0"/>
-              </a:endParaRPr>
-            </a:p>
-            <a:p>
-              <a:r>
-                <a:rPr lang="en-SG" sz="1100">
-                  <a:latin typeface="Consolas" panose="020B0609020204030204" pitchFamily="49" charset="0"/>
-                </a:rPr>
-                <a:t>print(clf.best_params_)</a:t>
-              </a:r>
-            </a:p>
-          </p:txBody>
-        </p:sp>
-      </p:grpSp>
-    </p:spTree>
-    <p:extLst>
-      <p:ext uri="{BB962C8B-B14F-4D97-AF65-F5344CB8AC3E}">
-        <p14:creationId xmlns:p14="http://schemas.microsoft.com/office/powerpoint/2010/main" val="1985569788"/>
-      </p:ext>
-    </p:extLst>
-  </p:cSld>
-  <p:clrMapOvr>
-    <a:masterClrMapping/>
-  </p:clrMapOvr>
-</p:sld>
-</file>
-
-<file path=ppt/slides/slide30.xml><?xml version="1.0" encoding="utf-8"?>
+<file path=ppt/slides/slide33.xml><?xml version="1.0" encoding="utf-8"?>
 <p:sld xmlns:a="http://schemas.openxmlformats.org/drawingml/2006/main" xmlns:r="http://schemas.openxmlformats.org/officeDocument/2006/relationships" xmlns:p="http://schemas.openxmlformats.org/presentationml/2006/main">
   <p:cSld>
     <p:spTree>
@@ -10601,7 +11301,7 @@
 </p:sld>
 </file>
 
-<file path=ppt/slides/slide31.xml><?xml version="1.0" encoding="utf-8"?>
+<file path=ppt/slides/slide34.xml><?xml version="1.0" encoding="utf-8"?>
 <p:sld xmlns:a="http://schemas.openxmlformats.org/drawingml/2006/main" xmlns:r="http://schemas.openxmlformats.org/officeDocument/2006/relationships" xmlns:p="http://schemas.openxmlformats.org/presentationml/2006/main">
   <p:cSld>
     <p:spTree>
@@ -10800,7 +11500,7 @@
 </p:sld>
 </file>
 
-<file path=ppt/slides/slide32.xml><?xml version="1.0" encoding="utf-8"?>
+<file path=ppt/slides/slide35.xml><?xml version="1.0" encoding="utf-8"?>
 <p:sld xmlns:a="http://schemas.openxmlformats.org/drawingml/2006/main" xmlns:r="http://schemas.openxmlformats.org/officeDocument/2006/relationships" xmlns:p="http://schemas.openxmlformats.org/presentationml/2006/main">
   <p:cSld>
     <p:spTree>
@@ -11002,7 +11702,7 @@
 </p:sld>
 </file>
 
-<file path=ppt/slides/slide33.xml><?xml version="1.0" encoding="utf-8"?>
+<file path=ppt/slides/slide36.xml><?xml version="1.0" encoding="utf-8"?>
 <p:sld xmlns:a="http://schemas.openxmlformats.org/drawingml/2006/main" xmlns:r="http://schemas.openxmlformats.org/officeDocument/2006/relationships" xmlns:p="http://schemas.openxmlformats.org/presentationml/2006/main">
   <p:cSld>
     <p:spTree>
@@ -11225,7 +11925,7 @@
 </p:sld>
 </file>
 
-<file path=ppt/slides/slide34.xml><?xml version="1.0" encoding="utf-8"?>
+<file path=ppt/slides/slide37.xml><?xml version="1.0" encoding="utf-8"?>
 <p:sld xmlns:a="http://schemas.openxmlformats.org/drawingml/2006/main" xmlns:r="http://schemas.openxmlformats.org/officeDocument/2006/relationships" xmlns:p="http://schemas.openxmlformats.org/presentationml/2006/main">
   <p:cSld>
     <p:spTree>
@@ -11444,7 +12144,7 @@
 </p:sld>
 </file>
 
-<file path=ppt/slides/slide35.xml><?xml version="1.0" encoding="utf-8"?>
+<file path=ppt/slides/slide38.xml><?xml version="1.0" encoding="utf-8"?>
 <p:sld xmlns:a="http://schemas.openxmlformats.org/drawingml/2006/main" xmlns:r="http://schemas.openxmlformats.org/officeDocument/2006/relationships" xmlns:p="http://schemas.openxmlformats.org/presentationml/2006/main">
   <p:cSld>
     <p:spTree>
@@ -11675,7 +12375,7 @@
 </p:sld>
 </file>
 
-<file path=ppt/slides/slide36.xml><?xml version="1.0" encoding="utf-8"?>
+<file path=ppt/slides/slide39.xml><?xml version="1.0" encoding="utf-8"?>
 <p:sld xmlns:a="http://schemas.openxmlformats.org/drawingml/2006/main" xmlns:r="http://schemas.openxmlformats.org/officeDocument/2006/relationships" xmlns:p="http://schemas.openxmlformats.org/presentationml/2006/main">
   <p:cSld>
     <p:spTree>
@@ -11942,7 +12642,457 @@
 </p:sld>
 </file>
 
-<file path=ppt/slides/slide37.xml><?xml version="1.0" encoding="utf-8"?>
+<file path=ppt/slides/slide4.xml><?xml version="1.0" encoding="utf-8"?>
+<p:sld xmlns:a="http://schemas.openxmlformats.org/drawingml/2006/main" xmlns:r="http://schemas.openxmlformats.org/officeDocument/2006/relationships" xmlns:p="http://schemas.openxmlformats.org/presentationml/2006/main">
+  <p:cSld>
+    <p:spTree>
+      <p:nvGrpSpPr>
+        <p:cNvPr id="1" name=""/>
+        <p:cNvGrpSpPr/>
+        <p:nvPr/>
+      </p:nvGrpSpPr>
+      <p:grpSpPr>
+        <a:xfrm>
+          <a:off x="0" y="0"/>
+          <a:ext cx="0" cy="0"/>
+          <a:chOff x="0" y="0"/>
+          <a:chExt cx="0" cy="0"/>
+        </a:xfrm>
+      </p:grpSpPr>
+      <p:grpSp>
+        <p:nvGrpSpPr>
+          <p:cNvPr id="3" name="Group 2">
+            <a:extLst>
+              <a:ext uri="{FF2B5EF4-FFF2-40B4-BE49-F238E27FC236}">
+                <a16:creationId xmlns:a16="http://schemas.microsoft.com/office/drawing/2014/main" id="{AB6A7FBD-D086-4138-0736-218158461C7C}"/>
+              </a:ext>
+            </a:extLst>
+          </p:cNvPr>
+          <p:cNvGrpSpPr/>
+          <p:nvPr/>
+        </p:nvGrpSpPr>
+        <p:grpSpPr>
+          <a:xfrm>
+            <a:off x="3182710" y="1084347"/>
+            <a:ext cx="5826579" cy="4689306"/>
+            <a:chOff x="3182710" y="1084347"/>
+            <a:chExt cx="5826579" cy="4689306"/>
+          </a:xfrm>
+        </p:grpSpPr>
+        <p:pic>
+          <p:nvPicPr>
+            <p:cNvPr id="5" name="Picture 4">
+              <a:extLst>
+                <a:ext uri="{FF2B5EF4-FFF2-40B4-BE49-F238E27FC236}">
+                  <a16:creationId xmlns:a16="http://schemas.microsoft.com/office/drawing/2014/main" id="{5B319976-3975-CE0E-CF12-88651FE4673C}"/>
+                </a:ext>
+              </a:extLst>
+            </p:cNvPr>
+            <p:cNvPicPr>
+              <a:picLocks noChangeAspect="1"/>
+            </p:cNvPicPr>
+            <p:nvPr/>
+          </p:nvPicPr>
+          <p:blipFill>
+            <a:blip r:embed="rId2"/>
+            <a:stretch>
+              <a:fillRect/>
+            </a:stretch>
+          </p:blipFill>
+          <p:spPr>
+            <a:xfrm>
+              <a:off x="3182710" y="1084347"/>
+              <a:ext cx="5826579" cy="4689306"/>
+            </a:xfrm>
+            <a:prstGeom prst="rect">
+              <a:avLst/>
+            </a:prstGeom>
+          </p:spPr>
+        </p:pic>
+        <p:sp>
+          <p:nvSpPr>
+            <p:cNvPr id="6" name="TextBox 5">
+              <a:extLst>
+                <a:ext uri="{FF2B5EF4-FFF2-40B4-BE49-F238E27FC236}">
+                  <a16:creationId xmlns:a16="http://schemas.microsoft.com/office/drawing/2014/main" id="{0177668F-FAA2-F0F3-51F3-48FD68723A47}"/>
+                </a:ext>
+              </a:extLst>
+            </p:cNvPr>
+            <p:cNvSpPr txBox="1"/>
+            <p:nvPr/>
+          </p:nvSpPr>
+          <p:spPr>
+            <a:xfrm>
+              <a:off x="3505199" y="3086881"/>
+              <a:ext cx="5181599" cy="1446550"/>
+            </a:xfrm>
+            <a:prstGeom prst="rect">
+              <a:avLst/>
+            </a:prstGeom>
+            <a:solidFill>
+              <a:schemeClr val="bg1">
+                <a:lumMod val="95000"/>
+              </a:schemeClr>
+            </a:solidFill>
+          </p:spPr>
+          <p:txBody>
+            <a:bodyPr wrap="square">
+              <a:spAutoFit/>
+            </a:bodyPr>
+            <a:lstStyle/>
+            <a:p>
+              <a:r>
+                <a:rPr lang="en-SG" sz="1100">
+                  <a:latin typeface="Consolas" panose="020B0609020204030204" pitchFamily="49" charset="0"/>
+                </a:rPr>
+                <a:t>from sklearn.ensemble import RandomForestClassifier</a:t>
+              </a:r>
+            </a:p>
+            <a:p>
+              <a:r>
+                <a:rPr lang="en-SG" sz="1100">
+                  <a:latin typeface="Consolas" panose="020B0609020204030204" pitchFamily="49" charset="0"/>
+                </a:rPr>
+                <a:t>from sklearn.metrics import accuracy_score</a:t>
+              </a:r>
+            </a:p>
+            <a:p>
+              <a:endParaRPr lang="en-SG" sz="1100">
+                <a:latin typeface="Consolas" panose="020B0609020204030204" pitchFamily="49" charset="0"/>
+              </a:endParaRPr>
+            </a:p>
+            <a:p>
+              <a:r>
+                <a:rPr lang="en-SG" sz="1100">
+                  <a:latin typeface="Consolas" panose="020B0609020204030204" pitchFamily="49" charset="0"/>
+                </a:rPr>
+                <a:t>model = </a:t>
+              </a:r>
+              <a:r>
+                <a:rPr lang="en-SG" sz="1100">
+                  <a:solidFill>
+                    <a:srgbClr val="FF0000"/>
+                  </a:solidFill>
+                  <a:latin typeface="Consolas" panose="020B0609020204030204" pitchFamily="49" charset="0"/>
+                </a:rPr>
+                <a:t>RandomForestClassifier</a:t>
+              </a:r>
+              <a:r>
+                <a:rPr lang="en-SG" sz="1100">
+                  <a:latin typeface="Consolas" panose="020B0609020204030204" pitchFamily="49" charset="0"/>
+                </a:rPr>
+                <a:t>(n_estimators=10, random_state=1)</a:t>
+              </a:r>
+            </a:p>
+            <a:p>
+              <a:r>
+                <a:rPr lang="en-SG" sz="1100">
+                  <a:latin typeface="Consolas" panose="020B0609020204030204" pitchFamily="49" charset="0"/>
+                </a:rPr>
+                <a:t>model.</a:t>
+              </a:r>
+              <a:r>
+                <a:rPr lang="en-SG" sz="1100">
+                  <a:solidFill>
+                    <a:srgbClr val="FF0000"/>
+                  </a:solidFill>
+                  <a:latin typeface="Consolas" panose="020B0609020204030204" pitchFamily="49" charset="0"/>
+                </a:rPr>
+                <a:t>fit</a:t>
+              </a:r>
+              <a:r>
+                <a:rPr lang="en-SG" sz="1100">
+                  <a:latin typeface="Consolas" panose="020B0609020204030204" pitchFamily="49" charset="0"/>
+                </a:rPr>
+                <a:t>(X_train, y_train)</a:t>
+              </a:r>
+            </a:p>
+            <a:p>
+              <a:endParaRPr lang="en-SG" sz="1100">
+                <a:latin typeface="Consolas" panose="020B0609020204030204" pitchFamily="49" charset="0"/>
+              </a:endParaRPr>
+            </a:p>
+            <a:p>
+              <a:r>
+                <a:rPr lang="en-SG" sz="1100">
+                  <a:latin typeface="Consolas" panose="020B0609020204030204" pitchFamily="49" charset="0"/>
+                </a:rPr>
+                <a:t>y_pred = model.predict(X_test)</a:t>
+              </a:r>
+            </a:p>
+            <a:p>
+              <a:r>
+                <a:rPr lang="en-SG" sz="1100">
+                  <a:latin typeface="Consolas" panose="020B0609020204030204" pitchFamily="49" charset="0"/>
+                </a:rPr>
+                <a:t>print(accuracy_score(y_test, y_pred))</a:t>
+              </a:r>
+            </a:p>
+          </p:txBody>
+        </p:sp>
+        <p:sp>
+          <p:nvSpPr>
+            <p:cNvPr id="2" name="Rectangle 1">
+              <a:extLst>
+                <a:ext uri="{FF2B5EF4-FFF2-40B4-BE49-F238E27FC236}">
+                  <a16:creationId xmlns:a16="http://schemas.microsoft.com/office/drawing/2014/main" id="{3F8BFA39-27C0-D995-60FE-6E6BA7A15BB5}"/>
+                </a:ext>
+              </a:extLst>
+            </p:cNvPr>
+            <p:cNvSpPr/>
+            <p:nvPr/>
+          </p:nvSpPr>
+          <p:spPr>
+            <a:xfrm>
+              <a:off x="5475213" y="2374085"/>
+              <a:ext cx="1224792" cy="243280"/>
+            </a:xfrm>
+            <a:prstGeom prst="rect">
+              <a:avLst/>
+            </a:prstGeom>
+            <a:noFill/>
+            <a:ln>
+              <a:solidFill>
+                <a:srgbClr val="FF0000"/>
+              </a:solidFill>
+            </a:ln>
+          </p:spPr>
+          <p:style>
+            <a:lnRef idx="2">
+              <a:schemeClr val="accent1">
+                <a:shade val="50000"/>
+              </a:schemeClr>
+            </a:lnRef>
+            <a:fillRef idx="1">
+              <a:schemeClr val="accent1"/>
+            </a:fillRef>
+            <a:effectRef idx="0">
+              <a:schemeClr val="accent1"/>
+            </a:effectRef>
+            <a:fontRef idx="minor">
+              <a:schemeClr val="lt1"/>
+            </a:fontRef>
+          </p:style>
+          <p:txBody>
+            <a:bodyPr rtlCol="0" anchor="ctr"/>
+            <a:lstStyle/>
+            <a:p>
+              <a:pPr algn="ctr"/>
+              <a:endParaRPr lang="en-SG"/>
+            </a:p>
+          </p:txBody>
+        </p:sp>
+      </p:grpSp>
+    </p:spTree>
+    <p:extLst>
+      <p:ext uri="{BB962C8B-B14F-4D97-AF65-F5344CB8AC3E}">
+        <p14:creationId xmlns:p14="http://schemas.microsoft.com/office/powerpoint/2010/main" val="4109367943"/>
+      </p:ext>
+    </p:extLst>
+  </p:cSld>
+  <p:clrMapOvr>
+    <a:masterClrMapping/>
+  </p:clrMapOvr>
+</p:sld>
+</file>
+
+<file path=ppt/slides/slide40.xml><?xml version="1.0" encoding="utf-8"?>
+<p:sld xmlns:a="http://schemas.openxmlformats.org/drawingml/2006/main" xmlns:r="http://schemas.openxmlformats.org/officeDocument/2006/relationships" xmlns:p="http://schemas.openxmlformats.org/presentationml/2006/main">
+  <p:cSld>
+    <p:spTree>
+      <p:nvGrpSpPr>
+        <p:cNvPr id="1" name=""/>
+        <p:cNvGrpSpPr/>
+        <p:nvPr/>
+      </p:nvGrpSpPr>
+      <p:grpSpPr>
+        <a:xfrm>
+          <a:off x="0" y="0"/>
+          <a:ext cx="0" cy="0"/>
+          <a:chOff x="0" y="0"/>
+          <a:chExt cx="0" cy="0"/>
+        </a:xfrm>
+      </p:grpSpPr>
+      <p:grpSp>
+        <p:nvGrpSpPr>
+          <p:cNvPr id="6" name="Group 5">
+            <a:extLst>
+              <a:ext uri="{FF2B5EF4-FFF2-40B4-BE49-F238E27FC236}">
+                <a16:creationId xmlns:a16="http://schemas.microsoft.com/office/drawing/2014/main" id="{30FCC9C4-D631-D624-9E60-3CE19914D15A}"/>
+              </a:ext>
+            </a:extLst>
+          </p:cNvPr>
+          <p:cNvGrpSpPr/>
+          <p:nvPr/>
+        </p:nvGrpSpPr>
+        <p:grpSpPr>
+          <a:xfrm>
+            <a:off x="2847419" y="1028831"/>
+            <a:ext cx="6497161" cy="4800338"/>
+            <a:chOff x="2576512" y="828675"/>
+            <a:chExt cx="6497161" cy="4800338"/>
+          </a:xfrm>
+        </p:grpSpPr>
+        <p:pic>
+          <p:nvPicPr>
+            <p:cNvPr id="3" name="Picture 2">
+              <a:extLst>
+                <a:ext uri="{FF2B5EF4-FFF2-40B4-BE49-F238E27FC236}">
+                  <a16:creationId xmlns:a16="http://schemas.microsoft.com/office/drawing/2014/main" id="{6A347E8E-21F9-2C21-AE98-0F77930AF0EA}"/>
+                </a:ext>
+              </a:extLst>
+            </p:cNvPr>
+            <p:cNvPicPr>
+              <a:picLocks noChangeAspect="1"/>
+            </p:cNvPicPr>
+            <p:nvPr/>
+          </p:nvPicPr>
+          <p:blipFill>
+            <a:blip r:embed="rId2"/>
+            <a:stretch>
+              <a:fillRect/>
+            </a:stretch>
+          </p:blipFill>
+          <p:spPr>
+            <a:xfrm>
+              <a:off x="2576512" y="828675"/>
+              <a:ext cx="6497161" cy="4800338"/>
+            </a:xfrm>
+            <a:prstGeom prst="rect">
+              <a:avLst/>
+            </a:prstGeom>
+          </p:spPr>
+        </p:pic>
+        <p:sp>
+          <p:nvSpPr>
+            <p:cNvPr id="4" name="TextBox 3">
+              <a:extLst>
+                <a:ext uri="{FF2B5EF4-FFF2-40B4-BE49-F238E27FC236}">
+                  <a16:creationId xmlns:a16="http://schemas.microsoft.com/office/drawing/2014/main" id="{9B7F9FC6-B1CD-4C04-8246-1F911208112C}"/>
+                </a:ext>
+              </a:extLst>
+            </p:cNvPr>
+            <p:cNvSpPr txBox="1"/>
+            <p:nvPr/>
+          </p:nvSpPr>
+          <p:spPr>
+            <a:xfrm>
+              <a:off x="2939527" y="2250474"/>
+              <a:ext cx="5214572" cy="2123658"/>
+            </a:xfrm>
+            <a:prstGeom prst="rect">
+              <a:avLst/>
+            </a:prstGeom>
+            <a:solidFill>
+              <a:schemeClr val="bg1">
+                <a:lumMod val="95000"/>
+              </a:schemeClr>
+            </a:solidFill>
+          </p:spPr>
+          <p:txBody>
+            <a:bodyPr wrap="square">
+              <a:spAutoFit/>
+            </a:bodyPr>
+            <a:lstStyle>
+              <a:defPPr>
+                <a:defRPr lang="en-US"/>
+              </a:defPPr>
+              <a:lvl1pPr>
+                <a:defRPr sz="1200" b="0" i="0">
+                  <a:solidFill>
+                    <a:srgbClr val="05192D"/>
+                  </a:solidFill>
+                  <a:effectLst/>
+                  <a:latin typeface="Consolas" panose="020B0609020204030204" pitchFamily="49" charset="0"/>
+                </a:defRPr>
+              </a:lvl1pPr>
+            </a:lstStyle>
+            <a:p>
+              <a:endParaRPr lang="en-SG" sz="1100"/>
+            </a:p>
+            <a:p>
+              <a:r>
+                <a:rPr lang="en-SG" sz="1100"/>
+                <a:t>from sklearn.linear_model import LogisticRegression</a:t>
+              </a:r>
+            </a:p>
+            <a:p>
+              <a:r>
+                <a:rPr lang="en-SG" sz="1100"/>
+                <a:t>from sklearn import metrics</a:t>
+              </a:r>
+            </a:p>
+            <a:p>
+              <a:endParaRPr lang="en-SG" sz="1100"/>
+            </a:p>
+            <a:p>
+              <a:r>
+                <a:rPr lang="en-SG" sz="1100"/>
+                <a:t>clf=LogisticRegression(solver='newton-cg', random_state=42)</a:t>
+              </a:r>
+            </a:p>
+            <a:p>
+              <a:r>
+                <a:rPr lang="en-SG" sz="1100"/>
+                <a:t>clf.fit(X_train,y_train)</a:t>
+              </a:r>
+            </a:p>
+            <a:p>
+              <a:endParaRPr lang="en-SG" sz="1100"/>
+            </a:p>
+            <a:p>
+              <a:r>
+                <a:rPr lang="en-SG" sz="1100"/>
+                <a:t>y_pred=clf.predict(X_test)</a:t>
+              </a:r>
+            </a:p>
+            <a:p>
+              <a:endParaRPr lang="en-SG" sz="1100"/>
+            </a:p>
+            <a:p>
+              <a:r>
+                <a:rPr lang="en-SG" sz="1100"/>
+                <a:t>size = metrics.</a:t>
+              </a:r>
+              <a:r>
+                <a:rPr lang="en-SG" sz="1100">
+                  <a:solidFill>
+                    <a:srgbClr val="FF0000"/>
+                  </a:solidFill>
+                </a:rPr>
+                <a:t>roc_auc_score</a:t>
+              </a:r>
+              <a:r>
+                <a:rPr lang="en-SG" sz="1100"/>
+                <a:t>(y_test, y_pred)</a:t>
+              </a:r>
+            </a:p>
+            <a:p>
+              <a:r>
+                <a:rPr lang="en-SG" sz="1100"/>
+                <a:t>print(size)</a:t>
+              </a:r>
+            </a:p>
+            <a:p>
+              <a:endParaRPr lang="en-SG" sz="1100"/>
+            </a:p>
+          </p:txBody>
+        </p:sp>
+      </p:grpSp>
+    </p:spTree>
+    <p:extLst>
+      <p:ext uri="{BB962C8B-B14F-4D97-AF65-F5344CB8AC3E}">
+        <p14:creationId xmlns:p14="http://schemas.microsoft.com/office/powerpoint/2010/main" val="2459028555"/>
+      </p:ext>
+    </p:extLst>
+  </p:cSld>
+  <p:clrMapOvr>
+    <a:masterClrMapping/>
+  </p:clrMapOvr>
+</p:sld>
+</file>
+
+<file path=ppt/slides/slide41.xml><?xml version="1.0" encoding="utf-8"?>
 <p:sld xmlns:a="http://schemas.openxmlformats.org/drawingml/2006/main" xmlns:r="http://schemas.openxmlformats.org/officeDocument/2006/relationships" xmlns:p="http://schemas.openxmlformats.org/presentationml/2006/main">
   <p:cSld>
     <p:spTree>
@@ -12023,8 +13173,8 @@
           </p:nvSpPr>
           <p:spPr>
             <a:xfrm>
-              <a:off x="2857837" y="2315553"/>
-              <a:ext cx="4623638" cy="2123658"/>
+              <a:off x="2857836" y="2315553"/>
+              <a:ext cx="5291745" cy="2123658"/>
             </a:xfrm>
             <a:prstGeom prst="rect">
               <a:avLst/>
@@ -12111,6 +13261,9 @@
                 <a:rPr lang="en-SG" sz="1100"/>
                 <a:t>print(roc_auc)</a:t>
               </a:r>
+            </a:p>
+            <a:p>
+              <a:endParaRPr lang="en-SG" sz="1100"/>
             </a:p>
           </p:txBody>
         </p:sp>
@@ -12167,7 +13320,7 @@
 </p:sld>
 </file>
 
-<file path=ppt/slides/slide38.xml><?xml version="1.0" encoding="utf-8"?>
+<file path=ppt/slides/slide42.xml><?xml version="1.0" encoding="utf-8"?>
 <p:sld xmlns:a="http://schemas.openxmlformats.org/drawingml/2006/main" xmlns:r="http://schemas.openxmlformats.org/officeDocument/2006/relationships" xmlns:p="http://schemas.openxmlformats.org/presentationml/2006/main">
   <p:cSld>
     <p:spTree>
@@ -12354,7 +13507,7 @@
 </p:sld>
 </file>
 
-<file path=ppt/slides/slide39.xml><?xml version="1.0" encoding="utf-8"?>
+<file path=ppt/slides/slide43.xml><?xml version="1.0" encoding="utf-8"?>
 <p:sld xmlns:a="http://schemas.openxmlformats.org/drawingml/2006/main" xmlns:r="http://schemas.openxmlformats.org/officeDocument/2006/relationships" xmlns:p="http://schemas.openxmlformats.org/presentationml/2006/main">
   <p:cSld>
     <p:spTree>
@@ -12556,261 +13709,7 @@
 </p:sld>
 </file>
 
-<file path=ppt/slides/slide4.xml><?xml version="1.0" encoding="utf-8"?>
-<p:sld xmlns:a="http://schemas.openxmlformats.org/drawingml/2006/main" xmlns:r="http://schemas.openxmlformats.org/officeDocument/2006/relationships" xmlns:p="http://schemas.openxmlformats.org/presentationml/2006/main">
-  <p:cSld>
-    <p:spTree>
-      <p:nvGrpSpPr>
-        <p:cNvPr id="1" name=""/>
-        <p:cNvGrpSpPr/>
-        <p:nvPr/>
-      </p:nvGrpSpPr>
-      <p:grpSpPr>
-        <a:xfrm>
-          <a:off x="0" y="0"/>
-          <a:ext cx="0" cy="0"/>
-          <a:chOff x="0" y="0"/>
-          <a:chExt cx="0" cy="0"/>
-        </a:xfrm>
-      </p:grpSpPr>
-      <p:grpSp>
-        <p:nvGrpSpPr>
-          <p:cNvPr id="3" name="Group 2">
-            <a:extLst>
-              <a:ext uri="{FF2B5EF4-FFF2-40B4-BE49-F238E27FC236}">
-                <a16:creationId xmlns:a16="http://schemas.microsoft.com/office/drawing/2014/main" id="{AB6A7FBD-D086-4138-0736-218158461C7C}"/>
-              </a:ext>
-            </a:extLst>
-          </p:cNvPr>
-          <p:cNvGrpSpPr/>
-          <p:nvPr/>
-        </p:nvGrpSpPr>
-        <p:grpSpPr>
-          <a:xfrm>
-            <a:off x="3182710" y="1084347"/>
-            <a:ext cx="5826579" cy="4689306"/>
-            <a:chOff x="3182710" y="1084347"/>
-            <a:chExt cx="5826579" cy="4689306"/>
-          </a:xfrm>
-        </p:grpSpPr>
-        <p:pic>
-          <p:nvPicPr>
-            <p:cNvPr id="5" name="Picture 4">
-              <a:extLst>
-                <a:ext uri="{FF2B5EF4-FFF2-40B4-BE49-F238E27FC236}">
-                  <a16:creationId xmlns:a16="http://schemas.microsoft.com/office/drawing/2014/main" id="{5B319976-3975-CE0E-CF12-88651FE4673C}"/>
-                </a:ext>
-              </a:extLst>
-            </p:cNvPr>
-            <p:cNvPicPr>
-              <a:picLocks noChangeAspect="1"/>
-            </p:cNvPicPr>
-            <p:nvPr/>
-          </p:nvPicPr>
-          <p:blipFill>
-            <a:blip r:embed="rId2"/>
-            <a:stretch>
-              <a:fillRect/>
-            </a:stretch>
-          </p:blipFill>
-          <p:spPr>
-            <a:xfrm>
-              <a:off x="3182710" y="1084347"/>
-              <a:ext cx="5826579" cy="4689306"/>
-            </a:xfrm>
-            <a:prstGeom prst="rect">
-              <a:avLst/>
-            </a:prstGeom>
-          </p:spPr>
-        </p:pic>
-        <p:sp>
-          <p:nvSpPr>
-            <p:cNvPr id="6" name="TextBox 5">
-              <a:extLst>
-                <a:ext uri="{FF2B5EF4-FFF2-40B4-BE49-F238E27FC236}">
-                  <a16:creationId xmlns:a16="http://schemas.microsoft.com/office/drawing/2014/main" id="{0177668F-FAA2-F0F3-51F3-48FD68723A47}"/>
-                </a:ext>
-              </a:extLst>
-            </p:cNvPr>
-            <p:cNvSpPr txBox="1"/>
-            <p:nvPr/>
-          </p:nvSpPr>
-          <p:spPr>
-            <a:xfrm>
-              <a:off x="3505199" y="3086881"/>
-              <a:ext cx="5181599" cy="1446550"/>
-            </a:xfrm>
-            <a:prstGeom prst="rect">
-              <a:avLst/>
-            </a:prstGeom>
-            <a:solidFill>
-              <a:schemeClr val="bg1">
-                <a:lumMod val="95000"/>
-              </a:schemeClr>
-            </a:solidFill>
-          </p:spPr>
-          <p:txBody>
-            <a:bodyPr wrap="square">
-              <a:spAutoFit/>
-            </a:bodyPr>
-            <a:lstStyle/>
-            <a:p>
-              <a:r>
-                <a:rPr lang="en-SG" sz="1100">
-                  <a:latin typeface="Consolas" panose="020B0609020204030204" pitchFamily="49" charset="0"/>
-                </a:rPr>
-                <a:t>from sklearn.ensemble import RandomForestClassifier</a:t>
-              </a:r>
-            </a:p>
-            <a:p>
-              <a:r>
-                <a:rPr lang="en-SG" sz="1100">
-                  <a:latin typeface="Consolas" panose="020B0609020204030204" pitchFamily="49" charset="0"/>
-                </a:rPr>
-                <a:t>from sklearn.metrics import accuracy_score</a:t>
-              </a:r>
-            </a:p>
-            <a:p>
-              <a:endParaRPr lang="en-SG" sz="1100">
-                <a:latin typeface="Consolas" panose="020B0609020204030204" pitchFamily="49" charset="0"/>
-              </a:endParaRPr>
-            </a:p>
-            <a:p>
-              <a:r>
-                <a:rPr lang="en-SG" sz="1100">
-                  <a:latin typeface="Consolas" panose="020B0609020204030204" pitchFamily="49" charset="0"/>
-                </a:rPr>
-                <a:t>model = </a:t>
-              </a:r>
-              <a:r>
-                <a:rPr lang="en-SG" sz="1100">
-                  <a:solidFill>
-                    <a:srgbClr val="FF0000"/>
-                  </a:solidFill>
-                  <a:latin typeface="Consolas" panose="020B0609020204030204" pitchFamily="49" charset="0"/>
-                </a:rPr>
-                <a:t>RandomForestClassifier</a:t>
-              </a:r>
-              <a:r>
-                <a:rPr lang="en-SG" sz="1100">
-                  <a:latin typeface="Consolas" panose="020B0609020204030204" pitchFamily="49" charset="0"/>
-                </a:rPr>
-                <a:t>(n_estimators=10, random_state=1)</a:t>
-              </a:r>
-            </a:p>
-            <a:p>
-              <a:r>
-                <a:rPr lang="en-SG" sz="1100">
-                  <a:latin typeface="Consolas" panose="020B0609020204030204" pitchFamily="49" charset="0"/>
-                </a:rPr>
-                <a:t>model.</a:t>
-              </a:r>
-              <a:r>
-                <a:rPr lang="en-SG" sz="1100">
-                  <a:solidFill>
-                    <a:srgbClr val="FF0000"/>
-                  </a:solidFill>
-                  <a:latin typeface="Consolas" panose="020B0609020204030204" pitchFamily="49" charset="0"/>
-                </a:rPr>
-                <a:t>fit</a:t>
-              </a:r>
-              <a:r>
-                <a:rPr lang="en-SG" sz="1100">
-                  <a:latin typeface="Consolas" panose="020B0609020204030204" pitchFamily="49" charset="0"/>
-                </a:rPr>
-                <a:t>(X_train, y_train)</a:t>
-              </a:r>
-            </a:p>
-            <a:p>
-              <a:endParaRPr lang="en-SG" sz="1100">
-                <a:latin typeface="Consolas" panose="020B0609020204030204" pitchFamily="49" charset="0"/>
-              </a:endParaRPr>
-            </a:p>
-            <a:p>
-              <a:r>
-                <a:rPr lang="en-SG" sz="1100">
-                  <a:latin typeface="Consolas" panose="020B0609020204030204" pitchFamily="49" charset="0"/>
-                </a:rPr>
-                <a:t>y_pred = model.predict(X_test)</a:t>
-              </a:r>
-            </a:p>
-            <a:p>
-              <a:r>
-                <a:rPr lang="en-SG" sz="1100">
-                  <a:latin typeface="Consolas" panose="020B0609020204030204" pitchFamily="49" charset="0"/>
-                </a:rPr>
-                <a:t>print(accuracy_score(y_test, y_pred))</a:t>
-              </a:r>
-            </a:p>
-          </p:txBody>
-        </p:sp>
-        <p:sp>
-          <p:nvSpPr>
-            <p:cNvPr id="2" name="Rectangle 1">
-              <a:extLst>
-                <a:ext uri="{FF2B5EF4-FFF2-40B4-BE49-F238E27FC236}">
-                  <a16:creationId xmlns:a16="http://schemas.microsoft.com/office/drawing/2014/main" id="{3F8BFA39-27C0-D995-60FE-6E6BA7A15BB5}"/>
-                </a:ext>
-              </a:extLst>
-            </p:cNvPr>
-            <p:cNvSpPr/>
-            <p:nvPr/>
-          </p:nvSpPr>
-          <p:spPr>
-            <a:xfrm>
-              <a:off x="5475213" y="2374085"/>
-              <a:ext cx="1224792" cy="243280"/>
-            </a:xfrm>
-            <a:prstGeom prst="rect">
-              <a:avLst/>
-            </a:prstGeom>
-            <a:noFill/>
-            <a:ln>
-              <a:solidFill>
-                <a:srgbClr val="FF0000"/>
-              </a:solidFill>
-            </a:ln>
-          </p:spPr>
-          <p:style>
-            <a:lnRef idx="2">
-              <a:schemeClr val="accent1">
-                <a:shade val="50000"/>
-              </a:schemeClr>
-            </a:lnRef>
-            <a:fillRef idx="1">
-              <a:schemeClr val="accent1"/>
-            </a:fillRef>
-            <a:effectRef idx="0">
-              <a:schemeClr val="accent1"/>
-            </a:effectRef>
-            <a:fontRef idx="minor">
-              <a:schemeClr val="lt1"/>
-            </a:fontRef>
-          </p:style>
-          <p:txBody>
-            <a:bodyPr rtlCol="0" anchor="ctr"/>
-            <a:lstStyle/>
-            <a:p>
-              <a:pPr algn="ctr"/>
-              <a:endParaRPr lang="en-SG"/>
-            </a:p>
-          </p:txBody>
-        </p:sp>
-      </p:grpSp>
-    </p:spTree>
-    <p:extLst>
-      <p:ext uri="{BB962C8B-B14F-4D97-AF65-F5344CB8AC3E}">
-        <p14:creationId xmlns:p14="http://schemas.microsoft.com/office/powerpoint/2010/main" val="4109367943"/>
-      </p:ext>
-    </p:extLst>
-  </p:cSld>
-  <p:clrMapOvr>
-    <a:masterClrMapping/>
-  </p:clrMapOvr>
-</p:sld>
-</file>
-
-<file path=ppt/slides/slide40.xml><?xml version="1.0" encoding="utf-8"?>
+<file path=ppt/slides/slide44.xml><?xml version="1.0" encoding="utf-8"?>
 <p:sld xmlns:a="http://schemas.openxmlformats.org/drawingml/2006/main" xmlns:r="http://schemas.openxmlformats.org/officeDocument/2006/relationships" xmlns:p="http://schemas.openxmlformats.org/presentationml/2006/main">
   <p:cSld>
     <p:spTree>
@@ -13056,7 +13955,249 @@
 </p:sld>
 </file>
 
-<file path=ppt/slides/slide41.xml><?xml version="1.0" encoding="utf-8"?>
+<file path=ppt/slides/slide45.xml><?xml version="1.0" encoding="utf-8"?>
+<p:sld xmlns:a="http://schemas.openxmlformats.org/drawingml/2006/main" xmlns:r="http://schemas.openxmlformats.org/officeDocument/2006/relationships" xmlns:p="http://schemas.openxmlformats.org/presentationml/2006/main">
+  <p:cSld>
+    <p:spTree>
+      <p:nvGrpSpPr>
+        <p:cNvPr id="1" name=""/>
+        <p:cNvGrpSpPr/>
+        <p:nvPr/>
+      </p:nvGrpSpPr>
+      <p:grpSpPr>
+        <a:xfrm>
+          <a:off x="0" y="0"/>
+          <a:ext cx="0" cy="0"/>
+          <a:chOff x="0" y="0"/>
+          <a:chExt cx="0" cy="0"/>
+        </a:xfrm>
+      </p:grpSpPr>
+      <p:grpSp>
+        <p:nvGrpSpPr>
+          <p:cNvPr id="7" name="Group 6">
+            <a:extLst>
+              <a:ext uri="{FF2B5EF4-FFF2-40B4-BE49-F238E27FC236}">
+                <a16:creationId xmlns:a16="http://schemas.microsoft.com/office/drawing/2014/main" id="{FFE1829D-9A26-E22E-95F1-A1B095B8BF8F}"/>
+              </a:ext>
+            </a:extLst>
+          </p:cNvPr>
+          <p:cNvGrpSpPr/>
+          <p:nvPr/>
+        </p:nvGrpSpPr>
+        <p:grpSpPr>
+          <a:xfrm>
+            <a:off x="2661254" y="649598"/>
+            <a:ext cx="6869492" cy="5558804"/>
+            <a:chOff x="2576513" y="718171"/>
+            <a:chExt cx="6869492" cy="5558804"/>
+          </a:xfrm>
+        </p:grpSpPr>
+        <p:pic>
+          <p:nvPicPr>
+            <p:cNvPr id="3" name="Picture 2">
+              <a:extLst>
+                <a:ext uri="{FF2B5EF4-FFF2-40B4-BE49-F238E27FC236}">
+                  <a16:creationId xmlns:a16="http://schemas.microsoft.com/office/drawing/2014/main" id="{A3BE68DC-1663-1D1C-782B-1629F7083E5A}"/>
+                </a:ext>
+              </a:extLst>
+            </p:cNvPr>
+            <p:cNvPicPr>
+              <a:picLocks noChangeAspect="1"/>
+            </p:cNvPicPr>
+            <p:nvPr/>
+          </p:nvPicPr>
+          <p:blipFill>
+            <a:blip r:embed="rId2"/>
+            <a:stretch>
+              <a:fillRect/>
+            </a:stretch>
+          </p:blipFill>
+          <p:spPr>
+            <a:xfrm>
+              <a:off x="2576513" y="718171"/>
+              <a:ext cx="6869492" cy="5558804"/>
+            </a:xfrm>
+            <a:prstGeom prst="rect">
+              <a:avLst/>
+            </a:prstGeom>
+          </p:spPr>
+        </p:pic>
+        <p:sp>
+          <p:nvSpPr>
+            <p:cNvPr id="4" name="TextBox 3">
+              <a:extLst>
+                <a:ext uri="{FF2B5EF4-FFF2-40B4-BE49-F238E27FC236}">
+                  <a16:creationId xmlns:a16="http://schemas.microsoft.com/office/drawing/2014/main" id="{0B81CBED-B80A-E31E-96C7-FCEC1EA518E6}"/>
+                </a:ext>
+              </a:extLst>
+            </p:cNvPr>
+            <p:cNvSpPr txBox="1"/>
+            <p:nvPr/>
+          </p:nvSpPr>
+          <p:spPr>
+            <a:xfrm>
+              <a:off x="3006639" y="2316997"/>
+              <a:ext cx="5214572" cy="1785104"/>
+            </a:xfrm>
+            <a:prstGeom prst="rect">
+              <a:avLst/>
+            </a:prstGeom>
+            <a:solidFill>
+              <a:schemeClr val="bg1">
+                <a:lumMod val="95000"/>
+              </a:schemeClr>
+            </a:solidFill>
+          </p:spPr>
+          <p:txBody>
+            <a:bodyPr wrap="square">
+              <a:spAutoFit/>
+            </a:bodyPr>
+            <a:lstStyle>
+              <a:defPPr>
+                <a:defRPr lang="en-US"/>
+              </a:defPPr>
+              <a:lvl1pPr>
+                <a:defRPr sz="1200" b="0" i="0">
+                  <a:solidFill>
+                    <a:srgbClr val="05192D"/>
+                  </a:solidFill>
+                  <a:effectLst/>
+                  <a:latin typeface="Consolas" panose="020B0609020204030204" pitchFamily="49" charset="0"/>
+                </a:defRPr>
+              </a:lvl1pPr>
+            </a:lstStyle>
+            <a:p>
+              <a:endParaRPr lang="en-SG" sz="1100"/>
+            </a:p>
+            <a:p>
+              <a:r>
+                <a:rPr lang="en-SG" sz="1100"/>
+                <a:t>from scipy.cluster.hierarchy import </a:t>
+              </a:r>
+              <a:r>
+                <a:rPr lang="en-SG" sz="1100">
+                  <a:solidFill>
+                    <a:srgbClr val="FF0000"/>
+                  </a:solidFill>
+                </a:rPr>
+                <a:t>cut_tree</a:t>
+              </a:r>
+            </a:p>
+            <a:p>
+              <a:endParaRPr lang="en-SG" sz="1100"/>
+            </a:p>
+            <a:p>
+              <a:r>
+                <a:rPr lang="en-SG" sz="1100"/>
+                <a:t>cutree = </a:t>
+              </a:r>
+              <a:r>
+                <a:rPr lang="en-SG" sz="1100">
+                  <a:solidFill>
+                    <a:srgbClr val="FF0000"/>
+                  </a:solidFill>
+                </a:rPr>
+                <a:t>cut_tree</a:t>
+              </a:r>
+              <a:r>
+                <a:rPr lang="en-SG" sz="1100"/>
+                <a:t>(</a:t>
+              </a:r>
+            </a:p>
+            <a:p>
+              <a:r>
+                <a:rPr lang="en-SG" sz="1100"/>
+                <a:t>	ward_linkage_matrix,</a:t>
+              </a:r>
+            </a:p>
+            <a:p>
+              <a:r>
+                <a:rPr lang="en-SG" sz="1100"/>
+                <a:t>	</a:t>
+              </a:r>
+              <a:r>
+                <a:rPr lang="en-SG" sz="1100">
+                  <a:solidFill>
+                    <a:srgbClr val="FF0000"/>
+                  </a:solidFill>
+                </a:rPr>
+                <a:t>height = 3</a:t>
+              </a:r>
+            </a:p>
+            <a:p>
+              <a:r>
+                <a:rPr lang="en-SG" sz="1100"/>
+                <a:t>)</a:t>
+              </a:r>
+            </a:p>
+            <a:p>
+              <a:endParaRPr lang="en-SG" sz="1100"/>
+            </a:p>
+            <a:p>
+              <a:r>
+                <a:rPr lang="en-SG" sz="1100"/>
+                <a:t>print(cutree[:5])</a:t>
+              </a:r>
+            </a:p>
+            <a:p>
+              <a:endParaRPr lang="en-SG" sz="1100"/>
+            </a:p>
+          </p:txBody>
+        </p:sp>
+      </p:grpSp>
+      <p:sp>
+        <p:nvSpPr>
+          <p:cNvPr id="6" name="TextBox 5">
+            <a:extLst>
+              <a:ext uri="{FF2B5EF4-FFF2-40B4-BE49-F238E27FC236}">
+                <a16:creationId xmlns:a16="http://schemas.microsoft.com/office/drawing/2014/main" id="{629C703C-4305-FF78-E32D-486A94CA4F14}"/>
+              </a:ext>
+            </a:extLst>
+          </p:cNvPr>
+          <p:cNvSpPr txBox="1"/>
+          <p:nvPr/>
+        </p:nvSpPr>
+        <p:spPr>
+          <a:xfrm>
+            <a:off x="9383486" y="82715"/>
+            <a:ext cx="2722563" cy="369332"/>
+          </a:xfrm>
+          <a:prstGeom prst="rect">
+            <a:avLst/>
+          </a:prstGeom>
+          <a:solidFill>
+            <a:schemeClr val="accent2"/>
+          </a:solidFill>
+        </p:spPr>
+        <p:txBody>
+          <a:bodyPr wrap="square" rtlCol="0">
+            <a:spAutoFit/>
+          </a:bodyPr>
+          <a:lstStyle/>
+          <a:p>
+            <a:pPr algn="ctr"/>
+            <a:r>
+              <a:rPr lang="en-GB"/>
+              <a:t>HARD</a:t>
+            </a:r>
+            <a:endParaRPr lang="en-SG"/>
+          </a:p>
+        </p:txBody>
+      </p:sp>
+    </p:spTree>
+    <p:extLst>
+      <p:ext uri="{BB962C8B-B14F-4D97-AF65-F5344CB8AC3E}">
+        <p14:creationId xmlns:p14="http://schemas.microsoft.com/office/powerpoint/2010/main" val="3580883140"/>
+      </p:ext>
+    </p:extLst>
+  </p:cSld>
+  <p:clrMapOvr>
+    <a:masterClrMapping/>
+  </p:clrMapOvr>
+</p:sld>
+</file>
+
+<file path=ppt/slides/slide46.xml><?xml version="1.0" encoding="utf-8"?>
 <p:sld xmlns:a="http://schemas.openxmlformats.org/drawingml/2006/main" xmlns:r="http://schemas.openxmlformats.org/officeDocument/2006/relationships" xmlns:p="http://schemas.openxmlformats.org/presentationml/2006/main">
   <p:cSld>
     <p:spTree>
@@ -13231,7 +14372,7 @@
 </p:sld>
 </file>
 
-<file path=ppt/slides/slide42.xml><?xml version="1.0" encoding="utf-8"?>
+<file path=ppt/slides/slide47.xml><?xml version="1.0" encoding="utf-8"?>
 <p:sld xmlns:a="http://schemas.openxmlformats.org/drawingml/2006/main" xmlns:r="http://schemas.openxmlformats.org/officeDocument/2006/relationships" xmlns:p="http://schemas.openxmlformats.org/presentationml/2006/main">
   <p:cSld>
     <p:spTree>
@@ -13460,7 +14601,7 @@
 </p:sld>
 </file>
 
-<file path=ppt/slides/slide43.xml><?xml version="1.0" encoding="utf-8"?>
+<file path=ppt/slides/slide48.xml><?xml version="1.0" encoding="utf-8"?>
 <p:sld xmlns:a="http://schemas.openxmlformats.org/drawingml/2006/main" xmlns:r="http://schemas.openxmlformats.org/officeDocument/2006/relationships" xmlns:p="http://schemas.openxmlformats.org/presentationml/2006/main">
   <p:cSld>
     <p:spTree>
@@ -13480,7 +14621,7 @@
     </p:spTree>
     <p:extLst>
       <p:ext uri="{BB962C8B-B14F-4D97-AF65-F5344CB8AC3E}">
-        <p14:creationId xmlns:p14="http://schemas.microsoft.com/office/powerpoint/2010/main" val="760646039"/>
+        <p14:creationId xmlns:p14="http://schemas.microsoft.com/office/powerpoint/2010/main" val="3400728515"/>
       </p:ext>
     </p:extLst>
   </p:cSld>
@@ -13490,7 +14631,7 @@
 </p:sld>
 </file>
 
-<file path=ppt/slides/slide44.xml><?xml version="1.0" encoding="utf-8"?>
+<file path=ppt/slides/slide49.xml><?xml version="1.0" encoding="utf-8"?>
 <p:sld xmlns:a="http://schemas.openxmlformats.org/drawingml/2006/main" xmlns:r="http://schemas.openxmlformats.org/officeDocument/2006/relationships" xmlns:p="http://schemas.openxmlformats.org/presentationml/2006/main">
   <p:cSld>
     <p:spTree>
@@ -13510,97 +14651,7 @@
     </p:spTree>
     <p:extLst>
       <p:ext uri="{BB962C8B-B14F-4D97-AF65-F5344CB8AC3E}">
-        <p14:creationId xmlns:p14="http://schemas.microsoft.com/office/powerpoint/2010/main" val="3763935330"/>
-      </p:ext>
-    </p:extLst>
-  </p:cSld>
-  <p:clrMapOvr>
-    <a:masterClrMapping/>
-  </p:clrMapOvr>
-</p:sld>
-</file>
-
-<file path=ppt/slides/slide45.xml><?xml version="1.0" encoding="utf-8"?>
-<p:sld xmlns:a="http://schemas.openxmlformats.org/drawingml/2006/main" xmlns:r="http://schemas.openxmlformats.org/officeDocument/2006/relationships" xmlns:p="http://schemas.openxmlformats.org/presentationml/2006/main">
-  <p:cSld>
-    <p:spTree>
-      <p:nvGrpSpPr>
-        <p:cNvPr id="1" name=""/>
-        <p:cNvGrpSpPr/>
-        <p:nvPr/>
-      </p:nvGrpSpPr>
-      <p:grpSpPr>
-        <a:xfrm>
-          <a:off x="0" y="0"/>
-          <a:ext cx="0" cy="0"/>
-          <a:chOff x="0" y="0"/>
-          <a:chExt cx="0" cy="0"/>
-        </a:xfrm>
-      </p:grpSpPr>
-    </p:spTree>
-    <p:extLst>
-      <p:ext uri="{BB962C8B-B14F-4D97-AF65-F5344CB8AC3E}">
-        <p14:creationId xmlns:p14="http://schemas.microsoft.com/office/powerpoint/2010/main" val="2459028555"/>
-      </p:ext>
-    </p:extLst>
-  </p:cSld>
-  <p:clrMapOvr>
-    <a:masterClrMapping/>
-  </p:clrMapOvr>
-</p:sld>
-</file>
-
-<file path=ppt/slides/slide46.xml><?xml version="1.0" encoding="utf-8"?>
-<p:sld xmlns:a="http://schemas.openxmlformats.org/drawingml/2006/main" xmlns:r="http://schemas.openxmlformats.org/officeDocument/2006/relationships" xmlns:p="http://schemas.openxmlformats.org/presentationml/2006/main">
-  <p:cSld>
-    <p:spTree>
-      <p:nvGrpSpPr>
-        <p:cNvPr id="1" name=""/>
-        <p:cNvGrpSpPr/>
-        <p:nvPr/>
-      </p:nvGrpSpPr>
-      <p:grpSpPr>
-        <a:xfrm>
-          <a:off x="0" y="0"/>
-          <a:ext cx="0" cy="0"/>
-          <a:chOff x="0" y="0"/>
-          <a:chExt cx="0" cy="0"/>
-        </a:xfrm>
-      </p:grpSpPr>
-    </p:spTree>
-    <p:extLst>
-      <p:ext uri="{BB962C8B-B14F-4D97-AF65-F5344CB8AC3E}">
-        <p14:creationId xmlns:p14="http://schemas.microsoft.com/office/powerpoint/2010/main" val="3580883140"/>
-      </p:ext>
-    </p:extLst>
-  </p:cSld>
-  <p:clrMapOvr>
-    <a:masterClrMapping/>
-  </p:clrMapOvr>
-</p:sld>
-</file>
-
-<file path=ppt/slides/slide47.xml><?xml version="1.0" encoding="utf-8"?>
-<p:sld xmlns:a="http://schemas.openxmlformats.org/drawingml/2006/main" xmlns:r="http://schemas.openxmlformats.org/officeDocument/2006/relationships" xmlns:p="http://schemas.openxmlformats.org/presentationml/2006/main">
-  <p:cSld>
-    <p:spTree>
-      <p:nvGrpSpPr>
-        <p:cNvPr id="1" name=""/>
-        <p:cNvGrpSpPr/>
-        <p:nvPr/>
-      </p:nvGrpSpPr>
-      <p:grpSpPr>
-        <a:xfrm>
-          <a:off x="0" y="0"/>
-          <a:ext cx="0" cy="0"/>
-          <a:chOff x="0" y="0"/>
-          <a:chExt cx="0" cy="0"/>
-        </a:xfrm>
-      </p:grpSpPr>
-    </p:spTree>
-    <p:extLst>
-      <p:ext uri="{BB962C8B-B14F-4D97-AF65-F5344CB8AC3E}">
-        <p14:creationId xmlns:p14="http://schemas.microsoft.com/office/powerpoint/2010/main" val="2872118571"/>
+        <p14:creationId xmlns:p14="http://schemas.microsoft.com/office/powerpoint/2010/main" val="281669032"/>
       </p:ext>
     </p:extLst>
   </p:cSld>
@@ -13882,6 +14933,36 @@
 </p:sld>
 </file>
 
+<file path=ppt/slides/slide50.xml><?xml version="1.0" encoding="utf-8"?>
+<p:sld xmlns:a="http://schemas.openxmlformats.org/drawingml/2006/main" xmlns:r="http://schemas.openxmlformats.org/officeDocument/2006/relationships" xmlns:p="http://schemas.openxmlformats.org/presentationml/2006/main">
+  <p:cSld>
+    <p:spTree>
+      <p:nvGrpSpPr>
+        <p:cNvPr id="1" name=""/>
+        <p:cNvGrpSpPr/>
+        <p:nvPr/>
+      </p:nvGrpSpPr>
+      <p:grpSpPr>
+        <a:xfrm>
+          <a:off x="0" y="0"/>
+          <a:ext cx="0" cy="0"/>
+          <a:chOff x="0" y="0"/>
+          <a:chExt cx="0" cy="0"/>
+        </a:xfrm>
+      </p:grpSpPr>
+    </p:spTree>
+    <p:extLst>
+      <p:ext uri="{BB962C8B-B14F-4D97-AF65-F5344CB8AC3E}">
+        <p14:creationId xmlns:p14="http://schemas.microsoft.com/office/powerpoint/2010/main" val="2872118571"/>
+      </p:ext>
+    </p:extLst>
+  </p:cSld>
+  <p:clrMapOvr>
+    <a:masterClrMapping/>
+  </p:clrMapOvr>
+</p:sld>
+</file>
+
 <file path=ppt/slides/slide6.xml><?xml version="1.0" encoding="utf-8"?>
 <p:sld xmlns:a="http://schemas.openxmlformats.org/drawingml/2006/main" xmlns:r="http://schemas.openxmlformats.org/officeDocument/2006/relationships" xmlns:p="http://schemas.openxmlformats.org/presentationml/2006/main">
   <p:cSld>
@@ -14613,7 +15694,7 @@
           <p:cNvPr id="5" name="Group 4">
             <a:extLst>
               <a:ext uri="{FF2B5EF4-FFF2-40B4-BE49-F238E27FC236}">
-                <a16:creationId xmlns:a16="http://schemas.microsoft.com/office/drawing/2014/main" id="{9F71F088-1D28-0C77-CC78-62EE674A94C2}"/>
+                <a16:creationId xmlns:a16="http://schemas.microsoft.com/office/drawing/2014/main" id="{DB2DFA53-55D4-EB6E-6C7B-699D1925311E}"/>
               </a:ext>
             </a:extLst>
           </p:cNvPr>
@@ -14622,10 +15703,10 @@
         </p:nvGrpSpPr>
         <p:grpSpPr>
           <a:xfrm>
-            <a:off x="3570854" y="889022"/>
-            <a:ext cx="5050292" cy="5079956"/>
-            <a:chOff x="2852738" y="166688"/>
-            <a:chExt cx="5050292" cy="5079956"/>
+            <a:off x="3012508" y="1172715"/>
+            <a:ext cx="6166984" cy="4512570"/>
+            <a:chOff x="2490788" y="657225"/>
+            <a:chExt cx="6166984" cy="4512570"/>
           </a:xfrm>
         </p:grpSpPr>
         <p:pic>
@@ -14633,7 +15714,7 @@
             <p:cNvPr id="3" name="Picture 2">
               <a:extLst>
                 <a:ext uri="{FF2B5EF4-FFF2-40B4-BE49-F238E27FC236}">
-                  <a16:creationId xmlns:a16="http://schemas.microsoft.com/office/drawing/2014/main" id="{6A25573E-9683-8E38-EB67-F25970C803DE}"/>
+                  <a16:creationId xmlns:a16="http://schemas.microsoft.com/office/drawing/2014/main" id="{18623F7E-2A5F-0D8C-692C-2D0BE97A0C9F}"/>
                 </a:ext>
               </a:extLst>
             </p:cNvPr>
@@ -14650,8 +15731,8 @@
           </p:blipFill>
           <p:spPr>
             <a:xfrm>
-              <a:off x="2852738" y="166688"/>
-              <a:ext cx="5050292" cy="5079956"/>
+              <a:off x="2490788" y="657225"/>
+              <a:ext cx="5869442" cy="4512570"/>
             </a:xfrm>
             <a:prstGeom prst="rect">
               <a:avLst/>
@@ -14663,7 +15744,7 @@
             <p:cNvPr id="4" name="TextBox 3">
               <a:extLst>
                 <a:ext uri="{FF2B5EF4-FFF2-40B4-BE49-F238E27FC236}">
-                  <a16:creationId xmlns:a16="http://schemas.microsoft.com/office/drawing/2014/main" id="{C9E81E02-AA82-66DF-7BB9-1CAFB848978F}"/>
+                  <a16:creationId xmlns:a16="http://schemas.microsoft.com/office/drawing/2014/main" id="{CC842A93-BDB9-6106-44A4-527712F06599}"/>
                 </a:ext>
               </a:extLst>
             </p:cNvPr>
@@ -14672,8 +15753,8 @@
           </p:nvSpPr>
           <p:spPr>
             <a:xfrm>
-              <a:off x="3182711" y="2586253"/>
-              <a:ext cx="4030890" cy="769441"/>
+              <a:off x="2847975" y="2027699"/>
+              <a:ext cx="5809797" cy="1446550"/>
             </a:xfrm>
             <a:prstGeom prst="rect">
               <a:avLst/>
@@ -14688,49 +15769,77 @@
             <a:bodyPr wrap="square">
               <a:spAutoFit/>
             </a:bodyPr>
-            <a:lstStyle/>
-            <a:p>
-              <a:r>
-                <a:rPr lang="en-SG" sz="1100">
+            <a:lstStyle>
+              <a:defPPr>
+                <a:defRPr lang="en-US"/>
+              </a:defPPr>
+              <a:lvl1pPr>
+                <a:defRPr sz="1100">
                   <a:latin typeface="Consolas" panose="020B0609020204030204" pitchFamily="49" charset="0"/>
-                </a:rPr>
-                <a:t>import pandas as pd</a:t>
-              </a:r>
-            </a:p>
-            <a:p>
-              <a:endParaRPr lang="en-SG" sz="1100">
-                <a:latin typeface="Consolas" panose="020B0609020204030204" pitchFamily="49" charset="0"/>
-              </a:endParaRPr>
-            </a:p>
-            <a:p>
-              <a:r>
-                <a:rPr lang="en-SG" sz="1100">
-                  <a:latin typeface="Consolas" panose="020B0609020204030204" pitchFamily="49" charset="0"/>
-                </a:rPr>
-                <a:t>encoded = pd.</a:t>
-              </a:r>
-              <a:r>
-                <a:rPr lang="en-SG" sz="1100">
+                </a:defRPr>
+              </a:lvl1pPr>
+            </a:lstStyle>
+            <a:p>
+              <a:r>
+                <a:rPr lang="en-SG"/>
+                <a:t>from sklearn import model_selection</a:t>
+              </a:r>
+            </a:p>
+            <a:p>
+              <a:endParaRPr lang="en-SG"/>
+            </a:p>
+            <a:p>
+              <a:r>
+                <a:rPr lang="en-SG"/>
+                <a:t>X_train, X_test, y_train, y_test = model_selection.</a:t>
+              </a:r>
+              <a:r>
+                <a:rPr lang="en-SG">
                   <a:solidFill>
                     <a:srgbClr val="FF0000"/>
                   </a:solidFill>
-                  <a:latin typeface="Consolas" panose="020B0609020204030204" pitchFamily="49" charset="0"/>
-                </a:rPr>
-                <a:t>get_dummies</a:t>
-              </a:r>
-              <a:r>
-                <a:rPr lang="en-SG" sz="1100">
-                  <a:latin typeface="Consolas" panose="020B0609020204030204" pitchFamily="49" charset="0"/>
-                </a:rPr>
-                <a:t>(df, columns=['Animal'])</a:t>
-              </a:r>
-            </a:p>
-            <a:p>
-              <a:r>
-                <a:rPr lang="en-SG" sz="1100">
-                  <a:latin typeface="Consolas" panose="020B0609020204030204" pitchFamily="49" charset="0"/>
-                </a:rPr>
-                <a:t>print(encoded)</a:t>
+                </a:rPr>
+                <a:t>train_test_split</a:t>
+              </a:r>
+              <a:r>
+                <a:rPr lang="en-SG"/>
+                <a:t>(X, y, </a:t>
+              </a:r>
+              <a:r>
+                <a:rPr lang="en-SG">
+                  <a:solidFill>
+                    <a:srgbClr val="FF0000"/>
+                  </a:solidFill>
+                </a:rPr>
+                <a:t>train_size</a:t>
+              </a:r>
+              <a:r>
+                <a:rPr lang="en-SG"/>
+                <a:t>=0.8, random_state=42)</a:t>
+              </a:r>
+            </a:p>
+            <a:p>
+              <a:r>
+                <a:rPr lang="en-SG"/>
+                <a:t>print("X_train shape: ", X_train.shape)</a:t>
+              </a:r>
+            </a:p>
+            <a:p>
+              <a:r>
+                <a:rPr lang="en-SG"/>
+                <a:t>print("X_test shape: ", X_test.shape)</a:t>
+              </a:r>
+            </a:p>
+            <a:p>
+              <a:r>
+                <a:rPr lang="en-SG"/>
+                <a:t>print("y_train shape: ",y_train.shape)</a:t>
+              </a:r>
+            </a:p>
+            <a:p>
+              <a:r>
+                <a:rPr lang="en-SG"/>
+                <a:t>print("y_test shape: ",y_test.shape)</a:t>
               </a:r>
             </a:p>
           </p:txBody>
@@ -14739,7 +15848,7 @@
     </p:spTree>
     <p:extLst>
       <p:ext uri="{BB962C8B-B14F-4D97-AF65-F5344CB8AC3E}">
-        <p14:creationId xmlns:p14="http://schemas.microsoft.com/office/powerpoint/2010/main" val="225837580"/>
+        <p14:creationId xmlns:p14="http://schemas.microsoft.com/office/powerpoint/2010/main" val="2637876333"/>
       </p:ext>
     </p:extLst>
   </p:cSld>

--- a/Model_Development.pptx
+++ b/Model_Development.pptx
@@ -5655,9 +5655,7 @@
               <a:avLst/>
             </a:prstGeom>
             <a:solidFill>
-              <a:schemeClr val="bg1">
-                <a:lumMod val="95000"/>
-              </a:schemeClr>
+              <a:srgbClr val="EFEBE4"/>
             </a:solidFill>
           </p:spPr>
           <p:txBody>
@@ -5974,9 +5972,7 @@
               <a:avLst/>
             </a:prstGeom>
             <a:solidFill>
-              <a:schemeClr val="bg1">
-                <a:lumMod val="95000"/>
-              </a:schemeClr>
+              <a:srgbClr val="EFEBE4"/>
             </a:solidFill>
           </p:spPr>
           <p:txBody>
@@ -6132,9 +6128,7 @@
               <a:avLst/>
             </a:prstGeom>
             <a:solidFill>
-              <a:schemeClr val="bg1">
-                <a:lumMod val="95000"/>
-              </a:schemeClr>
+              <a:srgbClr val="EFEBE4"/>
             </a:solidFill>
           </p:spPr>
           <p:txBody>
@@ -6349,9 +6343,7 @@
               <a:avLst/>
             </a:prstGeom>
             <a:solidFill>
-              <a:schemeClr val="bg1">
-                <a:lumMod val="95000"/>
-              </a:schemeClr>
+              <a:srgbClr val="EFEBE4"/>
             </a:solidFill>
           </p:spPr>
           <p:txBody>
@@ -6503,9 +6495,7 @@
               <a:avLst/>
             </a:prstGeom>
             <a:solidFill>
-              <a:schemeClr val="bg1">
-                <a:lumMod val="95000"/>
-              </a:schemeClr>
+              <a:srgbClr val="EFEBE4"/>
             </a:solidFill>
           </p:spPr>
           <p:txBody>
@@ -6828,9 +6818,7 @@
               <a:avLst/>
             </a:prstGeom>
             <a:solidFill>
-              <a:schemeClr val="bg1">
-                <a:lumMod val="95000"/>
-              </a:schemeClr>
+              <a:srgbClr val="EFEBE4"/>
             </a:solidFill>
           </p:spPr>
           <p:txBody>
@@ -7103,9 +7091,7 @@
               <a:avLst/>
             </a:prstGeom>
             <a:solidFill>
-              <a:schemeClr val="bg1">
-                <a:lumMod val="95000"/>
-              </a:schemeClr>
+              <a:srgbClr val="EFEBE4"/>
             </a:solidFill>
           </p:spPr>
           <p:txBody>
@@ -7447,9 +7433,7 @@
               <a:avLst/>
             </a:prstGeom>
             <a:solidFill>
-              <a:schemeClr val="bg1">
-                <a:lumMod val="95000"/>
-              </a:schemeClr>
+              <a:srgbClr val="EFEBE4"/>
             </a:solidFill>
           </p:spPr>
           <p:txBody>
@@ -7705,9 +7689,7 @@
               <a:avLst/>
             </a:prstGeom>
             <a:solidFill>
-              <a:schemeClr val="bg1">
-                <a:lumMod val="95000"/>
-              </a:schemeClr>
+              <a:srgbClr val="EFEBE4"/>
             </a:solidFill>
           </p:spPr>
           <p:txBody>
@@ -7939,9 +7921,7 @@
               <a:avLst/>
             </a:prstGeom>
             <a:solidFill>
-              <a:schemeClr val="bg1">
-                <a:lumMod val="95000"/>
-              </a:schemeClr>
+              <a:srgbClr val="EFEBE4"/>
             </a:solidFill>
           </p:spPr>
           <p:txBody>
@@ -8608,9 +8588,7 @@
               <a:avLst/>
             </a:prstGeom>
             <a:solidFill>
-              <a:schemeClr val="bg1">
-                <a:lumMod val="95000"/>
-              </a:schemeClr>
+              <a:srgbClr val="EFEBE4"/>
             </a:solidFill>
           </p:spPr>
           <p:txBody>
@@ -8807,9 +8785,7 @@
               <a:avLst/>
             </a:prstGeom>
             <a:solidFill>
-              <a:schemeClr val="bg1">
-                <a:lumMod val="95000"/>
-              </a:schemeClr>
+              <a:srgbClr val="EFEBE4"/>
             </a:solidFill>
           </p:spPr>
           <p:txBody>
@@ -9009,9 +8985,7 @@
               <a:avLst/>
             </a:prstGeom>
             <a:solidFill>
-              <a:schemeClr val="bg1">
-                <a:lumMod val="95000"/>
-              </a:schemeClr>
+              <a:srgbClr val="EFEBE4"/>
             </a:solidFill>
           </p:spPr>
           <p:txBody>
@@ -9254,9 +9228,7 @@
               <a:avLst/>
             </a:prstGeom>
             <a:solidFill>
-              <a:schemeClr val="bg1">
-                <a:lumMod val="95000"/>
-              </a:schemeClr>
+              <a:srgbClr val="EFEBE4"/>
             </a:solidFill>
           </p:spPr>
           <p:txBody>
@@ -9467,9 +9439,7 @@
               <a:avLst/>
             </a:prstGeom>
             <a:solidFill>
-              <a:schemeClr val="bg1">
-                <a:lumMod val="95000"/>
-              </a:schemeClr>
+              <a:srgbClr val="EFEBE4"/>
             </a:solidFill>
           </p:spPr>
           <p:txBody>
@@ -9658,36 +9628,235 @@
           <a:chExt cx="0" cy="0"/>
         </a:xfrm>
       </p:grpSpPr>
-      <p:pic>
-        <p:nvPicPr>
-          <p:cNvPr id="5" name="Picture 4">
+      <p:grpSp>
+        <p:nvGrpSpPr>
+          <p:cNvPr id="3" name="Group 2">
             <a:extLst>
               <a:ext uri="{FF2B5EF4-FFF2-40B4-BE49-F238E27FC236}">
-                <a16:creationId xmlns:a16="http://schemas.microsoft.com/office/drawing/2014/main" id="{7945A68F-BD69-088A-6171-D95169BEECCB}"/>
+                <a16:creationId xmlns:a16="http://schemas.microsoft.com/office/drawing/2014/main" id="{FBB27AE4-F4A1-C7E0-844A-BF25327E8565}"/>
               </a:ext>
             </a:extLst>
           </p:cNvPr>
-          <p:cNvPicPr>
-            <a:picLocks noChangeAspect="1"/>
-          </p:cNvPicPr>
+          <p:cNvGrpSpPr/>
           <p:nvPr/>
-        </p:nvPicPr>
-        <p:blipFill>
-          <a:blip r:embed="rId2"/>
-          <a:stretch>
-            <a:fillRect/>
-          </a:stretch>
-        </p:blipFill>
-        <p:spPr>
+        </p:nvGrpSpPr>
+        <p:grpSpPr>
           <a:xfrm>
-            <a:off x="2552700" y="909637"/>
-            <a:ext cx="7086600" cy="5038725"/>
+            <a:off x="2688781" y="1006394"/>
+            <a:ext cx="6814437" cy="4845211"/>
+            <a:chOff x="2824862" y="909637"/>
+            <a:chExt cx="6814437" cy="4845211"/>
           </a:xfrm>
-          <a:prstGeom prst="rect">
-            <a:avLst/>
-          </a:prstGeom>
-        </p:spPr>
-      </p:pic>
+        </p:grpSpPr>
+        <p:pic>
+          <p:nvPicPr>
+            <p:cNvPr id="5" name="Picture 4">
+              <a:extLst>
+                <a:ext uri="{FF2B5EF4-FFF2-40B4-BE49-F238E27FC236}">
+                  <a16:creationId xmlns:a16="http://schemas.microsoft.com/office/drawing/2014/main" id="{7945A68F-BD69-088A-6171-D95169BEECCB}"/>
+                </a:ext>
+              </a:extLst>
+            </p:cNvPr>
+            <p:cNvPicPr>
+              <a:picLocks noChangeAspect="1"/>
+            </p:cNvPicPr>
+            <p:nvPr/>
+          </p:nvPicPr>
+          <p:blipFill>
+            <a:blip r:embed="rId2"/>
+            <a:stretch>
+              <a:fillRect/>
+            </a:stretch>
+          </p:blipFill>
+          <p:spPr>
+            <a:xfrm>
+              <a:off x="2824862" y="909637"/>
+              <a:ext cx="6814437" cy="4845211"/>
+            </a:xfrm>
+            <a:prstGeom prst="rect">
+              <a:avLst/>
+            </a:prstGeom>
+          </p:spPr>
+        </p:pic>
+        <p:sp>
+          <p:nvSpPr>
+            <p:cNvPr id="2" name="TextBox 1">
+              <a:extLst>
+                <a:ext uri="{FF2B5EF4-FFF2-40B4-BE49-F238E27FC236}">
+                  <a16:creationId xmlns:a16="http://schemas.microsoft.com/office/drawing/2014/main" id="{587BC8C6-C620-55C0-3C8C-DA61020BCECA}"/>
+                </a:ext>
+              </a:extLst>
+            </p:cNvPr>
+            <p:cNvSpPr txBox="1"/>
+            <p:nvPr/>
+          </p:nvSpPr>
+          <p:spPr>
+            <a:xfrm>
+              <a:off x="3190736" y="2544837"/>
+              <a:ext cx="5620500" cy="1785104"/>
+            </a:xfrm>
+            <a:prstGeom prst="rect">
+              <a:avLst/>
+            </a:prstGeom>
+            <a:solidFill>
+              <a:srgbClr val="EFEBE4"/>
+            </a:solidFill>
+          </p:spPr>
+          <p:txBody>
+            <a:bodyPr wrap="square">
+              <a:spAutoFit/>
+            </a:bodyPr>
+            <a:lstStyle>
+              <a:defPPr>
+                <a:defRPr lang="en-US"/>
+              </a:defPPr>
+              <a:lvl1pPr>
+                <a:defRPr sz="1200" b="0" i="0">
+                  <a:solidFill>
+                    <a:srgbClr val="05192D"/>
+                  </a:solidFill>
+                  <a:effectLst/>
+                  <a:latin typeface="Consolas" panose="020B0609020204030204" pitchFamily="49" charset="0"/>
+                </a:defRPr>
+              </a:lvl1pPr>
+            </a:lstStyle>
+            <a:p>
+              <a:r>
+                <a:rPr lang="en-SG" sz="1100"/>
+                <a:t>from sklearn.linear_model import LinearRegression</a:t>
+              </a:r>
+            </a:p>
+            <a:p>
+              <a:r>
+                <a:rPr lang="en-SG" sz="1100"/>
+                <a:t>from sklearn.metrics import mean_squared_error</a:t>
+              </a:r>
+            </a:p>
+            <a:p>
+              <a:endParaRPr lang="en-SG" sz="1100"/>
+            </a:p>
+            <a:p>
+              <a:r>
+                <a:rPr lang="en-SG" sz="1100">
+                  <a:solidFill>
+                    <a:schemeClr val="tx1"/>
+                  </a:solidFill>
+                </a:rPr>
+                <a:t>lin_reg = LinearRegression()</a:t>
+              </a:r>
+            </a:p>
+            <a:p>
+              <a:r>
+                <a:rPr lang="en-SG" sz="1100">
+                  <a:solidFill>
+                    <a:schemeClr val="tx1"/>
+                  </a:solidFill>
+                </a:rPr>
+                <a:t>lin_reg.fit(</a:t>
+              </a:r>
+              <a:r>
+                <a:rPr lang="en-SG" sz="1100">
+                  <a:solidFill>
+                    <a:srgbClr val="FF0000"/>
+                  </a:solidFill>
+                </a:rPr>
+                <a:t>X_train</a:t>
+              </a:r>
+              <a:r>
+                <a:rPr lang="en-SG" sz="1100">
+                  <a:solidFill>
+                    <a:schemeClr val="tx1"/>
+                  </a:solidFill>
+                </a:rPr>
+                <a:t>, </a:t>
+              </a:r>
+              <a:r>
+                <a:rPr lang="en-SG" sz="1100">
+                  <a:solidFill>
+                    <a:srgbClr val="FF0000"/>
+                  </a:solidFill>
+                </a:rPr>
+                <a:t>y_train</a:t>
+              </a:r>
+              <a:r>
+                <a:rPr lang="en-SG" sz="1100">
+                  <a:solidFill>
+                    <a:schemeClr val="tx1"/>
+                  </a:solidFill>
+                </a:rPr>
+                <a:t>)</a:t>
+              </a:r>
+              <a:endParaRPr lang="en-SG" sz="1100"/>
+            </a:p>
+            <a:p>
+              <a:r>
+                <a:rPr lang="en-SG" sz="1100"/>
+                <a:t>predictions = </a:t>
+              </a:r>
+              <a:r>
+                <a:rPr lang="en-SG" sz="1100">
+                  <a:solidFill>
+                    <a:schemeClr val="tx1"/>
+                  </a:solidFill>
+                </a:rPr>
+                <a:t>lin_reg</a:t>
+              </a:r>
+              <a:r>
+                <a:rPr lang="en-SG" sz="1100"/>
+                <a:t>.predict(</a:t>
+              </a:r>
+              <a:r>
+                <a:rPr lang="en-SG" sz="1100">
+                  <a:solidFill>
+                    <a:srgbClr val="FF0000"/>
+                  </a:solidFill>
+                </a:rPr>
+                <a:t>X_test</a:t>
+              </a:r>
+              <a:r>
+                <a:rPr lang="en-SG" sz="1100"/>
+                <a:t>)</a:t>
+              </a:r>
+            </a:p>
+            <a:p>
+              <a:endParaRPr lang="en-SG" sz="1100"/>
+            </a:p>
+            <a:p>
+              <a:r>
+                <a:rPr lang="en-SG" sz="1100"/>
+                <a:t>print(“Mean squared error: %.2f" % mean_squared_error(</a:t>
+              </a:r>
+              <a:r>
+                <a:rPr lang="en-SG" sz="1100">
+                  <a:solidFill>
+                    <a:srgbClr val="FF0000"/>
+                  </a:solidFill>
+                </a:rPr>
+                <a:t>y_test</a:t>
+              </a:r>
+              <a:r>
+                <a:rPr lang="en-SG" sz="1100"/>
+                <a:t>, </a:t>
+              </a:r>
+              <a:r>
+                <a:rPr lang="en-SG" sz="1100">
+                  <a:solidFill>
+                    <a:srgbClr val="FF0000"/>
+                  </a:solidFill>
+                </a:rPr>
+                <a:t>predictions</a:t>
+              </a:r>
+              <a:r>
+                <a:rPr lang="en-SG" sz="1100"/>
+                <a:t>))</a:t>
+              </a:r>
+            </a:p>
+            <a:p>
+              <a:endParaRPr lang="en-SG" sz="1100"/>
+            </a:p>
+          </p:txBody>
+        </p:sp>
+      </p:grpSp>
     </p:spTree>
     <p:extLst>
       <p:ext uri="{BB962C8B-B14F-4D97-AF65-F5344CB8AC3E}">
@@ -9789,9 +9958,7 @@
               <a:avLst/>
             </a:prstGeom>
             <a:solidFill>
-              <a:schemeClr val="bg1">
-                <a:lumMod val="95000"/>
-              </a:schemeClr>
+              <a:srgbClr val="EFEBE4"/>
             </a:solidFill>
           </p:spPr>
           <p:txBody>
@@ -9970,15 +10137,13 @@
           <p:spPr>
             <a:xfrm>
               <a:off x="2982509" y="3162536"/>
-              <a:ext cx="5608430" cy="1107996"/>
+              <a:ext cx="5639862" cy="1107996"/>
             </a:xfrm>
             <a:prstGeom prst="rect">
               <a:avLst/>
             </a:prstGeom>
             <a:solidFill>
-              <a:schemeClr val="bg1">
-                <a:lumMod val="95000"/>
-              </a:schemeClr>
+              <a:srgbClr val="EFEBE4"/>
             </a:solidFill>
           </p:spPr>
           <p:txBody>
@@ -10200,9 +10365,7 @@
               <a:avLst/>
             </a:prstGeom>
             <a:solidFill>
-              <a:schemeClr val="bg1">
-                <a:lumMod val="95000"/>
-              </a:schemeClr>
+              <a:srgbClr val="EFEBE4"/>
             </a:solidFill>
           </p:spPr>
           <p:txBody>
@@ -10211,6 +10374,7 @@
             </a:bodyPr>
             <a:lstStyle/>
             <a:p>
+              <a:pPr algn="just"/>
               <a:r>
                 <a:rPr lang="en-SG" sz="1100">
                   <a:latin typeface="Consolas" panose="020B0609020204030204" pitchFamily="49" charset="0"/>
@@ -10219,6 +10383,7 @@
               </a:r>
             </a:p>
             <a:p>
+              <a:pPr algn="just"/>
               <a:r>
                 <a:rPr lang="en-SG" sz="1100">
                   <a:latin typeface="Consolas" panose="020B0609020204030204" pitchFamily="49" charset="0"/>
@@ -10227,11 +10392,13 @@
               </a:r>
             </a:p>
             <a:p>
+              <a:pPr algn="just"/>
               <a:endParaRPr lang="en-SG" sz="1100">
                 <a:latin typeface="Consolas" panose="020B0609020204030204" pitchFamily="49" charset="0"/>
               </a:endParaRPr>
             </a:p>
             <a:p>
+              <a:pPr algn="just"/>
               <a:r>
                 <a:rPr lang="en-SG" sz="1100">
                   <a:latin typeface="Consolas" panose="020B0609020204030204" pitchFamily="49" charset="0"/>
@@ -10240,11 +10407,13 @@
               </a:r>
             </a:p>
             <a:p>
+              <a:pPr algn="just"/>
               <a:endParaRPr lang="en-SG" sz="1100">
                 <a:latin typeface="Consolas" panose="020B0609020204030204" pitchFamily="49" charset="0"/>
               </a:endParaRPr>
             </a:p>
             <a:p>
+              <a:pPr algn="just"/>
               <a:r>
                 <a:rPr lang="en-SG" sz="1100">
                   <a:latin typeface="Consolas" panose="020B0609020204030204" pitchFamily="49" charset="0"/>
@@ -10253,11 +10422,13 @@
               </a:r>
             </a:p>
             <a:p>
+              <a:pPr algn="just"/>
               <a:endParaRPr lang="en-SG" sz="1100">
                 <a:latin typeface="Consolas" panose="020B0609020204030204" pitchFamily="49" charset="0"/>
               </a:endParaRPr>
             </a:p>
             <a:p>
+              <a:pPr algn="just"/>
               <a:r>
                 <a:rPr lang="en-SG" sz="1100">
                   <a:latin typeface="Consolas" panose="020B0609020204030204" pitchFamily="49" charset="0"/>
@@ -10296,11 +10467,13 @@
               </a:r>
             </a:p>
             <a:p>
+              <a:pPr algn="just"/>
               <a:endParaRPr lang="en-SG" sz="1100">
                 <a:latin typeface="Consolas" panose="020B0609020204030204" pitchFamily="49" charset="0"/>
               </a:endParaRPr>
             </a:p>
             <a:p>
+              <a:pPr algn="just"/>
               <a:r>
                 <a:rPr lang="en-SG" sz="1100">
                   <a:latin typeface="Consolas" panose="020B0609020204030204" pitchFamily="49" charset="0"/>
@@ -10309,11 +10482,13 @@
               </a:r>
             </a:p>
             <a:p>
+              <a:pPr algn="just"/>
               <a:endParaRPr lang="en-SG" sz="1100">
                 <a:latin typeface="Consolas" panose="020B0609020204030204" pitchFamily="49" charset="0"/>
               </a:endParaRPr>
             </a:p>
             <a:p>
+              <a:pPr algn="just"/>
               <a:r>
                 <a:rPr lang="en-SG" sz="1100">
                   <a:latin typeface="Consolas" panose="020B0609020204030204" pitchFamily="49" charset="0"/>
@@ -10425,9 +10600,7 @@
               <a:avLst/>
             </a:prstGeom>
             <a:solidFill>
-              <a:schemeClr val="bg1">
-                <a:lumMod val="95000"/>
-              </a:schemeClr>
+              <a:srgbClr val="EFEBE4"/>
             </a:solidFill>
           </p:spPr>
           <p:txBody>
@@ -10645,9 +10818,7 @@
               <a:avLst/>
             </a:prstGeom>
             <a:solidFill>
-              <a:schemeClr val="bg1">
-                <a:lumMod val="95000"/>
-              </a:schemeClr>
+              <a:srgbClr val="EFEBE4"/>
             </a:solidFill>
           </p:spPr>
           <p:txBody>
@@ -10878,9 +11049,7 @@
               <a:avLst/>
             </a:prstGeom>
             <a:solidFill>
-              <a:schemeClr val="bg1">
-                <a:lumMod val="95000"/>
-              </a:schemeClr>
+              <a:srgbClr val="EFEBE4"/>
             </a:solidFill>
           </p:spPr>
           <p:txBody>
@@ -11163,9 +11332,7 @@
               <a:avLst/>
             </a:prstGeom>
             <a:solidFill>
-              <a:schemeClr val="bg1">
-                <a:lumMod val="95000"/>
-              </a:schemeClr>
+              <a:srgbClr val="EFEBE4"/>
             </a:solidFill>
           </p:spPr>
           <p:txBody>
@@ -11389,9 +11556,7 @@
               <a:avLst/>
             </a:prstGeom>
             <a:solidFill>
-              <a:schemeClr val="bg1">
-                <a:lumMod val="95000"/>
-              </a:schemeClr>
+              <a:srgbClr val="EFEBE4"/>
             </a:solidFill>
           </p:spPr>
           <p:txBody>
@@ -11588,9 +11753,7 @@
               <a:avLst/>
             </a:prstGeom>
             <a:solidFill>
-              <a:schemeClr val="bg1">
-                <a:lumMod val="95000"/>
-              </a:schemeClr>
+              <a:srgbClr val="EFEBE4"/>
             </a:solidFill>
           </p:spPr>
           <p:txBody>
@@ -11790,9 +11953,7 @@
               <a:avLst/>
             </a:prstGeom>
             <a:solidFill>
-              <a:schemeClr val="bg1">
-                <a:lumMod val="95000"/>
-              </a:schemeClr>
+              <a:srgbClr val="EFEBE4"/>
             </a:solidFill>
           </p:spPr>
           <p:txBody>
@@ -12013,9 +12174,7 @@
               <a:avLst/>
             </a:prstGeom>
             <a:solidFill>
-              <a:schemeClr val="bg1">
-                <a:lumMod val="95000"/>
-              </a:schemeClr>
+              <a:srgbClr val="EFEBE4"/>
             </a:solidFill>
           </p:spPr>
           <p:txBody>
@@ -12232,9 +12391,7 @@
               <a:avLst/>
             </a:prstGeom>
             <a:solidFill>
-              <a:schemeClr val="bg1">
-                <a:lumMod val="95000"/>
-              </a:schemeClr>
+              <a:srgbClr val="EFEBE4"/>
             </a:solidFill>
           </p:spPr>
           <p:txBody>
@@ -12463,9 +12620,7 @@
               <a:avLst/>
             </a:prstGeom>
             <a:solidFill>
-              <a:schemeClr val="bg1">
-                <a:lumMod val="95000"/>
-              </a:schemeClr>
+              <a:srgbClr val="EFEBE4"/>
             </a:solidFill>
           </p:spPr>
           <p:txBody>
@@ -12730,9 +12885,7 @@
               <a:avLst/>
             </a:prstGeom>
             <a:solidFill>
-              <a:schemeClr val="bg1">
-                <a:lumMod val="95000"/>
-              </a:schemeClr>
+              <a:srgbClr val="EFEBE4"/>
             </a:solidFill>
           </p:spPr>
           <p:txBody>
@@ -12741,6 +12894,7 @@
             </a:bodyPr>
             <a:lstStyle/>
             <a:p>
+              <a:pPr algn="just"/>
               <a:r>
                 <a:rPr lang="en-SG" sz="1100">
                   <a:latin typeface="Consolas" panose="020B0609020204030204" pitchFamily="49" charset="0"/>
@@ -12749,6 +12903,7 @@
               </a:r>
             </a:p>
             <a:p>
+              <a:pPr algn="just"/>
               <a:r>
                 <a:rPr lang="en-SG" sz="1100">
                   <a:latin typeface="Consolas" panose="020B0609020204030204" pitchFamily="49" charset="0"/>
@@ -12757,11 +12912,13 @@
               </a:r>
             </a:p>
             <a:p>
+              <a:pPr algn="just"/>
               <a:endParaRPr lang="en-SG" sz="1100">
                 <a:latin typeface="Consolas" panose="020B0609020204030204" pitchFamily="49" charset="0"/>
               </a:endParaRPr>
             </a:p>
             <a:p>
+              <a:pPr algn="just"/>
               <a:r>
                 <a:rPr lang="en-SG" sz="1100">
                   <a:latin typeface="Consolas" panose="020B0609020204030204" pitchFamily="49" charset="0"/>
@@ -12785,6 +12942,7 @@
               </a:r>
             </a:p>
             <a:p>
+              <a:pPr algn="just"/>
               <a:r>
                 <a:rPr lang="en-SG" sz="1100">
                   <a:latin typeface="Consolas" panose="020B0609020204030204" pitchFamily="49" charset="0"/>
@@ -12808,11 +12966,13 @@
               </a:r>
             </a:p>
             <a:p>
+              <a:pPr algn="just"/>
               <a:endParaRPr lang="en-SG" sz="1100">
                 <a:latin typeface="Consolas" panose="020B0609020204030204" pitchFamily="49" charset="0"/>
               </a:endParaRPr>
             </a:p>
             <a:p>
+              <a:pPr algn="just"/>
               <a:r>
                 <a:rPr lang="en-SG" sz="1100">
                   <a:latin typeface="Consolas" panose="020B0609020204030204" pitchFamily="49" charset="0"/>
@@ -12821,6 +12981,7 @@
               </a:r>
             </a:p>
             <a:p>
+              <a:pPr algn="just"/>
               <a:r>
                 <a:rPr lang="en-SG" sz="1100">
                   <a:latin typeface="Consolas" panose="020B0609020204030204" pitchFamily="49" charset="0"/>
@@ -12984,9 +13145,7 @@
               <a:avLst/>
             </a:prstGeom>
             <a:solidFill>
-              <a:schemeClr val="bg1">
-                <a:lumMod val="95000"/>
-              </a:schemeClr>
+              <a:srgbClr val="EFEBE4"/>
             </a:solidFill>
           </p:spPr>
           <p:txBody>
@@ -13180,9 +13339,7 @@
               <a:avLst/>
             </a:prstGeom>
             <a:solidFill>
-              <a:schemeClr val="bg1">
-                <a:lumMod val="95000"/>
-              </a:schemeClr>
+              <a:srgbClr val="EFEBE4"/>
             </a:solidFill>
           </p:spPr>
           <p:txBody>
@@ -13408,9 +13565,7 @@
               <a:avLst/>
             </a:prstGeom>
             <a:solidFill>
-              <a:schemeClr val="bg1">
-                <a:lumMod val="95000"/>
-              </a:schemeClr>
+              <a:srgbClr val="EFEBE4"/>
             </a:solidFill>
           </p:spPr>
           <p:txBody>
@@ -13588,16 +13743,14 @@
           </p:nvSpPr>
           <p:spPr>
             <a:xfrm>
-              <a:off x="2757949" y="2621086"/>
-              <a:ext cx="5726417" cy="1615827"/>
+              <a:off x="2841839" y="2579141"/>
+              <a:ext cx="5726417" cy="1785104"/>
             </a:xfrm>
             <a:prstGeom prst="rect">
               <a:avLst/>
             </a:prstGeom>
             <a:solidFill>
-              <a:schemeClr val="bg1">
-                <a:lumMod val="95000"/>
-              </a:schemeClr>
+              <a:srgbClr val="EFEBE4"/>
             </a:solidFill>
           </p:spPr>
           <p:txBody>
@@ -13692,6 +13845,9 @@
                 <a:rPr lang="en-SG" sz="1100"/>
                 <a:t>print(model.score(X_test, y_test))</a:t>
               </a:r>
+            </a:p>
+            <a:p>
+              <a:endParaRPr lang="en-SG" sz="1100"/>
             </a:p>
           </p:txBody>
         </p:sp>
@@ -13797,9 +13953,7 @@
               <a:avLst/>
             </a:prstGeom>
             <a:solidFill>
-              <a:schemeClr val="bg1">
-                <a:lumMod val="95000"/>
-              </a:schemeClr>
+              <a:srgbClr val="EFEBE4"/>
             </a:solidFill>
           </p:spPr>
           <p:txBody>
@@ -14043,9 +14197,7 @@
               <a:avLst/>
             </a:prstGeom>
             <a:solidFill>
-              <a:schemeClr val="bg1">
-                <a:lumMod val="95000"/>
-              </a:schemeClr>
+              <a:srgbClr val="EFEBE4"/>
             </a:solidFill>
           </p:spPr>
           <p:txBody>
@@ -14285,9 +14437,7 @@
               <a:avLst/>
             </a:prstGeom>
             <a:solidFill>
-              <a:schemeClr val="bg1">
-                <a:lumMod val="95000"/>
-              </a:schemeClr>
+              <a:srgbClr val="EFEBE4"/>
             </a:solidFill>
           </p:spPr>
           <p:txBody>
@@ -14460,9 +14610,7 @@
               <a:avLst/>
             </a:prstGeom>
             <a:solidFill>
-              <a:schemeClr val="bg1">
-                <a:lumMod val="95000"/>
-              </a:schemeClr>
+              <a:srgbClr val="EFEBE4"/>
             </a:solidFill>
           </p:spPr>
           <p:txBody>
@@ -14729,9 +14877,7 @@
             <a:avLst/>
           </a:prstGeom>
           <a:solidFill>
-            <a:schemeClr val="bg1">
-              <a:lumMod val="95000"/>
-            </a:schemeClr>
+            <a:srgbClr val="EFEBE4"/>
           </a:solidFill>
         </p:spPr>
         <p:txBody>
@@ -15083,16 +15229,14 @@
           </p:nvSpPr>
           <p:spPr>
             <a:xfrm>
-              <a:off x="3462588" y="2917493"/>
-              <a:ext cx="5266821" cy="1615827"/>
+              <a:off x="3529701" y="2909104"/>
+              <a:ext cx="5152906" cy="1615827"/>
             </a:xfrm>
             <a:prstGeom prst="rect">
               <a:avLst/>
             </a:prstGeom>
             <a:solidFill>
-              <a:schemeClr val="bg1">
-                <a:lumMod val="95000"/>
-              </a:schemeClr>
+              <a:srgbClr val="EFEBE4"/>
             </a:solidFill>
           </p:spPr>
           <p:txBody>
@@ -15353,9 +15497,7 @@
               <a:avLst/>
             </a:prstGeom>
             <a:solidFill>
-              <a:schemeClr val="bg1">
-                <a:lumMod val="95000"/>
-              </a:schemeClr>
+              <a:srgbClr val="EFEBE4"/>
             </a:solidFill>
           </p:spPr>
           <p:txBody>
@@ -15570,9 +15712,7 @@
               <a:avLst/>
             </a:prstGeom>
             <a:solidFill>
-              <a:schemeClr val="bg1">
-                <a:lumMod val="95000"/>
-              </a:schemeClr>
+              <a:srgbClr val="EFEBE4"/>
             </a:solidFill>
           </p:spPr>
           <p:txBody>
@@ -15760,9 +15900,7 @@
               <a:avLst/>
             </a:prstGeom>
             <a:solidFill>
-              <a:schemeClr val="bg1">
-                <a:lumMod val="95000"/>
-              </a:schemeClr>
+              <a:srgbClr val="EFEBE4"/>
             </a:solidFill>
           </p:spPr>
           <p:txBody>

--- a/Model_Development.pptx
+++ b/Model_Development.pptx
@@ -18,43 +18,47 @@
     <p:sldId id="282" r:id="rId12"/>
     <p:sldId id="284" r:id="rId13"/>
     <p:sldId id="311" r:id="rId14"/>
-    <p:sldId id="285" r:id="rId15"/>
-    <p:sldId id="286" r:id="rId16"/>
-    <p:sldId id="288" r:id="rId17"/>
-    <p:sldId id="323" r:id="rId18"/>
-    <p:sldId id="289" r:id="rId19"/>
-    <p:sldId id="312" r:id="rId20"/>
-    <p:sldId id="290" r:id="rId21"/>
-    <p:sldId id="291" r:id="rId22"/>
-    <p:sldId id="292" r:id="rId23"/>
-    <p:sldId id="296" r:id="rId24"/>
-    <p:sldId id="310" r:id="rId25"/>
-    <p:sldId id="293" r:id="rId26"/>
-    <p:sldId id="315" r:id="rId27"/>
-    <p:sldId id="325" r:id="rId28"/>
-    <p:sldId id="319" r:id="rId29"/>
-    <p:sldId id="320" r:id="rId30"/>
-    <p:sldId id="294" r:id="rId31"/>
-    <p:sldId id="295" r:id="rId32"/>
-    <p:sldId id="297" r:id="rId33"/>
-    <p:sldId id="298" r:id="rId34"/>
-    <p:sldId id="321" r:id="rId35"/>
-    <p:sldId id="299" r:id="rId36"/>
-    <p:sldId id="302" r:id="rId37"/>
-    <p:sldId id="303" r:id="rId38"/>
-    <p:sldId id="314" r:id="rId39"/>
-    <p:sldId id="304" r:id="rId40"/>
-    <p:sldId id="324" r:id="rId41"/>
-    <p:sldId id="305" r:id="rId42"/>
-    <p:sldId id="306" r:id="rId43"/>
-    <p:sldId id="307" r:id="rId44"/>
-    <p:sldId id="308" r:id="rId45"/>
-    <p:sldId id="317" r:id="rId46"/>
-    <p:sldId id="309" r:id="rId47"/>
-    <p:sldId id="313" r:id="rId48"/>
-    <p:sldId id="326" r:id="rId49"/>
-    <p:sldId id="327" r:id="rId50"/>
-    <p:sldId id="318" r:id="rId51"/>
+    <p:sldId id="328" r:id="rId15"/>
+    <p:sldId id="285" r:id="rId16"/>
+    <p:sldId id="286" r:id="rId17"/>
+    <p:sldId id="288" r:id="rId18"/>
+    <p:sldId id="323" r:id="rId19"/>
+    <p:sldId id="289" r:id="rId20"/>
+    <p:sldId id="312" r:id="rId21"/>
+    <p:sldId id="290" r:id="rId22"/>
+    <p:sldId id="291" r:id="rId23"/>
+    <p:sldId id="292" r:id="rId24"/>
+    <p:sldId id="296" r:id="rId25"/>
+    <p:sldId id="329" r:id="rId26"/>
+    <p:sldId id="310" r:id="rId27"/>
+    <p:sldId id="293" r:id="rId28"/>
+    <p:sldId id="315" r:id="rId29"/>
+    <p:sldId id="325" r:id="rId30"/>
+    <p:sldId id="319" r:id="rId31"/>
+    <p:sldId id="320" r:id="rId32"/>
+    <p:sldId id="294" r:id="rId33"/>
+    <p:sldId id="295" r:id="rId34"/>
+    <p:sldId id="297" r:id="rId35"/>
+    <p:sldId id="298" r:id="rId36"/>
+    <p:sldId id="321" r:id="rId37"/>
+    <p:sldId id="299" r:id="rId38"/>
+    <p:sldId id="302" r:id="rId39"/>
+    <p:sldId id="303" r:id="rId40"/>
+    <p:sldId id="314" r:id="rId41"/>
+    <p:sldId id="304" r:id="rId42"/>
+    <p:sldId id="324" r:id="rId43"/>
+    <p:sldId id="305" r:id="rId44"/>
+    <p:sldId id="306" r:id="rId45"/>
+    <p:sldId id="307" r:id="rId46"/>
+    <p:sldId id="308" r:id="rId47"/>
+    <p:sldId id="317" r:id="rId48"/>
+    <p:sldId id="309" r:id="rId49"/>
+    <p:sldId id="313" r:id="rId50"/>
+    <p:sldId id="326" r:id="rId51"/>
+    <p:sldId id="327" r:id="rId52"/>
+    <p:sldId id="318" r:id="rId53"/>
+    <p:sldId id="330" r:id="rId54"/>
+    <p:sldId id="331" r:id="rId55"/>
   </p:sldIdLst>
   <p:sldSz cx="12192000" cy="6858000"/>
   <p:notesSz cx="6858000" cy="9144000"/>
@@ -2360,7 +2364,7 @@
           <a:p>
             <a:fld id="{DD33691C-5F19-41E5-B321-0F7EE4E2A2F5}" type="datetimeFigureOut">
               <a:rPr lang="en-SG" smtClean="0"/>
-              <a:t>5 Dec 2022</a:t>
+              <a:t>7 Jan 2023</a:t>
             </a:fld>
             <a:endParaRPr lang="en-SG"/>
           </a:p>
@@ -2560,7 +2564,7 @@
           <a:p>
             <a:fld id="{DD33691C-5F19-41E5-B321-0F7EE4E2A2F5}" type="datetimeFigureOut">
               <a:rPr lang="en-SG" smtClean="0"/>
-              <a:t>5 Dec 2022</a:t>
+              <a:t>7 Jan 2023</a:t>
             </a:fld>
             <a:endParaRPr lang="en-SG"/>
           </a:p>
@@ -2770,7 +2774,7 @@
           <a:p>
             <a:fld id="{DD33691C-5F19-41E5-B321-0F7EE4E2A2F5}" type="datetimeFigureOut">
               <a:rPr lang="en-SG" smtClean="0"/>
-              <a:t>5 Dec 2022</a:t>
+              <a:t>7 Jan 2023</a:t>
             </a:fld>
             <a:endParaRPr lang="en-SG"/>
           </a:p>
@@ -2970,7 +2974,7 @@
           <a:p>
             <a:fld id="{DD33691C-5F19-41E5-B321-0F7EE4E2A2F5}" type="datetimeFigureOut">
               <a:rPr lang="en-SG" smtClean="0"/>
-              <a:t>5 Dec 2022</a:t>
+              <a:t>7 Jan 2023</a:t>
             </a:fld>
             <a:endParaRPr lang="en-SG"/>
           </a:p>
@@ -3246,7 +3250,7 @@
           <a:p>
             <a:fld id="{DD33691C-5F19-41E5-B321-0F7EE4E2A2F5}" type="datetimeFigureOut">
               <a:rPr lang="en-SG" smtClean="0"/>
-              <a:t>5 Dec 2022</a:t>
+              <a:t>7 Jan 2023</a:t>
             </a:fld>
             <a:endParaRPr lang="en-SG"/>
           </a:p>
@@ -3514,7 +3518,7 @@
           <a:p>
             <a:fld id="{DD33691C-5F19-41E5-B321-0F7EE4E2A2F5}" type="datetimeFigureOut">
               <a:rPr lang="en-SG" smtClean="0"/>
-              <a:t>5 Dec 2022</a:t>
+              <a:t>7 Jan 2023</a:t>
             </a:fld>
             <a:endParaRPr lang="en-SG"/>
           </a:p>
@@ -3929,7 +3933,7 @@
           <a:p>
             <a:fld id="{DD33691C-5F19-41E5-B321-0F7EE4E2A2F5}" type="datetimeFigureOut">
               <a:rPr lang="en-SG" smtClean="0"/>
-              <a:t>5 Dec 2022</a:t>
+              <a:t>7 Jan 2023</a:t>
             </a:fld>
             <a:endParaRPr lang="en-SG"/>
           </a:p>
@@ -4071,7 +4075,7 @@
           <a:p>
             <a:fld id="{DD33691C-5F19-41E5-B321-0F7EE4E2A2F5}" type="datetimeFigureOut">
               <a:rPr lang="en-SG" smtClean="0"/>
-              <a:t>5 Dec 2022</a:t>
+              <a:t>7 Jan 2023</a:t>
             </a:fld>
             <a:endParaRPr lang="en-SG"/>
           </a:p>
@@ -4184,7 +4188,7 @@
           <a:p>
             <a:fld id="{DD33691C-5F19-41E5-B321-0F7EE4E2A2F5}" type="datetimeFigureOut">
               <a:rPr lang="en-SG" smtClean="0"/>
-              <a:t>5 Dec 2022</a:t>
+              <a:t>7 Jan 2023</a:t>
             </a:fld>
             <a:endParaRPr lang="en-SG"/>
           </a:p>
@@ -4497,7 +4501,7 @@
           <a:p>
             <a:fld id="{DD33691C-5F19-41E5-B321-0F7EE4E2A2F5}" type="datetimeFigureOut">
               <a:rPr lang="en-SG" smtClean="0"/>
-              <a:t>5 Dec 2022</a:t>
+              <a:t>7 Jan 2023</a:t>
             </a:fld>
             <a:endParaRPr lang="en-SG"/>
           </a:p>
@@ -4786,7 +4790,7 @@
           <a:p>
             <a:fld id="{DD33691C-5F19-41E5-B321-0F7EE4E2A2F5}" type="datetimeFigureOut">
               <a:rPr lang="en-SG" smtClean="0"/>
-              <a:t>5 Dec 2022</a:t>
+              <a:t>7 Jan 2023</a:t>
             </a:fld>
             <a:endParaRPr lang="en-SG"/>
           </a:p>
@@ -5029,7 +5033,7 @@
           <a:p>
             <a:fld id="{DD33691C-5F19-41E5-B321-0F7EE4E2A2F5}" type="datetimeFigureOut">
               <a:rPr lang="en-SG" smtClean="0"/>
-              <a:t>5 Dec 2022</a:t>
+              <a:t>7 Jan 2023</a:t>
             </a:fld>
             <a:endParaRPr lang="en-SG"/>
           </a:p>
@@ -6426,6 +6430,270 @@
       </p:grpSpPr>
       <p:grpSp>
         <p:nvGrpSpPr>
+          <p:cNvPr id="9" name="Group 8">
+            <a:extLst>
+              <a:ext uri="{FF2B5EF4-FFF2-40B4-BE49-F238E27FC236}">
+                <a16:creationId xmlns:a16="http://schemas.microsoft.com/office/drawing/2014/main" id="{DD1516AD-0C48-6C80-173F-B0F4627EBC58}"/>
+              </a:ext>
+            </a:extLst>
+          </p:cNvPr>
+          <p:cNvGrpSpPr/>
+          <p:nvPr/>
+        </p:nvGrpSpPr>
+        <p:grpSpPr>
+          <a:xfrm>
+            <a:off x="2767012" y="400050"/>
+            <a:ext cx="6657975" cy="6057900"/>
+            <a:chOff x="2767012" y="400050"/>
+            <a:chExt cx="6657975" cy="6057900"/>
+          </a:xfrm>
+        </p:grpSpPr>
+        <p:pic>
+          <p:nvPicPr>
+            <p:cNvPr id="5" name="Picture 4">
+              <a:extLst>
+                <a:ext uri="{FF2B5EF4-FFF2-40B4-BE49-F238E27FC236}">
+                  <a16:creationId xmlns:a16="http://schemas.microsoft.com/office/drawing/2014/main" id="{14BD3F49-DD02-0898-30A6-7357DC7D9348}"/>
+                </a:ext>
+              </a:extLst>
+            </p:cNvPr>
+            <p:cNvPicPr>
+              <a:picLocks noChangeAspect="1"/>
+            </p:cNvPicPr>
+            <p:nvPr/>
+          </p:nvPicPr>
+          <p:blipFill>
+            <a:blip r:embed="rId2"/>
+            <a:stretch>
+              <a:fillRect/>
+            </a:stretch>
+          </p:blipFill>
+          <p:spPr>
+            <a:xfrm>
+              <a:off x="2767012" y="400050"/>
+              <a:ext cx="6657975" cy="6057900"/>
+            </a:xfrm>
+            <a:prstGeom prst="rect">
+              <a:avLst/>
+            </a:prstGeom>
+          </p:spPr>
+        </p:pic>
+        <p:sp>
+          <p:nvSpPr>
+            <p:cNvPr id="7" name="TextBox 6">
+              <a:extLst>
+                <a:ext uri="{FF2B5EF4-FFF2-40B4-BE49-F238E27FC236}">
+                  <a16:creationId xmlns:a16="http://schemas.microsoft.com/office/drawing/2014/main" id="{5D6F3BC3-FDA1-4948-FA35-41BEB215CE8E}"/>
+                </a:ext>
+              </a:extLst>
+            </p:cNvPr>
+            <p:cNvSpPr txBox="1"/>
+            <p:nvPr/>
+          </p:nvSpPr>
+          <p:spPr>
+            <a:xfrm>
+              <a:off x="3181779" y="3537407"/>
+              <a:ext cx="4623638" cy="1446550"/>
+            </a:xfrm>
+            <a:prstGeom prst="rect">
+              <a:avLst/>
+            </a:prstGeom>
+            <a:solidFill>
+              <a:srgbClr val="EFEBE4"/>
+            </a:solidFill>
+          </p:spPr>
+          <p:txBody>
+            <a:bodyPr wrap="square">
+              <a:spAutoFit/>
+            </a:bodyPr>
+            <a:lstStyle>
+              <a:defPPr>
+                <a:defRPr lang="en-US"/>
+              </a:defPPr>
+              <a:lvl1pPr>
+                <a:defRPr sz="1200" b="0" i="0">
+                  <a:solidFill>
+                    <a:srgbClr val="05192D"/>
+                  </a:solidFill>
+                  <a:effectLst/>
+                  <a:latin typeface="Consolas" panose="020B0609020204030204" pitchFamily="49" charset="0"/>
+                </a:defRPr>
+              </a:lvl1pPr>
+            </a:lstStyle>
+            <a:p>
+              <a:r>
+                <a:rPr lang="en-SG" sz="1100"/>
+                <a:t>from sklearn.ensemble import RandomForestClassifier</a:t>
+              </a:r>
+            </a:p>
+            <a:p>
+              <a:endParaRPr lang="en-SG" sz="1100"/>
+            </a:p>
+            <a:p>
+              <a:r>
+                <a:rPr lang="en-SG" sz="1100"/>
+                <a:t>model = RandomForestClassifier(random_state=42)</a:t>
+              </a:r>
+            </a:p>
+            <a:p>
+              <a:endParaRPr lang="en-SG" sz="1100"/>
+            </a:p>
+            <a:p>
+              <a:r>
+                <a:rPr lang="en-SG" sz="1100"/>
+                <a:t>model.fit(X_train, y_train)</a:t>
+              </a:r>
+            </a:p>
+            <a:p>
+              <a:endParaRPr lang="en-SG" sz="1100"/>
+            </a:p>
+            <a:p>
+              <a:r>
+                <a:rPr lang="en-SG" sz="1100"/>
+                <a:t>print(model.</a:t>
+              </a:r>
+              <a:r>
+                <a:rPr lang="en-SG" sz="1100">
+                  <a:solidFill>
+                    <a:srgbClr val="FF0000"/>
+                  </a:solidFill>
+                </a:rPr>
+                <a:t>predict_proba(new)</a:t>
+              </a:r>
+              <a:r>
+                <a:rPr lang="en-SG" sz="1100"/>
+                <a:t>)</a:t>
+              </a:r>
+            </a:p>
+            <a:p>
+              <a:endParaRPr lang="en-SG" sz="1100"/>
+            </a:p>
+          </p:txBody>
+        </p:sp>
+      </p:grpSp>
+      <p:sp>
+        <p:nvSpPr>
+          <p:cNvPr id="10" name="TextBox 9">
+            <a:extLst>
+              <a:ext uri="{FF2B5EF4-FFF2-40B4-BE49-F238E27FC236}">
+                <a16:creationId xmlns:a16="http://schemas.microsoft.com/office/drawing/2014/main" id="{3336307F-E941-0362-BB1A-27FCFE3A85D8}"/>
+              </a:ext>
+            </a:extLst>
+          </p:cNvPr>
+          <p:cNvSpPr txBox="1"/>
+          <p:nvPr/>
+        </p:nvSpPr>
+        <p:spPr>
+          <a:xfrm>
+            <a:off x="9383486" y="82715"/>
+            <a:ext cx="2722563" cy="369332"/>
+          </a:xfrm>
+          <a:prstGeom prst="rect">
+            <a:avLst/>
+          </a:prstGeom>
+          <a:solidFill>
+            <a:schemeClr val="accent2"/>
+          </a:solidFill>
+        </p:spPr>
+        <p:txBody>
+          <a:bodyPr wrap="square" rtlCol="0">
+            <a:spAutoFit/>
+          </a:bodyPr>
+          <a:lstStyle/>
+          <a:p>
+            <a:pPr algn="ctr"/>
+            <a:r>
+              <a:rPr lang="en-GB"/>
+              <a:t>HARD</a:t>
+            </a:r>
+            <a:endParaRPr lang="en-SG"/>
+          </a:p>
+        </p:txBody>
+      </p:sp>
+      <p:sp>
+        <p:nvSpPr>
+          <p:cNvPr id="11" name="Rectangle 10">
+            <a:extLst>
+              <a:ext uri="{FF2B5EF4-FFF2-40B4-BE49-F238E27FC236}">
+                <a16:creationId xmlns:a16="http://schemas.microsoft.com/office/drawing/2014/main" id="{077D0B75-B20D-BCAF-7617-2F62B7E2B3C0}"/>
+              </a:ext>
+            </a:extLst>
+          </p:cNvPr>
+          <p:cNvSpPr/>
+          <p:nvPr/>
+        </p:nvSpPr>
+        <p:spPr>
+          <a:xfrm>
+            <a:off x="4798337" y="1502875"/>
+            <a:ext cx="1683944" cy="262551"/>
+          </a:xfrm>
+          <a:prstGeom prst="rect">
+            <a:avLst/>
+          </a:prstGeom>
+          <a:noFill/>
+          <a:ln>
+            <a:solidFill>
+              <a:srgbClr val="FF0000"/>
+            </a:solidFill>
+          </a:ln>
+        </p:spPr>
+        <p:style>
+          <a:lnRef idx="2">
+            <a:schemeClr val="accent1">
+              <a:shade val="50000"/>
+            </a:schemeClr>
+          </a:lnRef>
+          <a:fillRef idx="1">
+            <a:schemeClr val="accent1"/>
+          </a:fillRef>
+          <a:effectRef idx="0">
+            <a:schemeClr val="accent1"/>
+          </a:effectRef>
+          <a:fontRef idx="minor">
+            <a:schemeClr val="lt1"/>
+          </a:fontRef>
+        </p:style>
+        <p:txBody>
+          <a:bodyPr rtlCol="0" anchor="ctr"/>
+          <a:lstStyle/>
+          <a:p>
+            <a:pPr algn="ctr"/>
+            <a:endParaRPr lang="en-SG"/>
+          </a:p>
+        </p:txBody>
+      </p:sp>
+    </p:spTree>
+    <p:extLst>
+      <p:ext uri="{BB962C8B-B14F-4D97-AF65-F5344CB8AC3E}">
+        <p14:creationId xmlns:p14="http://schemas.microsoft.com/office/powerpoint/2010/main" val="4230197089"/>
+      </p:ext>
+    </p:extLst>
+  </p:cSld>
+  <p:clrMapOvr>
+    <a:masterClrMapping/>
+  </p:clrMapOvr>
+</p:sld>
+</file>
+
+<file path=ppt/slides/slide15.xml><?xml version="1.0" encoding="utf-8"?>
+<p:sld xmlns:a="http://schemas.openxmlformats.org/drawingml/2006/main" xmlns:r="http://schemas.openxmlformats.org/officeDocument/2006/relationships" xmlns:p="http://schemas.openxmlformats.org/presentationml/2006/main">
+  <p:cSld>
+    <p:spTree>
+      <p:nvGrpSpPr>
+        <p:cNvPr id="1" name=""/>
+        <p:cNvGrpSpPr/>
+        <p:nvPr/>
+      </p:nvGrpSpPr>
+      <p:grpSpPr>
+        <a:xfrm>
+          <a:off x="0" y="0"/>
+          <a:ext cx="0" cy="0"/>
+          <a:chOff x="0" y="0"/>
+          <a:chExt cx="0" cy="0"/>
+        </a:xfrm>
+      </p:grpSpPr>
+      <p:grpSp>
+        <p:nvGrpSpPr>
           <p:cNvPr id="6" name="Group 5">
             <a:extLst>
               <a:ext uri="{FF2B5EF4-FFF2-40B4-BE49-F238E27FC236}">
@@ -6549,7 +6817,7 @@
 </p:sld>
 </file>
 
-<file path=ppt/slides/slide15.xml><?xml version="1.0" encoding="utf-8"?>
+<file path=ppt/slides/slide16.xml><?xml version="1.0" encoding="utf-8"?>
 <p:sld xmlns:a="http://schemas.openxmlformats.org/drawingml/2006/main" xmlns:r="http://schemas.openxmlformats.org/officeDocument/2006/relationships" xmlns:p="http://schemas.openxmlformats.org/presentationml/2006/main">
   <p:cSld>
     <p:spTree>
@@ -6730,7 +6998,7 @@
 </p:sld>
 </file>
 
-<file path=ppt/slides/slide16.xml><?xml version="1.0" encoding="utf-8"?>
+<file path=ppt/slides/slide17.xml><?xml version="1.0" encoding="utf-8"?>
 <p:sld xmlns:a="http://schemas.openxmlformats.org/drawingml/2006/main" xmlns:r="http://schemas.openxmlformats.org/officeDocument/2006/relationships" xmlns:p="http://schemas.openxmlformats.org/presentationml/2006/main">
   <p:cSld>
     <p:spTree>
@@ -6990,6 +7258,47 @@
           </a:p>
         </p:txBody>
       </p:sp>
+      <p:sp>
+        <p:nvSpPr>
+          <p:cNvPr id="7" name="TextBox 6">
+            <a:extLst>
+              <a:ext uri="{FF2B5EF4-FFF2-40B4-BE49-F238E27FC236}">
+                <a16:creationId xmlns:a16="http://schemas.microsoft.com/office/drawing/2014/main" id="{1D7E8360-F793-3332-BE8A-524C5AEC671C}"/>
+              </a:ext>
+            </a:extLst>
+          </p:cNvPr>
+          <p:cNvSpPr txBox="1"/>
+          <p:nvPr/>
+        </p:nvSpPr>
+        <p:spPr>
+          <a:xfrm>
+            <a:off x="1089712" y="1339909"/>
+            <a:ext cx="1680909" cy="646331"/>
+          </a:xfrm>
+          <a:prstGeom prst="rect">
+            <a:avLst/>
+          </a:prstGeom>
+          <a:noFill/>
+        </p:spPr>
+        <p:txBody>
+          <a:bodyPr wrap="none" rtlCol="0">
+            <a:spAutoFit/>
+          </a:bodyPr>
+          <a:lstStyle/>
+          <a:p>
+            <a:r>
+              <a:rPr lang="en-SG"/>
+              <a:t>similar question</a:t>
+            </a:r>
+          </a:p>
+          <a:p>
+            <a:r>
+              <a:rPr lang="en-SG"/>
+              <a:t>next slide</a:t>
+            </a:r>
+          </a:p>
+        </p:txBody>
+      </p:sp>
     </p:spTree>
     <p:extLst>
       <p:ext uri="{BB962C8B-B14F-4D97-AF65-F5344CB8AC3E}">
@@ -7003,7 +7312,7 @@
 </p:sld>
 </file>
 
-<file path=ppt/slides/slide17.xml><?xml version="1.0" encoding="utf-8"?>
+<file path=ppt/slides/slide18.xml><?xml version="1.0" encoding="utf-8"?>
 <p:sld xmlns:a="http://schemas.openxmlformats.org/drawingml/2006/main" xmlns:r="http://schemas.openxmlformats.org/officeDocument/2006/relationships" xmlns:p="http://schemas.openxmlformats.org/presentationml/2006/main">
   <p:cSld>
     <p:spTree>
@@ -7302,6 +7611,47 @@
           </a:p>
         </p:txBody>
       </p:sp>
+      <p:sp>
+        <p:nvSpPr>
+          <p:cNvPr id="2" name="TextBox 1">
+            <a:extLst>
+              <a:ext uri="{FF2B5EF4-FFF2-40B4-BE49-F238E27FC236}">
+                <a16:creationId xmlns:a16="http://schemas.microsoft.com/office/drawing/2014/main" id="{3694B752-6D6F-9423-98E3-0839A1000C04}"/>
+              </a:ext>
+            </a:extLst>
+          </p:cNvPr>
+          <p:cNvSpPr txBox="1"/>
+          <p:nvPr/>
+        </p:nvSpPr>
+        <p:spPr>
+          <a:xfrm>
+            <a:off x="1089712" y="1258432"/>
+            <a:ext cx="1680909" cy="646331"/>
+          </a:xfrm>
+          <a:prstGeom prst="rect">
+            <a:avLst/>
+          </a:prstGeom>
+          <a:noFill/>
+        </p:spPr>
+        <p:txBody>
+          <a:bodyPr wrap="none" rtlCol="0">
+            <a:spAutoFit/>
+          </a:bodyPr>
+          <a:lstStyle/>
+          <a:p>
+            <a:r>
+              <a:rPr lang="en-SG"/>
+              <a:t>similar question</a:t>
+            </a:r>
+          </a:p>
+          <a:p>
+            <a:r>
+              <a:rPr lang="en-SG"/>
+              <a:t>previous slide</a:t>
+            </a:r>
+          </a:p>
+        </p:txBody>
+      </p:sp>
     </p:spTree>
     <p:extLst>
       <p:ext uri="{BB962C8B-B14F-4D97-AF65-F5344CB8AC3E}">
@@ -7315,7 +7665,7 @@
 </p:sld>
 </file>
 
-<file path=ppt/slides/slide18.xml><?xml version="1.0" encoding="utf-8"?>
+<file path=ppt/slides/slide19.xml><?xml version="1.0" encoding="utf-8"?>
 <p:sld xmlns:a="http://schemas.openxmlformats.org/drawingml/2006/main" xmlns:r="http://schemas.openxmlformats.org/officeDocument/2006/relationships" xmlns:p="http://schemas.openxmlformats.org/presentationml/2006/main">
   <p:cSld>
     <p:spTree>
@@ -7601,7 +7951,296 @@
 </p:sld>
 </file>
 
-<file path=ppt/slides/slide19.xml><?xml version="1.0" encoding="utf-8"?>
+<file path=ppt/slides/slide2.xml><?xml version="1.0" encoding="utf-8"?>
+<p:sld xmlns:a="http://schemas.openxmlformats.org/drawingml/2006/main" xmlns:r="http://schemas.openxmlformats.org/officeDocument/2006/relationships" xmlns:p="http://schemas.openxmlformats.org/presentationml/2006/main">
+  <p:cSld>
+    <p:spTree>
+      <p:nvGrpSpPr>
+        <p:cNvPr id="1" name=""/>
+        <p:cNvGrpSpPr/>
+        <p:nvPr/>
+      </p:nvGrpSpPr>
+      <p:grpSpPr>
+        <a:xfrm>
+          <a:off x="0" y="0"/>
+          <a:ext cx="0" cy="0"/>
+          <a:chOff x="0" y="0"/>
+          <a:chExt cx="0" cy="0"/>
+        </a:xfrm>
+      </p:grpSpPr>
+      <p:grpSp>
+        <p:nvGrpSpPr>
+          <p:cNvPr id="11" name="Group 10">
+            <a:extLst>
+              <a:ext uri="{FF2B5EF4-FFF2-40B4-BE49-F238E27FC236}">
+                <a16:creationId xmlns:a16="http://schemas.microsoft.com/office/drawing/2014/main" id="{E69D777E-678F-0B10-C796-07C9B81A3081}"/>
+              </a:ext>
+            </a:extLst>
+          </p:cNvPr>
+          <p:cNvGrpSpPr/>
+          <p:nvPr/>
+        </p:nvGrpSpPr>
+        <p:grpSpPr>
+          <a:xfrm>
+            <a:off x="3149757" y="435428"/>
+            <a:ext cx="5892485" cy="5987143"/>
+            <a:chOff x="3149757" y="362856"/>
+            <a:chExt cx="5892485" cy="5987143"/>
+          </a:xfrm>
+        </p:grpSpPr>
+        <p:pic>
+          <p:nvPicPr>
+            <p:cNvPr id="7" name="Picture 6">
+              <a:extLst>
+                <a:ext uri="{FF2B5EF4-FFF2-40B4-BE49-F238E27FC236}">
+                  <a16:creationId xmlns:a16="http://schemas.microsoft.com/office/drawing/2014/main" id="{B98E1F66-B568-CD05-1CB7-A7CF3F6AA26E}"/>
+                </a:ext>
+              </a:extLst>
+            </p:cNvPr>
+            <p:cNvPicPr>
+              <a:picLocks noChangeAspect="1"/>
+            </p:cNvPicPr>
+            <p:nvPr/>
+          </p:nvPicPr>
+          <p:blipFill>
+            <a:blip r:embed="rId2"/>
+            <a:stretch>
+              <a:fillRect/>
+            </a:stretch>
+          </p:blipFill>
+          <p:spPr>
+            <a:xfrm>
+              <a:off x="3149757" y="362856"/>
+              <a:ext cx="5892485" cy="5987143"/>
+            </a:xfrm>
+            <a:prstGeom prst="rect">
+              <a:avLst/>
+            </a:prstGeom>
+          </p:spPr>
+        </p:pic>
+        <p:sp>
+          <p:nvSpPr>
+            <p:cNvPr id="10" name="TextBox 9">
+              <a:extLst>
+                <a:ext uri="{FF2B5EF4-FFF2-40B4-BE49-F238E27FC236}">
+                  <a16:creationId xmlns:a16="http://schemas.microsoft.com/office/drawing/2014/main" id="{D128B92F-780D-95AB-E101-FCC0C20BCB3A}"/>
+                </a:ext>
+              </a:extLst>
+            </p:cNvPr>
+            <p:cNvSpPr txBox="1"/>
+            <p:nvPr/>
+          </p:nvSpPr>
+          <p:spPr>
+            <a:xfrm>
+              <a:off x="3519716" y="1933139"/>
+              <a:ext cx="4535714" cy="1615827"/>
+            </a:xfrm>
+            <a:prstGeom prst="rect">
+              <a:avLst/>
+            </a:prstGeom>
+            <a:solidFill>
+              <a:srgbClr val="EFEBE4"/>
+            </a:solidFill>
+          </p:spPr>
+          <p:txBody>
+            <a:bodyPr wrap="square">
+              <a:spAutoFit/>
+            </a:bodyPr>
+            <a:lstStyle/>
+            <a:p>
+              <a:r>
+                <a:rPr lang="en-SG" sz="1100">
+                  <a:latin typeface="Consolas" panose="020B0609020204030204" pitchFamily="49" charset="0"/>
+                </a:rPr>
+                <a:t>import </a:t>
+              </a:r>
+              <a:r>
+                <a:rPr lang="en-SG" sz="1100" err="1">
+                  <a:latin typeface="Consolas" panose="020B0609020204030204" pitchFamily="49" charset="0"/>
+                </a:rPr>
+                <a:t>numpy</a:t>
+              </a:r>
+              <a:r>
+                <a:rPr lang="en-SG" sz="1100">
+                  <a:latin typeface="Consolas" panose="020B0609020204030204" pitchFamily="49" charset="0"/>
+                </a:rPr>
+                <a:t> as np</a:t>
+              </a:r>
+            </a:p>
+            <a:p>
+              <a:r>
+                <a:rPr lang="en-SG" sz="1100">
+                  <a:latin typeface="Consolas" panose="020B0609020204030204" pitchFamily="49" charset="0"/>
+                </a:rPr>
+                <a:t>import pandas as pd</a:t>
+              </a:r>
+            </a:p>
+            <a:p>
+              <a:r>
+                <a:rPr lang="en-SG" sz="1100">
+                  <a:latin typeface="Consolas" panose="020B0609020204030204" pitchFamily="49" charset="0"/>
+                </a:rPr>
+                <a:t>from </a:t>
+              </a:r>
+              <a:r>
+                <a:rPr lang="en-SG" sz="1100" err="1">
+                  <a:latin typeface="Consolas" panose="020B0609020204030204" pitchFamily="49" charset="0"/>
+                </a:rPr>
+                <a:t>sklearn.linear_model</a:t>
+              </a:r>
+              <a:r>
+                <a:rPr lang="en-SG" sz="1100">
+                  <a:latin typeface="Consolas" panose="020B0609020204030204" pitchFamily="49" charset="0"/>
+                </a:rPr>
+                <a:t> import </a:t>
+              </a:r>
+              <a:r>
+                <a:rPr lang="en-SG" sz="1100" err="1">
+                  <a:latin typeface="Consolas" panose="020B0609020204030204" pitchFamily="49" charset="0"/>
+                </a:rPr>
+                <a:t>LinearRegression</a:t>
+              </a:r>
+              <a:endParaRPr lang="en-SG" sz="1100">
+                <a:latin typeface="Consolas" panose="020B0609020204030204" pitchFamily="49" charset="0"/>
+              </a:endParaRPr>
+            </a:p>
+            <a:p>
+              <a:endParaRPr lang="en-SG" sz="1100">
+                <a:latin typeface="Consolas" panose="020B0609020204030204" pitchFamily="49" charset="0"/>
+              </a:endParaRPr>
+            </a:p>
+            <a:p>
+              <a:r>
+                <a:rPr lang="en-SG" sz="1100">
+                  <a:latin typeface="Consolas" panose="020B0609020204030204" pitchFamily="49" charset="0"/>
+                </a:rPr>
+                <a:t>reg = </a:t>
+              </a:r>
+              <a:r>
+                <a:rPr lang="en-SG" sz="1100" err="1">
+                  <a:latin typeface="Consolas" panose="020B0609020204030204" pitchFamily="49" charset="0"/>
+                </a:rPr>
+                <a:t>LinearRegression</a:t>
+              </a:r>
+              <a:r>
+                <a:rPr lang="en-SG" sz="1100">
+                  <a:latin typeface="Consolas" panose="020B0609020204030204" pitchFamily="49" charset="0"/>
+                </a:rPr>
+                <a:t>()</a:t>
+              </a:r>
+            </a:p>
+            <a:p>
+              <a:r>
+                <a:rPr lang="en-SG" sz="1100" err="1">
+                  <a:latin typeface="Consolas" panose="020B0609020204030204" pitchFamily="49" charset="0"/>
+                </a:rPr>
+                <a:t>reg.fit</a:t>
+              </a:r>
+              <a:r>
+                <a:rPr lang="en-SG" sz="1100">
+                  <a:latin typeface="Consolas" panose="020B0609020204030204" pitchFamily="49" charset="0"/>
+                </a:rPr>
+                <a:t>(</a:t>
+              </a:r>
+              <a:r>
+                <a:rPr lang="en-SG" sz="1100" err="1">
+                  <a:latin typeface="Consolas" panose="020B0609020204030204" pitchFamily="49" charset="0"/>
+                </a:rPr>
+                <a:t>x_train</a:t>
+              </a:r>
+              <a:r>
+                <a:rPr lang="en-SG" sz="1100">
+                  <a:latin typeface="Consolas" panose="020B0609020204030204" pitchFamily="49" charset="0"/>
+                </a:rPr>
+                <a:t>, </a:t>
+              </a:r>
+              <a:r>
+                <a:rPr lang="en-SG" sz="1100" err="1">
+                  <a:latin typeface="Consolas" panose="020B0609020204030204" pitchFamily="49" charset="0"/>
+                </a:rPr>
+                <a:t>y_train</a:t>
+              </a:r>
+              <a:r>
+                <a:rPr lang="en-SG" sz="1100">
+                  <a:latin typeface="Consolas" panose="020B0609020204030204" pitchFamily="49" charset="0"/>
+                </a:rPr>
+                <a:t>)</a:t>
+              </a:r>
+            </a:p>
+            <a:p>
+              <a:endParaRPr lang="en-SG" sz="1100">
+                <a:latin typeface="Consolas" panose="020B0609020204030204" pitchFamily="49" charset="0"/>
+              </a:endParaRPr>
+            </a:p>
+            <a:p>
+              <a:r>
+                <a:rPr lang="en-SG" sz="1100">
+                  <a:latin typeface="Consolas" panose="020B0609020204030204" pitchFamily="49" charset="0"/>
+                </a:rPr>
+                <a:t>predictions = </a:t>
+              </a:r>
+              <a:r>
+                <a:rPr lang="en-SG" sz="1100" err="1">
+                  <a:latin typeface="Consolas" panose="020B0609020204030204" pitchFamily="49" charset="0"/>
+                </a:rPr>
+                <a:t>reg.</a:t>
+              </a:r>
+              <a:r>
+                <a:rPr lang="en-SG" sz="1100" err="1">
+                  <a:solidFill>
+                    <a:srgbClr val="FF0000"/>
+                  </a:solidFill>
+                  <a:latin typeface="Consolas" panose="020B0609020204030204" pitchFamily="49" charset="0"/>
+                </a:rPr>
+                <a:t>predict</a:t>
+              </a:r>
+              <a:r>
+                <a:rPr lang="en-SG" sz="1100">
+                  <a:latin typeface="Consolas" panose="020B0609020204030204" pitchFamily="49" charset="0"/>
+                </a:rPr>
+                <a:t>(</a:t>
+              </a:r>
+              <a:r>
+                <a:rPr lang="en-SG" sz="1100" err="1">
+                  <a:solidFill>
+                    <a:srgbClr val="FF0000"/>
+                  </a:solidFill>
+                  <a:latin typeface="Consolas" panose="020B0609020204030204" pitchFamily="49" charset="0"/>
+                </a:rPr>
+                <a:t>x_test</a:t>
+              </a:r>
+              <a:r>
+                <a:rPr lang="en-SG" sz="1100">
+                  <a:latin typeface="Consolas" panose="020B0609020204030204" pitchFamily="49" charset="0"/>
+                </a:rPr>
+                <a:t>)</a:t>
+              </a:r>
+            </a:p>
+            <a:p>
+              <a:r>
+                <a:rPr lang="en-SG" sz="1100">
+                  <a:latin typeface="Consolas" panose="020B0609020204030204" pitchFamily="49" charset="0"/>
+                </a:rPr>
+                <a:t>print(predictions)</a:t>
+              </a:r>
+            </a:p>
+          </p:txBody>
+        </p:sp>
+      </p:grpSp>
+    </p:spTree>
+    <p:extLst>
+      <p:ext uri="{BB962C8B-B14F-4D97-AF65-F5344CB8AC3E}">
+        <p14:creationId xmlns:p14="http://schemas.microsoft.com/office/powerpoint/2010/main" val="240901763"/>
+      </p:ext>
+    </p:extLst>
+  </p:cSld>
+  <p:clrMapOvr>
+    <a:masterClrMapping/>
+  </p:clrMapOvr>
+</p:sld>
+</file>
+
+<file path=ppt/slides/slide20.xml><?xml version="1.0" encoding="utf-8"?>
 <p:sld xmlns:a="http://schemas.openxmlformats.org/drawingml/2006/main" xmlns:r="http://schemas.openxmlformats.org/officeDocument/2006/relationships" xmlns:p="http://schemas.openxmlformats.org/presentationml/2006/main">
   <p:cSld>
     <p:spTree>
@@ -7833,296 +8472,7 @@
 </p:sld>
 </file>
 
-<file path=ppt/slides/slide2.xml><?xml version="1.0" encoding="utf-8"?>
-<p:sld xmlns:a="http://schemas.openxmlformats.org/drawingml/2006/main" xmlns:r="http://schemas.openxmlformats.org/officeDocument/2006/relationships" xmlns:p="http://schemas.openxmlformats.org/presentationml/2006/main">
-  <p:cSld>
-    <p:spTree>
-      <p:nvGrpSpPr>
-        <p:cNvPr id="1" name=""/>
-        <p:cNvGrpSpPr/>
-        <p:nvPr/>
-      </p:nvGrpSpPr>
-      <p:grpSpPr>
-        <a:xfrm>
-          <a:off x="0" y="0"/>
-          <a:ext cx="0" cy="0"/>
-          <a:chOff x="0" y="0"/>
-          <a:chExt cx="0" cy="0"/>
-        </a:xfrm>
-      </p:grpSpPr>
-      <p:grpSp>
-        <p:nvGrpSpPr>
-          <p:cNvPr id="11" name="Group 10">
-            <a:extLst>
-              <a:ext uri="{FF2B5EF4-FFF2-40B4-BE49-F238E27FC236}">
-                <a16:creationId xmlns:a16="http://schemas.microsoft.com/office/drawing/2014/main" id="{E69D777E-678F-0B10-C796-07C9B81A3081}"/>
-              </a:ext>
-            </a:extLst>
-          </p:cNvPr>
-          <p:cNvGrpSpPr/>
-          <p:nvPr/>
-        </p:nvGrpSpPr>
-        <p:grpSpPr>
-          <a:xfrm>
-            <a:off x="3149757" y="435428"/>
-            <a:ext cx="5892485" cy="5987143"/>
-            <a:chOff x="3149757" y="362856"/>
-            <a:chExt cx="5892485" cy="5987143"/>
-          </a:xfrm>
-        </p:grpSpPr>
-        <p:pic>
-          <p:nvPicPr>
-            <p:cNvPr id="7" name="Picture 6">
-              <a:extLst>
-                <a:ext uri="{FF2B5EF4-FFF2-40B4-BE49-F238E27FC236}">
-                  <a16:creationId xmlns:a16="http://schemas.microsoft.com/office/drawing/2014/main" id="{B98E1F66-B568-CD05-1CB7-A7CF3F6AA26E}"/>
-                </a:ext>
-              </a:extLst>
-            </p:cNvPr>
-            <p:cNvPicPr>
-              <a:picLocks noChangeAspect="1"/>
-            </p:cNvPicPr>
-            <p:nvPr/>
-          </p:nvPicPr>
-          <p:blipFill>
-            <a:blip r:embed="rId2"/>
-            <a:stretch>
-              <a:fillRect/>
-            </a:stretch>
-          </p:blipFill>
-          <p:spPr>
-            <a:xfrm>
-              <a:off x="3149757" y="362856"/>
-              <a:ext cx="5892485" cy="5987143"/>
-            </a:xfrm>
-            <a:prstGeom prst="rect">
-              <a:avLst/>
-            </a:prstGeom>
-          </p:spPr>
-        </p:pic>
-        <p:sp>
-          <p:nvSpPr>
-            <p:cNvPr id="10" name="TextBox 9">
-              <a:extLst>
-                <a:ext uri="{FF2B5EF4-FFF2-40B4-BE49-F238E27FC236}">
-                  <a16:creationId xmlns:a16="http://schemas.microsoft.com/office/drawing/2014/main" id="{D128B92F-780D-95AB-E101-FCC0C20BCB3A}"/>
-                </a:ext>
-              </a:extLst>
-            </p:cNvPr>
-            <p:cNvSpPr txBox="1"/>
-            <p:nvPr/>
-          </p:nvSpPr>
-          <p:spPr>
-            <a:xfrm>
-              <a:off x="3519716" y="1933139"/>
-              <a:ext cx="4535714" cy="1615827"/>
-            </a:xfrm>
-            <a:prstGeom prst="rect">
-              <a:avLst/>
-            </a:prstGeom>
-            <a:solidFill>
-              <a:srgbClr val="EFEBE4"/>
-            </a:solidFill>
-          </p:spPr>
-          <p:txBody>
-            <a:bodyPr wrap="square">
-              <a:spAutoFit/>
-            </a:bodyPr>
-            <a:lstStyle/>
-            <a:p>
-              <a:r>
-                <a:rPr lang="en-SG" sz="1100">
-                  <a:latin typeface="Consolas" panose="020B0609020204030204" pitchFamily="49" charset="0"/>
-                </a:rPr>
-                <a:t>import </a:t>
-              </a:r>
-              <a:r>
-                <a:rPr lang="en-SG" sz="1100" err="1">
-                  <a:latin typeface="Consolas" panose="020B0609020204030204" pitchFamily="49" charset="0"/>
-                </a:rPr>
-                <a:t>numpy</a:t>
-              </a:r>
-              <a:r>
-                <a:rPr lang="en-SG" sz="1100">
-                  <a:latin typeface="Consolas" panose="020B0609020204030204" pitchFamily="49" charset="0"/>
-                </a:rPr>
-                <a:t> as np</a:t>
-              </a:r>
-            </a:p>
-            <a:p>
-              <a:r>
-                <a:rPr lang="en-SG" sz="1100">
-                  <a:latin typeface="Consolas" panose="020B0609020204030204" pitchFamily="49" charset="0"/>
-                </a:rPr>
-                <a:t>import pandas as pd</a:t>
-              </a:r>
-            </a:p>
-            <a:p>
-              <a:r>
-                <a:rPr lang="en-SG" sz="1100">
-                  <a:latin typeface="Consolas" panose="020B0609020204030204" pitchFamily="49" charset="0"/>
-                </a:rPr>
-                <a:t>from </a:t>
-              </a:r>
-              <a:r>
-                <a:rPr lang="en-SG" sz="1100" err="1">
-                  <a:latin typeface="Consolas" panose="020B0609020204030204" pitchFamily="49" charset="0"/>
-                </a:rPr>
-                <a:t>sklearn.linear_model</a:t>
-              </a:r>
-              <a:r>
-                <a:rPr lang="en-SG" sz="1100">
-                  <a:latin typeface="Consolas" panose="020B0609020204030204" pitchFamily="49" charset="0"/>
-                </a:rPr>
-                <a:t> import </a:t>
-              </a:r>
-              <a:r>
-                <a:rPr lang="en-SG" sz="1100" err="1">
-                  <a:latin typeface="Consolas" panose="020B0609020204030204" pitchFamily="49" charset="0"/>
-                </a:rPr>
-                <a:t>LinearRegression</a:t>
-              </a:r>
-              <a:endParaRPr lang="en-SG" sz="1100">
-                <a:latin typeface="Consolas" panose="020B0609020204030204" pitchFamily="49" charset="0"/>
-              </a:endParaRPr>
-            </a:p>
-            <a:p>
-              <a:endParaRPr lang="en-SG" sz="1100">
-                <a:latin typeface="Consolas" panose="020B0609020204030204" pitchFamily="49" charset="0"/>
-              </a:endParaRPr>
-            </a:p>
-            <a:p>
-              <a:r>
-                <a:rPr lang="en-SG" sz="1100">
-                  <a:latin typeface="Consolas" panose="020B0609020204030204" pitchFamily="49" charset="0"/>
-                </a:rPr>
-                <a:t>reg = </a:t>
-              </a:r>
-              <a:r>
-                <a:rPr lang="en-SG" sz="1100" err="1">
-                  <a:latin typeface="Consolas" panose="020B0609020204030204" pitchFamily="49" charset="0"/>
-                </a:rPr>
-                <a:t>LinearRegression</a:t>
-              </a:r>
-              <a:r>
-                <a:rPr lang="en-SG" sz="1100">
-                  <a:latin typeface="Consolas" panose="020B0609020204030204" pitchFamily="49" charset="0"/>
-                </a:rPr>
-                <a:t>()</a:t>
-              </a:r>
-            </a:p>
-            <a:p>
-              <a:r>
-                <a:rPr lang="en-SG" sz="1100" err="1">
-                  <a:latin typeface="Consolas" panose="020B0609020204030204" pitchFamily="49" charset="0"/>
-                </a:rPr>
-                <a:t>reg.fit</a:t>
-              </a:r>
-              <a:r>
-                <a:rPr lang="en-SG" sz="1100">
-                  <a:latin typeface="Consolas" panose="020B0609020204030204" pitchFamily="49" charset="0"/>
-                </a:rPr>
-                <a:t>(</a:t>
-              </a:r>
-              <a:r>
-                <a:rPr lang="en-SG" sz="1100" err="1">
-                  <a:latin typeface="Consolas" panose="020B0609020204030204" pitchFamily="49" charset="0"/>
-                </a:rPr>
-                <a:t>x_train</a:t>
-              </a:r>
-              <a:r>
-                <a:rPr lang="en-SG" sz="1100">
-                  <a:latin typeface="Consolas" panose="020B0609020204030204" pitchFamily="49" charset="0"/>
-                </a:rPr>
-                <a:t>, </a:t>
-              </a:r>
-              <a:r>
-                <a:rPr lang="en-SG" sz="1100" err="1">
-                  <a:latin typeface="Consolas" panose="020B0609020204030204" pitchFamily="49" charset="0"/>
-                </a:rPr>
-                <a:t>y_train</a:t>
-              </a:r>
-              <a:r>
-                <a:rPr lang="en-SG" sz="1100">
-                  <a:latin typeface="Consolas" panose="020B0609020204030204" pitchFamily="49" charset="0"/>
-                </a:rPr>
-                <a:t>)</a:t>
-              </a:r>
-            </a:p>
-            <a:p>
-              <a:endParaRPr lang="en-SG" sz="1100">
-                <a:latin typeface="Consolas" panose="020B0609020204030204" pitchFamily="49" charset="0"/>
-              </a:endParaRPr>
-            </a:p>
-            <a:p>
-              <a:r>
-                <a:rPr lang="en-SG" sz="1100">
-                  <a:latin typeface="Consolas" panose="020B0609020204030204" pitchFamily="49" charset="0"/>
-                </a:rPr>
-                <a:t>predictions = </a:t>
-              </a:r>
-              <a:r>
-                <a:rPr lang="en-SG" sz="1100" err="1">
-                  <a:latin typeface="Consolas" panose="020B0609020204030204" pitchFamily="49" charset="0"/>
-                </a:rPr>
-                <a:t>reg.</a:t>
-              </a:r>
-              <a:r>
-                <a:rPr lang="en-SG" sz="1100" err="1">
-                  <a:solidFill>
-                    <a:srgbClr val="FF0000"/>
-                  </a:solidFill>
-                  <a:latin typeface="Consolas" panose="020B0609020204030204" pitchFamily="49" charset="0"/>
-                </a:rPr>
-                <a:t>predict</a:t>
-              </a:r>
-              <a:r>
-                <a:rPr lang="en-SG" sz="1100">
-                  <a:latin typeface="Consolas" panose="020B0609020204030204" pitchFamily="49" charset="0"/>
-                </a:rPr>
-                <a:t>(</a:t>
-              </a:r>
-              <a:r>
-                <a:rPr lang="en-SG" sz="1100" err="1">
-                  <a:solidFill>
-                    <a:srgbClr val="FF0000"/>
-                  </a:solidFill>
-                  <a:latin typeface="Consolas" panose="020B0609020204030204" pitchFamily="49" charset="0"/>
-                </a:rPr>
-                <a:t>x_test</a:t>
-              </a:r>
-              <a:r>
-                <a:rPr lang="en-SG" sz="1100">
-                  <a:latin typeface="Consolas" panose="020B0609020204030204" pitchFamily="49" charset="0"/>
-                </a:rPr>
-                <a:t>)</a:t>
-              </a:r>
-            </a:p>
-            <a:p>
-              <a:r>
-                <a:rPr lang="en-SG" sz="1100">
-                  <a:latin typeface="Consolas" panose="020B0609020204030204" pitchFamily="49" charset="0"/>
-                </a:rPr>
-                <a:t>print(predictions)</a:t>
-              </a:r>
-            </a:p>
-          </p:txBody>
-        </p:sp>
-      </p:grpSp>
-    </p:spTree>
-    <p:extLst>
-      <p:ext uri="{BB962C8B-B14F-4D97-AF65-F5344CB8AC3E}">
-        <p14:creationId xmlns:p14="http://schemas.microsoft.com/office/powerpoint/2010/main" val="240901763"/>
-      </p:ext>
-    </p:extLst>
-  </p:cSld>
-  <p:clrMapOvr>
-    <a:masterClrMapping/>
-  </p:clrMapOvr>
-</p:sld>
-</file>
-
-<file path=ppt/slides/slide20.xml><?xml version="1.0" encoding="utf-8"?>
+<file path=ppt/slides/slide21.xml><?xml version="1.0" encoding="utf-8"?>
 <p:sld xmlns:a="http://schemas.openxmlformats.org/drawingml/2006/main" xmlns:r="http://schemas.openxmlformats.org/officeDocument/2006/relationships" xmlns:p="http://schemas.openxmlformats.org/presentationml/2006/main">
   <p:cSld>
     <p:spTree>
@@ -8309,7 +8659,7 @@
 </p:sld>
 </file>
 
-<file path=ppt/slides/slide21.xml><?xml version="1.0" encoding="utf-8"?>
+<file path=ppt/slides/slide22.xml><?xml version="1.0" encoding="utf-8"?>
 <p:sld xmlns:a="http://schemas.openxmlformats.org/drawingml/2006/main" xmlns:r="http://schemas.openxmlformats.org/officeDocument/2006/relationships" xmlns:p="http://schemas.openxmlformats.org/presentationml/2006/main">
   <p:cSld>
     <p:spTree>
@@ -8500,7 +8850,7 @@
 </p:sld>
 </file>
 
-<file path=ppt/slides/slide22.xml><?xml version="1.0" encoding="utf-8"?>
+<file path=ppt/slides/slide23.xml><?xml version="1.0" encoding="utf-8"?>
 <p:sld xmlns:a="http://schemas.openxmlformats.org/drawingml/2006/main" xmlns:r="http://schemas.openxmlformats.org/officeDocument/2006/relationships" xmlns:p="http://schemas.openxmlformats.org/presentationml/2006/main">
   <p:cSld>
     <p:spTree>
@@ -8697,7 +9047,7 @@
 </p:sld>
 </file>
 
-<file path=ppt/slides/slide23.xml><?xml version="1.0" encoding="utf-8"?>
+<file path=ppt/slides/slide24.xml><?xml version="1.0" encoding="utf-8"?>
 <p:sld xmlns:a="http://schemas.openxmlformats.org/drawingml/2006/main" xmlns:r="http://schemas.openxmlformats.org/officeDocument/2006/relationships" xmlns:p="http://schemas.openxmlformats.org/presentationml/2006/main">
   <p:cSld>
     <p:spTree>
@@ -8897,7 +9247,241 @@
 </p:sld>
 </file>
 
-<file path=ppt/slides/slide24.xml><?xml version="1.0" encoding="utf-8"?>
+<file path=ppt/slides/slide25.xml><?xml version="1.0" encoding="utf-8"?>
+<p:sld xmlns:a="http://schemas.openxmlformats.org/drawingml/2006/main" xmlns:r="http://schemas.openxmlformats.org/officeDocument/2006/relationships" xmlns:p="http://schemas.openxmlformats.org/presentationml/2006/main">
+  <p:cSld>
+    <p:spTree>
+      <p:nvGrpSpPr>
+        <p:cNvPr id="1" name=""/>
+        <p:cNvGrpSpPr/>
+        <p:nvPr/>
+      </p:nvGrpSpPr>
+      <p:grpSpPr>
+        <a:xfrm>
+          <a:off x="0" y="0"/>
+          <a:ext cx="0" cy="0"/>
+          <a:chOff x="0" y="0"/>
+          <a:chExt cx="0" cy="0"/>
+        </a:xfrm>
+      </p:grpSpPr>
+      <p:grpSp>
+        <p:nvGrpSpPr>
+          <p:cNvPr id="9" name="Group 8">
+            <a:extLst>
+              <a:ext uri="{FF2B5EF4-FFF2-40B4-BE49-F238E27FC236}">
+                <a16:creationId xmlns:a16="http://schemas.microsoft.com/office/drawing/2014/main" id="{CA0814E3-D015-132A-B261-831FE665AB68}"/>
+              </a:ext>
+            </a:extLst>
+          </p:cNvPr>
+          <p:cNvGrpSpPr/>
+          <p:nvPr/>
+        </p:nvGrpSpPr>
+        <p:grpSpPr>
+          <a:xfrm>
+            <a:off x="2846193" y="122222"/>
+            <a:ext cx="6499613" cy="6613556"/>
+            <a:chOff x="2698708" y="0"/>
+            <a:chExt cx="6794584" cy="6858000"/>
+          </a:xfrm>
+        </p:grpSpPr>
+        <p:pic>
+          <p:nvPicPr>
+            <p:cNvPr id="5" name="Picture 4">
+              <a:extLst>
+                <a:ext uri="{FF2B5EF4-FFF2-40B4-BE49-F238E27FC236}">
+                  <a16:creationId xmlns:a16="http://schemas.microsoft.com/office/drawing/2014/main" id="{90E99C2F-21A0-8009-A4CD-26EFEFFD2129}"/>
+                </a:ext>
+              </a:extLst>
+            </p:cNvPr>
+            <p:cNvPicPr>
+              <a:picLocks noChangeAspect="1"/>
+            </p:cNvPicPr>
+            <p:nvPr/>
+          </p:nvPicPr>
+          <p:blipFill>
+            <a:blip r:embed="rId2"/>
+            <a:stretch>
+              <a:fillRect/>
+            </a:stretch>
+          </p:blipFill>
+          <p:spPr>
+            <a:xfrm>
+              <a:off x="2698708" y="0"/>
+              <a:ext cx="6794584" cy="6858000"/>
+            </a:xfrm>
+            <a:prstGeom prst="rect">
+              <a:avLst/>
+            </a:prstGeom>
+          </p:spPr>
+        </p:pic>
+        <p:sp>
+          <p:nvSpPr>
+            <p:cNvPr id="7" name="TextBox 6">
+              <a:extLst>
+                <a:ext uri="{FF2B5EF4-FFF2-40B4-BE49-F238E27FC236}">
+                  <a16:creationId xmlns:a16="http://schemas.microsoft.com/office/drawing/2014/main" id="{00527190-4690-5947-BF91-307BBD610ED7}"/>
+                </a:ext>
+              </a:extLst>
+            </p:cNvPr>
+            <p:cNvSpPr txBox="1"/>
+            <p:nvPr/>
+          </p:nvSpPr>
+          <p:spPr>
+            <a:xfrm>
+              <a:off x="3075637" y="3419947"/>
+              <a:ext cx="4997782" cy="2123658"/>
+            </a:xfrm>
+            <a:prstGeom prst="rect">
+              <a:avLst/>
+            </a:prstGeom>
+            <a:solidFill>
+              <a:srgbClr val="EFEBE4"/>
+            </a:solidFill>
+          </p:spPr>
+          <p:txBody>
+            <a:bodyPr wrap="square">
+              <a:spAutoFit/>
+            </a:bodyPr>
+            <a:lstStyle>
+              <a:defPPr>
+                <a:defRPr lang="en-US"/>
+              </a:defPPr>
+              <a:lvl1pPr>
+                <a:defRPr sz="1200" b="0" i="0">
+                  <a:solidFill>
+                    <a:srgbClr val="05192D"/>
+                  </a:solidFill>
+                  <a:effectLst/>
+                  <a:latin typeface="Consolas" panose="020B0609020204030204" pitchFamily="49" charset="0"/>
+                </a:defRPr>
+              </a:lvl1pPr>
+            </a:lstStyle>
+            <a:p>
+              <a:r>
+                <a:rPr lang="en-SG" sz="1100"/>
+                <a:t>import numpy as np</a:t>
+              </a:r>
+            </a:p>
+            <a:p>
+              <a:r>
+                <a:rPr lang="en-SG" sz="1100"/>
+                <a:t>from sklearn.linear_model import LinearRegression</a:t>
+              </a:r>
+            </a:p>
+            <a:p>
+              <a:endParaRPr lang="en-SG" sz="1100"/>
+            </a:p>
+            <a:p>
+              <a:endParaRPr lang="en-SG" sz="1100"/>
+            </a:p>
+            <a:p>
+              <a:r>
+                <a:rPr lang="en-SG" sz="1100"/>
+                <a:t>X=np.array(weekly_spend['income']).reshape(-1,1)</a:t>
+              </a:r>
+            </a:p>
+            <a:p>
+              <a:endParaRPr lang="en-SG" sz="1100"/>
+            </a:p>
+            <a:p>
+              <a:r>
+                <a:rPr lang="en-SG" sz="1100"/>
+                <a:t>mod= </a:t>
+              </a:r>
+              <a:r>
+                <a:rPr lang="en-SG" sz="1100">
+                  <a:solidFill>
+                    <a:srgbClr val="FF0000"/>
+                  </a:solidFill>
+                </a:rPr>
+                <a:t>LinearRegression(fit_intercept=True)</a:t>
+              </a:r>
+            </a:p>
+            <a:p>
+              <a:endParaRPr lang="en-SG" sz="1100"/>
+            </a:p>
+            <a:p>
+              <a:r>
+                <a:rPr lang="en-SG" sz="1100"/>
+                <a:t>mod.</a:t>
+              </a:r>
+              <a:r>
+                <a:rPr lang="en-SG" sz="1100">
+                  <a:solidFill>
+                    <a:srgbClr val="FF0000"/>
+                  </a:solidFill>
+                </a:rPr>
+                <a:t>fit(X, weekly_spend["spend"])</a:t>
+              </a:r>
+            </a:p>
+            <a:p>
+              <a:endParaRPr lang="en-SG" sz="1100"/>
+            </a:p>
+            <a:p>
+              <a:r>
+                <a:rPr lang="en-SG" sz="1100"/>
+                <a:t>print(mod.intercept_.round(2))</a:t>
+              </a:r>
+            </a:p>
+            <a:p>
+              <a:endParaRPr lang="en-SG" sz="1100"/>
+            </a:p>
+          </p:txBody>
+        </p:sp>
+      </p:grpSp>
+      <p:sp>
+        <p:nvSpPr>
+          <p:cNvPr id="10" name="TextBox 9">
+            <a:extLst>
+              <a:ext uri="{FF2B5EF4-FFF2-40B4-BE49-F238E27FC236}">
+                <a16:creationId xmlns:a16="http://schemas.microsoft.com/office/drawing/2014/main" id="{3CCCB202-1AE8-191A-D64F-BF0C57CCD651}"/>
+              </a:ext>
+            </a:extLst>
+          </p:cNvPr>
+          <p:cNvSpPr txBox="1"/>
+          <p:nvPr/>
+        </p:nvSpPr>
+        <p:spPr>
+          <a:xfrm>
+            <a:off x="9383486" y="82715"/>
+            <a:ext cx="2722563" cy="369332"/>
+          </a:xfrm>
+          <a:prstGeom prst="rect">
+            <a:avLst/>
+          </a:prstGeom>
+          <a:solidFill>
+            <a:schemeClr val="accent2"/>
+          </a:solidFill>
+        </p:spPr>
+        <p:txBody>
+          <a:bodyPr wrap="square" rtlCol="0">
+            <a:spAutoFit/>
+          </a:bodyPr>
+          <a:lstStyle/>
+          <a:p>
+            <a:pPr algn="ctr"/>
+            <a:r>
+              <a:rPr lang="en-GB"/>
+              <a:t>HARD</a:t>
+            </a:r>
+            <a:endParaRPr lang="en-SG"/>
+          </a:p>
+        </p:txBody>
+      </p:sp>
+    </p:spTree>
+    <p:extLst>
+      <p:ext uri="{BB962C8B-B14F-4D97-AF65-F5344CB8AC3E}">
+        <p14:creationId xmlns:p14="http://schemas.microsoft.com/office/powerpoint/2010/main" val="3304843400"/>
+      </p:ext>
+    </p:extLst>
+  </p:cSld>
+  <p:clrMapOvr>
+    <a:masterClrMapping/>
+  </p:clrMapOvr>
+</p:sld>
+</file>
+
+<file path=ppt/slides/slide26.xml><?xml version="1.0" encoding="utf-8"?>
 <p:sld xmlns:a="http://schemas.openxmlformats.org/drawingml/2006/main" xmlns:r="http://schemas.openxmlformats.org/officeDocument/2006/relationships" xmlns:p="http://schemas.openxmlformats.org/presentationml/2006/main">
   <p:cSld>
     <p:spTree>
@@ -9140,7 +9724,7 @@
 </p:sld>
 </file>
 
-<file path=ppt/slides/slide25.xml><?xml version="1.0" encoding="utf-8"?>
+<file path=ppt/slides/slide27.xml><?xml version="1.0" encoding="utf-8"?>
 <p:sld xmlns:a="http://schemas.openxmlformats.org/drawingml/2006/main" xmlns:r="http://schemas.openxmlformats.org/officeDocument/2006/relationships" xmlns:p="http://schemas.openxmlformats.org/presentationml/2006/main">
   <p:cSld>
     <p:spTree>
@@ -9351,7 +9935,7 @@
 </p:sld>
 </file>
 
-<file path=ppt/slides/slide26.xml><?xml version="1.0" encoding="utf-8"?>
+<file path=ppt/slides/slide28.xml><?xml version="1.0" encoding="utf-8"?>
 <p:sld xmlns:a="http://schemas.openxmlformats.org/drawingml/2006/main" xmlns:r="http://schemas.openxmlformats.org/officeDocument/2006/relationships" xmlns:p="http://schemas.openxmlformats.org/presentationml/2006/main">
   <p:cSld>
     <p:spTree>
@@ -9611,7 +10195,7 @@
 </p:sld>
 </file>
 
-<file path=ppt/slides/slide27.xml><?xml version="1.0" encoding="utf-8"?>
+<file path=ppt/slides/slide29.xml><?xml version="1.0" encoding="utf-8"?>
 <p:sld xmlns:a="http://schemas.openxmlformats.org/drawingml/2006/main" xmlns:r="http://schemas.openxmlformats.org/officeDocument/2006/relationships" xmlns:p="http://schemas.openxmlformats.org/presentationml/2006/main">
   <p:cSld>
     <p:spTree>
@@ -9870,7 +10454,242 @@
 </p:sld>
 </file>
 
-<file path=ppt/slides/slide28.xml><?xml version="1.0" encoding="utf-8"?>
+<file path=ppt/slides/slide3.xml><?xml version="1.0" encoding="utf-8"?>
+<p:sld xmlns:a="http://schemas.openxmlformats.org/drawingml/2006/main" xmlns:r="http://schemas.openxmlformats.org/officeDocument/2006/relationships" xmlns:p="http://schemas.openxmlformats.org/presentationml/2006/main">
+  <p:cSld>
+    <p:spTree>
+      <p:nvGrpSpPr>
+        <p:cNvPr id="1" name=""/>
+        <p:cNvGrpSpPr/>
+        <p:nvPr/>
+      </p:nvGrpSpPr>
+      <p:grpSpPr>
+        <a:xfrm>
+          <a:off x="0" y="0"/>
+          <a:ext cx="0" cy="0"/>
+          <a:chOff x="0" y="0"/>
+          <a:chExt cx="0" cy="0"/>
+        </a:xfrm>
+      </p:grpSpPr>
+      <p:grpSp>
+        <p:nvGrpSpPr>
+          <p:cNvPr id="5" name="Group 4">
+            <a:extLst>
+              <a:ext uri="{FF2B5EF4-FFF2-40B4-BE49-F238E27FC236}">
+                <a16:creationId xmlns:a16="http://schemas.microsoft.com/office/drawing/2014/main" id="{45841A2A-ED15-7573-F774-5257A62492EE}"/>
+              </a:ext>
+            </a:extLst>
+          </p:cNvPr>
+          <p:cNvGrpSpPr/>
+          <p:nvPr/>
+        </p:nvGrpSpPr>
+        <p:grpSpPr>
+          <a:xfrm>
+            <a:off x="3253468" y="1091289"/>
+            <a:ext cx="5685064" cy="4675421"/>
+            <a:chOff x="2863850" y="424090"/>
+            <a:chExt cx="5685064" cy="4675421"/>
+          </a:xfrm>
+        </p:grpSpPr>
+        <p:pic>
+          <p:nvPicPr>
+            <p:cNvPr id="3" name="Picture 2">
+              <a:extLst>
+                <a:ext uri="{FF2B5EF4-FFF2-40B4-BE49-F238E27FC236}">
+                  <a16:creationId xmlns:a16="http://schemas.microsoft.com/office/drawing/2014/main" id="{33574081-26BA-F39B-AE3E-DD4EF3A83D1E}"/>
+                </a:ext>
+              </a:extLst>
+            </p:cNvPr>
+            <p:cNvPicPr>
+              <a:picLocks noChangeAspect="1"/>
+            </p:cNvPicPr>
+            <p:nvPr/>
+          </p:nvPicPr>
+          <p:blipFill>
+            <a:blip r:embed="rId2"/>
+            <a:stretch>
+              <a:fillRect/>
+            </a:stretch>
+          </p:blipFill>
+          <p:spPr>
+            <a:xfrm>
+              <a:off x="2863850" y="424090"/>
+              <a:ext cx="5685064" cy="4675421"/>
+            </a:xfrm>
+            <a:prstGeom prst="rect">
+              <a:avLst/>
+            </a:prstGeom>
+          </p:spPr>
+        </p:pic>
+        <p:sp>
+          <p:nvSpPr>
+            <p:cNvPr id="4" name="TextBox 3">
+              <a:extLst>
+                <a:ext uri="{FF2B5EF4-FFF2-40B4-BE49-F238E27FC236}">
+                  <a16:creationId xmlns:a16="http://schemas.microsoft.com/office/drawing/2014/main" id="{F9EF9D0D-BAE8-D5A8-FF7D-7D5A5E94CBC9}"/>
+                </a:ext>
+              </a:extLst>
+            </p:cNvPr>
+            <p:cNvSpPr txBox="1"/>
+            <p:nvPr/>
+          </p:nvSpPr>
+          <p:spPr>
+            <a:xfrm>
+              <a:off x="3214915" y="1758967"/>
+              <a:ext cx="4535714" cy="2123658"/>
+            </a:xfrm>
+            <a:prstGeom prst="rect">
+              <a:avLst/>
+            </a:prstGeom>
+            <a:solidFill>
+              <a:srgbClr val="EFEBE4"/>
+            </a:solidFill>
+          </p:spPr>
+          <p:txBody>
+            <a:bodyPr wrap="square">
+              <a:spAutoFit/>
+            </a:bodyPr>
+            <a:lstStyle/>
+            <a:p>
+              <a:pPr algn="just"/>
+              <a:r>
+                <a:rPr lang="en-SG" sz="1100">
+                  <a:latin typeface="Consolas" panose="020B0609020204030204" pitchFamily="49" charset="0"/>
+                </a:rPr>
+                <a:t>from sklearn.ensemble import RandomForestClassifier</a:t>
+              </a:r>
+            </a:p>
+            <a:p>
+              <a:pPr algn="just"/>
+              <a:r>
+                <a:rPr lang="en-SG" sz="1100">
+                  <a:latin typeface="Consolas" panose="020B0609020204030204" pitchFamily="49" charset="0"/>
+                </a:rPr>
+                <a:t>from sklearn.model_selection import GridSearchCV</a:t>
+              </a:r>
+            </a:p>
+            <a:p>
+              <a:pPr algn="just"/>
+              <a:endParaRPr lang="en-SG" sz="1100">
+                <a:latin typeface="Consolas" panose="020B0609020204030204" pitchFamily="49" charset="0"/>
+              </a:endParaRPr>
+            </a:p>
+            <a:p>
+              <a:pPr algn="just"/>
+              <a:r>
+                <a:rPr lang="en-SG" sz="1100">
+                  <a:latin typeface="Consolas" panose="020B0609020204030204" pitchFamily="49" charset="0"/>
+                </a:rPr>
+                <a:t>model_params = {'n_estimators': [50, 150, 250]}</a:t>
+              </a:r>
+            </a:p>
+            <a:p>
+              <a:pPr algn="just"/>
+              <a:endParaRPr lang="en-SG" sz="1100">
+                <a:latin typeface="Consolas" panose="020B0609020204030204" pitchFamily="49" charset="0"/>
+              </a:endParaRPr>
+            </a:p>
+            <a:p>
+              <a:pPr algn="just"/>
+              <a:r>
+                <a:rPr lang="en-SG" sz="1100">
+                  <a:latin typeface="Consolas" panose="020B0609020204030204" pitchFamily="49" charset="0"/>
+                </a:rPr>
+                <a:t>rf = RandomForestClassifier(random_state=42)</a:t>
+              </a:r>
+            </a:p>
+            <a:p>
+              <a:pPr algn="just"/>
+              <a:endParaRPr lang="en-SG" sz="1100">
+                <a:latin typeface="Consolas" panose="020B0609020204030204" pitchFamily="49" charset="0"/>
+              </a:endParaRPr>
+            </a:p>
+            <a:p>
+              <a:pPr algn="just"/>
+              <a:r>
+                <a:rPr lang="en-SG" sz="1100">
+                  <a:latin typeface="Consolas" panose="020B0609020204030204" pitchFamily="49" charset="0"/>
+                </a:rPr>
+                <a:t>clf = </a:t>
+              </a:r>
+              <a:r>
+                <a:rPr lang="en-SG" sz="1100">
+                  <a:solidFill>
+                    <a:srgbClr val="FF0000"/>
+                  </a:solidFill>
+                  <a:latin typeface="Consolas" panose="020B0609020204030204" pitchFamily="49" charset="0"/>
+                </a:rPr>
+                <a:t>GridSearchCV</a:t>
+              </a:r>
+              <a:r>
+                <a:rPr lang="en-SG" sz="1100">
+                  <a:latin typeface="Consolas" panose="020B0609020204030204" pitchFamily="49" charset="0"/>
+                </a:rPr>
+                <a:t>(rf, </a:t>
+              </a:r>
+              <a:r>
+                <a:rPr lang="en-SG" sz="1100">
+                  <a:solidFill>
+                    <a:srgbClr val="FF0000"/>
+                  </a:solidFill>
+                  <a:latin typeface="Consolas" panose="020B0609020204030204" pitchFamily="49" charset="0"/>
+                </a:rPr>
+                <a:t>model_params</a:t>
+              </a:r>
+              <a:r>
+                <a:rPr lang="en-SG" sz="1100">
+                  <a:latin typeface="Consolas" panose="020B0609020204030204" pitchFamily="49" charset="0"/>
+                </a:rPr>
+                <a:t>, cv=5)</a:t>
+              </a:r>
+            </a:p>
+            <a:p>
+              <a:pPr algn="just"/>
+              <a:endParaRPr lang="en-SG" sz="1100">
+                <a:latin typeface="Consolas" panose="020B0609020204030204" pitchFamily="49" charset="0"/>
+              </a:endParaRPr>
+            </a:p>
+            <a:p>
+              <a:pPr algn="just"/>
+              <a:r>
+                <a:rPr lang="en-SG" sz="1100">
+                  <a:latin typeface="Consolas" panose="020B0609020204030204" pitchFamily="49" charset="0"/>
+                </a:rPr>
+                <a:t>clf.fit(X_train, y_train)</a:t>
+              </a:r>
+            </a:p>
+            <a:p>
+              <a:pPr algn="just"/>
+              <a:endParaRPr lang="en-SG" sz="1100">
+                <a:latin typeface="Consolas" panose="020B0609020204030204" pitchFamily="49" charset="0"/>
+              </a:endParaRPr>
+            </a:p>
+            <a:p>
+              <a:pPr algn="just"/>
+              <a:r>
+                <a:rPr lang="en-SG" sz="1100">
+                  <a:latin typeface="Consolas" panose="020B0609020204030204" pitchFamily="49" charset="0"/>
+                </a:rPr>
+                <a:t>print(clf.best_params_)</a:t>
+              </a:r>
+            </a:p>
+          </p:txBody>
+        </p:sp>
+      </p:grpSp>
+    </p:spTree>
+    <p:extLst>
+      <p:ext uri="{BB962C8B-B14F-4D97-AF65-F5344CB8AC3E}">
+        <p14:creationId xmlns:p14="http://schemas.microsoft.com/office/powerpoint/2010/main" val="1985569788"/>
+      </p:ext>
+    </p:extLst>
+  </p:cSld>
+  <p:clrMapOvr>
+    <a:masterClrMapping/>
+  </p:clrMapOvr>
+</p:sld>
+</file>
+
+<file path=ppt/slides/slide30.xml><?xml version="1.0" encoding="utf-8"?>
 <p:sld xmlns:a="http://schemas.openxmlformats.org/drawingml/2006/main" xmlns:r="http://schemas.openxmlformats.org/officeDocument/2006/relationships" xmlns:p="http://schemas.openxmlformats.org/presentationml/2006/main">
   <p:cSld>
     <p:spTree>
@@ -10055,7 +10874,7 @@
 </p:sld>
 </file>
 
-<file path=ppt/slides/slide29.xml><?xml version="1.0" encoding="utf-8"?>
+<file path=ppt/slides/slide31.xml><?xml version="1.0" encoding="utf-8"?>
 <p:sld xmlns:a="http://schemas.openxmlformats.org/drawingml/2006/main" xmlns:r="http://schemas.openxmlformats.org/officeDocument/2006/relationships" xmlns:p="http://schemas.openxmlformats.org/presentationml/2006/main">
   <p:cSld>
     <p:spTree>
@@ -10277,242 +11096,7 @@
 </p:sld>
 </file>
 
-<file path=ppt/slides/slide3.xml><?xml version="1.0" encoding="utf-8"?>
-<p:sld xmlns:a="http://schemas.openxmlformats.org/drawingml/2006/main" xmlns:r="http://schemas.openxmlformats.org/officeDocument/2006/relationships" xmlns:p="http://schemas.openxmlformats.org/presentationml/2006/main">
-  <p:cSld>
-    <p:spTree>
-      <p:nvGrpSpPr>
-        <p:cNvPr id="1" name=""/>
-        <p:cNvGrpSpPr/>
-        <p:nvPr/>
-      </p:nvGrpSpPr>
-      <p:grpSpPr>
-        <a:xfrm>
-          <a:off x="0" y="0"/>
-          <a:ext cx="0" cy="0"/>
-          <a:chOff x="0" y="0"/>
-          <a:chExt cx="0" cy="0"/>
-        </a:xfrm>
-      </p:grpSpPr>
-      <p:grpSp>
-        <p:nvGrpSpPr>
-          <p:cNvPr id="5" name="Group 4">
-            <a:extLst>
-              <a:ext uri="{FF2B5EF4-FFF2-40B4-BE49-F238E27FC236}">
-                <a16:creationId xmlns:a16="http://schemas.microsoft.com/office/drawing/2014/main" id="{45841A2A-ED15-7573-F774-5257A62492EE}"/>
-              </a:ext>
-            </a:extLst>
-          </p:cNvPr>
-          <p:cNvGrpSpPr/>
-          <p:nvPr/>
-        </p:nvGrpSpPr>
-        <p:grpSpPr>
-          <a:xfrm>
-            <a:off x="3253468" y="1091289"/>
-            <a:ext cx="5685064" cy="4675421"/>
-            <a:chOff x="2863850" y="424090"/>
-            <a:chExt cx="5685064" cy="4675421"/>
-          </a:xfrm>
-        </p:grpSpPr>
-        <p:pic>
-          <p:nvPicPr>
-            <p:cNvPr id="3" name="Picture 2">
-              <a:extLst>
-                <a:ext uri="{FF2B5EF4-FFF2-40B4-BE49-F238E27FC236}">
-                  <a16:creationId xmlns:a16="http://schemas.microsoft.com/office/drawing/2014/main" id="{33574081-26BA-F39B-AE3E-DD4EF3A83D1E}"/>
-                </a:ext>
-              </a:extLst>
-            </p:cNvPr>
-            <p:cNvPicPr>
-              <a:picLocks noChangeAspect="1"/>
-            </p:cNvPicPr>
-            <p:nvPr/>
-          </p:nvPicPr>
-          <p:blipFill>
-            <a:blip r:embed="rId2"/>
-            <a:stretch>
-              <a:fillRect/>
-            </a:stretch>
-          </p:blipFill>
-          <p:spPr>
-            <a:xfrm>
-              <a:off x="2863850" y="424090"/>
-              <a:ext cx="5685064" cy="4675421"/>
-            </a:xfrm>
-            <a:prstGeom prst="rect">
-              <a:avLst/>
-            </a:prstGeom>
-          </p:spPr>
-        </p:pic>
-        <p:sp>
-          <p:nvSpPr>
-            <p:cNvPr id="4" name="TextBox 3">
-              <a:extLst>
-                <a:ext uri="{FF2B5EF4-FFF2-40B4-BE49-F238E27FC236}">
-                  <a16:creationId xmlns:a16="http://schemas.microsoft.com/office/drawing/2014/main" id="{F9EF9D0D-BAE8-D5A8-FF7D-7D5A5E94CBC9}"/>
-                </a:ext>
-              </a:extLst>
-            </p:cNvPr>
-            <p:cNvSpPr txBox="1"/>
-            <p:nvPr/>
-          </p:nvSpPr>
-          <p:spPr>
-            <a:xfrm>
-              <a:off x="3214915" y="1758967"/>
-              <a:ext cx="4535714" cy="2123658"/>
-            </a:xfrm>
-            <a:prstGeom prst="rect">
-              <a:avLst/>
-            </a:prstGeom>
-            <a:solidFill>
-              <a:srgbClr val="EFEBE4"/>
-            </a:solidFill>
-          </p:spPr>
-          <p:txBody>
-            <a:bodyPr wrap="square">
-              <a:spAutoFit/>
-            </a:bodyPr>
-            <a:lstStyle/>
-            <a:p>
-              <a:pPr algn="just"/>
-              <a:r>
-                <a:rPr lang="en-SG" sz="1100">
-                  <a:latin typeface="Consolas" panose="020B0609020204030204" pitchFamily="49" charset="0"/>
-                </a:rPr>
-                <a:t>from sklearn.ensemble import RandomForestClassifier</a:t>
-              </a:r>
-            </a:p>
-            <a:p>
-              <a:pPr algn="just"/>
-              <a:r>
-                <a:rPr lang="en-SG" sz="1100">
-                  <a:latin typeface="Consolas" panose="020B0609020204030204" pitchFamily="49" charset="0"/>
-                </a:rPr>
-                <a:t>from sklearn.model_selection import GridSearchCV</a:t>
-              </a:r>
-            </a:p>
-            <a:p>
-              <a:pPr algn="just"/>
-              <a:endParaRPr lang="en-SG" sz="1100">
-                <a:latin typeface="Consolas" panose="020B0609020204030204" pitchFamily="49" charset="0"/>
-              </a:endParaRPr>
-            </a:p>
-            <a:p>
-              <a:pPr algn="just"/>
-              <a:r>
-                <a:rPr lang="en-SG" sz="1100">
-                  <a:latin typeface="Consolas" panose="020B0609020204030204" pitchFamily="49" charset="0"/>
-                </a:rPr>
-                <a:t>model_params = {'n_estimators': [50, 150, 250]}</a:t>
-              </a:r>
-            </a:p>
-            <a:p>
-              <a:pPr algn="just"/>
-              <a:endParaRPr lang="en-SG" sz="1100">
-                <a:latin typeface="Consolas" panose="020B0609020204030204" pitchFamily="49" charset="0"/>
-              </a:endParaRPr>
-            </a:p>
-            <a:p>
-              <a:pPr algn="just"/>
-              <a:r>
-                <a:rPr lang="en-SG" sz="1100">
-                  <a:latin typeface="Consolas" panose="020B0609020204030204" pitchFamily="49" charset="0"/>
-                </a:rPr>
-                <a:t>rf = RandomForestClassifier(random_state=42)</a:t>
-              </a:r>
-            </a:p>
-            <a:p>
-              <a:pPr algn="just"/>
-              <a:endParaRPr lang="en-SG" sz="1100">
-                <a:latin typeface="Consolas" panose="020B0609020204030204" pitchFamily="49" charset="0"/>
-              </a:endParaRPr>
-            </a:p>
-            <a:p>
-              <a:pPr algn="just"/>
-              <a:r>
-                <a:rPr lang="en-SG" sz="1100">
-                  <a:latin typeface="Consolas" panose="020B0609020204030204" pitchFamily="49" charset="0"/>
-                </a:rPr>
-                <a:t>clf = </a:t>
-              </a:r>
-              <a:r>
-                <a:rPr lang="en-SG" sz="1100">
-                  <a:solidFill>
-                    <a:srgbClr val="FF0000"/>
-                  </a:solidFill>
-                  <a:latin typeface="Consolas" panose="020B0609020204030204" pitchFamily="49" charset="0"/>
-                </a:rPr>
-                <a:t>GridSearchCV</a:t>
-              </a:r>
-              <a:r>
-                <a:rPr lang="en-SG" sz="1100">
-                  <a:latin typeface="Consolas" panose="020B0609020204030204" pitchFamily="49" charset="0"/>
-                </a:rPr>
-                <a:t>(rf, </a:t>
-              </a:r>
-              <a:r>
-                <a:rPr lang="en-SG" sz="1100">
-                  <a:solidFill>
-                    <a:srgbClr val="FF0000"/>
-                  </a:solidFill>
-                  <a:latin typeface="Consolas" panose="020B0609020204030204" pitchFamily="49" charset="0"/>
-                </a:rPr>
-                <a:t>model_params</a:t>
-              </a:r>
-              <a:r>
-                <a:rPr lang="en-SG" sz="1100">
-                  <a:latin typeface="Consolas" panose="020B0609020204030204" pitchFamily="49" charset="0"/>
-                </a:rPr>
-                <a:t>, cv=5)</a:t>
-              </a:r>
-            </a:p>
-            <a:p>
-              <a:pPr algn="just"/>
-              <a:endParaRPr lang="en-SG" sz="1100">
-                <a:latin typeface="Consolas" panose="020B0609020204030204" pitchFamily="49" charset="0"/>
-              </a:endParaRPr>
-            </a:p>
-            <a:p>
-              <a:pPr algn="just"/>
-              <a:r>
-                <a:rPr lang="en-SG" sz="1100">
-                  <a:latin typeface="Consolas" panose="020B0609020204030204" pitchFamily="49" charset="0"/>
-                </a:rPr>
-                <a:t>clf.fit(X_train, y_train)</a:t>
-              </a:r>
-            </a:p>
-            <a:p>
-              <a:pPr algn="just"/>
-              <a:endParaRPr lang="en-SG" sz="1100">
-                <a:latin typeface="Consolas" panose="020B0609020204030204" pitchFamily="49" charset="0"/>
-              </a:endParaRPr>
-            </a:p>
-            <a:p>
-              <a:pPr algn="just"/>
-              <a:r>
-                <a:rPr lang="en-SG" sz="1100">
-                  <a:latin typeface="Consolas" panose="020B0609020204030204" pitchFamily="49" charset="0"/>
-                </a:rPr>
-                <a:t>print(clf.best_params_)</a:t>
-              </a:r>
-            </a:p>
-          </p:txBody>
-        </p:sp>
-      </p:grpSp>
-    </p:spTree>
-    <p:extLst>
-      <p:ext uri="{BB962C8B-B14F-4D97-AF65-F5344CB8AC3E}">
-        <p14:creationId xmlns:p14="http://schemas.microsoft.com/office/powerpoint/2010/main" val="1985569788"/>
-      </p:ext>
-    </p:extLst>
-  </p:cSld>
-  <p:clrMapOvr>
-    <a:masterClrMapping/>
-  </p:clrMapOvr>
-</p:sld>
-</file>
-
-<file path=ppt/slides/slide30.xml><?xml version="1.0" encoding="utf-8"?>
+<file path=ppt/slides/slide32.xml><?xml version="1.0" encoding="utf-8"?>
 <p:sld xmlns:a="http://schemas.openxmlformats.org/drawingml/2006/main" xmlns:r="http://schemas.openxmlformats.org/officeDocument/2006/relationships" xmlns:p="http://schemas.openxmlformats.org/presentationml/2006/main">
   <p:cSld>
     <p:spTree>
@@ -10730,7 +11314,7 @@
 </p:sld>
 </file>
 
-<file path=ppt/slides/slide31.xml><?xml version="1.0" encoding="utf-8"?>
+<file path=ppt/slides/slide33.xml><?xml version="1.0" encoding="utf-8"?>
 <p:sld xmlns:a="http://schemas.openxmlformats.org/drawingml/2006/main" xmlns:r="http://schemas.openxmlformats.org/officeDocument/2006/relationships" xmlns:p="http://schemas.openxmlformats.org/presentationml/2006/main">
   <p:cSld>
     <p:spTree>
@@ -10961,7 +11545,7 @@
 </p:sld>
 </file>
 
-<file path=ppt/slides/slide32.xml><?xml version="1.0" encoding="utf-8"?>
+<file path=ppt/slides/slide34.xml><?xml version="1.0" encoding="utf-8"?>
 <p:sld xmlns:a="http://schemas.openxmlformats.org/drawingml/2006/main" xmlns:r="http://schemas.openxmlformats.org/officeDocument/2006/relationships" xmlns:p="http://schemas.openxmlformats.org/presentationml/2006/main">
   <p:cSld>
     <p:spTree>
@@ -11244,7 +11828,7 @@
 </p:sld>
 </file>
 
-<file path=ppt/slides/slide33.xml><?xml version="1.0" encoding="utf-8"?>
+<file path=ppt/slides/slide35.xml><?xml version="1.0" encoding="utf-8"?>
 <p:sld xmlns:a="http://schemas.openxmlformats.org/drawingml/2006/main" xmlns:r="http://schemas.openxmlformats.org/officeDocument/2006/relationships" xmlns:p="http://schemas.openxmlformats.org/presentationml/2006/main">
   <p:cSld>
     <p:spTree>
@@ -11468,7 +12052,7 @@
 </p:sld>
 </file>
 
-<file path=ppt/slides/slide34.xml><?xml version="1.0" encoding="utf-8"?>
+<file path=ppt/slides/slide36.xml><?xml version="1.0" encoding="utf-8"?>
 <p:sld xmlns:a="http://schemas.openxmlformats.org/drawingml/2006/main" xmlns:r="http://schemas.openxmlformats.org/officeDocument/2006/relationships" xmlns:p="http://schemas.openxmlformats.org/presentationml/2006/main">
   <p:cSld>
     <p:spTree>
@@ -11665,7 +12249,7 @@
 </p:sld>
 </file>
 
-<file path=ppt/slides/slide35.xml><?xml version="1.0" encoding="utf-8"?>
+<file path=ppt/slides/slide37.xml><?xml version="1.0" encoding="utf-8"?>
 <p:sld xmlns:a="http://schemas.openxmlformats.org/drawingml/2006/main" xmlns:r="http://schemas.openxmlformats.org/officeDocument/2006/relationships" xmlns:p="http://schemas.openxmlformats.org/presentationml/2006/main">
   <p:cSld>
     <p:spTree>
@@ -11697,9 +12281,9 @@
         <p:grpSpPr>
           <a:xfrm>
             <a:off x="3307952" y="1125991"/>
-            <a:ext cx="5576095" cy="4606018"/>
+            <a:ext cx="5781738" cy="4606018"/>
             <a:chOff x="2916237" y="401412"/>
-            <a:chExt cx="5576095" cy="4606018"/>
+            <a:chExt cx="5781738" cy="4606018"/>
           </a:xfrm>
         </p:grpSpPr>
         <p:pic>
@@ -11746,8 +12330,8 @@
           </p:nvSpPr>
           <p:spPr>
             <a:xfrm>
-              <a:off x="3257619" y="2270544"/>
-              <a:ext cx="4623638" cy="1615827"/>
+              <a:off x="2967919" y="2270544"/>
+              <a:ext cx="5730056" cy="1615827"/>
             </a:xfrm>
             <a:prstGeom prst="rect">
               <a:avLst/>
@@ -11865,7 +12449,7 @@
 </p:sld>
 </file>
 
-<file path=ppt/slides/slide36.xml><?xml version="1.0" encoding="utf-8"?>
+<file path=ppt/slides/slide38.xml><?xml version="1.0" encoding="utf-8"?>
 <p:sld xmlns:a="http://schemas.openxmlformats.org/drawingml/2006/main" xmlns:r="http://schemas.openxmlformats.org/officeDocument/2006/relationships" xmlns:p="http://schemas.openxmlformats.org/presentationml/2006/main">
   <p:cSld>
     <p:spTree>
@@ -12086,7 +12670,7 @@
 </p:sld>
 </file>
 
-<file path=ppt/slides/slide37.xml><?xml version="1.0" encoding="utf-8"?>
+<file path=ppt/slides/slide39.xml><?xml version="1.0" encoding="utf-8"?>
 <p:sld xmlns:a="http://schemas.openxmlformats.org/drawingml/2006/main" xmlns:r="http://schemas.openxmlformats.org/officeDocument/2006/relationships" xmlns:p="http://schemas.openxmlformats.org/presentationml/2006/main">
   <p:cSld>
     <p:spTree>
@@ -12303,7 +12887,267 @@
 </p:sld>
 </file>
 
-<file path=ppt/slides/slide38.xml><?xml version="1.0" encoding="utf-8"?>
+<file path=ppt/slides/slide4.xml><?xml version="1.0" encoding="utf-8"?>
+<p:sld xmlns:a="http://schemas.openxmlformats.org/drawingml/2006/main" xmlns:r="http://schemas.openxmlformats.org/officeDocument/2006/relationships" xmlns:p="http://schemas.openxmlformats.org/presentationml/2006/main">
+  <p:cSld>
+    <p:spTree>
+      <p:nvGrpSpPr>
+        <p:cNvPr id="1" name=""/>
+        <p:cNvGrpSpPr/>
+        <p:nvPr/>
+      </p:nvGrpSpPr>
+      <p:grpSpPr>
+        <a:xfrm>
+          <a:off x="0" y="0"/>
+          <a:ext cx="0" cy="0"/>
+          <a:chOff x="0" y="0"/>
+          <a:chExt cx="0" cy="0"/>
+        </a:xfrm>
+      </p:grpSpPr>
+      <p:grpSp>
+        <p:nvGrpSpPr>
+          <p:cNvPr id="3" name="Group 2">
+            <a:extLst>
+              <a:ext uri="{FF2B5EF4-FFF2-40B4-BE49-F238E27FC236}">
+                <a16:creationId xmlns:a16="http://schemas.microsoft.com/office/drawing/2014/main" id="{AB6A7FBD-D086-4138-0736-218158461C7C}"/>
+              </a:ext>
+            </a:extLst>
+          </p:cNvPr>
+          <p:cNvGrpSpPr/>
+          <p:nvPr/>
+        </p:nvGrpSpPr>
+        <p:grpSpPr>
+          <a:xfrm>
+            <a:off x="3182710" y="1084347"/>
+            <a:ext cx="5826579" cy="4689306"/>
+            <a:chOff x="3182710" y="1084347"/>
+            <a:chExt cx="5826579" cy="4689306"/>
+          </a:xfrm>
+        </p:grpSpPr>
+        <p:pic>
+          <p:nvPicPr>
+            <p:cNvPr id="5" name="Picture 4">
+              <a:extLst>
+                <a:ext uri="{FF2B5EF4-FFF2-40B4-BE49-F238E27FC236}">
+                  <a16:creationId xmlns:a16="http://schemas.microsoft.com/office/drawing/2014/main" id="{5B319976-3975-CE0E-CF12-88651FE4673C}"/>
+                </a:ext>
+              </a:extLst>
+            </p:cNvPr>
+            <p:cNvPicPr>
+              <a:picLocks noChangeAspect="1"/>
+            </p:cNvPicPr>
+            <p:nvPr/>
+          </p:nvPicPr>
+          <p:blipFill>
+            <a:blip r:embed="rId2"/>
+            <a:stretch>
+              <a:fillRect/>
+            </a:stretch>
+          </p:blipFill>
+          <p:spPr>
+            <a:xfrm>
+              <a:off x="3182710" y="1084347"/>
+              <a:ext cx="5826579" cy="4689306"/>
+            </a:xfrm>
+            <a:prstGeom prst="rect">
+              <a:avLst/>
+            </a:prstGeom>
+          </p:spPr>
+        </p:pic>
+        <p:sp>
+          <p:nvSpPr>
+            <p:cNvPr id="6" name="TextBox 5">
+              <a:extLst>
+                <a:ext uri="{FF2B5EF4-FFF2-40B4-BE49-F238E27FC236}">
+                  <a16:creationId xmlns:a16="http://schemas.microsoft.com/office/drawing/2014/main" id="{0177668F-FAA2-F0F3-51F3-48FD68723A47}"/>
+                </a:ext>
+              </a:extLst>
+            </p:cNvPr>
+            <p:cNvSpPr txBox="1"/>
+            <p:nvPr/>
+          </p:nvSpPr>
+          <p:spPr>
+            <a:xfrm>
+              <a:off x="3505199" y="3086881"/>
+              <a:ext cx="5181599" cy="1446550"/>
+            </a:xfrm>
+            <a:prstGeom prst="rect">
+              <a:avLst/>
+            </a:prstGeom>
+            <a:solidFill>
+              <a:srgbClr val="EFEBE4"/>
+            </a:solidFill>
+          </p:spPr>
+          <p:txBody>
+            <a:bodyPr wrap="square">
+              <a:spAutoFit/>
+            </a:bodyPr>
+            <a:lstStyle/>
+            <a:p>
+              <a:pPr algn="just"/>
+              <a:r>
+                <a:rPr lang="en-SG" sz="1100">
+                  <a:latin typeface="Consolas" panose="020B0609020204030204" pitchFamily="49" charset="0"/>
+                </a:rPr>
+                <a:t>from sklearn.ensemble import RandomForestClassifier</a:t>
+              </a:r>
+            </a:p>
+            <a:p>
+              <a:pPr algn="just"/>
+              <a:r>
+                <a:rPr lang="en-SG" sz="1100">
+                  <a:latin typeface="Consolas" panose="020B0609020204030204" pitchFamily="49" charset="0"/>
+                </a:rPr>
+                <a:t>from sklearn.metrics import accuracy_score</a:t>
+              </a:r>
+            </a:p>
+            <a:p>
+              <a:pPr algn="just"/>
+              <a:endParaRPr lang="en-SG" sz="1100">
+                <a:latin typeface="Consolas" panose="020B0609020204030204" pitchFamily="49" charset="0"/>
+              </a:endParaRPr>
+            </a:p>
+            <a:p>
+              <a:pPr algn="just"/>
+              <a:r>
+                <a:rPr lang="en-SG" sz="1100">
+                  <a:latin typeface="Consolas" panose="020B0609020204030204" pitchFamily="49" charset="0"/>
+                </a:rPr>
+                <a:t>model = </a:t>
+              </a:r>
+              <a:r>
+                <a:rPr lang="en-SG" sz="1100">
+                  <a:solidFill>
+                    <a:srgbClr val="FF0000"/>
+                  </a:solidFill>
+                  <a:latin typeface="Consolas" panose="020B0609020204030204" pitchFamily="49" charset="0"/>
+                </a:rPr>
+                <a:t>RandomForestClassifier</a:t>
+              </a:r>
+              <a:r>
+                <a:rPr lang="en-SG" sz="1100">
+                  <a:latin typeface="Consolas" panose="020B0609020204030204" pitchFamily="49" charset="0"/>
+                </a:rPr>
+                <a:t>(n_estimators=10, random_state=1)</a:t>
+              </a:r>
+            </a:p>
+            <a:p>
+              <a:pPr algn="just"/>
+              <a:r>
+                <a:rPr lang="en-SG" sz="1100">
+                  <a:latin typeface="Consolas" panose="020B0609020204030204" pitchFamily="49" charset="0"/>
+                </a:rPr>
+                <a:t>model.</a:t>
+              </a:r>
+              <a:r>
+                <a:rPr lang="en-SG" sz="1100">
+                  <a:solidFill>
+                    <a:srgbClr val="FF0000"/>
+                  </a:solidFill>
+                  <a:latin typeface="Consolas" panose="020B0609020204030204" pitchFamily="49" charset="0"/>
+                </a:rPr>
+                <a:t>fit</a:t>
+              </a:r>
+              <a:r>
+                <a:rPr lang="en-SG" sz="1100">
+                  <a:latin typeface="Consolas" panose="020B0609020204030204" pitchFamily="49" charset="0"/>
+                </a:rPr>
+                <a:t>(X_train, y_train)</a:t>
+              </a:r>
+            </a:p>
+            <a:p>
+              <a:pPr algn="just"/>
+              <a:endParaRPr lang="en-SG" sz="1100">
+                <a:latin typeface="Consolas" panose="020B0609020204030204" pitchFamily="49" charset="0"/>
+              </a:endParaRPr>
+            </a:p>
+            <a:p>
+              <a:pPr algn="just"/>
+              <a:r>
+                <a:rPr lang="en-SG" sz="1100">
+                  <a:latin typeface="Consolas" panose="020B0609020204030204" pitchFamily="49" charset="0"/>
+                </a:rPr>
+                <a:t>y_pred = model.predict(X_test)</a:t>
+              </a:r>
+            </a:p>
+            <a:p>
+              <a:pPr algn="just"/>
+              <a:r>
+                <a:rPr lang="en-SG" sz="1100">
+                  <a:latin typeface="Consolas" panose="020B0609020204030204" pitchFamily="49" charset="0"/>
+                </a:rPr>
+                <a:t>print(accuracy_score(y_test, y_pred))</a:t>
+              </a:r>
+            </a:p>
+          </p:txBody>
+        </p:sp>
+        <p:sp>
+          <p:nvSpPr>
+            <p:cNvPr id="2" name="Rectangle 1">
+              <a:extLst>
+                <a:ext uri="{FF2B5EF4-FFF2-40B4-BE49-F238E27FC236}">
+                  <a16:creationId xmlns:a16="http://schemas.microsoft.com/office/drawing/2014/main" id="{3F8BFA39-27C0-D995-60FE-6E6BA7A15BB5}"/>
+                </a:ext>
+              </a:extLst>
+            </p:cNvPr>
+            <p:cNvSpPr/>
+            <p:nvPr/>
+          </p:nvSpPr>
+          <p:spPr>
+            <a:xfrm>
+              <a:off x="5475213" y="2374085"/>
+              <a:ext cx="1224792" cy="243280"/>
+            </a:xfrm>
+            <a:prstGeom prst="rect">
+              <a:avLst/>
+            </a:prstGeom>
+            <a:noFill/>
+            <a:ln>
+              <a:solidFill>
+                <a:srgbClr val="FF0000"/>
+              </a:solidFill>
+            </a:ln>
+          </p:spPr>
+          <p:style>
+            <a:lnRef idx="2">
+              <a:schemeClr val="accent1">
+                <a:shade val="50000"/>
+              </a:schemeClr>
+            </a:lnRef>
+            <a:fillRef idx="1">
+              <a:schemeClr val="accent1"/>
+            </a:fillRef>
+            <a:effectRef idx="0">
+              <a:schemeClr val="accent1"/>
+            </a:effectRef>
+            <a:fontRef idx="minor">
+              <a:schemeClr val="lt1"/>
+            </a:fontRef>
+          </p:style>
+          <p:txBody>
+            <a:bodyPr rtlCol="0" anchor="ctr"/>
+            <a:lstStyle/>
+            <a:p>
+              <a:pPr algn="ctr"/>
+              <a:endParaRPr lang="en-SG"/>
+            </a:p>
+          </p:txBody>
+        </p:sp>
+      </p:grpSp>
+    </p:spTree>
+    <p:extLst>
+      <p:ext uri="{BB962C8B-B14F-4D97-AF65-F5344CB8AC3E}">
+        <p14:creationId xmlns:p14="http://schemas.microsoft.com/office/powerpoint/2010/main" val="4109367943"/>
+      </p:ext>
+    </p:extLst>
+  </p:cSld>
+  <p:clrMapOvr>
+    <a:masterClrMapping/>
+  </p:clrMapOvr>
+</p:sld>
+</file>
+
+<file path=ppt/slides/slide40.xml><?xml version="1.0" encoding="utf-8"?>
 <p:sld xmlns:a="http://schemas.openxmlformats.org/drawingml/2006/main" xmlns:r="http://schemas.openxmlformats.org/officeDocument/2006/relationships" xmlns:p="http://schemas.openxmlformats.org/presentationml/2006/main">
   <p:cSld>
     <p:spTree>
@@ -12532,7 +13376,7 @@
 </p:sld>
 </file>
 
-<file path=ppt/slides/slide39.xml><?xml version="1.0" encoding="utf-8"?>
+<file path=ppt/slides/slide41.xml><?xml version="1.0" encoding="utf-8"?>
 <p:sld xmlns:a="http://schemas.openxmlformats.org/drawingml/2006/main" xmlns:r="http://schemas.openxmlformats.org/officeDocument/2006/relationships" xmlns:p="http://schemas.openxmlformats.org/presentationml/2006/main">
   <p:cSld>
     <p:spTree>
@@ -12695,7 +13539,7 @@
             <a:p>
               <a:r>
                 <a:rPr lang="en-SG" sz="1100"/>
-                <a:t>bc = BaggingClassifier(base_estimator=</a:t>
+                <a:t>bc = BaggingClassifier(base_estimator= </a:t>
               </a:r>
               <a:r>
                 <a:rPr lang="en-SG" sz="1100">
@@ -12713,7 +13557,7 @@
             <a:p>
               <a:r>
                 <a:rPr lang="en-SG" sz="1100"/>
-                <a:t>                       n_estimators=</a:t>
+                <a:t>                       n_estimators= </a:t>
               </a:r>
               <a:r>
                 <a:rPr lang="en-SG" sz="1100">
@@ -12797,267 +13641,7 @@
 </p:sld>
 </file>
 
-<file path=ppt/slides/slide4.xml><?xml version="1.0" encoding="utf-8"?>
-<p:sld xmlns:a="http://schemas.openxmlformats.org/drawingml/2006/main" xmlns:r="http://schemas.openxmlformats.org/officeDocument/2006/relationships" xmlns:p="http://schemas.openxmlformats.org/presentationml/2006/main">
-  <p:cSld>
-    <p:spTree>
-      <p:nvGrpSpPr>
-        <p:cNvPr id="1" name=""/>
-        <p:cNvGrpSpPr/>
-        <p:nvPr/>
-      </p:nvGrpSpPr>
-      <p:grpSpPr>
-        <a:xfrm>
-          <a:off x="0" y="0"/>
-          <a:ext cx="0" cy="0"/>
-          <a:chOff x="0" y="0"/>
-          <a:chExt cx="0" cy="0"/>
-        </a:xfrm>
-      </p:grpSpPr>
-      <p:grpSp>
-        <p:nvGrpSpPr>
-          <p:cNvPr id="3" name="Group 2">
-            <a:extLst>
-              <a:ext uri="{FF2B5EF4-FFF2-40B4-BE49-F238E27FC236}">
-                <a16:creationId xmlns:a16="http://schemas.microsoft.com/office/drawing/2014/main" id="{AB6A7FBD-D086-4138-0736-218158461C7C}"/>
-              </a:ext>
-            </a:extLst>
-          </p:cNvPr>
-          <p:cNvGrpSpPr/>
-          <p:nvPr/>
-        </p:nvGrpSpPr>
-        <p:grpSpPr>
-          <a:xfrm>
-            <a:off x="3182710" y="1084347"/>
-            <a:ext cx="5826579" cy="4689306"/>
-            <a:chOff x="3182710" y="1084347"/>
-            <a:chExt cx="5826579" cy="4689306"/>
-          </a:xfrm>
-        </p:grpSpPr>
-        <p:pic>
-          <p:nvPicPr>
-            <p:cNvPr id="5" name="Picture 4">
-              <a:extLst>
-                <a:ext uri="{FF2B5EF4-FFF2-40B4-BE49-F238E27FC236}">
-                  <a16:creationId xmlns:a16="http://schemas.microsoft.com/office/drawing/2014/main" id="{5B319976-3975-CE0E-CF12-88651FE4673C}"/>
-                </a:ext>
-              </a:extLst>
-            </p:cNvPr>
-            <p:cNvPicPr>
-              <a:picLocks noChangeAspect="1"/>
-            </p:cNvPicPr>
-            <p:nvPr/>
-          </p:nvPicPr>
-          <p:blipFill>
-            <a:blip r:embed="rId2"/>
-            <a:stretch>
-              <a:fillRect/>
-            </a:stretch>
-          </p:blipFill>
-          <p:spPr>
-            <a:xfrm>
-              <a:off x="3182710" y="1084347"/>
-              <a:ext cx="5826579" cy="4689306"/>
-            </a:xfrm>
-            <a:prstGeom prst="rect">
-              <a:avLst/>
-            </a:prstGeom>
-          </p:spPr>
-        </p:pic>
-        <p:sp>
-          <p:nvSpPr>
-            <p:cNvPr id="6" name="TextBox 5">
-              <a:extLst>
-                <a:ext uri="{FF2B5EF4-FFF2-40B4-BE49-F238E27FC236}">
-                  <a16:creationId xmlns:a16="http://schemas.microsoft.com/office/drawing/2014/main" id="{0177668F-FAA2-F0F3-51F3-48FD68723A47}"/>
-                </a:ext>
-              </a:extLst>
-            </p:cNvPr>
-            <p:cNvSpPr txBox="1"/>
-            <p:nvPr/>
-          </p:nvSpPr>
-          <p:spPr>
-            <a:xfrm>
-              <a:off x="3505199" y="3086881"/>
-              <a:ext cx="5181599" cy="1446550"/>
-            </a:xfrm>
-            <a:prstGeom prst="rect">
-              <a:avLst/>
-            </a:prstGeom>
-            <a:solidFill>
-              <a:srgbClr val="EFEBE4"/>
-            </a:solidFill>
-          </p:spPr>
-          <p:txBody>
-            <a:bodyPr wrap="square">
-              <a:spAutoFit/>
-            </a:bodyPr>
-            <a:lstStyle/>
-            <a:p>
-              <a:pPr algn="just"/>
-              <a:r>
-                <a:rPr lang="en-SG" sz="1100">
-                  <a:latin typeface="Consolas" panose="020B0609020204030204" pitchFamily="49" charset="0"/>
-                </a:rPr>
-                <a:t>from sklearn.ensemble import RandomForestClassifier</a:t>
-              </a:r>
-            </a:p>
-            <a:p>
-              <a:pPr algn="just"/>
-              <a:r>
-                <a:rPr lang="en-SG" sz="1100">
-                  <a:latin typeface="Consolas" panose="020B0609020204030204" pitchFamily="49" charset="0"/>
-                </a:rPr>
-                <a:t>from sklearn.metrics import accuracy_score</a:t>
-              </a:r>
-            </a:p>
-            <a:p>
-              <a:pPr algn="just"/>
-              <a:endParaRPr lang="en-SG" sz="1100">
-                <a:latin typeface="Consolas" panose="020B0609020204030204" pitchFamily="49" charset="0"/>
-              </a:endParaRPr>
-            </a:p>
-            <a:p>
-              <a:pPr algn="just"/>
-              <a:r>
-                <a:rPr lang="en-SG" sz="1100">
-                  <a:latin typeface="Consolas" panose="020B0609020204030204" pitchFamily="49" charset="0"/>
-                </a:rPr>
-                <a:t>model = </a:t>
-              </a:r>
-              <a:r>
-                <a:rPr lang="en-SG" sz="1100">
-                  <a:solidFill>
-                    <a:srgbClr val="FF0000"/>
-                  </a:solidFill>
-                  <a:latin typeface="Consolas" panose="020B0609020204030204" pitchFamily="49" charset="0"/>
-                </a:rPr>
-                <a:t>RandomForestClassifier</a:t>
-              </a:r>
-              <a:r>
-                <a:rPr lang="en-SG" sz="1100">
-                  <a:latin typeface="Consolas" panose="020B0609020204030204" pitchFamily="49" charset="0"/>
-                </a:rPr>
-                <a:t>(n_estimators=10, random_state=1)</a:t>
-              </a:r>
-            </a:p>
-            <a:p>
-              <a:pPr algn="just"/>
-              <a:r>
-                <a:rPr lang="en-SG" sz="1100">
-                  <a:latin typeface="Consolas" panose="020B0609020204030204" pitchFamily="49" charset="0"/>
-                </a:rPr>
-                <a:t>model.</a:t>
-              </a:r>
-              <a:r>
-                <a:rPr lang="en-SG" sz="1100">
-                  <a:solidFill>
-                    <a:srgbClr val="FF0000"/>
-                  </a:solidFill>
-                  <a:latin typeface="Consolas" panose="020B0609020204030204" pitchFamily="49" charset="0"/>
-                </a:rPr>
-                <a:t>fit</a:t>
-              </a:r>
-              <a:r>
-                <a:rPr lang="en-SG" sz="1100">
-                  <a:latin typeface="Consolas" panose="020B0609020204030204" pitchFamily="49" charset="0"/>
-                </a:rPr>
-                <a:t>(X_train, y_train)</a:t>
-              </a:r>
-            </a:p>
-            <a:p>
-              <a:pPr algn="just"/>
-              <a:endParaRPr lang="en-SG" sz="1100">
-                <a:latin typeface="Consolas" panose="020B0609020204030204" pitchFamily="49" charset="0"/>
-              </a:endParaRPr>
-            </a:p>
-            <a:p>
-              <a:pPr algn="just"/>
-              <a:r>
-                <a:rPr lang="en-SG" sz="1100">
-                  <a:latin typeface="Consolas" panose="020B0609020204030204" pitchFamily="49" charset="0"/>
-                </a:rPr>
-                <a:t>y_pred = model.predict(X_test)</a:t>
-              </a:r>
-            </a:p>
-            <a:p>
-              <a:pPr algn="just"/>
-              <a:r>
-                <a:rPr lang="en-SG" sz="1100">
-                  <a:latin typeface="Consolas" panose="020B0609020204030204" pitchFamily="49" charset="0"/>
-                </a:rPr>
-                <a:t>print(accuracy_score(y_test, y_pred))</a:t>
-              </a:r>
-            </a:p>
-          </p:txBody>
-        </p:sp>
-        <p:sp>
-          <p:nvSpPr>
-            <p:cNvPr id="2" name="Rectangle 1">
-              <a:extLst>
-                <a:ext uri="{FF2B5EF4-FFF2-40B4-BE49-F238E27FC236}">
-                  <a16:creationId xmlns:a16="http://schemas.microsoft.com/office/drawing/2014/main" id="{3F8BFA39-27C0-D995-60FE-6E6BA7A15BB5}"/>
-                </a:ext>
-              </a:extLst>
-            </p:cNvPr>
-            <p:cNvSpPr/>
-            <p:nvPr/>
-          </p:nvSpPr>
-          <p:spPr>
-            <a:xfrm>
-              <a:off x="5475213" y="2374085"/>
-              <a:ext cx="1224792" cy="243280"/>
-            </a:xfrm>
-            <a:prstGeom prst="rect">
-              <a:avLst/>
-            </a:prstGeom>
-            <a:noFill/>
-            <a:ln>
-              <a:solidFill>
-                <a:srgbClr val="FF0000"/>
-              </a:solidFill>
-            </a:ln>
-          </p:spPr>
-          <p:style>
-            <a:lnRef idx="2">
-              <a:schemeClr val="accent1">
-                <a:shade val="50000"/>
-              </a:schemeClr>
-            </a:lnRef>
-            <a:fillRef idx="1">
-              <a:schemeClr val="accent1"/>
-            </a:fillRef>
-            <a:effectRef idx="0">
-              <a:schemeClr val="accent1"/>
-            </a:effectRef>
-            <a:fontRef idx="minor">
-              <a:schemeClr val="lt1"/>
-            </a:fontRef>
-          </p:style>
-          <p:txBody>
-            <a:bodyPr rtlCol="0" anchor="ctr"/>
-            <a:lstStyle/>
-            <a:p>
-              <a:pPr algn="ctr"/>
-              <a:endParaRPr lang="en-SG"/>
-            </a:p>
-          </p:txBody>
-        </p:sp>
-      </p:grpSp>
-    </p:spTree>
-    <p:extLst>
-      <p:ext uri="{BB962C8B-B14F-4D97-AF65-F5344CB8AC3E}">
-        <p14:creationId xmlns:p14="http://schemas.microsoft.com/office/powerpoint/2010/main" val="4109367943"/>
-      </p:ext>
-    </p:extLst>
-  </p:cSld>
-  <p:clrMapOvr>
-    <a:masterClrMapping/>
-  </p:clrMapOvr>
-</p:sld>
-</file>
-
-<file path=ppt/slides/slide40.xml><?xml version="1.0" encoding="utf-8"?>
+<file path=ppt/slides/slide42.xml><?xml version="1.0" encoding="utf-8"?>
 <p:sld xmlns:a="http://schemas.openxmlformats.org/drawingml/2006/main" xmlns:r="http://schemas.openxmlformats.org/officeDocument/2006/relationships" xmlns:p="http://schemas.openxmlformats.org/presentationml/2006/main">
   <p:cSld>
     <p:spTree>
@@ -13251,7 +13835,7 @@
 </p:sld>
 </file>
 
-<file path=ppt/slides/slide41.xml><?xml version="1.0" encoding="utf-8"?>
+<file path=ppt/slides/slide43.xml><?xml version="1.0" encoding="utf-8"?>
 <p:sld xmlns:a="http://schemas.openxmlformats.org/drawingml/2006/main" xmlns:r="http://schemas.openxmlformats.org/officeDocument/2006/relationships" xmlns:p="http://schemas.openxmlformats.org/presentationml/2006/main">
   <p:cSld>
     <p:spTree>
@@ -13477,7 +14061,7 @@
 </p:sld>
 </file>
 
-<file path=ppt/slides/slide42.xml><?xml version="1.0" encoding="utf-8"?>
+<file path=ppt/slides/slide44.xml><?xml version="1.0" encoding="utf-8"?>
 <p:sld xmlns:a="http://schemas.openxmlformats.org/drawingml/2006/main" xmlns:r="http://schemas.openxmlformats.org/officeDocument/2006/relationships" xmlns:p="http://schemas.openxmlformats.org/presentationml/2006/main">
   <p:cSld>
     <p:spTree>
@@ -13662,7 +14246,7 @@
 </p:sld>
 </file>
 
-<file path=ppt/slides/slide43.xml><?xml version="1.0" encoding="utf-8"?>
+<file path=ppt/slides/slide45.xml><?xml version="1.0" encoding="utf-8"?>
 <p:sld xmlns:a="http://schemas.openxmlformats.org/drawingml/2006/main" xmlns:r="http://schemas.openxmlformats.org/officeDocument/2006/relationships" xmlns:p="http://schemas.openxmlformats.org/presentationml/2006/main">
   <p:cSld>
     <p:spTree>
@@ -13865,7 +14449,7 @@
 </p:sld>
 </file>
 
-<file path=ppt/slides/slide44.xml><?xml version="1.0" encoding="utf-8"?>
+<file path=ppt/slides/slide46.xml><?xml version="1.0" encoding="utf-8"?>
 <p:sld xmlns:a="http://schemas.openxmlformats.org/drawingml/2006/main" xmlns:r="http://schemas.openxmlformats.org/officeDocument/2006/relationships" xmlns:p="http://schemas.openxmlformats.org/presentationml/2006/main">
   <p:cSld>
     <p:spTree>
@@ -14109,7 +14693,7 @@
 </p:sld>
 </file>
 
-<file path=ppt/slides/slide45.xml><?xml version="1.0" encoding="utf-8"?>
+<file path=ppt/slides/slide47.xml><?xml version="1.0" encoding="utf-8"?>
 <p:sld xmlns:a="http://schemas.openxmlformats.org/drawingml/2006/main" xmlns:r="http://schemas.openxmlformats.org/officeDocument/2006/relationships" xmlns:p="http://schemas.openxmlformats.org/presentationml/2006/main">
   <p:cSld>
     <p:spTree>
@@ -14349,7 +14933,7 @@
 </p:sld>
 </file>
 
-<file path=ppt/slides/slide46.xml><?xml version="1.0" encoding="utf-8"?>
+<file path=ppt/slides/slide48.xml><?xml version="1.0" encoding="utf-8"?>
 <p:sld xmlns:a="http://schemas.openxmlformats.org/drawingml/2006/main" xmlns:r="http://schemas.openxmlformats.org/officeDocument/2006/relationships" xmlns:p="http://schemas.openxmlformats.org/presentationml/2006/main">
   <p:cSld>
     <p:spTree>
@@ -14522,7 +15106,7 @@
 </p:sld>
 </file>
 
-<file path=ppt/slides/slide47.xml><?xml version="1.0" encoding="utf-8"?>
+<file path=ppt/slides/slide49.xml><?xml version="1.0" encoding="utf-8"?>
 <p:sld xmlns:a="http://schemas.openxmlformats.org/drawingml/2006/main" xmlns:r="http://schemas.openxmlformats.org/officeDocument/2006/relationships" xmlns:p="http://schemas.openxmlformats.org/presentationml/2006/main">
   <p:cSld>
     <p:spTree>
@@ -14603,7 +15187,7 @@
           </p:nvSpPr>
           <p:spPr>
             <a:xfrm>
-              <a:off x="4001549" y="3351937"/>
+              <a:off x="3901966" y="3351937"/>
               <a:ext cx="5851597" cy="1446550"/>
             </a:xfrm>
             <a:prstGeom prst="rect">
@@ -14668,12 +15252,6 @@
             <a:p>
               <a:r>
                 <a:rPr lang="en-SG" sz="1100"/>
-                <a:t>model.fit(short_debt, long_debt)</a:t>
-              </a:r>
-            </a:p>
-            <a:p>
-              <a:r>
-                <a:rPr lang="en-SG" sz="1100"/>
                 <a:t>model.</a:t>
               </a:r>
               <a:r>
@@ -14693,6 +15271,9 @@
                 <a:rPr lang="en-SG" sz="1100"/>
                 <a:t>print("Regression coefficients: {}".format(model.coef_))</a:t>
               </a:r>
+            </a:p>
+            <a:p>
+              <a:endParaRPr lang="en-SG" sz="1100"/>
             </a:p>
           </p:txBody>
         </p:sp>
@@ -14740,66 +15321,6 @@
     <p:extLst>
       <p:ext uri="{BB962C8B-B14F-4D97-AF65-F5344CB8AC3E}">
         <p14:creationId xmlns:p14="http://schemas.microsoft.com/office/powerpoint/2010/main" val="2471835519"/>
-      </p:ext>
-    </p:extLst>
-  </p:cSld>
-  <p:clrMapOvr>
-    <a:masterClrMapping/>
-  </p:clrMapOvr>
-</p:sld>
-</file>
-
-<file path=ppt/slides/slide48.xml><?xml version="1.0" encoding="utf-8"?>
-<p:sld xmlns:a="http://schemas.openxmlformats.org/drawingml/2006/main" xmlns:r="http://schemas.openxmlformats.org/officeDocument/2006/relationships" xmlns:p="http://schemas.openxmlformats.org/presentationml/2006/main">
-  <p:cSld>
-    <p:spTree>
-      <p:nvGrpSpPr>
-        <p:cNvPr id="1" name=""/>
-        <p:cNvGrpSpPr/>
-        <p:nvPr/>
-      </p:nvGrpSpPr>
-      <p:grpSpPr>
-        <a:xfrm>
-          <a:off x="0" y="0"/>
-          <a:ext cx="0" cy="0"/>
-          <a:chOff x="0" y="0"/>
-          <a:chExt cx="0" cy="0"/>
-        </a:xfrm>
-      </p:grpSpPr>
-    </p:spTree>
-    <p:extLst>
-      <p:ext uri="{BB962C8B-B14F-4D97-AF65-F5344CB8AC3E}">
-        <p14:creationId xmlns:p14="http://schemas.microsoft.com/office/powerpoint/2010/main" val="3400728515"/>
-      </p:ext>
-    </p:extLst>
-  </p:cSld>
-  <p:clrMapOvr>
-    <a:masterClrMapping/>
-  </p:clrMapOvr>
-</p:sld>
-</file>
-
-<file path=ppt/slides/slide49.xml><?xml version="1.0" encoding="utf-8"?>
-<p:sld xmlns:a="http://schemas.openxmlformats.org/drawingml/2006/main" xmlns:r="http://schemas.openxmlformats.org/officeDocument/2006/relationships" xmlns:p="http://schemas.openxmlformats.org/presentationml/2006/main">
-  <p:cSld>
-    <p:spTree>
-      <p:nvGrpSpPr>
-        <p:cNvPr id="1" name=""/>
-        <p:cNvGrpSpPr/>
-        <p:nvPr/>
-      </p:nvGrpSpPr>
-      <p:grpSpPr>
-        <a:xfrm>
-          <a:off x="0" y="0"/>
-          <a:ext cx="0" cy="0"/>
-          <a:chOff x="0" y="0"/>
-          <a:chExt cx="0" cy="0"/>
-        </a:xfrm>
-      </p:grpSpPr>
-    </p:spTree>
-    <p:extLst>
-      <p:ext uri="{BB962C8B-B14F-4D97-AF65-F5344CB8AC3E}">
-        <p14:creationId xmlns:p14="http://schemas.microsoft.com/office/powerpoint/2010/main" val="281669032"/>
       </p:ext>
     </p:extLst>
   </p:cSld>
@@ -15096,10 +15617,512 @@
           <a:chExt cx="0" cy="0"/>
         </a:xfrm>
       </p:grpSpPr>
+      <p:grpSp>
+        <p:nvGrpSpPr>
+          <p:cNvPr id="7" name="Group 6">
+            <a:extLst>
+              <a:ext uri="{FF2B5EF4-FFF2-40B4-BE49-F238E27FC236}">
+                <a16:creationId xmlns:a16="http://schemas.microsoft.com/office/drawing/2014/main" id="{B5E0B2C5-C98D-3A18-B541-986BC7503C96}"/>
+              </a:ext>
+            </a:extLst>
+          </p:cNvPr>
+          <p:cNvGrpSpPr/>
+          <p:nvPr/>
+        </p:nvGrpSpPr>
+        <p:grpSpPr>
+          <a:xfrm>
+            <a:off x="2891557" y="194649"/>
+            <a:ext cx="6408885" cy="6468701"/>
+            <a:chOff x="2891557" y="194649"/>
+            <a:chExt cx="6408885" cy="6468701"/>
+          </a:xfrm>
+        </p:grpSpPr>
+        <p:pic>
+          <p:nvPicPr>
+            <p:cNvPr id="3" name="Picture 2">
+              <a:extLst>
+                <a:ext uri="{FF2B5EF4-FFF2-40B4-BE49-F238E27FC236}">
+                  <a16:creationId xmlns:a16="http://schemas.microsoft.com/office/drawing/2014/main" id="{449424D3-1548-BE93-D7F1-929EA48702EF}"/>
+                </a:ext>
+              </a:extLst>
+            </p:cNvPr>
+            <p:cNvPicPr>
+              <a:picLocks noChangeAspect="1"/>
+            </p:cNvPicPr>
+            <p:nvPr/>
+          </p:nvPicPr>
+          <p:blipFill>
+            <a:blip r:embed="rId2"/>
+            <a:stretch>
+              <a:fillRect/>
+            </a:stretch>
+          </p:blipFill>
+          <p:spPr>
+            <a:xfrm>
+              <a:off x="2891557" y="194649"/>
+              <a:ext cx="6408885" cy="6468701"/>
+            </a:xfrm>
+            <a:prstGeom prst="rect">
+              <a:avLst/>
+            </a:prstGeom>
+          </p:spPr>
+        </p:pic>
+        <p:sp>
+          <p:nvSpPr>
+            <p:cNvPr id="5" name="TextBox 4">
+              <a:extLst>
+                <a:ext uri="{FF2B5EF4-FFF2-40B4-BE49-F238E27FC236}">
+                  <a16:creationId xmlns:a16="http://schemas.microsoft.com/office/drawing/2014/main" id="{410D6D0B-55AE-4580-4AA1-72085EE6F857}"/>
+                </a:ext>
+              </a:extLst>
+            </p:cNvPr>
+            <p:cNvSpPr txBox="1"/>
+            <p:nvPr/>
+          </p:nvSpPr>
+          <p:spPr>
+            <a:xfrm>
+              <a:off x="3266621" y="3780342"/>
+              <a:ext cx="5605772" cy="1615827"/>
+            </a:xfrm>
+            <a:prstGeom prst="rect">
+              <a:avLst/>
+            </a:prstGeom>
+            <a:solidFill>
+              <a:srgbClr val="EFEBE4"/>
+            </a:solidFill>
+          </p:spPr>
+          <p:txBody>
+            <a:bodyPr wrap="square">
+              <a:spAutoFit/>
+            </a:bodyPr>
+            <a:lstStyle>
+              <a:defPPr>
+                <a:defRPr lang="en-US"/>
+              </a:defPPr>
+              <a:lvl1pPr>
+                <a:defRPr sz="1200" b="0" i="0">
+                  <a:solidFill>
+                    <a:srgbClr val="05192D"/>
+                  </a:solidFill>
+                  <a:effectLst/>
+                  <a:latin typeface="Consolas" panose="020B0609020204030204" pitchFamily="49" charset="0"/>
+                </a:defRPr>
+              </a:lvl1pPr>
+            </a:lstStyle>
+            <a:p>
+              <a:r>
+                <a:rPr lang="en-SG" sz="1100"/>
+                <a:t>from sklearn.linear_model import </a:t>
+              </a:r>
+              <a:r>
+                <a:rPr lang="en-SG" sz="1100">
+                  <a:solidFill>
+                    <a:srgbClr val="FF0000"/>
+                  </a:solidFill>
+                </a:rPr>
+                <a:t>LogisticRegression</a:t>
+              </a:r>
+            </a:p>
+            <a:p>
+              <a:endParaRPr lang="en-SG" sz="1100"/>
+            </a:p>
+            <a:p>
+              <a:endParaRPr lang="en-SG" sz="1100"/>
+            </a:p>
+            <a:p>
+              <a:r>
+                <a:rPr lang="en-SG" sz="1100"/>
+                <a:t>cc_model = </a:t>
+              </a:r>
+              <a:r>
+                <a:rPr lang="en-SG" sz="1100">
+                  <a:solidFill>
+                    <a:srgbClr val="FF0000"/>
+                  </a:solidFill>
+                </a:rPr>
+                <a:t>LogisticRegression()</a:t>
+              </a:r>
+            </a:p>
+            <a:p>
+              <a:endParaRPr lang="en-SG" sz="1100"/>
+            </a:p>
+            <a:p>
+              <a:r>
+                <a:rPr lang="en-SG" sz="1100">
+                  <a:solidFill>
+                    <a:srgbClr val="FF0000"/>
+                  </a:solidFill>
+                </a:rPr>
+                <a:t>cc_model.fit(cc_data[["short_debt", "long_debt"]], cc_data["approved"])</a:t>
+              </a:r>
+            </a:p>
+            <a:p>
+              <a:endParaRPr lang="en-SG" sz="1100"/>
+            </a:p>
+            <a:p>
+              <a:r>
+                <a:rPr lang="en-SG" sz="1100"/>
+                <a:t>print(cc_model.coef_)</a:t>
+              </a:r>
+            </a:p>
+            <a:p>
+              <a:endParaRPr lang="en-SG" sz="1100"/>
+            </a:p>
+          </p:txBody>
+        </p:sp>
+      </p:grpSp>
+      <p:sp>
+        <p:nvSpPr>
+          <p:cNvPr id="8" name="TextBox 7">
+            <a:extLst>
+              <a:ext uri="{FF2B5EF4-FFF2-40B4-BE49-F238E27FC236}">
+                <a16:creationId xmlns:a16="http://schemas.microsoft.com/office/drawing/2014/main" id="{7C6A7F11-ECEE-4F5B-D583-543D475EB753}"/>
+              </a:ext>
+            </a:extLst>
+          </p:cNvPr>
+          <p:cNvSpPr txBox="1"/>
+          <p:nvPr/>
+        </p:nvSpPr>
+        <p:spPr>
+          <a:xfrm>
+            <a:off x="9383486" y="82715"/>
+            <a:ext cx="2722563" cy="369332"/>
+          </a:xfrm>
+          <a:prstGeom prst="rect">
+            <a:avLst/>
+          </a:prstGeom>
+          <a:solidFill>
+            <a:schemeClr val="accent2"/>
+          </a:solidFill>
+        </p:spPr>
+        <p:txBody>
+          <a:bodyPr wrap="square" rtlCol="0">
+            <a:spAutoFit/>
+          </a:bodyPr>
+          <a:lstStyle/>
+          <a:p>
+            <a:pPr algn="ctr"/>
+            <a:r>
+              <a:rPr lang="en-GB"/>
+              <a:t>HARD</a:t>
+            </a:r>
+            <a:endParaRPr lang="en-SG"/>
+          </a:p>
+        </p:txBody>
+      </p:sp>
+    </p:spTree>
+    <p:extLst>
+      <p:ext uri="{BB962C8B-B14F-4D97-AF65-F5344CB8AC3E}">
+        <p14:creationId xmlns:p14="http://schemas.microsoft.com/office/powerpoint/2010/main" val="3400728515"/>
+      </p:ext>
+    </p:extLst>
+  </p:cSld>
+  <p:clrMapOvr>
+    <a:masterClrMapping/>
+  </p:clrMapOvr>
+</p:sld>
+</file>
+
+<file path=ppt/slides/slide51.xml><?xml version="1.0" encoding="utf-8"?>
+<p:sld xmlns:a="http://schemas.openxmlformats.org/drawingml/2006/main" xmlns:r="http://schemas.openxmlformats.org/officeDocument/2006/relationships" xmlns:p="http://schemas.openxmlformats.org/presentationml/2006/main">
+  <p:cSld>
+    <p:spTree>
+      <p:nvGrpSpPr>
+        <p:cNvPr id="1" name=""/>
+        <p:cNvGrpSpPr/>
+        <p:nvPr/>
+      </p:nvGrpSpPr>
+      <p:grpSpPr>
+        <a:xfrm>
+          <a:off x="0" y="0"/>
+          <a:ext cx="0" cy="0"/>
+          <a:chOff x="0" y="0"/>
+          <a:chExt cx="0" cy="0"/>
+        </a:xfrm>
+      </p:grpSpPr>
+      <p:grpSp>
+        <p:nvGrpSpPr>
+          <p:cNvPr id="8" name="Group 7">
+            <a:extLst>
+              <a:ext uri="{FF2B5EF4-FFF2-40B4-BE49-F238E27FC236}">
+                <a16:creationId xmlns:a16="http://schemas.microsoft.com/office/drawing/2014/main" id="{2B9E4A7A-CAC4-3394-513F-DC36A658FB4D}"/>
+              </a:ext>
+            </a:extLst>
+          </p:cNvPr>
+          <p:cNvGrpSpPr/>
+          <p:nvPr/>
+        </p:nvGrpSpPr>
+        <p:grpSpPr>
+          <a:xfrm>
+            <a:off x="2681947" y="165166"/>
+            <a:ext cx="6828105" cy="6527668"/>
+            <a:chOff x="2681947" y="165166"/>
+            <a:chExt cx="6828105" cy="6527668"/>
+          </a:xfrm>
+        </p:grpSpPr>
+        <p:pic>
+          <p:nvPicPr>
+            <p:cNvPr id="3" name="Picture 2">
+              <a:extLst>
+                <a:ext uri="{FF2B5EF4-FFF2-40B4-BE49-F238E27FC236}">
+                  <a16:creationId xmlns:a16="http://schemas.microsoft.com/office/drawing/2014/main" id="{2AF9C1CE-89B6-9D2D-B003-355EABB6C3F7}"/>
+                </a:ext>
+              </a:extLst>
+            </p:cNvPr>
+            <p:cNvPicPr>
+              <a:picLocks noChangeAspect="1"/>
+            </p:cNvPicPr>
+            <p:nvPr/>
+          </p:nvPicPr>
+          <p:blipFill>
+            <a:blip r:embed="rId2"/>
+            <a:stretch>
+              <a:fillRect/>
+            </a:stretch>
+          </p:blipFill>
+          <p:spPr>
+            <a:xfrm>
+              <a:off x="2681947" y="165166"/>
+              <a:ext cx="6828105" cy="6527668"/>
+            </a:xfrm>
+            <a:prstGeom prst="rect">
+              <a:avLst/>
+            </a:prstGeom>
+          </p:spPr>
+        </p:pic>
+        <p:sp>
+          <p:nvSpPr>
+            <p:cNvPr id="6" name="TextBox 5">
+              <a:extLst>
+                <a:ext uri="{FF2B5EF4-FFF2-40B4-BE49-F238E27FC236}">
+                  <a16:creationId xmlns:a16="http://schemas.microsoft.com/office/drawing/2014/main" id="{46CC8ABD-925A-F720-9C7D-A26C1A680764}"/>
+                </a:ext>
+              </a:extLst>
+            </p:cNvPr>
+            <p:cNvSpPr txBox="1"/>
+            <p:nvPr/>
+          </p:nvSpPr>
+          <p:spPr>
+            <a:xfrm>
+              <a:off x="3058392" y="3743679"/>
+              <a:ext cx="5851597" cy="1615827"/>
+            </a:xfrm>
+            <a:prstGeom prst="rect">
+              <a:avLst/>
+            </a:prstGeom>
+            <a:solidFill>
+              <a:srgbClr val="EFEBE4"/>
+            </a:solidFill>
+          </p:spPr>
+          <p:txBody>
+            <a:bodyPr wrap="square">
+              <a:spAutoFit/>
+            </a:bodyPr>
+            <a:lstStyle>
+              <a:defPPr>
+                <a:defRPr lang="en-US"/>
+              </a:defPPr>
+              <a:lvl1pPr>
+                <a:defRPr sz="1200" b="0" i="0">
+                  <a:solidFill>
+                    <a:srgbClr val="05192D"/>
+                  </a:solidFill>
+                  <a:effectLst/>
+                  <a:latin typeface="Consolas" panose="020B0609020204030204" pitchFamily="49" charset="0"/>
+                </a:defRPr>
+              </a:lvl1pPr>
+            </a:lstStyle>
+            <a:p>
+              <a:r>
+                <a:rPr lang="en-SG" sz="1100"/>
+                <a:t>from sklearn.linear_model import LinearRegression</a:t>
+              </a:r>
+            </a:p>
+            <a:p>
+              <a:endParaRPr lang="en-SG" sz="1100"/>
+            </a:p>
+            <a:p>
+              <a:endParaRPr lang="en-SG" sz="1100"/>
+            </a:p>
+            <a:p>
+              <a:r>
+                <a:rPr lang="en-SG" sz="1100"/>
+                <a:t>mod= </a:t>
+              </a:r>
+              <a:r>
+                <a:rPr lang="en-SG" sz="1100">
+                  <a:solidFill>
+                    <a:srgbClr val="FF0000"/>
+                  </a:solidFill>
+                </a:rPr>
+                <a:t>LinearRegression()</a:t>
+              </a:r>
+            </a:p>
+            <a:p>
+              <a:endParaRPr lang="en-SG" sz="1100"/>
+            </a:p>
+            <a:p>
+              <a:r>
+                <a:rPr lang="en-SG" sz="1100"/>
+                <a:t>mod.</a:t>
+              </a:r>
+              <a:r>
+                <a:rPr lang="en-SG" sz="1100">
+                  <a:solidFill>
+                    <a:srgbClr val="FF0000"/>
+                  </a:solidFill>
+                </a:rPr>
+                <a:t>fit(weekly_spend[['income', 'children']], weekly_spend['spend'])</a:t>
+              </a:r>
+            </a:p>
+            <a:p>
+              <a:endParaRPr lang="en-SG" sz="1100"/>
+            </a:p>
+            <a:p>
+              <a:r>
+                <a:rPr lang="en-SG" sz="1100"/>
+                <a:t>print(mod.coef_[1].round(2))</a:t>
+              </a:r>
+            </a:p>
+            <a:p>
+              <a:endParaRPr lang="en-SG" sz="1100"/>
+            </a:p>
+          </p:txBody>
+        </p:sp>
+      </p:grpSp>
+      <p:sp>
+        <p:nvSpPr>
+          <p:cNvPr id="5" name="TextBox 4">
+            <a:extLst>
+              <a:ext uri="{FF2B5EF4-FFF2-40B4-BE49-F238E27FC236}">
+                <a16:creationId xmlns:a16="http://schemas.microsoft.com/office/drawing/2014/main" id="{79174D71-2BDC-A212-8ED7-4AC1BEEA4E5F}"/>
+              </a:ext>
+            </a:extLst>
+          </p:cNvPr>
+          <p:cNvSpPr txBox="1"/>
+          <p:nvPr/>
+        </p:nvSpPr>
+        <p:spPr>
+          <a:xfrm>
+            <a:off x="9383486" y="82715"/>
+            <a:ext cx="2722563" cy="369332"/>
+          </a:xfrm>
+          <a:prstGeom prst="rect">
+            <a:avLst/>
+          </a:prstGeom>
+          <a:solidFill>
+            <a:schemeClr val="accent2"/>
+          </a:solidFill>
+        </p:spPr>
+        <p:txBody>
+          <a:bodyPr wrap="square" rtlCol="0">
+            <a:spAutoFit/>
+          </a:bodyPr>
+          <a:lstStyle/>
+          <a:p>
+            <a:pPr algn="ctr"/>
+            <a:r>
+              <a:rPr lang="en-GB"/>
+              <a:t>HARD</a:t>
+            </a:r>
+            <a:endParaRPr lang="en-SG"/>
+          </a:p>
+        </p:txBody>
+      </p:sp>
+    </p:spTree>
+    <p:extLst>
+      <p:ext uri="{BB962C8B-B14F-4D97-AF65-F5344CB8AC3E}">
+        <p14:creationId xmlns:p14="http://schemas.microsoft.com/office/powerpoint/2010/main" val="281669032"/>
+      </p:ext>
+    </p:extLst>
+  </p:cSld>
+  <p:clrMapOvr>
+    <a:masterClrMapping/>
+  </p:clrMapOvr>
+</p:sld>
+</file>
+
+<file path=ppt/slides/slide52.xml><?xml version="1.0" encoding="utf-8"?>
+<p:sld xmlns:a="http://schemas.openxmlformats.org/drawingml/2006/main" xmlns:r="http://schemas.openxmlformats.org/officeDocument/2006/relationships" xmlns:p="http://schemas.openxmlformats.org/presentationml/2006/main">
+  <p:cSld>
+    <p:spTree>
+      <p:nvGrpSpPr>
+        <p:cNvPr id="1" name=""/>
+        <p:cNvGrpSpPr/>
+        <p:nvPr/>
+      </p:nvGrpSpPr>
+      <p:grpSpPr>
+        <a:xfrm>
+          <a:off x="0" y="0"/>
+          <a:ext cx="0" cy="0"/>
+          <a:chOff x="0" y="0"/>
+          <a:chExt cx="0" cy="0"/>
+        </a:xfrm>
+      </p:grpSpPr>
     </p:spTree>
     <p:extLst>
       <p:ext uri="{BB962C8B-B14F-4D97-AF65-F5344CB8AC3E}">
         <p14:creationId xmlns:p14="http://schemas.microsoft.com/office/powerpoint/2010/main" val="2872118571"/>
+      </p:ext>
+    </p:extLst>
+  </p:cSld>
+  <p:clrMapOvr>
+    <a:masterClrMapping/>
+  </p:clrMapOvr>
+</p:sld>
+</file>
+
+<file path=ppt/slides/slide53.xml><?xml version="1.0" encoding="utf-8"?>
+<p:sld xmlns:a="http://schemas.openxmlformats.org/drawingml/2006/main" xmlns:r="http://schemas.openxmlformats.org/officeDocument/2006/relationships" xmlns:p="http://schemas.openxmlformats.org/presentationml/2006/main">
+  <p:cSld>
+    <p:spTree>
+      <p:nvGrpSpPr>
+        <p:cNvPr id="1" name=""/>
+        <p:cNvGrpSpPr/>
+        <p:nvPr/>
+      </p:nvGrpSpPr>
+      <p:grpSpPr>
+        <a:xfrm>
+          <a:off x="0" y="0"/>
+          <a:ext cx="0" cy="0"/>
+          <a:chOff x="0" y="0"/>
+          <a:chExt cx="0" cy="0"/>
+        </a:xfrm>
+      </p:grpSpPr>
+    </p:spTree>
+    <p:extLst>
+      <p:ext uri="{BB962C8B-B14F-4D97-AF65-F5344CB8AC3E}">
+        <p14:creationId xmlns:p14="http://schemas.microsoft.com/office/powerpoint/2010/main" val="861986796"/>
+      </p:ext>
+    </p:extLst>
+  </p:cSld>
+  <p:clrMapOvr>
+    <a:masterClrMapping/>
+  </p:clrMapOvr>
+</p:sld>
+</file>
+
+<file path=ppt/slides/slide54.xml><?xml version="1.0" encoding="utf-8"?>
+<p:sld xmlns:a="http://schemas.openxmlformats.org/drawingml/2006/main" xmlns:r="http://schemas.openxmlformats.org/officeDocument/2006/relationships" xmlns:p="http://schemas.openxmlformats.org/presentationml/2006/main">
+  <p:cSld>
+    <p:spTree>
+      <p:nvGrpSpPr>
+        <p:cNvPr id="1" name=""/>
+        <p:cNvGrpSpPr/>
+        <p:nvPr/>
+      </p:nvGrpSpPr>
+      <p:grpSpPr>
+        <a:xfrm>
+          <a:off x="0" y="0"/>
+          <a:ext cx="0" cy="0"/>
+          <a:chOff x="0" y="0"/>
+          <a:chExt cx="0" cy="0"/>
+        </a:xfrm>
+      </p:grpSpPr>
+    </p:spTree>
+    <p:extLst>
+      <p:ext uri="{BB962C8B-B14F-4D97-AF65-F5344CB8AC3E}">
+        <p14:creationId xmlns:p14="http://schemas.microsoft.com/office/powerpoint/2010/main" val="4014309890"/>
       </p:ext>
     </p:extLst>
   </p:cSld>
@@ -15705,7 +16728,7 @@
           </p:nvSpPr>
           <p:spPr>
             <a:xfrm>
-              <a:off x="3010879" y="2212486"/>
+              <a:off x="2893188" y="2212486"/>
               <a:ext cx="5284037" cy="1954381"/>
             </a:xfrm>
             <a:prstGeom prst="rect">
@@ -15844,9 +16867,9 @@
         <p:grpSpPr>
           <a:xfrm>
             <a:off x="3012508" y="1172715"/>
-            <a:ext cx="6166984" cy="4512570"/>
+            <a:ext cx="5869442" cy="4512570"/>
             <a:chOff x="2490788" y="657225"/>
-            <a:chExt cx="6166984" cy="4512570"/>
+            <a:chExt cx="5869442" cy="4512570"/>
           </a:xfrm>
         </p:grpSpPr>
         <p:pic>
@@ -15893,7 +16916,7 @@
           </p:nvSpPr>
           <p:spPr>
             <a:xfrm>
-              <a:off x="2847975" y="2027699"/>
+              <a:off x="2531102" y="2027699"/>
               <a:ext cx="5809797" cy="1446550"/>
             </a:xfrm>
             <a:prstGeom prst="rect">
